--- a/Bootcamp/typescript/typescript-uvod.pptx
+++ b/Bootcamp/typescript/typescript-uvod.pptx
@@ -5,7 +5,7 @@
     <p:sldMasterId id="2147483648" r:id="rId4"/>
   </p:sldMasterIdLst>
   <p:notesMasterIdLst>
-    <p:notesMasterId r:id="rId21"/>
+    <p:notesMasterId r:id="rId34"/>
   </p:notesMasterIdLst>
   <p:sldIdLst>
     <p:sldId id="282" r:id="rId5"/>
@@ -23,7 +23,20 @@
     <p:sldId id="392" r:id="rId17"/>
     <p:sldId id="393" r:id="rId18"/>
     <p:sldId id="394" r:id="rId19"/>
-    <p:sldId id="378" r:id="rId20"/>
+    <p:sldId id="395" r:id="rId20"/>
+    <p:sldId id="396" r:id="rId21"/>
+    <p:sldId id="397" r:id="rId22"/>
+    <p:sldId id="398" r:id="rId23"/>
+    <p:sldId id="399" r:id="rId24"/>
+    <p:sldId id="400" r:id="rId25"/>
+    <p:sldId id="401" r:id="rId26"/>
+    <p:sldId id="404" r:id="rId27"/>
+    <p:sldId id="403" r:id="rId28"/>
+    <p:sldId id="405" r:id="rId29"/>
+    <p:sldId id="406" r:id="rId30"/>
+    <p:sldId id="407" r:id="rId31"/>
+    <p:sldId id="408" r:id="rId32"/>
+    <p:sldId id="378" r:id="rId33"/>
   </p:sldIdLst>
   <p:sldSz cx="12192000" cy="6858000"/>
   <p:notesSz cx="6858000" cy="9144000"/>
@@ -146,6 +159,19 @@
             <p14:sldId id="392"/>
             <p14:sldId id="393"/>
             <p14:sldId id="394"/>
+            <p14:sldId id="395"/>
+            <p14:sldId id="396"/>
+            <p14:sldId id="397"/>
+            <p14:sldId id="398"/>
+            <p14:sldId id="399"/>
+            <p14:sldId id="400"/>
+            <p14:sldId id="401"/>
+            <p14:sldId id="404"/>
+            <p14:sldId id="403"/>
+            <p14:sldId id="405"/>
+            <p14:sldId id="406"/>
+            <p14:sldId id="407"/>
+            <p14:sldId id="408"/>
             <p14:sldId id="378"/>
           </p14:sldIdLst>
         </p14:section>
@@ -251,7 +277,7 @@
           <a:p>
             <a:fld id="{B2A70591-2E3C-5F42-A4E1-C0F5A0F4E5DB}" type="datetimeFigureOut">
               <a:rPr lang="en-US" smtClean="0"/>
-              <a:t>3/25/2025</a:t>
+              <a:t>3/26/2025</a:t>
             </a:fld>
             <a:endParaRPr lang="en-US"/>
           </a:p>
@@ -1175,7 +1201,7 @@
         <p:cNvPr id="1" name="">
           <a:extLst>
             <a:ext uri="{FF2B5EF4-FFF2-40B4-BE49-F238E27FC236}">
-              <a16:creationId xmlns:a16="http://schemas.microsoft.com/office/drawing/2014/main" id="{4F32F5CD-A2DA-DD60-9A45-CC97E0363F9A}"/>
+              <a16:creationId xmlns:a16="http://schemas.microsoft.com/office/drawing/2014/main" id="{501C1F30-8BA2-05BD-6570-A9AA1E60664A}"/>
             </a:ext>
           </a:extLst>
         </p:cNvPr>
@@ -1195,7 +1221,7 @@
           <p:cNvPr id="2" name="Slide Image Placeholder 1">
             <a:extLst>
               <a:ext uri="{FF2B5EF4-FFF2-40B4-BE49-F238E27FC236}">
-                <a16:creationId xmlns:a16="http://schemas.microsoft.com/office/drawing/2014/main" id="{F74C1F54-F75E-E6EF-02BB-6B7640CF52AF}"/>
+                <a16:creationId xmlns:a16="http://schemas.microsoft.com/office/drawing/2014/main" id="{E4B3F681-B85A-59EC-CF96-6ECF29059140}"/>
               </a:ext>
             </a:extLst>
           </p:cNvPr>
@@ -1213,7 +1239,7 @@
           <p:cNvPr id="3" name="Notes Placeholder 2">
             <a:extLst>
               <a:ext uri="{FF2B5EF4-FFF2-40B4-BE49-F238E27FC236}">
-                <a16:creationId xmlns:a16="http://schemas.microsoft.com/office/drawing/2014/main" id="{74EDBDA2-31AB-B8AC-5E4B-BFEBC5570DD6}"/>
+                <a16:creationId xmlns:a16="http://schemas.microsoft.com/office/drawing/2014/main" id="{DC064B64-9DEC-9EC7-54AF-6D50DE2D306F}"/>
               </a:ext>
             </a:extLst>
           </p:cNvPr>
@@ -1238,7 +1264,7 @@
           <p:cNvPr id="4" name="Slide Number Placeholder 3">
             <a:extLst>
               <a:ext uri="{FF2B5EF4-FFF2-40B4-BE49-F238E27FC236}">
-                <a16:creationId xmlns:a16="http://schemas.microsoft.com/office/drawing/2014/main" id="{122A1C05-6BC9-2947-A3F1-2736F5A627D8}"/>
+                <a16:creationId xmlns:a16="http://schemas.microsoft.com/office/drawing/2014/main" id="{7009F642-0B39-CFA3-8110-F4AC2FC2B7DC}"/>
               </a:ext>
             </a:extLst>
           </p:cNvPr>
@@ -1265,7 +1291,439 @@
     </p:spTree>
     <p:extLst>
       <p:ext uri="{BB962C8B-B14F-4D97-AF65-F5344CB8AC3E}">
-        <p14:creationId xmlns:p14="http://schemas.microsoft.com/office/powerpoint/2010/main" val="978507786"/>
+        <p14:creationId xmlns:p14="http://schemas.microsoft.com/office/powerpoint/2010/main" val="2526097395"/>
+      </p:ext>
+    </p:extLst>
+  </p:cSld>
+  <p:clrMapOvr>
+    <a:masterClrMapping/>
+  </p:clrMapOvr>
+</p:notes>
+</file>
+
+<file path=ppt/notesSlides/notesSlide16.xml><?xml version="1.0" encoding="utf-8"?>
+<p:notes xmlns:a="http://schemas.openxmlformats.org/drawingml/2006/main" xmlns:r="http://schemas.openxmlformats.org/officeDocument/2006/relationships" xmlns:p="http://schemas.openxmlformats.org/presentationml/2006/main">
+  <p:cSld>
+    <p:spTree>
+      <p:nvGrpSpPr>
+        <p:cNvPr id="1" name="">
+          <a:extLst>
+            <a:ext uri="{FF2B5EF4-FFF2-40B4-BE49-F238E27FC236}">
+              <a16:creationId xmlns:a16="http://schemas.microsoft.com/office/drawing/2014/main" id="{F71BAC55-AD9D-EE1A-DFE0-E999094FB704}"/>
+            </a:ext>
+          </a:extLst>
+        </p:cNvPr>
+        <p:cNvGrpSpPr/>
+        <p:nvPr/>
+      </p:nvGrpSpPr>
+      <p:grpSpPr>
+        <a:xfrm>
+          <a:off x="0" y="0"/>
+          <a:ext cx="0" cy="0"/>
+          <a:chOff x="0" y="0"/>
+          <a:chExt cx="0" cy="0"/>
+        </a:xfrm>
+      </p:grpSpPr>
+      <p:sp>
+        <p:nvSpPr>
+          <p:cNvPr id="2" name="Slide Image Placeholder 1">
+            <a:extLst>
+              <a:ext uri="{FF2B5EF4-FFF2-40B4-BE49-F238E27FC236}">
+                <a16:creationId xmlns:a16="http://schemas.microsoft.com/office/drawing/2014/main" id="{0DFFF9C8-AEB2-D233-69D4-CD4F3B1C34D7}"/>
+              </a:ext>
+            </a:extLst>
+          </p:cNvPr>
+          <p:cNvSpPr>
+            <a:spLocks noGrp="1" noRot="1" noChangeAspect="1"/>
+          </p:cNvSpPr>
+          <p:nvPr>
+            <p:ph type="sldImg"/>
+          </p:nvPr>
+        </p:nvSpPr>
+        <p:spPr/>
+      </p:sp>
+      <p:sp>
+        <p:nvSpPr>
+          <p:cNvPr id="3" name="Notes Placeholder 2">
+            <a:extLst>
+              <a:ext uri="{FF2B5EF4-FFF2-40B4-BE49-F238E27FC236}">
+                <a16:creationId xmlns:a16="http://schemas.microsoft.com/office/drawing/2014/main" id="{ECBA0CC1-3609-193A-D36B-8EFAD099AA60}"/>
+              </a:ext>
+            </a:extLst>
+          </p:cNvPr>
+          <p:cNvSpPr>
+            <a:spLocks noGrp="1"/>
+          </p:cNvSpPr>
+          <p:nvPr>
+            <p:ph type="body" idx="1"/>
+          </p:nvPr>
+        </p:nvSpPr>
+        <p:spPr/>
+        <p:txBody>
+          <a:bodyPr/>
+          <a:lstStyle/>
+          <a:p>
+            <a:endParaRPr lang="hr-HR" dirty="0"/>
+          </a:p>
+        </p:txBody>
+      </p:sp>
+      <p:sp>
+        <p:nvSpPr>
+          <p:cNvPr id="4" name="Slide Number Placeholder 3">
+            <a:extLst>
+              <a:ext uri="{FF2B5EF4-FFF2-40B4-BE49-F238E27FC236}">
+                <a16:creationId xmlns:a16="http://schemas.microsoft.com/office/drawing/2014/main" id="{D7CECCB6-FF31-DC1A-3E2E-53F25379FD40}"/>
+              </a:ext>
+            </a:extLst>
+          </p:cNvPr>
+          <p:cNvSpPr>
+            <a:spLocks noGrp="1"/>
+          </p:cNvSpPr>
+          <p:nvPr>
+            <p:ph type="sldNum" sz="quarter" idx="5"/>
+          </p:nvPr>
+        </p:nvSpPr>
+        <p:spPr/>
+        <p:txBody>
+          <a:bodyPr/>
+          <a:lstStyle/>
+          <a:p>
+            <a:fld id="{343B951A-A665-1949-AEDB-B62DC9BE7F13}" type="slidenum">
+              <a:rPr lang="en-US" smtClean="0"/>
+              <a:t>17</a:t>
+            </a:fld>
+            <a:endParaRPr lang="en-US"/>
+          </a:p>
+        </p:txBody>
+      </p:sp>
+    </p:spTree>
+    <p:extLst>
+      <p:ext uri="{BB962C8B-B14F-4D97-AF65-F5344CB8AC3E}">
+        <p14:creationId xmlns:p14="http://schemas.microsoft.com/office/powerpoint/2010/main" val="2764952446"/>
+      </p:ext>
+    </p:extLst>
+  </p:cSld>
+  <p:clrMapOvr>
+    <a:masterClrMapping/>
+  </p:clrMapOvr>
+</p:notes>
+</file>
+
+<file path=ppt/notesSlides/notesSlide17.xml><?xml version="1.0" encoding="utf-8"?>
+<p:notes xmlns:a="http://schemas.openxmlformats.org/drawingml/2006/main" xmlns:r="http://schemas.openxmlformats.org/officeDocument/2006/relationships" xmlns:p="http://schemas.openxmlformats.org/presentationml/2006/main">
+  <p:cSld>
+    <p:spTree>
+      <p:nvGrpSpPr>
+        <p:cNvPr id="1" name="">
+          <a:extLst>
+            <a:ext uri="{FF2B5EF4-FFF2-40B4-BE49-F238E27FC236}">
+              <a16:creationId xmlns:a16="http://schemas.microsoft.com/office/drawing/2014/main" id="{F97DC97D-2BF5-364E-87AB-05D7DC537E3E}"/>
+            </a:ext>
+          </a:extLst>
+        </p:cNvPr>
+        <p:cNvGrpSpPr/>
+        <p:nvPr/>
+      </p:nvGrpSpPr>
+      <p:grpSpPr>
+        <a:xfrm>
+          <a:off x="0" y="0"/>
+          <a:ext cx="0" cy="0"/>
+          <a:chOff x="0" y="0"/>
+          <a:chExt cx="0" cy="0"/>
+        </a:xfrm>
+      </p:grpSpPr>
+      <p:sp>
+        <p:nvSpPr>
+          <p:cNvPr id="2" name="Slide Image Placeholder 1">
+            <a:extLst>
+              <a:ext uri="{FF2B5EF4-FFF2-40B4-BE49-F238E27FC236}">
+                <a16:creationId xmlns:a16="http://schemas.microsoft.com/office/drawing/2014/main" id="{2580D0AA-E8EC-189F-23B7-2E19EDC31B4E}"/>
+              </a:ext>
+            </a:extLst>
+          </p:cNvPr>
+          <p:cNvSpPr>
+            <a:spLocks noGrp="1" noRot="1" noChangeAspect="1"/>
+          </p:cNvSpPr>
+          <p:nvPr>
+            <p:ph type="sldImg"/>
+          </p:nvPr>
+        </p:nvSpPr>
+        <p:spPr/>
+      </p:sp>
+      <p:sp>
+        <p:nvSpPr>
+          <p:cNvPr id="3" name="Notes Placeholder 2">
+            <a:extLst>
+              <a:ext uri="{FF2B5EF4-FFF2-40B4-BE49-F238E27FC236}">
+                <a16:creationId xmlns:a16="http://schemas.microsoft.com/office/drawing/2014/main" id="{AF4F5D0B-DD28-6EEF-C04B-372562BA6C6C}"/>
+              </a:ext>
+            </a:extLst>
+          </p:cNvPr>
+          <p:cNvSpPr>
+            <a:spLocks noGrp="1"/>
+          </p:cNvSpPr>
+          <p:nvPr>
+            <p:ph type="body" idx="1"/>
+          </p:nvPr>
+        </p:nvSpPr>
+        <p:spPr/>
+        <p:txBody>
+          <a:bodyPr/>
+          <a:lstStyle/>
+          <a:p>
+            <a:endParaRPr lang="hr-HR" dirty="0"/>
+          </a:p>
+        </p:txBody>
+      </p:sp>
+      <p:sp>
+        <p:nvSpPr>
+          <p:cNvPr id="4" name="Slide Number Placeholder 3">
+            <a:extLst>
+              <a:ext uri="{FF2B5EF4-FFF2-40B4-BE49-F238E27FC236}">
+                <a16:creationId xmlns:a16="http://schemas.microsoft.com/office/drawing/2014/main" id="{0315D9D8-4795-CEB4-5E6C-B3459CD32B44}"/>
+              </a:ext>
+            </a:extLst>
+          </p:cNvPr>
+          <p:cNvSpPr>
+            <a:spLocks noGrp="1"/>
+          </p:cNvSpPr>
+          <p:nvPr>
+            <p:ph type="sldNum" sz="quarter" idx="5"/>
+          </p:nvPr>
+        </p:nvSpPr>
+        <p:spPr/>
+        <p:txBody>
+          <a:bodyPr/>
+          <a:lstStyle/>
+          <a:p>
+            <a:fld id="{343B951A-A665-1949-AEDB-B62DC9BE7F13}" type="slidenum">
+              <a:rPr lang="en-US" smtClean="0"/>
+              <a:t>18</a:t>
+            </a:fld>
+            <a:endParaRPr lang="en-US"/>
+          </a:p>
+        </p:txBody>
+      </p:sp>
+    </p:spTree>
+    <p:extLst>
+      <p:ext uri="{BB962C8B-B14F-4D97-AF65-F5344CB8AC3E}">
+        <p14:creationId xmlns:p14="http://schemas.microsoft.com/office/powerpoint/2010/main" val="934557892"/>
+      </p:ext>
+    </p:extLst>
+  </p:cSld>
+  <p:clrMapOvr>
+    <a:masterClrMapping/>
+  </p:clrMapOvr>
+</p:notes>
+</file>
+
+<file path=ppt/notesSlides/notesSlide18.xml><?xml version="1.0" encoding="utf-8"?>
+<p:notes xmlns:a="http://schemas.openxmlformats.org/drawingml/2006/main" xmlns:r="http://schemas.openxmlformats.org/officeDocument/2006/relationships" xmlns:p="http://schemas.openxmlformats.org/presentationml/2006/main">
+  <p:cSld>
+    <p:spTree>
+      <p:nvGrpSpPr>
+        <p:cNvPr id="1" name="">
+          <a:extLst>
+            <a:ext uri="{FF2B5EF4-FFF2-40B4-BE49-F238E27FC236}">
+              <a16:creationId xmlns:a16="http://schemas.microsoft.com/office/drawing/2014/main" id="{0E2FCA75-5963-373E-6945-A8916EBA6356}"/>
+            </a:ext>
+          </a:extLst>
+        </p:cNvPr>
+        <p:cNvGrpSpPr/>
+        <p:nvPr/>
+      </p:nvGrpSpPr>
+      <p:grpSpPr>
+        <a:xfrm>
+          <a:off x="0" y="0"/>
+          <a:ext cx="0" cy="0"/>
+          <a:chOff x="0" y="0"/>
+          <a:chExt cx="0" cy="0"/>
+        </a:xfrm>
+      </p:grpSpPr>
+      <p:sp>
+        <p:nvSpPr>
+          <p:cNvPr id="2" name="Slide Image Placeholder 1">
+            <a:extLst>
+              <a:ext uri="{FF2B5EF4-FFF2-40B4-BE49-F238E27FC236}">
+                <a16:creationId xmlns:a16="http://schemas.microsoft.com/office/drawing/2014/main" id="{F809272F-E385-2B59-7665-AE4B222927BC}"/>
+              </a:ext>
+            </a:extLst>
+          </p:cNvPr>
+          <p:cNvSpPr>
+            <a:spLocks noGrp="1" noRot="1" noChangeAspect="1"/>
+          </p:cNvSpPr>
+          <p:nvPr>
+            <p:ph type="sldImg"/>
+          </p:nvPr>
+        </p:nvSpPr>
+        <p:spPr/>
+      </p:sp>
+      <p:sp>
+        <p:nvSpPr>
+          <p:cNvPr id="3" name="Notes Placeholder 2">
+            <a:extLst>
+              <a:ext uri="{FF2B5EF4-FFF2-40B4-BE49-F238E27FC236}">
+                <a16:creationId xmlns:a16="http://schemas.microsoft.com/office/drawing/2014/main" id="{364F0AAE-7761-3DE7-B3E2-23D2717BE5A9}"/>
+              </a:ext>
+            </a:extLst>
+          </p:cNvPr>
+          <p:cNvSpPr>
+            <a:spLocks noGrp="1"/>
+          </p:cNvSpPr>
+          <p:nvPr>
+            <p:ph type="body" idx="1"/>
+          </p:nvPr>
+        </p:nvSpPr>
+        <p:spPr/>
+        <p:txBody>
+          <a:bodyPr/>
+          <a:lstStyle/>
+          <a:p>
+            <a:endParaRPr lang="hr-HR" dirty="0"/>
+          </a:p>
+        </p:txBody>
+      </p:sp>
+      <p:sp>
+        <p:nvSpPr>
+          <p:cNvPr id="4" name="Slide Number Placeholder 3">
+            <a:extLst>
+              <a:ext uri="{FF2B5EF4-FFF2-40B4-BE49-F238E27FC236}">
+                <a16:creationId xmlns:a16="http://schemas.microsoft.com/office/drawing/2014/main" id="{841202B5-52EA-D2C0-9B72-B8DAAE26E508}"/>
+              </a:ext>
+            </a:extLst>
+          </p:cNvPr>
+          <p:cNvSpPr>
+            <a:spLocks noGrp="1"/>
+          </p:cNvSpPr>
+          <p:nvPr>
+            <p:ph type="sldNum" sz="quarter" idx="5"/>
+          </p:nvPr>
+        </p:nvSpPr>
+        <p:spPr/>
+        <p:txBody>
+          <a:bodyPr/>
+          <a:lstStyle/>
+          <a:p>
+            <a:fld id="{343B951A-A665-1949-AEDB-B62DC9BE7F13}" type="slidenum">
+              <a:rPr lang="en-US" smtClean="0"/>
+              <a:t>19</a:t>
+            </a:fld>
+            <a:endParaRPr lang="en-US"/>
+          </a:p>
+        </p:txBody>
+      </p:sp>
+    </p:spTree>
+    <p:extLst>
+      <p:ext uri="{BB962C8B-B14F-4D97-AF65-F5344CB8AC3E}">
+        <p14:creationId xmlns:p14="http://schemas.microsoft.com/office/powerpoint/2010/main" val="3586062956"/>
+      </p:ext>
+    </p:extLst>
+  </p:cSld>
+  <p:clrMapOvr>
+    <a:masterClrMapping/>
+  </p:clrMapOvr>
+</p:notes>
+</file>
+
+<file path=ppt/notesSlides/notesSlide19.xml><?xml version="1.0" encoding="utf-8"?>
+<p:notes xmlns:a="http://schemas.openxmlformats.org/drawingml/2006/main" xmlns:r="http://schemas.openxmlformats.org/officeDocument/2006/relationships" xmlns:p="http://schemas.openxmlformats.org/presentationml/2006/main">
+  <p:cSld>
+    <p:spTree>
+      <p:nvGrpSpPr>
+        <p:cNvPr id="1" name="">
+          <a:extLst>
+            <a:ext uri="{FF2B5EF4-FFF2-40B4-BE49-F238E27FC236}">
+              <a16:creationId xmlns:a16="http://schemas.microsoft.com/office/drawing/2014/main" id="{A67334FD-89C1-A217-5C93-D1487076C585}"/>
+            </a:ext>
+          </a:extLst>
+        </p:cNvPr>
+        <p:cNvGrpSpPr/>
+        <p:nvPr/>
+      </p:nvGrpSpPr>
+      <p:grpSpPr>
+        <a:xfrm>
+          <a:off x="0" y="0"/>
+          <a:ext cx="0" cy="0"/>
+          <a:chOff x="0" y="0"/>
+          <a:chExt cx="0" cy="0"/>
+        </a:xfrm>
+      </p:grpSpPr>
+      <p:sp>
+        <p:nvSpPr>
+          <p:cNvPr id="2" name="Slide Image Placeholder 1">
+            <a:extLst>
+              <a:ext uri="{FF2B5EF4-FFF2-40B4-BE49-F238E27FC236}">
+                <a16:creationId xmlns:a16="http://schemas.microsoft.com/office/drawing/2014/main" id="{188DCE43-D88C-446D-01B5-C0D61CB3B634}"/>
+              </a:ext>
+            </a:extLst>
+          </p:cNvPr>
+          <p:cNvSpPr>
+            <a:spLocks noGrp="1" noRot="1" noChangeAspect="1"/>
+          </p:cNvSpPr>
+          <p:nvPr>
+            <p:ph type="sldImg"/>
+          </p:nvPr>
+        </p:nvSpPr>
+        <p:spPr/>
+      </p:sp>
+      <p:sp>
+        <p:nvSpPr>
+          <p:cNvPr id="3" name="Notes Placeholder 2">
+            <a:extLst>
+              <a:ext uri="{FF2B5EF4-FFF2-40B4-BE49-F238E27FC236}">
+                <a16:creationId xmlns:a16="http://schemas.microsoft.com/office/drawing/2014/main" id="{84ECB67B-F7E4-E3F5-E854-50D4B6D307BD}"/>
+              </a:ext>
+            </a:extLst>
+          </p:cNvPr>
+          <p:cNvSpPr>
+            <a:spLocks noGrp="1"/>
+          </p:cNvSpPr>
+          <p:nvPr>
+            <p:ph type="body" idx="1"/>
+          </p:nvPr>
+        </p:nvSpPr>
+        <p:spPr/>
+        <p:txBody>
+          <a:bodyPr/>
+          <a:lstStyle/>
+          <a:p>
+            <a:endParaRPr lang="hr-HR" dirty="0"/>
+          </a:p>
+        </p:txBody>
+      </p:sp>
+      <p:sp>
+        <p:nvSpPr>
+          <p:cNvPr id="4" name="Slide Number Placeholder 3">
+            <a:extLst>
+              <a:ext uri="{FF2B5EF4-FFF2-40B4-BE49-F238E27FC236}">
+                <a16:creationId xmlns:a16="http://schemas.microsoft.com/office/drawing/2014/main" id="{D8AA386A-A964-E2AF-68F2-E25308A674A3}"/>
+              </a:ext>
+            </a:extLst>
+          </p:cNvPr>
+          <p:cNvSpPr>
+            <a:spLocks noGrp="1"/>
+          </p:cNvSpPr>
+          <p:nvPr>
+            <p:ph type="sldNum" sz="quarter" idx="5"/>
+          </p:nvPr>
+        </p:nvSpPr>
+        <p:spPr/>
+        <p:txBody>
+          <a:bodyPr/>
+          <a:lstStyle/>
+          <a:p>
+            <a:fld id="{343B951A-A665-1949-AEDB-B62DC9BE7F13}" type="slidenum">
+              <a:rPr lang="en-US" smtClean="0"/>
+              <a:t>20</a:t>
+            </a:fld>
+            <a:endParaRPr lang="en-US"/>
+          </a:p>
+        </p:txBody>
+      </p:sp>
+    </p:spTree>
+    <p:extLst>
+      <p:ext uri="{BB962C8B-B14F-4D97-AF65-F5344CB8AC3E}">
+        <p14:creationId xmlns:p14="http://schemas.microsoft.com/office/powerpoint/2010/main" val="838679879"/>
       </p:ext>
     </p:extLst>
   </p:cSld>
@@ -1374,6 +1832,981 @@
     <p:extLst>
       <p:ext uri="{BB962C8B-B14F-4D97-AF65-F5344CB8AC3E}">
         <p14:creationId xmlns:p14="http://schemas.microsoft.com/office/powerpoint/2010/main" val="2323147686"/>
+      </p:ext>
+    </p:extLst>
+  </p:cSld>
+  <p:clrMapOvr>
+    <a:masterClrMapping/>
+  </p:clrMapOvr>
+</p:notes>
+</file>
+
+<file path=ppt/notesSlides/notesSlide20.xml><?xml version="1.0" encoding="utf-8"?>
+<p:notes xmlns:a="http://schemas.openxmlformats.org/drawingml/2006/main" xmlns:r="http://schemas.openxmlformats.org/officeDocument/2006/relationships" xmlns:p="http://schemas.openxmlformats.org/presentationml/2006/main">
+  <p:cSld>
+    <p:spTree>
+      <p:nvGrpSpPr>
+        <p:cNvPr id="1" name="">
+          <a:extLst>
+            <a:ext uri="{FF2B5EF4-FFF2-40B4-BE49-F238E27FC236}">
+              <a16:creationId xmlns:a16="http://schemas.microsoft.com/office/drawing/2014/main" id="{B884B46F-B801-EAFF-67A6-DEEC9ADBD47D}"/>
+            </a:ext>
+          </a:extLst>
+        </p:cNvPr>
+        <p:cNvGrpSpPr/>
+        <p:nvPr/>
+      </p:nvGrpSpPr>
+      <p:grpSpPr>
+        <a:xfrm>
+          <a:off x="0" y="0"/>
+          <a:ext cx="0" cy="0"/>
+          <a:chOff x="0" y="0"/>
+          <a:chExt cx="0" cy="0"/>
+        </a:xfrm>
+      </p:grpSpPr>
+      <p:sp>
+        <p:nvSpPr>
+          <p:cNvPr id="2" name="Slide Image Placeholder 1">
+            <a:extLst>
+              <a:ext uri="{FF2B5EF4-FFF2-40B4-BE49-F238E27FC236}">
+                <a16:creationId xmlns:a16="http://schemas.microsoft.com/office/drawing/2014/main" id="{B8763827-8C65-3DCB-B500-E46C2243FCA5}"/>
+              </a:ext>
+            </a:extLst>
+          </p:cNvPr>
+          <p:cNvSpPr>
+            <a:spLocks noGrp="1" noRot="1" noChangeAspect="1"/>
+          </p:cNvSpPr>
+          <p:nvPr>
+            <p:ph type="sldImg"/>
+          </p:nvPr>
+        </p:nvSpPr>
+        <p:spPr/>
+      </p:sp>
+      <p:sp>
+        <p:nvSpPr>
+          <p:cNvPr id="3" name="Notes Placeholder 2">
+            <a:extLst>
+              <a:ext uri="{FF2B5EF4-FFF2-40B4-BE49-F238E27FC236}">
+                <a16:creationId xmlns:a16="http://schemas.microsoft.com/office/drawing/2014/main" id="{F726AE03-80E8-4CA4-A034-824EAB5B6732}"/>
+              </a:ext>
+            </a:extLst>
+          </p:cNvPr>
+          <p:cNvSpPr>
+            <a:spLocks noGrp="1"/>
+          </p:cNvSpPr>
+          <p:nvPr>
+            <p:ph type="body" idx="1"/>
+          </p:nvPr>
+        </p:nvSpPr>
+        <p:spPr/>
+        <p:txBody>
+          <a:bodyPr/>
+          <a:lstStyle/>
+          <a:p>
+            <a:endParaRPr lang="hr-HR" dirty="0"/>
+          </a:p>
+        </p:txBody>
+      </p:sp>
+      <p:sp>
+        <p:nvSpPr>
+          <p:cNvPr id="4" name="Slide Number Placeholder 3">
+            <a:extLst>
+              <a:ext uri="{FF2B5EF4-FFF2-40B4-BE49-F238E27FC236}">
+                <a16:creationId xmlns:a16="http://schemas.microsoft.com/office/drawing/2014/main" id="{9CC56664-BAAF-04D6-24A0-588F3F539EDF}"/>
+              </a:ext>
+            </a:extLst>
+          </p:cNvPr>
+          <p:cNvSpPr>
+            <a:spLocks noGrp="1"/>
+          </p:cNvSpPr>
+          <p:nvPr>
+            <p:ph type="sldNum" sz="quarter" idx="5"/>
+          </p:nvPr>
+        </p:nvSpPr>
+        <p:spPr/>
+        <p:txBody>
+          <a:bodyPr/>
+          <a:lstStyle/>
+          <a:p>
+            <a:fld id="{343B951A-A665-1949-AEDB-B62DC9BE7F13}" type="slidenum">
+              <a:rPr lang="en-US" smtClean="0"/>
+              <a:t>21</a:t>
+            </a:fld>
+            <a:endParaRPr lang="en-US"/>
+          </a:p>
+        </p:txBody>
+      </p:sp>
+    </p:spTree>
+    <p:extLst>
+      <p:ext uri="{BB962C8B-B14F-4D97-AF65-F5344CB8AC3E}">
+        <p14:creationId xmlns:p14="http://schemas.microsoft.com/office/powerpoint/2010/main" val="979633145"/>
+      </p:ext>
+    </p:extLst>
+  </p:cSld>
+  <p:clrMapOvr>
+    <a:masterClrMapping/>
+  </p:clrMapOvr>
+</p:notes>
+</file>
+
+<file path=ppt/notesSlides/notesSlide21.xml><?xml version="1.0" encoding="utf-8"?>
+<p:notes xmlns:a="http://schemas.openxmlformats.org/drawingml/2006/main" xmlns:r="http://schemas.openxmlformats.org/officeDocument/2006/relationships" xmlns:p="http://schemas.openxmlformats.org/presentationml/2006/main">
+  <p:cSld>
+    <p:spTree>
+      <p:nvGrpSpPr>
+        <p:cNvPr id="1" name="">
+          <a:extLst>
+            <a:ext uri="{FF2B5EF4-FFF2-40B4-BE49-F238E27FC236}">
+              <a16:creationId xmlns:a16="http://schemas.microsoft.com/office/drawing/2014/main" id="{4C38E2E1-F069-DF02-09C1-64EC33D4ED11}"/>
+            </a:ext>
+          </a:extLst>
+        </p:cNvPr>
+        <p:cNvGrpSpPr/>
+        <p:nvPr/>
+      </p:nvGrpSpPr>
+      <p:grpSpPr>
+        <a:xfrm>
+          <a:off x="0" y="0"/>
+          <a:ext cx="0" cy="0"/>
+          <a:chOff x="0" y="0"/>
+          <a:chExt cx="0" cy="0"/>
+        </a:xfrm>
+      </p:grpSpPr>
+      <p:sp>
+        <p:nvSpPr>
+          <p:cNvPr id="2" name="Slide Image Placeholder 1">
+            <a:extLst>
+              <a:ext uri="{FF2B5EF4-FFF2-40B4-BE49-F238E27FC236}">
+                <a16:creationId xmlns:a16="http://schemas.microsoft.com/office/drawing/2014/main" id="{33502044-A1C7-AF51-5942-8EE0D0516AA7}"/>
+              </a:ext>
+            </a:extLst>
+          </p:cNvPr>
+          <p:cNvSpPr>
+            <a:spLocks noGrp="1" noRot="1" noChangeAspect="1"/>
+          </p:cNvSpPr>
+          <p:nvPr>
+            <p:ph type="sldImg"/>
+          </p:nvPr>
+        </p:nvSpPr>
+        <p:spPr/>
+      </p:sp>
+      <p:sp>
+        <p:nvSpPr>
+          <p:cNvPr id="3" name="Notes Placeholder 2">
+            <a:extLst>
+              <a:ext uri="{FF2B5EF4-FFF2-40B4-BE49-F238E27FC236}">
+                <a16:creationId xmlns:a16="http://schemas.microsoft.com/office/drawing/2014/main" id="{7551031D-7D6A-DEFD-CE9F-DFC90D36BCDC}"/>
+              </a:ext>
+            </a:extLst>
+          </p:cNvPr>
+          <p:cNvSpPr>
+            <a:spLocks noGrp="1"/>
+          </p:cNvSpPr>
+          <p:nvPr>
+            <p:ph type="body" idx="1"/>
+          </p:nvPr>
+        </p:nvSpPr>
+        <p:spPr/>
+        <p:txBody>
+          <a:bodyPr/>
+          <a:lstStyle/>
+          <a:p>
+            <a:endParaRPr lang="hr-HR" dirty="0"/>
+          </a:p>
+        </p:txBody>
+      </p:sp>
+      <p:sp>
+        <p:nvSpPr>
+          <p:cNvPr id="4" name="Slide Number Placeholder 3">
+            <a:extLst>
+              <a:ext uri="{FF2B5EF4-FFF2-40B4-BE49-F238E27FC236}">
+                <a16:creationId xmlns:a16="http://schemas.microsoft.com/office/drawing/2014/main" id="{244C0E21-D188-0228-72AC-1D23CFF4E939}"/>
+              </a:ext>
+            </a:extLst>
+          </p:cNvPr>
+          <p:cNvSpPr>
+            <a:spLocks noGrp="1"/>
+          </p:cNvSpPr>
+          <p:nvPr>
+            <p:ph type="sldNum" sz="quarter" idx="5"/>
+          </p:nvPr>
+        </p:nvSpPr>
+        <p:spPr/>
+        <p:txBody>
+          <a:bodyPr/>
+          <a:lstStyle/>
+          <a:p>
+            <a:fld id="{343B951A-A665-1949-AEDB-B62DC9BE7F13}" type="slidenum">
+              <a:rPr lang="en-US" smtClean="0"/>
+              <a:t>22</a:t>
+            </a:fld>
+            <a:endParaRPr lang="en-US"/>
+          </a:p>
+        </p:txBody>
+      </p:sp>
+    </p:spTree>
+    <p:extLst>
+      <p:ext uri="{BB962C8B-B14F-4D97-AF65-F5344CB8AC3E}">
+        <p14:creationId xmlns:p14="http://schemas.microsoft.com/office/powerpoint/2010/main" val="2422281575"/>
+      </p:ext>
+    </p:extLst>
+  </p:cSld>
+  <p:clrMapOvr>
+    <a:masterClrMapping/>
+  </p:clrMapOvr>
+</p:notes>
+</file>
+
+<file path=ppt/notesSlides/notesSlide22.xml><?xml version="1.0" encoding="utf-8"?>
+<p:notes xmlns:a="http://schemas.openxmlformats.org/drawingml/2006/main" xmlns:r="http://schemas.openxmlformats.org/officeDocument/2006/relationships" xmlns:p="http://schemas.openxmlformats.org/presentationml/2006/main">
+  <p:cSld>
+    <p:spTree>
+      <p:nvGrpSpPr>
+        <p:cNvPr id="1" name="">
+          <a:extLst>
+            <a:ext uri="{FF2B5EF4-FFF2-40B4-BE49-F238E27FC236}">
+              <a16:creationId xmlns:a16="http://schemas.microsoft.com/office/drawing/2014/main" id="{D19D053D-3ADD-592D-2A4D-B2F79FCC2760}"/>
+            </a:ext>
+          </a:extLst>
+        </p:cNvPr>
+        <p:cNvGrpSpPr/>
+        <p:nvPr/>
+      </p:nvGrpSpPr>
+      <p:grpSpPr>
+        <a:xfrm>
+          <a:off x="0" y="0"/>
+          <a:ext cx="0" cy="0"/>
+          <a:chOff x="0" y="0"/>
+          <a:chExt cx="0" cy="0"/>
+        </a:xfrm>
+      </p:grpSpPr>
+      <p:sp>
+        <p:nvSpPr>
+          <p:cNvPr id="2" name="Slide Image Placeholder 1">
+            <a:extLst>
+              <a:ext uri="{FF2B5EF4-FFF2-40B4-BE49-F238E27FC236}">
+                <a16:creationId xmlns:a16="http://schemas.microsoft.com/office/drawing/2014/main" id="{97F38438-CAC0-4A08-3F1E-C22A365CE005}"/>
+              </a:ext>
+            </a:extLst>
+          </p:cNvPr>
+          <p:cNvSpPr>
+            <a:spLocks noGrp="1" noRot="1" noChangeAspect="1"/>
+          </p:cNvSpPr>
+          <p:nvPr>
+            <p:ph type="sldImg"/>
+          </p:nvPr>
+        </p:nvSpPr>
+        <p:spPr/>
+      </p:sp>
+      <p:sp>
+        <p:nvSpPr>
+          <p:cNvPr id="3" name="Notes Placeholder 2">
+            <a:extLst>
+              <a:ext uri="{FF2B5EF4-FFF2-40B4-BE49-F238E27FC236}">
+                <a16:creationId xmlns:a16="http://schemas.microsoft.com/office/drawing/2014/main" id="{F9ACD9FA-B885-EA62-7BA1-DE97B0D46267}"/>
+              </a:ext>
+            </a:extLst>
+          </p:cNvPr>
+          <p:cNvSpPr>
+            <a:spLocks noGrp="1"/>
+          </p:cNvSpPr>
+          <p:nvPr>
+            <p:ph type="body" idx="1"/>
+          </p:nvPr>
+        </p:nvSpPr>
+        <p:spPr/>
+        <p:txBody>
+          <a:bodyPr/>
+          <a:lstStyle/>
+          <a:p>
+            <a:endParaRPr lang="hr-HR" dirty="0"/>
+          </a:p>
+        </p:txBody>
+      </p:sp>
+      <p:sp>
+        <p:nvSpPr>
+          <p:cNvPr id="4" name="Slide Number Placeholder 3">
+            <a:extLst>
+              <a:ext uri="{FF2B5EF4-FFF2-40B4-BE49-F238E27FC236}">
+                <a16:creationId xmlns:a16="http://schemas.microsoft.com/office/drawing/2014/main" id="{3574F168-3AFC-8E7E-DB19-14F689824B25}"/>
+              </a:ext>
+            </a:extLst>
+          </p:cNvPr>
+          <p:cNvSpPr>
+            <a:spLocks noGrp="1"/>
+          </p:cNvSpPr>
+          <p:nvPr>
+            <p:ph type="sldNum" sz="quarter" idx="5"/>
+          </p:nvPr>
+        </p:nvSpPr>
+        <p:spPr/>
+        <p:txBody>
+          <a:bodyPr/>
+          <a:lstStyle/>
+          <a:p>
+            <a:fld id="{343B951A-A665-1949-AEDB-B62DC9BE7F13}" type="slidenum">
+              <a:rPr lang="en-US" smtClean="0"/>
+              <a:t>23</a:t>
+            </a:fld>
+            <a:endParaRPr lang="en-US"/>
+          </a:p>
+        </p:txBody>
+      </p:sp>
+    </p:spTree>
+    <p:extLst>
+      <p:ext uri="{BB962C8B-B14F-4D97-AF65-F5344CB8AC3E}">
+        <p14:creationId xmlns:p14="http://schemas.microsoft.com/office/powerpoint/2010/main" val="3042383838"/>
+      </p:ext>
+    </p:extLst>
+  </p:cSld>
+  <p:clrMapOvr>
+    <a:masterClrMapping/>
+  </p:clrMapOvr>
+</p:notes>
+</file>
+
+<file path=ppt/notesSlides/notesSlide23.xml><?xml version="1.0" encoding="utf-8"?>
+<p:notes xmlns:a="http://schemas.openxmlformats.org/drawingml/2006/main" xmlns:r="http://schemas.openxmlformats.org/officeDocument/2006/relationships" xmlns:p="http://schemas.openxmlformats.org/presentationml/2006/main">
+  <p:cSld>
+    <p:spTree>
+      <p:nvGrpSpPr>
+        <p:cNvPr id="1" name="">
+          <a:extLst>
+            <a:ext uri="{FF2B5EF4-FFF2-40B4-BE49-F238E27FC236}">
+              <a16:creationId xmlns:a16="http://schemas.microsoft.com/office/drawing/2014/main" id="{4D7B3310-5D6C-A175-5FCE-878B6ED39CA7}"/>
+            </a:ext>
+          </a:extLst>
+        </p:cNvPr>
+        <p:cNvGrpSpPr/>
+        <p:nvPr/>
+      </p:nvGrpSpPr>
+      <p:grpSpPr>
+        <a:xfrm>
+          <a:off x="0" y="0"/>
+          <a:ext cx="0" cy="0"/>
+          <a:chOff x="0" y="0"/>
+          <a:chExt cx="0" cy="0"/>
+        </a:xfrm>
+      </p:grpSpPr>
+      <p:sp>
+        <p:nvSpPr>
+          <p:cNvPr id="2" name="Slide Image Placeholder 1">
+            <a:extLst>
+              <a:ext uri="{FF2B5EF4-FFF2-40B4-BE49-F238E27FC236}">
+                <a16:creationId xmlns:a16="http://schemas.microsoft.com/office/drawing/2014/main" id="{3EA52CD3-07F1-5A31-597F-97EFA7AAABC6}"/>
+              </a:ext>
+            </a:extLst>
+          </p:cNvPr>
+          <p:cNvSpPr>
+            <a:spLocks noGrp="1" noRot="1" noChangeAspect="1"/>
+          </p:cNvSpPr>
+          <p:nvPr>
+            <p:ph type="sldImg"/>
+          </p:nvPr>
+        </p:nvSpPr>
+        <p:spPr/>
+      </p:sp>
+      <p:sp>
+        <p:nvSpPr>
+          <p:cNvPr id="3" name="Notes Placeholder 2">
+            <a:extLst>
+              <a:ext uri="{FF2B5EF4-FFF2-40B4-BE49-F238E27FC236}">
+                <a16:creationId xmlns:a16="http://schemas.microsoft.com/office/drawing/2014/main" id="{60AF2634-B30F-6991-791A-23085BBA2CDE}"/>
+              </a:ext>
+            </a:extLst>
+          </p:cNvPr>
+          <p:cNvSpPr>
+            <a:spLocks noGrp="1"/>
+          </p:cNvSpPr>
+          <p:nvPr>
+            <p:ph type="body" idx="1"/>
+          </p:nvPr>
+        </p:nvSpPr>
+        <p:spPr/>
+        <p:txBody>
+          <a:bodyPr/>
+          <a:lstStyle/>
+          <a:p>
+            <a:endParaRPr lang="hr-HR" dirty="0"/>
+          </a:p>
+        </p:txBody>
+      </p:sp>
+      <p:sp>
+        <p:nvSpPr>
+          <p:cNvPr id="4" name="Slide Number Placeholder 3">
+            <a:extLst>
+              <a:ext uri="{FF2B5EF4-FFF2-40B4-BE49-F238E27FC236}">
+                <a16:creationId xmlns:a16="http://schemas.microsoft.com/office/drawing/2014/main" id="{55FB78A0-0BE9-D12B-9355-1E4FE86DCBE5}"/>
+              </a:ext>
+            </a:extLst>
+          </p:cNvPr>
+          <p:cNvSpPr>
+            <a:spLocks noGrp="1"/>
+          </p:cNvSpPr>
+          <p:nvPr>
+            <p:ph type="sldNum" sz="quarter" idx="5"/>
+          </p:nvPr>
+        </p:nvSpPr>
+        <p:spPr/>
+        <p:txBody>
+          <a:bodyPr/>
+          <a:lstStyle/>
+          <a:p>
+            <a:fld id="{343B951A-A665-1949-AEDB-B62DC9BE7F13}" type="slidenum">
+              <a:rPr lang="en-US" smtClean="0"/>
+              <a:t>24</a:t>
+            </a:fld>
+            <a:endParaRPr lang="en-US"/>
+          </a:p>
+        </p:txBody>
+      </p:sp>
+    </p:spTree>
+    <p:extLst>
+      <p:ext uri="{BB962C8B-B14F-4D97-AF65-F5344CB8AC3E}">
+        <p14:creationId xmlns:p14="http://schemas.microsoft.com/office/powerpoint/2010/main" val="669664710"/>
+      </p:ext>
+    </p:extLst>
+  </p:cSld>
+  <p:clrMapOvr>
+    <a:masterClrMapping/>
+  </p:clrMapOvr>
+</p:notes>
+</file>
+
+<file path=ppt/notesSlides/notesSlide24.xml><?xml version="1.0" encoding="utf-8"?>
+<p:notes xmlns:a="http://schemas.openxmlformats.org/drawingml/2006/main" xmlns:r="http://schemas.openxmlformats.org/officeDocument/2006/relationships" xmlns:p="http://schemas.openxmlformats.org/presentationml/2006/main">
+  <p:cSld>
+    <p:spTree>
+      <p:nvGrpSpPr>
+        <p:cNvPr id="1" name="">
+          <a:extLst>
+            <a:ext uri="{FF2B5EF4-FFF2-40B4-BE49-F238E27FC236}">
+              <a16:creationId xmlns:a16="http://schemas.microsoft.com/office/drawing/2014/main" id="{B4761B6D-22EE-C7EE-3165-B7D2DCA837CA}"/>
+            </a:ext>
+          </a:extLst>
+        </p:cNvPr>
+        <p:cNvGrpSpPr/>
+        <p:nvPr/>
+      </p:nvGrpSpPr>
+      <p:grpSpPr>
+        <a:xfrm>
+          <a:off x="0" y="0"/>
+          <a:ext cx="0" cy="0"/>
+          <a:chOff x="0" y="0"/>
+          <a:chExt cx="0" cy="0"/>
+        </a:xfrm>
+      </p:grpSpPr>
+      <p:sp>
+        <p:nvSpPr>
+          <p:cNvPr id="2" name="Slide Image Placeholder 1">
+            <a:extLst>
+              <a:ext uri="{FF2B5EF4-FFF2-40B4-BE49-F238E27FC236}">
+                <a16:creationId xmlns:a16="http://schemas.microsoft.com/office/drawing/2014/main" id="{1C4752A1-1740-E3D2-90D0-72B3BDBA6617}"/>
+              </a:ext>
+            </a:extLst>
+          </p:cNvPr>
+          <p:cNvSpPr>
+            <a:spLocks noGrp="1" noRot="1" noChangeAspect="1"/>
+          </p:cNvSpPr>
+          <p:nvPr>
+            <p:ph type="sldImg"/>
+          </p:nvPr>
+        </p:nvSpPr>
+        <p:spPr/>
+      </p:sp>
+      <p:sp>
+        <p:nvSpPr>
+          <p:cNvPr id="3" name="Notes Placeholder 2">
+            <a:extLst>
+              <a:ext uri="{FF2B5EF4-FFF2-40B4-BE49-F238E27FC236}">
+                <a16:creationId xmlns:a16="http://schemas.microsoft.com/office/drawing/2014/main" id="{E2C293AE-73D9-ED67-51FE-D477CF758D60}"/>
+              </a:ext>
+            </a:extLst>
+          </p:cNvPr>
+          <p:cNvSpPr>
+            <a:spLocks noGrp="1"/>
+          </p:cNvSpPr>
+          <p:nvPr>
+            <p:ph type="body" idx="1"/>
+          </p:nvPr>
+        </p:nvSpPr>
+        <p:spPr/>
+        <p:txBody>
+          <a:bodyPr/>
+          <a:lstStyle/>
+          <a:p>
+            <a:endParaRPr lang="hr-HR" dirty="0"/>
+          </a:p>
+        </p:txBody>
+      </p:sp>
+      <p:sp>
+        <p:nvSpPr>
+          <p:cNvPr id="4" name="Slide Number Placeholder 3">
+            <a:extLst>
+              <a:ext uri="{FF2B5EF4-FFF2-40B4-BE49-F238E27FC236}">
+                <a16:creationId xmlns:a16="http://schemas.microsoft.com/office/drawing/2014/main" id="{3D57447D-62EB-C1D4-D736-4A5F13A7910D}"/>
+              </a:ext>
+            </a:extLst>
+          </p:cNvPr>
+          <p:cNvSpPr>
+            <a:spLocks noGrp="1"/>
+          </p:cNvSpPr>
+          <p:nvPr>
+            <p:ph type="sldNum" sz="quarter" idx="5"/>
+          </p:nvPr>
+        </p:nvSpPr>
+        <p:spPr/>
+        <p:txBody>
+          <a:bodyPr/>
+          <a:lstStyle/>
+          <a:p>
+            <a:fld id="{343B951A-A665-1949-AEDB-B62DC9BE7F13}" type="slidenum">
+              <a:rPr lang="en-US" smtClean="0"/>
+              <a:t>25</a:t>
+            </a:fld>
+            <a:endParaRPr lang="en-US"/>
+          </a:p>
+        </p:txBody>
+      </p:sp>
+    </p:spTree>
+    <p:extLst>
+      <p:ext uri="{BB962C8B-B14F-4D97-AF65-F5344CB8AC3E}">
+        <p14:creationId xmlns:p14="http://schemas.microsoft.com/office/powerpoint/2010/main" val="2427115856"/>
+      </p:ext>
+    </p:extLst>
+  </p:cSld>
+  <p:clrMapOvr>
+    <a:masterClrMapping/>
+  </p:clrMapOvr>
+</p:notes>
+</file>
+
+<file path=ppt/notesSlides/notesSlide25.xml><?xml version="1.0" encoding="utf-8"?>
+<p:notes xmlns:a="http://schemas.openxmlformats.org/drawingml/2006/main" xmlns:r="http://schemas.openxmlformats.org/officeDocument/2006/relationships" xmlns:p="http://schemas.openxmlformats.org/presentationml/2006/main">
+  <p:cSld>
+    <p:spTree>
+      <p:nvGrpSpPr>
+        <p:cNvPr id="1" name="">
+          <a:extLst>
+            <a:ext uri="{FF2B5EF4-FFF2-40B4-BE49-F238E27FC236}">
+              <a16:creationId xmlns:a16="http://schemas.microsoft.com/office/drawing/2014/main" id="{295A42FF-36EF-9785-6AC4-CB5E174FAB47}"/>
+            </a:ext>
+          </a:extLst>
+        </p:cNvPr>
+        <p:cNvGrpSpPr/>
+        <p:nvPr/>
+      </p:nvGrpSpPr>
+      <p:grpSpPr>
+        <a:xfrm>
+          <a:off x="0" y="0"/>
+          <a:ext cx="0" cy="0"/>
+          <a:chOff x="0" y="0"/>
+          <a:chExt cx="0" cy="0"/>
+        </a:xfrm>
+      </p:grpSpPr>
+      <p:sp>
+        <p:nvSpPr>
+          <p:cNvPr id="2" name="Slide Image Placeholder 1">
+            <a:extLst>
+              <a:ext uri="{FF2B5EF4-FFF2-40B4-BE49-F238E27FC236}">
+                <a16:creationId xmlns:a16="http://schemas.microsoft.com/office/drawing/2014/main" id="{4D30BFF2-2F26-9D7F-58EB-4B7976423969}"/>
+              </a:ext>
+            </a:extLst>
+          </p:cNvPr>
+          <p:cNvSpPr>
+            <a:spLocks noGrp="1" noRot="1" noChangeAspect="1"/>
+          </p:cNvSpPr>
+          <p:nvPr>
+            <p:ph type="sldImg"/>
+          </p:nvPr>
+        </p:nvSpPr>
+        <p:spPr/>
+      </p:sp>
+      <p:sp>
+        <p:nvSpPr>
+          <p:cNvPr id="3" name="Notes Placeholder 2">
+            <a:extLst>
+              <a:ext uri="{FF2B5EF4-FFF2-40B4-BE49-F238E27FC236}">
+                <a16:creationId xmlns:a16="http://schemas.microsoft.com/office/drawing/2014/main" id="{C4C984B9-603A-E621-7A76-462FDE42DD6C}"/>
+              </a:ext>
+            </a:extLst>
+          </p:cNvPr>
+          <p:cNvSpPr>
+            <a:spLocks noGrp="1"/>
+          </p:cNvSpPr>
+          <p:nvPr>
+            <p:ph type="body" idx="1"/>
+          </p:nvPr>
+        </p:nvSpPr>
+        <p:spPr/>
+        <p:txBody>
+          <a:bodyPr/>
+          <a:lstStyle/>
+          <a:p>
+            <a:endParaRPr lang="hr-HR" dirty="0"/>
+          </a:p>
+        </p:txBody>
+      </p:sp>
+      <p:sp>
+        <p:nvSpPr>
+          <p:cNvPr id="4" name="Slide Number Placeholder 3">
+            <a:extLst>
+              <a:ext uri="{FF2B5EF4-FFF2-40B4-BE49-F238E27FC236}">
+                <a16:creationId xmlns:a16="http://schemas.microsoft.com/office/drawing/2014/main" id="{DECE6FA3-4D65-C10C-80BE-5557DCE0C600}"/>
+              </a:ext>
+            </a:extLst>
+          </p:cNvPr>
+          <p:cNvSpPr>
+            <a:spLocks noGrp="1"/>
+          </p:cNvSpPr>
+          <p:nvPr>
+            <p:ph type="sldNum" sz="quarter" idx="5"/>
+          </p:nvPr>
+        </p:nvSpPr>
+        <p:spPr/>
+        <p:txBody>
+          <a:bodyPr/>
+          <a:lstStyle/>
+          <a:p>
+            <a:fld id="{343B951A-A665-1949-AEDB-B62DC9BE7F13}" type="slidenum">
+              <a:rPr lang="en-US" smtClean="0"/>
+              <a:t>26</a:t>
+            </a:fld>
+            <a:endParaRPr lang="en-US"/>
+          </a:p>
+        </p:txBody>
+      </p:sp>
+    </p:spTree>
+    <p:extLst>
+      <p:ext uri="{BB962C8B-B14F-4D97-AF65-F5344CB8AC3E}">
+        <p14:creationId xmlns:p14="http://schemas.microsoft.com/office/powerpoint/2010/main" val="54386640"/>
+      </p:ext>
+    </p:extLst>
+  </p:cSld>
+  <p:clrMapOvr>
+    <a:masterClrMapping/>
+  </p:clrMapOvr>
+</p:notes>
+</file>
+
+<file path=ppt/notesSlides/notesSlide26.xml><?xml version="1.0" encoding="utf-8"?>
+<p:notes xmlns:a="http://schemas.openxmlformats.org/drawingml/2006/main" xmlns:r="http://schemas.openxmlformats.org/officeDocument/2006/relationships" xmlns:p="http://schemas.openxmlformats.org/presentationml/2006/main">
+  <p:cSld>
+    <p:spTree>
+      <p:nvGrpSpPr>
+        <p:cNvPr id="1" name="">
+          <a:extLst>
+            <a:ext uri="{FF2B5EF4-FFF2-40B4-BE49-F238E27FC236}">
+              <a16:creationId xmlns:a16="http://schemas.microsoft.com/office/drawing/2014/main" id="{9AF7C596-7BC0-86E1-516E-E76A57604492}"/>
+            </a:ext>
+          </a:extLst>
+        </p:cNvPr>
+        <p:cNvGrpSpPr/>
+        <p:nvPr/>
+      </p:nvGrpSpPr>
+      <p:grpSpPr>
+        <a:xfrm>
+          <a:off x="0" y="0"/>
+          <a:ext cx="0" cy="0"/>
+          <a:chOff x="0" y="0"/>
+          <a:chExt cx="0" cy="0"/>
+        </a:xfrm>
+      </p:grpSpPr>
+      <p:sp>
+        <p:nvSpPr>
+          <p:cNvPr id="2" name="Slide Image Placeholder 1">
+            <a:extLst>
+              <a:ext uri="{FF2B5EF4-FFF2-40B4-BE49-F238E27FC236}">
+                <a16:creationId xmlns:a16="http://schemas.microsoft.com/office/drawing/2014/main" id="{9E1F3B11-982F-7006-29B4-7556A8DEE008}"/>
+              </a:ext>
+            </a:extLst>
+          </p:cNvPr>
+          <p:cNvSpPr>
+            <a:spLocks noGrp="1" noRot="1" noChangeAspect="1"/>
+          </p:cNvSpPr>
+          <p:nvPr>
+            <p:ph type="sldImg"/>
+          </p:nvPr>
+        </p:nvSpPr>
+        <p:spPr/>
+      </p:sp>
+      <p:sp>
+        <p:nvSpPr>
+          <p:cNvPr id="3" name="Notes Placeholder 2">
+            <a:extLst>
+              <a:ext uri="{FF2B5EF4-FFF2-40B4-BE49-F238E27FC236}">
+                <a16:creationId xmlns:a16="http://schemas.microsoft.com/office/drawing/2014/main" id="{B01CA798-4B0E-407A-C2B7-F88EF92C9B6C}"/>
+              </a:ext>
+            </a:extLst>
+          </p:cNvPr>
+          <p:cNvSpPr>
+            <a:spLocks noGrp="1"/>
+          </p:cNvSpPr>
+          <p:nvPr>
+            <p:ph type="body" idx="1"/>
+          </p:nvPr>
+        </p:nvSpPr>
+        <p:spPr/>
+        <p:txBody>
+          <a:bodyPr/>
+          <a:lstStyle/>
+          <a:p>
+            <a:endParaRPr lang="hr-HR" dirty="0"/>
+          </a:p>
+        </p:txBody>
+      </p:sp>
+      <p:sp>
+        <p:nvSpPr>
+          <p:cNvPr id="4" name="Slide Number Placeholder 3">
+            <a:extLst>
+              <a:ext uri="{FF2B5EF4-FFF2-40B4-BE49-F238E27FC236}">
+                <a16:creationId xmlns:a16="http://schemas.microsoft.com/office/drawing/2014/main" id="{F2F42CB1-3BEC-28B3-11A7-741317946B12}"/>
+              </a:ext>
+            </a:extLst>
+          </p:cNvPr>
+          <p:cNvSpPr>
+            <a:spLocks noGrp="1"/>
+          </p:cNvSpPr>
+          <p:nvPr>
+            <p:ph type="sldNum" sz="quarter" idx="5"/>
+          </p:nvPr>
+        </p:nvSpPr>
+        <p:spPr/>
+        <p:txBody>
+          <a:bodyPr/>
+          <a:lstStyle/>
+          <a:p>
+            <a:fld id="{343B951A-A665-1949-AEDB-B62DC9BE7F13}" type="slidenum">
+              <a:rPr lang="en-US" smtClean="0"/>
+              <a:t>27</a:t>
+            </a:fld>
+            <a:endParaRPr lang="en-US"/>
+          </a:p>
+        </p:txBody>
+      </p:sp>
+    </p:spTree>
+    <p:extLst>
+      <p:ext uri="{BB962C8B-B14F-4D97-AF65-F5344CB8AC3E}">
+        <p14:creationId xmlns:p14="http://schemas.microsoft.com/office/powerpoint/2010/main" val="4218401638"/>
+      </p:ext>
+    </p:extLst>
+  </p:cSld>
+  <p:clrMapOvr>
+    <a:masterClrMapping/>
+  </p:clrMapOvr>
+</p:notes>
+</file>
+
+<file path=ppt/notesSlides/notesSlide27.xml><?xml version="1.0" encoding="utf-8"?>
+<p:notes xmlns:a="http://schemas.openxmlformats.org/drawingml/2006/main" xmlns:r="http://schemas.openxmlformats.org/officeDocument/2006/relationships" xmlns:p="http://schemas.openxmlformats.org/presentationml/2006/main">
+  <p:cSld>
+    <p:spTree>
+      <p:nvGrpSpPr>
+        <p:cNvPr id="1" name="">
+          <a:extLst>
+            <a:ext uri="{FF2B5EF4-FFF2-40B4-BE49-F238E27FC236}">
+              <a16:creationId xmlns:a16="http://schemas.microsoft.com/office/drawing/2014/main" id="{94F1CFBD-BB4A-19EA-334E-CD2E842FCF49}"/>
+            </a:ext>
+          </a:extLst>
+        </p:cNvPr>
+        <p:cNvGrpSpPr/>
+        <p:nvPr/>
+      </p:nvGrpSpPr>
+      <p:grpSpPr>
+        <a:xfrm>
+          <a:off x="0" y="0"/>
+          <a:ext cx="0" cy="0"/>
+          <a:chOff x="0" y="0"/>
+          <a:chExt cx="0" cy="0"/>
+        </a:xfrm>
+      </p:grpSpPr>
+      <p:sp>
+        <p:nvSpPr>
+          <p:cNvPr id="2" name="Slide Image Placeholder 1">
+            <a:extLst>
+              <a:ext uri="{FF2B5EF4-FFF2-40B4-BE49-F238E27FC236}">
+                <a16:creationId xmlns:a16="http://schemas.microsoft.com/office/drawing/2014/main" id="{88D2320C-17CE-D721-999D-650DBB291003}"/>
+              </a:ext>
+            </a:extLst>
+          </p:cNvPr>
+          <p:cNvSpPr>
+            <a:spLocks noGrp="1" noRot="1" noChangeAspect="1"/>
+          </p:cNvSpPr>
+          <p:nvPr>
+            <p:ph type="sldImg"/>
+          </p:nvPr>
+        </p:nvSpPr>
+        <p:spPr/>
+      </p:sp>
+      <p:sp>
+        <p:nvSpPr>
+          <p:cNvPr id="3" name="Notes Placeholder 2">
+            <a:extLst>
+              <a:ext uri="{FF2B5EF4-FFF2-40B4-BE49-F238E27FC236}">
+                <a16:creationId xmlns:a16="http://schemas.microsoft.com/office/drawing/2014/main" id="{2CBDD24E-322C-8D8A-739A-BDDC4ABA9300}"/>
+              </a:ext>
+            </a:extLst>
+          </p:cNvPr>
+          <p:cNvSpPr>
+            <a:spLocks noGrp="1"/>
+          </p:cNvSpPr>
+          <p:nvPr>
+            <p:ph type="body" idx="1"/>
+          </p:nvPr>
+        </p:nvSpPr>
+        <p:spPr/>
+        <p:txBody>
+          <a:bodyPr/>
+          <a:lstStyle/>
+          <a:p>
+            <a:r>
+              <a:rPr lang="hr-HR" dirty="0"/>
+              <a:t>https://www.typescriptlang.org/docs/handbook/tsconfig-json.html</a:t>
+            </a:r>
+          </a:p>
+        </p:txBody>
+      </p:sp>
+      <p:sp>
+        <p:nvSpPr>
+          <p:cNvPr id="4" name="Slide Number Placeholder 3">
+            <a:extLst>
+              <a:ext uri="{FF2B5EF4-FFF2-40B4-BE49-F238E27FC236}">
+                <a16:creationId xmlns:a16="http://schemas.microsoft.com/office/drawing/2014/main" id="{87F51CB7-21FC-3F99-4FC5-1C3B583109B0}"/>
+              </a:ext>
+            </a:extLst>
+          </p:cNvPr>
+          <p:cNvSpPr>
+            <a:spLocks noGrp="1"/>
+          </p:cNvSpPr>
+          <p:nvPr>
+            <p:ph type="sldNum" sz="quarter" idx="5"/>
+          </p:nvPr>
+        </p:nvSpPr>
+        <p:spPr/>
+        <p:txBody>
+          <a:bodyPr/>
+          <a:lstStyle/>
+          <a:p>
+            <a:fld id="{343B951A-A665-1949-AEDB-B62DC9BE7F13}" type="slidenum">
+              <a:rPr lang="en-US" smtClean="0"/>
+              <a:t>28</a:t>
+            </a:fld>
+            <a:endParaRPr lang="en-US"/>
+          </a:p>
+        </p:txBody>
+      </p:sp>
+    </p:spTree>
+    <p:extLst>
+      <p:ext uri="{BB962C8B-B14F-4D97-AF65-F5344CB8AC3E}">
+        <p14:creationId xmlns:p14="http://schemas.microsoft.com/office/powerpoint/2010/main" val="3597996391"/>
+      </p:ext>
+    </p:extLst>
+  </p:cSld>
+  <p:clrMapOvr>
+    <a:masterClrMapping/>
+  </p:clrMapOvr>
+</p:notes>
+</file>
+
+<file path=ppt/notesSlides/notesSlide28.xml><?xml version="1.0" encoding="utf-8"?>
+<p:notes xmlns:a="http://schemas.openxmlformats.org/drawingml/2006/main" xmlns:r="http://schemas.openxmlformats.org/officeDocument/2006/relationships" xmlns:p="http://schemas.openxmlformats.org/presentationml/2006/main">
+  <p:cSld>
+    <p:spTree>
+      <p:nvGrpSpPr>
+        <p:cNvPr id="1" name="">
+          <a:extLst>
+            <a:ext uri="{FF2B5EF4-FFF2-40B4-BE49-F238E27FC236}">
+              <a16:creationId xmlns:a16="http://schemas.microsoft.com/office/drawing/2014/main" id="{4F32F5CD-A2DA-DD60-9A45-CC97E0363F9A}"/>
+            </a:ext>
+          </a:extLst>
+        </p:cNvPr>
+        <p:cNvGrpSpPr/>
+        <p:nvPr/>
+      </p:nvGrpSpPr>
+      <p:grpSpPr>
+        <a:xfrm>
+          <a:off x="0" y="0"/>
+          <a:ext cx="0" cy="0"/>
+          <a:chOff x="0" y="0"/>
+          <a:chExt cx="0" cy="0"/>
+        </a:xfrm>
+      </p:grpSpPr>
+      <p:sp>
+        <p:nvSpPr>
+          <p:cNvPr id="2" name="Slide Image Placeholder 1">
+            <a:extLst>
+              <a:ext uri="{FF2B5EF4-FFF2-40B4-BE49-F238E27FC236}">
+                <a16:creationId xmlns:a16="http://schemas.microsoft.com/office/drawing/2014/main" id="{F74C1F54-F75E-E6EF-02BB-6B7640CF52AF}"/>
+              </a:ext>
+            </a:extLst>
+          </p:cNvPr>
+          <p:cNvSpPr>
+            <a:spLocks noGrp="1" noRot="1" noChangeAspect="1"/>
+          </p:cNvSpPr>
+          <p:nvPr>
+            <p:ph type="sldImg"/>
+          </p:nvPr>
+        </p:nvSpPr>
+        <p:spPr/>
+      </p:sp>
+      <p:sp>
+        <p:nvSpPr>
+          <p:cNvPr id="3" name="Notes Placeholder 2">
+            <a:extLst>
+              <a:ext uri="{FF2B5EF4-FFF2-40B4-BE49-F238E27FC236}">
+                <a16:creationId xmlns:a16="http://schemas.microsoft.com/office/drawing/2014/main" id="{74EDBDA2-31AB-B8AC-5E4B-BFEBC5570DD6}"/>
+              </a:ext>
+            </a:extLst>
+          </p:cNvPr>
+          <p:cNvSpPr>
+            <a:spLocks noGrp="1"/>
+          </p:cNvSpPr>
+          <p:nvPr>
+            <p:ph type="body" idx="1"/>
+          </p:nvPr>
+        </p:nvSpPr>
+        <p:spPr/>
+        <p:txBody>
+          <a:bodyPr/>
+          <a:lstStyle/>
+          <a:p>
+            <a:endParaRPr lang="hr-HR" dirty="0"/>
+          </a:p>
+        </p:txBody>
+      </p:sp>
+      <p:sp>
+        <p:nvSpPr>
+          <p:cNvPr id="4" name="Slide Number Placeholder 3">
+            <a:extLst>
+              <a:ext uri="{FF2B5EF4-FFF2-40B4-BE49-F238E27FC236}">
+                <a16:creationId xmlns:a16="http://schemas.microsoft.com/office/drawing/2014/main" id="{122A1C05-6BC9-2947-A3F1-2736F5A627D8}"/>
+              </a:ext>
+            </a:extLst>
+          </p:cNvPr>
+          <p:cNvSpPr>
+            <a:spLocks noGrp="1"/>
+          </p:cNvSpPr>
+          <p:nvPr>
+            <p:ph type="sldNum" sz="quarter" idx="5"/>
+          </p:nvPr>
+        </p:nvSpPr>
+        <p:spPr/>
+        <p:txBody>
+          <a:bodyPr/>
+          <a:lstStyle/>
+          <a:p>
+            <a:fld id="{343B951A-A665-1949-AEDB-B62DC9BE7F13}" type="slidenum">
+              <a:rPr lang="en-US" smtClean="0"/>
+              <a:t>29</a:t>
+            </a:fld>
+            <a:endParaRPr lang="en-US"/>
+          </a:p>
+        </p:txBody>
+      </p:sp>
+    </p:spTree>
+    <p:extLst>
+      <p:ext uri="{BB962C8B-B14F-4D97-AF65-F5344CB8AC3E}">
+        <p14:creationId xmlns:p14="http://schemas.microsoft.com/office/powerpoint/2010/main" val="978507786"/>
       </p:ext>
     </p:extLst>
   </p:cSld>
@@ -2837,7 +4270,7 @@
                 <a:ea typeface="Open Sans" panose="020B0606030504020204" pitchFamily="34" charset="0"/>
                 <a:cs typeface="Open Sans" panose="020B0606030504020204" pitchFamily="34" charset="0"/>
               </a:rPr>
-              <a:t>25/03/2025</a:t>
+              <a:t>26/03/2025</a:t>
             </a:fld>
             <a:endParaRPr lang="en-GB" sz="1800" b="0" i="0" kern="1200" dirty="0">
               <a:solidFill>
@@ -3582,7 +5015,7 @@
                 <a:ea typeface="Open Sans" panose="020B0606030504020204" pitchFamily="34" charset="0"/>
                 <a:cs typeface="Open Sans" panose="020B0606030504020204" pitchFamily="34" charset="0"/>
               </a:rPr>
-              <a:t>25/03/2025</a:t>
+              <a:t>26/03/2025</a:t>
             </a:fld>
             <a:endParaRPr lang="en-GB" sz="1800" b="0" i="0" kern="1200" dirty="0">
               <a:solidFill>
@@ -4105,7 +5538,7 @@
                 <a:ea typeface="Open Sans" panose="020B0606030504020204" pitchFamily="34" charset="0"/>
                 <a:cs typeface="Open Sans" panose="020B0606030504020204" pitchFamily="34" charset="0"/>
               </a:rPr>
-              <a:t>25/03/2025</a:t>
+              <a:t>26/03/2025</a:t>
             </a:fld>
             <a:endParaRPr lang="en-GB" sz="1800" b="0" i="0" kern="1200" dirty="0">
               <a:solidFill>
@@ -5071,7 +6504,7 @@
                 <a:ea typeface="Open Sans" panose="020B0606030504020204" pitchFamily="34" charset="0"/>
                 <a:cs typeface="Open Sans" panose="020B0606030504020204" pitchFamily="34" charset="0"/>
               </a:rPr>
-              <a:t>25/03/2025</a:t>
+              <a:t>26/03/2025</a:t>
             </a:fld>
             <a:endParaRPr lang="en-GB" sz="1800" b="0" i="0" kern="1200" dirty="0">
               <a:solidFill>
@@ -5510,7 +6943,7 @@
                 <a:ea typeface="Open Sans" panose="020B0606030504020204" pitchFamily="34" charset="0"/>
                 <a:cs typeface="Open Sans" panose="020B0606030504020204" pitchFamily="34" charset="0"/>
               </a:rPr>
-              <a:t>25/03/2025</a:t>
+              <a:t>26/03/2025</a:t>
             </a:fld>
             <a:endParaRPr lang="en-GB" sz="1800" b="0" i="0" kern="1200" dirty="0">
               <a:solidFill>
@@ -7280,7 +8713,7 @@
                 <a:ea typeface="Open Sans" pitchFamily="2" charset="0"/>
                 <a:cs typeface="Open Sans" pitchFamily="2" charset="0"/>
               </a:rPr>
-              <a:t>25/03/2025</a:t>
+              <a:t>26/03/2025</a:t>
             </a:fld>
             <a:endParaRPr lang="en-GB" sz="1800" b="0" i="0" kern="1200" dirty="0">
               <a:solidFill>
@@ -9030,7 +10463,7 @@
                 <a:ea typeface="Open Sans" pitchFamily="2" charset="0"/>
                 <a:cs typeface="Open Sans" pitchFamily="2" charset="0"/>
               </a:rPr>
-              <a:t>25/03/2025</a:t>
+              <a:t>26/03/2025</a:t>
             </a:fld>
             <a:endParaRPr lang="en-GB" sz="1800" b="0" i="0" kern="1200" dirty="0">
               <a:solidFill>
@@ -9547,7 +10980,7 @@
                 <a:ea typeface="Open Sans" panose="020B0606030504020204" pitchFamily="34" charset="0"/>
                 <a:cs typeface="Open Sans" panose="020B0606030504020204" pitchFamily="34" charset="0"/>
               </a:rPr>
-              <a:t>25/03/2025</a:t>
+              <a:t>26/03/2025</a:t>
             </a:fld>
             <a:endParaRPr lang="en-GB" sz="1800" b="0" i="0" kern="1200" dirty="0">
               <a:solidFill>
@@ -10144,7 +11577,7 @@
                 <a:ea typeface="Open Sans" pitchFamily="2" charset="0"/>
                 <a:cs typeface="Open Sans" pitchFamily="2" charset="0"/>
               </a:rPr>
-              <a:t>25/03/2025</a:t>
+              <a:t>26/03/2025</a:t>
             </a:fld>
             <a:endParaRPr lang="en-GB" sz="1800" b="0" i="0" kern="1200" dirty="0">
               <a:solidFill>
@@ -10684,7 +12117,7 @@
                 <a:ea typeface="Open Sans" panose="020B0606030504020204" pitchFamily="34" charset="0"/>
                 <a:cs typeface="Open Sans" panose="020B0606030504020204" pitchFamily="34" charset="0"/>
               </a:rPr>
-              <a:t>25/03/2025</a:t>
+              <a:t>26/03/2025</a:t>
             </a:fld>
             <a:endParaRPr lang="en-GB" sz="1800" b="0" i="0" kern="1200" dirty="0">
               <a:solidFill>
@@ -11385,7 +12818,7 @@
                 <a:ea typeface="Open Sans" panose="020B0606030504020204" pitchFamily="34" charset="0"/>
                 <a:cs typeface="Open Sans" panose="020B0606030504020204" pitchFamily="34" charset="0"/>
               </a:rPr>
-              <a:t>25/03/2025</a:t>
+              <a:t>26/03/2025</a:t>
             </a:fld>
             <a:endParaRPr lang="en-GB" sz="1800" b="0" i="0" kern="1200" dirty="0">
               <a:solidFill>
@@ -11748,7 +13181,7 @@
                 <a:ea typeface="Open Sans" pitchFamily="2" charset="0"/>
                 <a:cs typeface="Open Sans" pitchFamily="2" charset="0"/>
               </a:rPr>
-              <a:t>25/03/2025</a:t>
+              <a:t>26/03/2025</a:t>
             </a:fld>
             <a:endParaRPr lang="en-GB" sz="1800" b="0" i="0" kern="1200" dirty="0">
               <a:solidFill>
@@ -12143,7 +13576,7 @@
                 <a:ea typeface="Open Sans" pitchFamily="2" charset="0"/>
                 <a:cs typeface="Open Sans" pitchFamily="2" charset="0"/>
               </a:rPr>
-              <a:t>25/03/2025</a:t>
+              <a:t>26/03/2025</a:t>
             </a:fld>
             <a:endParaRPr lang="en-GB" sz="1800" b="0" i="0" kern="1200" dirty="0">
               <a:solidFill>
@@ -14271,7 +15704,7 @@
         <p:cNvPr id="1" name="">
           <a:extLst>
             <a:ext uri="{FF2B5EF4-FFF2-40B4-BE49-F238E27FC236}">
-              <a16:creationId xmlns:a16="http://schemas.microsoft.com/office/drawing/2014/main" id="{41D8D391-E500-51BA-E7FD-06C8D5BADE27}"/>
+              <a16:creationId xmlns:a16="http://schemas.microsoft.com/office/drawing/2014/main" id="{ED449048-6468-9EE7-682F-C77E8220C872}"/>
             </a:ext>
           </a:extLst>
         </p:cNvPr>
@@ -14288,141 +15721,147 @@
       </p:grpSpPr>
       <p:sp>
         <p:nvSpPr>
-          <p:cNvPr id="2" name="Title 1">
-            <a:extLst>
-              <a:ext uri="{FF2B5EF4-FFF2-40B4-BE49-F238E27FC236}">
-                <a16:creationId xmlns:a16="http://schemas.microsoft.com/office/drawing/2014/main" id="{7A95F4FD-1537-5299-B877-F1D1B4403E64}"/>
-              </a:ext>
-            </a:extLst>
-          </p:cNvPr>
-          <p:cNvSpPr>
-            <a:spLocks noGrp="1"/>
+          <p:cNvPr id="4" name="Title 1">
+            <a:extLst>
+              <a:ext uri="{FF2B5EF4-FFF2-40B4-BE49-F238E27FC236}">
+                <a16:creationId xmlns:a16="http://schemas.microsoft.com/office/drawing/2014/main" id="{68C4D31A-8CD9-B79D-2ED9-378BDA9C8FE8}"/>
+              </a:ext>
+            </a:extLst>
+          </p:cNvPr>
+          <p:cNvSpPr txBox="1">
+            <a:spLocks/>
           </p:cNvSpPr>
-          <p:nvPr>
-            <p:ph type="title"/>
-          </p:nvPr>
-        </p:nvSpPr>
-        <p:spPr/>
+          <p:nvPr/>
+        </p:nvSpPr>
+        <p:spPr>
+          <a:xfrm>
+            <a:off x="990600" y="383056"/>
+            <a:ext cx="10515600" cy="853976"/>
+          </a:xfrm>
+          <a:prstGeom prst="rect">
+            <a:avLst/>
+          </a:prstGeom>
+        </p:spPr>
         <p:txBody>
-          <a:bodyPr/>
+          <a:bodyPr vert="horz" lIns="91440" tIns="45720" rIns="91440" bIns="45720" rtlCol="0" anchor="ctr">
+            <a:normAutofit/>
+          </a:bodyPr>
+          <a:lstStyle>
+            <a:lvl1pPr algn="l" defTabSz="914400" rtl="0" eaLnBrk="1" latinLnBrk="0" hangingPunct="1">
+              <a:lnSpc>
+                <a:spcPct val="90000"/>
+              </a:lnSpc>
+              <a:spcBef>
+                <a:spcPct val="0"/>
+              </a:spcBef>
+              <a:buNone/>
+              <a:defRPr sz="3600" b="1" i="0" kern="1200" cap="all" baseline="0">
+                <a:solidFill>
+                  <a:schemeClr val="tx2"/>
+                </a:solidFill>
+                <a:latin typeface="+mj-lt"/>
+                <a:ea typeface="Open Sans Semibold" panose="020B0606030504020204" pitchFamily="34" charset="0"/>
+                <a:cs typeface="Open Sans Semibold" panose="020B0606030504020204" pitchFamily="34" charset="0"/>
+              </a:defRPr>
+            </a:lvl1pPr>
+          </a:lstStyle>
+          <a:p>
+            <a:r>
+              <a:rPr lang="en-US" dirty="0"/>
+              <a:t>TYPESCRIPT – ENUM</a:t>
+            </a:r>
+            <a:endParaRPr lang="hr-HR" dirty="0"/>
+          </a:p>
+        </p:txBody>
+      </p:sp>
+      <p:sp>
+        <p:nvSpPr>
+          <p:cNvPr id="21" name="TextBox 20">
+            <a:extLst>
+              <a:ext uri="{FF2B5EF4-FFF2-40B4-BE49-F238E27FC236}">
+                <a16:creationId xmlns:a16="http://schemas.microsoft.com/office/drawing/2014/main" id="{5807826D-6D7A-0F47-A710-ED24C3A7DF68}"/>
+              </a:ext>
+            </a:extLst>
+          </p:cNvPr>
+          <p:cNvSpPr txBox="1"/>
+          <p:nvPr/>
+        </p:nvSpPr>
+        <p:spPr>
+          <a:xfrm>
+            <a:off x="814226" y="1109854"/>
+            <a:ext cx="8671239" cy="923330"/>
+          </a:xfrm>
+          <a:prstGeom prst="rect">
+            <a:avLst/>
+          </a:prstGeom>
+          <a:noFill/>
+        </p:spPr>
+        <p:txBody>
+          <a:bodyPr wrap="square">
+            <a:spAutoFit/>
+          </a:bodyPr>
           <a:lstStyle/>
           <a:p>
-            <a:r>
-              <a:rPr lang="en-US" dirty="0"/>
-              <a:t>VJE</a:t>
+            <a:pPr>
+              <a:buFont typeface="Arial" panose="020B0604020202020204" pitchFamily="34" charset="0"/>
+              <a:buChar char="•"/>
+            </a:pPr>
+            <a:r>
+              <a:rPr lang="en-US" b="1" dirty="0"/>
+              <a:t> </a:t>
+            </a:r>
+            <a:r>
+              <a:rPr lang="hr-HR" dirty="0" err="1"/>
+              <a:t>Enum</a:t>
             </a:r>
             <a:r>
               <a:rPr lang="hr-HR" dirty="0"/>
-              <a:t>ž</a:t>
-            </a:r>
-            <a:r>
-              <a:rPr lang="en-US" dirty="0" err="1"/>
-              <a:t>ba</a:t>
-            </a:r>
-            <a:endParaRPr lang="hr-HR" dirty="0"/>
-          </a:p>
-        </p:txBody>
-      </p:sp>
-      <p:sp>
-        <p:nvSpPr>
-          <p:cNvPr id="6" name="Text Placeholder 5">
-            <a:extLst>
-              <a:ext uri="{FF2B5EF4-FFF2-40B4-BE49-F238E27FC236}">
-                <a16:creationId xmlns:a16="http://schemas.microsoft.com/office/drawing/2014/main" id="{833981EC-5E89-16A5-C438-450D17DC012D}"/>
-              </a:ext>
-            </a:extLst>
-          </p:cNvPr>
-          <p:cNvSpPr>
-            <a:spLocks noGrp="1"/>
-          </p:cNvSpPr>
-          <p:nvPr>
-            <p:ph type="body" sz="half" idx="2"/>
-          </p:nvPr>
-        </p:nvSpPr>
-        <p:spPr/>
-        <p:txBody>
-          <a:bodyPr/>
-          <a:lstStyle/>
+              <a:t> (enumeracija) predstavlja tip koji dopušta samo određene vrijednosti.</a:t>
+            </a:r>
+            <a:endParaRPr lang="en-US" dirty="0"/>
+          </a:p>
           <a:p>
             <a:pPr>
-              <a:buFontTx/>
-              <a:buChar char="-"/>
+              <a:buFont typeface="Arial" panose="020B0604020202020204" pitchFamily="34" charset="0"/>
+              <a:buChar char="•"/>
             </a:pPr>
             <a:r>
-              <a:rPr lang="en-US" dirty="0"/>
-              <a:t>- </a:t>
-            </a:r>
-            <a:r>
-              <a:rPr lang="en-US" dirty="0" err="1"/>
-              <a:t>Kreirajte</a:t>
-            </a:r>
-            <a:r>
-              <a:rPr lang="en-US" dirty="0"/>
-              <a:t> </a:t>
-            </a:r>
-            <a:r>
-              <a:rPr lang="en-US" dirty="0" err="1"/>
-              <a:t>racun</a:t>
-            </a:r>
-            <a:r>
-              <a:rPr lang="en-US" dirty="0"/>
-              <a:t> </a:t>
-            </a:r>
-            <a:r>
-              <a:rPr lang="en-US" dirty="0" err="1"/>
-              <a:t>na</a:t>
-            </a:r>
-            <a:r>
-              <a:rPr lang="en-US" dirty="0"/>
-              <a:t> GitHub-u</a:t>
-            </a:r>
-          </a:p>
-          <a:p>
-            <a:pPr marL="15875" indent="0">
-              <a:buNone/>
-            </a:pPr>
-            <a:r>
-              <a:rPr lang="en-US" dirty="0"/>
-              <a:t>- </a:t>
-            </a:r>
-            <a:r>
-              <a:rPr lang="en-US" dirty="0" err="1"/>
-              <a:t>Instalirajte</a:t>
-            </a:r>
-            <a:r>
-              <a:rPr lang="en-US" dirty="0"/>
-              <a:t> git </a:t>
-            </a:r>
-            <a:r>
-              <a:rPr lang="en-US" dirty="0" err="1"/>
-              <a:t>na</a:t>
-            </a:r>
-            <a:r>
-              <a:rPr lang="en-US" dirty="0"/>
-              <a:t> </a:t>
-            </a:r>
-            <a:r>
-              <a:rPr lang="en-US" dirty="0" err="1"/>
-              <a:t>svom</a:t>
-            </a:r>
-            <a:r>
-              <a:rPr lang="en-US" dirty="0"/>
-              <a:t> </a:t>
-            </a:r>
-            <a:r>
-              <a:rPr lang="en-US" dirty="0" err="1"/>
-              <a:t>racunalu</a:t>
-            </a:r>
-            <a:endParaRPr lang="en-US" dirty="0"/>
+              <a:rPr lang="hr-HR" dirty="0"/>
+              <a:t>Pomoću </a:t>
+            </a:r>
+            <a:r>
+              <a:rPr lang="hr-HR" dirty="0" err="1"/>
+              <a:t>enuma</a:t>
+            </a:r>
+            <a:r>
+              <a:rPr lang="hr-HR" dirty="0"/>
+              <a:t> možete definirati, primjerice, korisničke uloge poput </a:t>
+            </a:r>
+            <a:r>
+              <a:rPr lang="hr-HR" dirty="0" err="1"/>
+              <a:t>admin</a:t>
+            </a:r>
+            <a:r>
+              <a:rPr lang="hr-HR" dirty="0"/>
+              <a:t>, editor i </a:t>
+            </a:r>
+            <a:r>
+              <a:rPr lang="hr-HR" dirty="0" err="1"/>
+              <a:t>guest</a:t>
+            </a:r>
+            <a:r>
+              <a:rPr lang="hr-HR" dirty="0"/>
+              <a:t>.</a:t>
+            </a:r>
           </a:p>
         </p:txBody>
       </p:sp>
       <p:pic>
         <p:nvPicPr>
-          <p:cNvPr id="5" name="Picture 4">
-            <a:extLst>
-              <a:ext uri="{FF2B5EF4-FFF2-40B4-BE49-F238E27FC236}">
-                <a16:creationId xmlns:a16="http://schemas.microsoft.com/office/drawing/2014/main" id="{149D2121-0469-EF77-AB60-A477B976EA9A}"/>
+          <p:cNvPr id="11" name="Picture 10">
+            <a:extLst>
+              <a:ext uri="{FF2B5EF4-FFF2-40B4-BE49-F238E27FC236}">
+                <a16:creationId xmlns:a16="http://schemas.microsoft.com/office/drawing/2014/main" id="{B897CA29-9F79-8F7E-2363-6612A9F6D7E3}"/>
               </a:ext>
             </a:extLst>
           </p:cNvPr>
@@ -14439,8 +15878,98 @@
         </p:blipFill>
         <p:spPr>
           <a:xfrm>
-            <a:off x="6011345" y="2120917"/>
-            <a:ext cx="5340867" cy="2047819"/>
+            <a:off x="921599" y="2336726"/>
+            <a:ext cx="2714625" cy="1238250"/>
+          </a:xfrm>
+          <a:prstGeom prst="rect">
+            <a:avLst/>
+          </a:prstGeom>
+        </p:spPr>
+      </p:pic>
+      <p:pic>
+        <p:nvPicPr>
+          <p:cNvPr id="14" name="Picture 13">
+            <a:extLst>
+              <a:ext uri="{FF2B5EF4-FFF2-40B4-BE49-F238E27FC236}">
+                <a16:creationId xmlns:a16="http://schemas.microsoft.com/office/drawing/2014/main" id="{27800689-B225-880C-35EE-D1FD0AD41DF9}"/>
+              </a:ext>
+            </a:extLst>
+          </p:cNvPr>
+          <p:cNvPicPr>
+            <a:picLocks noChangeAspect="1"/>
+          </p:cNvPicPr>
+          <p:nvPr/>
+        </p:nvPicPr>
+        <p:blipFill>
+          <a:blip r:embed="rId4"/>
+          <a:stretch>
+            <a:fillRect/>
+          </a:stretch>
+        </p:blipFill>
+        <p:spPr>
+          <a:xfrm>
+            <a:off x="4384823" y="2336726"/>
+            <a:ext cx="4089326" cy="1560979"/>
+          </a:xfrm>
+          <a:prstGeom prst="rect">
+            <a:avLst/>
+          </a:prstGeom>
+        </p:spPr>
+      </p:pic>
+      <p:pic>
+        <p:nvPicPr>
+          <p:cNvPr id="17" name="Picture 16">
+            <a:extLst>
+              <a:ext uri="{FF2B5EF4-FFF2-40B4-BE49-F238E27FC236}">
+                <a16:creationId xmlns:a16="http://schemas.microsoft.com/office/drawing/2014/main" id="{790AAFE2-016F-6BB8-EB9B-F2F184CB15EE}"/>
+              </a:ext>
+            </a:extLst>
+          </p:cNvPr>
+          <p:cNvPicPr>
+            <a:picLocks noChangeAspect="1"/>
+          </p:cNvPicPr>
+          <p:nvPr/>
+        </p:nvPicPr>
+        <p:blipFill>
+          <a:blip r:embed="rId5"/>
+          <a:stretch>
+            <a:fillRect/>
+          </a:stretch>
+        </p:blipFill>
+        <p:spPr>
+          <a:xfrm>
+            <a:off x="921599" y="4201247"/>
+            <a:ext cx="3507748" cy="1504354"/>
+          </a:xfrm>
+          <a:prstGeom prst="rect">
+            <a:avLst/>
+          </a:prstGeom>
+        </p:spPr>
+      </p:pic>
+      <p:pic>
+        <p:nvPicPr>
+          <p:cNvPr id="22" name="Picture 21">
+            <a:extLst>
+              <a:ext uri="{FF2B5EF4-FFF2-40B4-BE49-F238E27FC236}">
+                <a16:creationId xmlns:a16="http://schemas.microsoft.com/office/drawing/2014/main" id="{56635069-2733-4822-CFEE-6C73A77F3F0B}"/>
+              </a:ext>
+            </a:extLst>
+          </p:cNvPr>
+          <p:cNvPicPr>
+            <a:picLocks noChangeAspect="1"/>
+          </p:cNvPicPr>
+          <p:nvPr/>
+        </p:nvPicPr>
+        <p:blipFill>
+          <a:blip r:embed="rId6"/>
+          <a:stretch>
+            <a:fillRect/>
+          </a:stretch>
+        </p:blipFill>
+        <p:spPr>
+          <a:xfrm>
+            <a:off x="4891974" y="4122257"/>
+            <a:ext cx="3709766" cy="1583344"/>
           </a:xfrm>
           <a:prstGeom prst="rect">
             <a:avLst/>
@@ -14450,7 +15979,788 @@
     </p:spTree>
     <p:extLst>
       <p:ext uri="{BB962C8B-B14F-4D97-AF65-F5344CB8AC3E}">
-        <p14:creationId xmlns:p14="http://schemas.microsoft.com/office/powerpoint/2010/main" val="4076044860"/>
+        <p14:creationId xmlns:p14="http://schemas.microsoft.com/office/powerpoint/2010/main" val="3164354319"/>
+      </p:ext>
+    </p:extLst>
+  </p:cSld>
+  <p:clrMapOvr>
+    <a:masterClrMapping/>
+  </p:clrMapOvr>
+</p:sld>
+</file>
+
+<file path=ppt/slides/slide17.xml><?xml version="1.0" encoding="utf-8"?>
+<p:sld xmlns:a="http://schemas.openxmlformats.org/drawingml/2006/main" xmlns:r="http://schemas.openxmlformats.org/officeDocument/2006/relationships" xmlns:p="http://schemas.openxmlformats.org/presentationml/2006/main">
+  <p:cSld>
+    <p:spTree>
+      <p:nvGrpSpPr>
+        <p:cNvPr id="1" name="">
+          <a:extLst>
+            <a:ext uri="{FF2B5EF4-FFF2-40B4-BE49-F238E27FC236}">
+              <a16:creationId xmlns:a16="http://schemas.microsoft.com/office/drawing/2014/main" id="{FBE04A12-32A5-DEB9-66F8-32DD361EC409}"/>
+            </a:ext>
+          </a:extLst>
+        </p:cNvPr>
+        <p:cNvGrpSpPr/>
+        <p:nvPr/>
+      </p:nvGrpSpPr>
+      <p:grpSpPr>
+        <a:xfrm>
+          <a:off x="0" y="0"/>
+          <a:ext cx="0" cy="0"/>
+          <a:chOff x="0" y="0"/>
+          <a:chExt cx="0" cy="0"/>
+        </a:xfrm>
+      </p:grpSpPr>
+      <p:sp>
+        <p:nvSpPr>
+          <p:cNvPr id="4" name="Title 1">
+            <a:extLst>
+              <a:ext uri="{FF2B5EF4-FFF2-40B4-BE49-F238E27FC236}">
+                <a16:creationId xmlns:a16="http://schemas.microsoft.com/office/drawing/2014/main" id="{D2076299-F852-2A71-3A1F-A4071EC2054C}"/>
+              </a:ext>
+            </a:extLst>
+          </p:cNvPr>
+          <p:cNvSpPr txBox="1">
+            <a:spLocks/>
+          </p:cNvSpPr>
+          <p:nvPr/>
+        </p:nvSpPr>
+        <p:spPr>
+          <a:xfrm>
+            <a:off x="990600" y="383056"/>
+            <a:ext cx="10515600" cy="853976"/>
+          </a:xfrm>
+          <a:prstGeom prst="rect">
+            <a:avLst/>
+          </a:prstGeom>
+        </p:spPr>
+        <p:txBody>
+          <a:bodyPr vert="horz" lIns="91440" tIns="45720" rIns="91440" bIns="45720" rtlCol="0" anchor="ctr">
+            <a:normAutofit/>
+          </a:bodyPr>
+          <a:lstStyle>
+            <a:lvl1pPr algn="l" defTabSz="914400" rtl="0" eaLnBrk="1" latinLnBrk="0" hangingPunct="1">
+              <a:lnSpc>
+                <a:spcPct val="90000"/>
+              </a:lnSpc>
+              <a:spcBef>
+                <a:spcPct val="0"/>
+              </a:spcBef>
+              <a:buNone/>
+              <a:defRPr sz="3600" b="1" i="0" kern="1200" cap="all" baseline="0">
+                <a:solidFill>
+                  <a:schemeClr val="tx2"/>
+                </a:solidFill>
+                <a:latin typeface="+mj-lt"/>
+                <a:ea typeface="Open Sans Semibold" panose="020B0606030504020204" pitchFamily="34" charset="0"/>
+                <a:cs typeface="Open Sans Semibold" panose="020B0606030504020204" pitchFamily="34" charset="0"/>
+              </a:defRPr>
+            </a:lvl1pPr>
+          </a:lstStyle>
+          <a:p>
+            <a:r>
+              <a:rPr lang="en-US" dirty="0"/>
+              <a:t>TYPESCRIPT – ENUM</a:t>
+            </a:r>
+            <a:endParaRPr lang="hr-HR" dirty="0"/>
+          </a:p>
+        </p:txBody>
+      </p:sp>
+      <p:sp>
+        <p:nvSpPr>
+          <p:cNvPr id="21" name="TextBox 20">
+            <a:extLst>
+              <a:ext uri="{FF2B5EF4-FFF2-40B4-BE49-F238E27FC236}">
+                <a16:creationId xmlns:a16="http://schemas.microsoft.com/office/drawing/2014/main" id="{E96B37BB-B634-30D4-E21C-082A28F4CD9E}"/>
+              </a:ext>
+            </a:extLst>
+          </p:cNvPr>
+          <p:cNvSpPr txBox="1"/>
+          <p:nvPr/>
+        </p:nvSpPr>
+        <p:spPr>
+          <a:xfrm>
+            <a:off x="814226" y="1109854"/>
+            <a:ext cx="8671239" cy="923330"/>
+          </a:xfrm>
+          <a:prstGeom prst="rect">
+            <a:avLst/>
+          </a:prstGeom>
+          <a:noFill/>
+        </p:spPr>
+        <p:txBody>
+          <a:bodyPr wrap="square">
+            <a:spAutoFit/>
+          </a:bodyPr>
+          <a:lstStyle/>
+          <a:p>
+            <a:pPr>
+              <a:buFont typeface="Arial" panose="020B0604020202020204" pitchFamily="34" charset="0"/>
+              <a:buChar char="•"/>
+            </a:pPr>
+            <a:r>
+              <a:rPr lang="en-US" b="1" dirty="0"/>
+              <a:t> </a:t>
+            </a:r>
+            <a:r>
+              <a:rPr lang="hr-HR" dirty="0" err="1"/>
+              <a:t>Enum</a:t>
+            </a:r>
+            <a:r>
+              <a:rPr lang="hr-HR" dirty="0"/>
+              <a:t> (enumeracija) predstavlja tip koji dopušta samo određene vrijednosti.</a:t>
+            </a:r>
+            <a:endParaRPr lang="en-US" dirty="0"/>
+          </a:p>
+          <a:p>
+            <a:pPr>
+              <a:buFont typeface="Arial" panose="020B0604020202020204" pitchFamily="34" charset="0"/>
+              <a:buChar char="•"/>
+            </a:pPr>
+            <a:r>
+              <a:rPr lang="hr-HR" dirty="0"/>
+              <a:t>Pomoću </a:t>
+            </a:r>
+            <a:r>
+              <a:rPr lang="hr-HR" dirty="0" err="1"/>
+              <a:t>enuma</a:t>
+            </a:r>
+            <a:r>
+              <a:rPr lang="hr-HR" dirty="0"/>
+              <a:t> možete definirati, primjerice, korisničke uloge poput </a:t>
+            </a:r>
+            <a:r>
+              <a:rPr lang="hr-HR" dirty="0" err="1"/>
+              <a:t>admin</a:t>
+            </a:r>
+            <a:r>
+              <a:rPr lang="hr-HR" dirty="0"/>
+              <a:t>, editor i </a:t>
+            </a:r>
+            <a:r>
+              <a:rPr lang="hr-HR" dirty="0" err="1"/>
+              <a:t>guest</a:t>
+            </a:r>
+            <a:r>
+              <a:rPr lang="hr-HR" dirty="0"/>
+              <a:t>.</a:t>
+            </a:r>
+          </a:p>
+        </p:txBody>
+      </p:sp>
+      <p:pic>
+        <p:nvPicPr>
+          <p:cNvPr id="11" name="Picture 10">
+            <a:extLst>
+              <a:ext uri="{FF2B5EF4-FFF2-40B4-BE49-F238E27FC236}">
+                <a16:creationId xmlns:a16="http://schemas.microsoft.com/office/drawing/2014/main" id="{D9ACF10B-F641-9479-F2E2-ED9D03AE5F3F}"/>
+              </a:ext>
+            </a:extLst>
+          </p:cNvPr>
+          <p:cNvPicPr>
+            <a:picLocks noChangeAspect="1"/>
+          </p:cNvPicPr>
+          <p:nvPr/>
+        </p:nvPicPr>
+        <p:blipFill>
+          <a:blip r:embed="rId3"/>
+          <a:stretch>
+            <a:fillRect/>
+          </a:stretch>
+        </p:blipFill>
+        <p:spPr>
+          <a:xfrm>
+            <a:off x="921599" y="2336726"/>
+            <a:ext cx="2714625" cy="1238250"/>
+          </a:xfrm>
+          <a:prstGeom prst="rect">
+            <a:avLst/>
+          </a:prstGeom>
+        </p:spPr>
+      </p:pic>
+      <p:pic>
+        <p:nvPicPr>
+          <p:cNvPr id="14" name="Picture 13">
+            <a:extLst>
+              <a:ext uri="{FF2B5EF4-FFF2-40B4-BE49-F238E27FC236}">
+                <a16:creationId xmlns:a16="http://schemas.microsoft.com/office/drawing/2014/main" id="{3DE84852-C8C1-5720-9C27-AA63C9F91687}"/>
+              </a:ext>
+            </a:extLst>
+          </p:cNvPr>
+          <p:cNvPicPr>
+            <a:picLocks noChangeAspect="1"/>
+          </p:cNvPicPr>
+          <p:nvPr/>
+        </p:nvPicPr>
+        <p:blipFill>
+          <a:blip r:embed="rId4"/>
+          <a:stretch>
+            <a:fillRect/>
+          </a:stretch>
+        </p:blipFill>
+        <p:spPr>
+          <a:xfrm>
+            <a:off x="4384823" y="2336726"/>
+            <a:ext cx="4089326" cy="1560979"/>
+          </a:xfrm>
+          <a:prstGeom prst="rect">
+            <a:avLst/>
+          </a:prstGeom>
+        </p:spPr>
+      </p:pic>
+      <p:pic>
+        <p:nvPicPr>
+          <p:cNvPr id="17" name="Picture 16">
+            <a:extLst>
+              <a:ext uri="{FF2B5EF4-FFF2-40B4-BE49-F238E27FC236}">
+                <a16:creationId xmlns:a16="http://schemas.microsoft.com/office/drawing/2014/main" id="{9C4DAAB2-5EB8-C9E1-9C42-462968DBBEBC}"/>
+              </a:ext>
+            </a:extLst>
+          </p:cNvPr>
+          <p:cNvPicPr>
+            <a:picLocks noChangeAspect="1"/>
+          </p:cNvPicPr>
+          <p:nvPr/>
+        </p:nvPicPr>
+        <p:blipFill>
+          <a:blip r:embed="rId5"/>
+          <a:stretch>
+            <a:fillRect/>
+          </a:stretch>
+        </p:blipFill>
+        <p:spPr>
+          <a:xfrm>
+            <a:off x="921599" y="4201247"/>
+            <a:ext cx="3507748" cy="1504354"/>
+          </a:xfrm>
+          <a:prstGeom prst="rect">
+            <a:avLst/>
+          </a:prstGeom>
+        </p:spPr>
+      </p:pic>
+      <p:pic>
+        <p:nvPicPr>
+          <p:cNvPr id="22" name="Picture 21">
+            <a:extLst>
+              <a:ext uri="{FF2B5EF4-FFF2-40B4-BE49-F238E27FC236}">
+                <a16:creationId xmlns:a16="http://schemas.microsoft.com/office/drawing/2014/main" id="{9520BC9B-403E-CB63-DF32-A6FD55000C39}"/>
+              </a:ext>
+            </a:extLst>
+          </p:cNvPr>
+          <p:cNvPicPr>
+            <a:picLocks noChangeAspect="1"/>
+          </p:cNvPicPr>
+          <p:nvPr/>
+        </p:nvPicPr>
+        <p:blipFill>
+          <a:blip r:embed="rId6"/>
+          <a:stretch>
+            <a:fillRect/>
+          </a:stretch>
+        </p:blipFill>
+        <p:spPr>
+          <a:xfrm>
+            <a:off x="4891974" y="4122257"/>
+            <a:ext cx="3709766" cy="1583344"/>
+          </a:xfrm>
+          <a:prstGeom prst="rect">
+            <a:avLst/>
+          </a:prstGeom>
+        </p:spPr>
+      </p:pic>
+    </p:spTree>
+    <p:extLst>
+      <p:ext uri="{BB962C8B-B14F-4D97-AF65-F5344CB8AC3E}">
+        <p14:creationId xmlns:p14="http://schemas.microsoft.com/office/powerpoint/2010/main" val="206016068"/>
+      </p:ext>
+    </p:extLst>
+  </p:cSld>
+  <p:clrMapOvr>
+    <a:masterClrMapping/>
+  </p:clrMapOvr>
+</p:sld>
+</file>
+
+<file path=ppt/slides/slide18.xml><?xml version="1.0" encoding="utf-8"?>
+<p:sld xmlns:a="http://schemas.openxmlformats.org/drawingml/2006/main" xmlns:r="http://schemas.openxmlformats.org/officeDocument/2006/relationships" xmlns:p="http://schemas.openxmlformats.org/presentationml/2006/main">
+  <p:cSld>
+    <p:spTree>
+      <p:nvGrpSpPr>
+        <p:cNvPr id="1" name="">
+          <a:extLst>
+            <a:ext uri="{FF2B5EF4-FFF2-40B4-BE49-F238E27FC236}">
+              <a16:creationId xmlns:a16="http://schemas.microsoft.com/office/drawing/2014/main" id="{0D3FC343-36BF-E5E3-00C7-64F1FA848484}"/>
+            </a:ext>
+          </a:extLst>
+        </p:cNvPr>
+        <p:cNvGrpSpPr/>
+        <p:nvPr/>
+      </p:nvGrpSpPr>
+      <p:grpSpPr>
+        <a:xfrm>
+          <a:off x="0" y="0"/>
+          <a:ext cx="0" cy="0"/>
+          <a:chOff x="0" y="0"/>
+          <a:chExt cx="0" cy="0"/>
+        </a:xfrm>
+      </p:grpSpPr>
+      <p:sp>
+        <p:nvSpPr>
+          <p:cNvPr id="4" name="Title 1">
+            <a:extLst>
+              <a:ext uri="{FF2B5EF4-FFF2-40B4-BE49-F238E27FC236}">
+                <a16:creationId xmlns:a16="http://schemas.microsoft.com/office/drawing/2014/main" id="{F1F08337-F198-08FF-A6DA-500C0C0B08B6}"/>
+              </a:ext>
+            </a:extLst>
+          </p:cNvPr>
+          <p:cNvSpPr txBox="1">
+            <a:spLocks/>
+          </p:cNvSpPr>
+          <p:nvPr/>
+        </p:nvSpPr>
+        <p:spPr>
+          <a:xfrm>
+            <a:off x="990600" y="383056"/>
+            <a:ext cx="10515600" cy="853976"/>
+          </a:xfrm>
+          <a:prstGeom prst="rect">
+            <a:avLst/>
+          </a:prstGeom>
+        </p:spPr>
+        <p:txBody>
+          <a:bodyPr vert="horz" lIns="91440" tIns="45720" rIns="91440" bIns="45720" rtlCol="0" anchor="ctr">
+            <a:normAutofit/>
+          </a:bodyPr>
+          <a:lstStyle>
+            <a:lvl1pPr algn="l" defTabSz="914400" rtl="0" eaLnBrk="1" latinLnBrk="0" hangingPunct="1">
+              <a:lnSpc>
+                <a:spcPct val="90000"/>
+              </a:lnSpc>
+              <a:spcBef>
+                <a:spcPct val="0"/>
+              </a:spcBef>
+              <a:buNone/>
+              <a:defRPr sz="3600" b="1" i="0" kern="1200" cap="all" baseline="0">
+                <a:solidFill>
+                  <a:schemeClr val="tx2"/>
+                </a:solidFill>
+                <a:latin typeface="+mj-lt"/>
+                <a:ea typeface="Open Sans Semibold" panose="020B0606030504020204" pitchFamily="34" charset="0"/>
+                <a:cs typeface="Open Sans Semibold" panose="020B0606030504020204" pitchFamily="34" charset="0"/>
+              </a:defRPr>
+            </a:lvl1pPr>
+          </a:lstStyle>
+          <a:p>
+            <a:r>
+              <a:rPr lang="en-US" dirty="0"/>
+              <a:t>TYPESCRIPT – LITERALNI TIPOVI</a:t>
+            </a:r>
+            <a:endParaRPr lang="hr-HR" dirty="0"/>
+          </a:p>
+        </p:txBody>
+      </p:sp>
+      <p:sp>
+        <p:nvSpPr>
+          <p:cNvPr id="21" name="TextBox 20">
+            <a:extLst>
+              <a:ext uri="{FF2B5EF4-FFF2-40B4-BE49-F238E27FC236}">
+                <a16:creationId xmlns:a16="http://schemas.microsoft.com/office/drawing/2014/main" id="{0EE217BB-E012-ED99-83F7-4D644D78D835}"/>
+              </a:ext>
+            </a:extLst>
+          </p:cNvPr>
+          <p:cNvSpPr txBox="1"/>
+          <p:nvPr/>
+        </p:nvSpPr>
+        <p:spPr>
+          <a:xfrm>
+            <a:off x="814226" y="1109854"/>
+            <a:ext cx="8671239" cy="1200329"/>
+          </a:xfrm>
+          <a:prstGeom prst="rect">
+            <a:avLst/>
+          </a:prstGeom>
+          <a:noFill/>
+        </p:spPr>
+        <p:txBody>
+          <a:bodyPr wrap="square">
+            <a:spAutoFit/>
+          </a:bodyPr>
+          <a:lstStyle/>
+          <a:p>
+            <a:pPr>
+              <a:buFont typeface="Arial" panose="020B0604020202020204" pitchFamily="34" charset="0"/>
+              <a:buChar char="•"/>
+            </a:pPr>
+            <a:r>
+              <a:rPr lang="en-US" b="1" dirty="0"/>
+              <a:t> </a:t>
+            </a:r>
+            <a:r>
+              <a:rPr lang="hr-HR" dirty="0"/>
+              <a:t>Umjesto korištenja </a:t>
+            </a:r>
+            <a:r>
+              <a:rPr lang="hr-HR" dirty="0" err="1"/>
+              <a:t>enuma</a:t>
+            </a:r>
+            <a:r>
+              <a:rPr lang="hr-HR" dirty="0"/>
+              <a:t>, možete definirati da varijabla može imati samo određene konkretne vrijednosti.</a:t>
+            </a:r>
+            <a:endParaRPr lang="en-US" dirty="0"/>
+          </a:p>
+          <a:p>
+            <a:pPr>
+              <a:buFont typeface="Arial" panose="020B0604020202020204" pitchFamily="34" charset="0"/>
+              <a:buChar char="•"/>
+            </a:pPr>
+            <a:r>
+              <a:rPr lang="en-US" dirty="0"/>
+              <a:t> </a:t>
+            </a:r>
+            <a:r>
+              <a:rPr lang="hr-HR" dirty="0" err="1"/>
+              <a:t>Literalni</a:t>
+            </a:r>
+            <a:r>
+              <a:rPr lang="hr-HR" dirty="0"/>
+              <a:t> tipovi omogućavaju specificiranje točnih vrijednosti </a:t>
+            </a:r>
+            <a:r>
+              <a:rPr lang="en-US" dirty="0"/>
+              <a:t>(</a:t>
+            </a:r>
+            <a:r>
+              <a:rPr lang="en-US" dirty="0" err="1"/>
+              <a:t>npr.admin</a:t>
+            </a:r>
+            <a:r>
+              <a:rPr lang="en-US" dirty="0"/>
+              <a:t>) </a:t>
+            </a:r>
+            <a:r>
+              <a:rPr lang="hr-HR" dirty="0"/>
+              <a:t>umjesto općih tipova</a:t>
+            </a:r>
+            <a:r>
+              <a:rPr lang="en-US" dirty="0"/>
+              <a:t> (</a:t>
+            </a:r>
+            <a:r>
+              <a:rPr lang="en-US" dirty="0" err="1"/>
+              <a:t>npr.string</a:t>
+            </a:r>
+            <a:r>
+              <a:rPr lang="en-US" dirty="0"/>
+              <a:t>)</a:t>
+            </a:r>
+            <a:endParaRPr lang="hr-HR" dirty="0"/>
+          </a:p>
+        </p:txBody>
+      </p:sp>
+      <p:pic>
+        <p:nvPicPr>
+          <p:cNvPr id="5" name="Picture 4">
+            <a:extLst>
+              <a:ext uri="{FF2B5EF4-FFF2-40B4-BE49-F238E27FC236}">
+                <a16:creationId xmlns:a16="http://schemas.microsoft.com/office/drawing/2014/main" id="{7CC1B2DF-9992-3E92-3D33-FE2FADCDBC31}"/>
+              </a:ext>
+            </a:extLst>
+          </p:cNvPr>
+          <p:cNvPicPr>
+            <a:picLocks noChangeAspect="1"/>
+          </p:cNvPicPr>
+          <p:nvPr/>
+        </p:nvPicPr>
+        <p:blipFill>
+          <a:blip r:embed="rId3"/>
+          <a:stretch>
+            <a:fillRect/>
+          </a:stretch>
+        </p:blipFill>
+        <p:spPr>
+          <a:xfrm>
+            <a:off x="915840" y="2498318"/>
+            <a:ext cx="7096125" cy="1457325"/>
+          </a:xfrm>
+          <a:prstGeom prst="rect">
+            <a:avLst/>
+          </a:prstGeom>
+        </p:spPr>
+      </p:pic>
+      <p:pic>
+        <p:nvPicPr>
+          <p:cNvPr id="7" name="Picture 6">
+            <a:extLst>
+              <a:ext uri="{FF2B5EF4-FFF2-40B4-BE49-F238E27FC236}">
+                <a16:creationId xmlns:a16="http://schemas.microsoft.com/office/drawing/2014/main" id="{14E5CB74-7898-2E53-E881-F29B46860209}"/>
+              </a:ext>
+            </a:extLst>
+          </p:cNvPr>
+          <p:cNvPicPr>
+            <a:picLocks noChangeAspect="1"/>
+          </p:cNvPicPr>
+          <p:nvPr/>
+        </p:nvPicPr>
+        <p:blipFill>
+          <a:blip r:embed="rId4"/>
+          <a:stretch>
+            <a:fillRect/>
+          </a:stretch>
+        </p:blipFill>
+        <p:spPr>
+          <a:xfrm>
+            <a:off x="915840" y="4270966"/>
+            <a:ext cx="5715000" cy="1314450"/>
+          </a:xfrm>
+          <a:prstGeom prst="rect">
+            <a:avLst/>
+          </a:prstGeom>
+        </p:spPr>
+      </p:pic>
+    </p:spTree>
+    <p:extLst>
+      <p:ext uri="{BB962C8B-B14F-4D97-AF65-F5344CB8AC3E}">
+        <p14:creationId xmlns:p14="http://schemas.microsoft.com/office/powerpoint/2010/main" val="1859687599"/>
+      </p:ext>
+    </p:extLst>
+  </p:cSld>
+  <p:clrMapOvr>
+    <a:masterClrMapping/>
+  </p:clrMapOvr>
+</p:sld>
+</file>
+
+<file path=ppt/slides/slide19.xml><?xml version="1.0" encoding="utf-8"?>
+<p:sld xmlns:a="http://schemas.openxmlformats.org/drawingml/2006/main" xmlns:r="http://schemas.openxmlformats.org/officeDocument/2006/relationships" xmlns:p="http://schemas.openxmlformats.org/presentationml/2006/main">
+  <p:cSld>
+    <p:spTree>
+      <p:nvGrpSpPr>
+        <p:cNvPr id="1" name="">
+          <a:extLst>
+            <a:ext uri="{FF2B5EF4-FFF2-40B4-BE49-F238E27FC236}">
+              <a16:creationId xmlns:a16="http://schemas.microsoft.com/office/drawing/2014/main" id="{B287BB01-2487-2793-3028-79169D65CC99}"/>
+            </a:ext>
+          </a:extLst>
+        </p:cNvPr>
+        <p:cNvGrpSpPr/>
+        <p:nvPr/>
+      </p:nvGrpSpPr>
+      <p:grpSpPr>
+        <a:xfrm>
+          <a:off x="0" y="0"/>
+          <a:ext cx="0" cy="0"/>
+          <a:chOff x="0" y="0"/>
+          <a:chExt cx="0" cy="0"/>
+        </a:xfrm>
+      </p:grpSpPr>
+      <p:sp>
+        <p:nvSpPr>
+          <p:cNvPr id="4" name="Title 1">
+            <a:extLst>
+              <a:ext uri="{FF2B5EF4-FFF2-40B4-BE49-F238E27FC236}">
+                <a16:creationId xmlns:a16="http://schemas.microsoft.com/office/drawing/2014/main" id="{654673FE-F918-AFD0-5A85-FC237C45AC92}"/>
+              </a:ext>
+            </a:extLst>
+          </p:cNvPr>
+          <p:cNvSpPr txBox="1">
+            <a:spLocks/>
+          </p:cNvSpPr>
+          <p:nvPr/>
+        </p:nvSpPr>
+        <p:spPr>
+          <a:xfrm>
+            <a:off x="990600" y="383056"/>
+            <a:ext cx="10515600" cy="853976"/>
+          </a:xfrm>
+          <a:prstGeom prst="rect">
+            <a:avLst/>
+          </a:prstGeom>
+        </p:spPr>
+        <p:txBody>
+          <a:bodyPr vert="horz" lIns="91440" tIns="45720" rIns="91440" bIns="45720" rtlCol="0" anchor="ctr">
+            <a:normAutofit/>
+          </a:bodyPr>
+          <a:lstStyle>
+            <a:lvl1pPr algn="l" defTabSz="914400" rtl="0" eaLnBrk="1" latinLnBrk="0" hangingPunct="1">
+              <a:lnSpc>
+                <a:spcPct val="90000"/>
+              </a:lnSpc>
+              <a:spcBef>
+                <a:spcPct val="0"/>
+              </a:spcBef>
+              <a:buNone/>
+              <a:defRPr sz="3600" b="1" i="0" kern="1200" cap="all" baseline="0">
+                <a:solidFill>
+                  <a:schemeClr val="tx2"/>
+                </a:solidFill>
+                <a:latin typeface="+mj-lt"/>
+                <a:ea typeface="Open Sans Semibold" panose="020B0606030504020204" pitchFamily="34" charset="0"/>
+                <a:cs typeface="Open Sans Semibold" panose="020B0606030504020204" pitchFamily="34" charset="0"/>
+              </a:defRPr>
+            </a:lvl1pPr>
+          </a:lstStyle>
+          <a:p>
+            <a:r>
+              <a:rPr lang="en-US" dirty="0"/>
+              <a:t>TYPESCRIPT – ALIAS</a:t>
+            </a:r>
+            <a:endParaRPr lang="hr-HR" dirty="0"/>
+          </a:p>
+        </p:txBody>
+      </p:sp>
+      <p:sp>
+        <p:nvSpPr>
+          <p:cNvPr id="21" name="TextBox 20">
+            <a:extLst>
+              <a:ext uri="{FF2B5EF4-FFF2-40B4-BE49-F238E27FC236}">
+                <a16:creationId xmlns:a16="http://schemas.microsoft.com/office/drawing/2014/main" id="{D794E0A5-8F1C-873A-AD64-511CE43AEA25}"/>
+              </a:ext>
+            </a:extLst>
+          </p:cNvPr>
+          <p:cNvSpPr txBox="1"/>
+          <p:nvPr/>
+        </p:nvSpPr>
+        <p:spPr>
+          <a:xfrm>
+            <a:off x="814226" y="1109854"/>
+            <a:ext cx="8671239" cy="1477328"/>
+          </a:xfrm>
+          <a:prstGeom prst="rect">
+            <a:avLst/>
+          </a:prstGeom>
+          <a:noFill/>
+        </p:spPr>
+        <p:txBody>
+          <a:bodyPr wrap="square">
+            <a:spAutoFit/>
+          </a:bodyPr>
+          <a:lstStyle/>
+          <a:p>
+            <a:pPr>
+              <a:buNone/>
+            </a:pPr>
+            <a:r>
+              <a:rPr lang="hr-HR" b="1" dirty="0"/>
+              <a:t>Problem s Dugim Tip Definicijama:</a:t>
+            </a:r>
+            <a:endParaRPr lang="hr-HR" dirty="0"/>
+          </a:p>
+          <a:p>
+            <a:pPr>
+              <a:buFont typeface="Arial" panose="020B0604020202020204" pitchFamily="34" charset="0"/>
+              <a:buChar char="•"/>
+            </a:pPr>
+            <a:r>
+              <a:rPr lang="hr-HR" dirty="0"/>
+              <a:t>Kombinacija </a:t>
+            </a:r>
+            <a:r>
+              <a:rPr lang="hr-HR" dirty="0" err="1"/>
+              <a:t>literalnih</a:t>
+            </a:r>
+            <a:r>
+              <a:rPr lang="hr-HR" dirty="0"/>
+              <a:t> i unijskih tipova može rezultirati vrlo dugim i ne preglednim tip definicijama.</a:t>
+            </a:r>
+          </a:p>
+          <a:p>
+            <a:pPr>
+              <a:buFont typeface="Arial" panose="020B0604020202020204" pitchFamily="34" charset="0"/>
+              <a:buChar char="•"/>
+            </a:pPr>
+            <a:r>
+              <a:rPr lang="hr-HR" dirty="0"/>
+              <a:t>Kopiranje iste definicije na više mjesta povećava rizik od grešaka ako se kasnije nešto promijeni.</a:t>
+            </a:r>
+          </a:p>
+        </p:txBody>
+      </p:sp>
+      <p:sp>
+        <p:nvSpPr>
+          <p:cNvPr id="2" name="TextBox 1">
+            <a:extLst>
+              <a:ext uri="{FF2B5EF4-FFF2-40B4-BE49-F238E27FC236}">
+                <a16:creationId xmlns:a16="http://schemas.microsoft.com/office/drawing/2014/main" id="{2504EAE6-3C6F-B3BF-74BE-C7E998C5E9AC}"/>
+              </a:ext>
+            </a:extLst>
+          </p:cNvPr>
+          <p:cNvSpPr txBox="1"/>
+          <p:nvPr/>
+        </p:nvSpPr>
+        <p:spPr>
+          <a:xfrm>
+            <a:off x="833719" y="2979412"/>
+            <a:ext cx="8671239" cy="1200329"/>
+          </a:xfrm>
+          <a:prstGeom prst="rect">
+            <a:avLst/>
+          </a:prstGeom>
+          <a:noFill/>
+        </p:spPr>
+        <p:txBody>
+          <a:bodyPr wrap="square">
+            <a:spAutoFit/>
+          </a:bodyPr>
+          <a:lstStyle/>
+          <a:p>
+            <a:pPr>
+              <a:buNone/>
+            </a:pPr>
+            <a:r>
+              <a:rPr lang="hr-HR" b="1" dirty="0"/>
+              <a:t>Rješenje: </a:t>
+            </a:r>
+            <a:r>
+              <a:rPr lang="hr-HR" b="1" dirty="0" err="1"/>
+              <a:t>Type</a:t>
+            </a:r>
+            <a:r>
+              <a:rPr lang="hr-HR" b="1" dirty="0"/>
+              <a:t> Alias (Tip Prečac):</a:t>
+            </a:r>
+            <a:endParaRPr lang="hr-HR" dirty="0"/>
+          </a:p>
+          <a:p>
+            <a:pPr>
+              <a:buFont typeface="Arial" panose="020B0604020202020204" pitchFamily="34" charset="0"/>
+              <a:buChar char="•"/>
+            </a:pPr>
+            <a:r>
+              <a:rPr lang="hr-HR" dirty="0" err="1"/>
+              <a:t>TypeScript</a:t>
+            </a:r>
+            <a:r>
+              <a:rPr lang="hr-HR" dirty="0"/>
+              <a:t> omogućava kreiranje prilagođenih tipova pomoću ključne riječi</a:t>
+            </a:r>
+            <a:r>
+              <a:rPr lang="en-US" dirty="0"/>
+              <a:t> </a:t>
+            </a:r>
+            <a:r>
+              <a:rPr lang="en-US" b="1" dirty="0"/>
+              <a:t>type</a:t>
+            </a:r>
+          </a:p>
+          <a:p>
+            <a:pPr>
+              <a:buFont typeface="Arial" panose="020B0604020202020204" pitchFamily="34" charset="0"/>
+              <a:buChar char="•"/>
+            </a:pPr>
+            <a:r>
+              <a:rPr lang="hr-HR" dirty="0"/>
+              <a:t>Time jednom definirani tip možete koristiti na više mjesta u kodu, čime se smanjuje dupliciranje i povećava konzistentnost.</a:t>
+            </a:r>
+            <a:endParaRPr lang="hr-HR" b="1" dirty="0"/>
+          </a:p>
+        </p:txBody>
+      </p:sp>
+    </p:spTree>
+    <p:extLst>
+      <p:ext uri="{BB962C8B-B14F-4D97-AF65-F5344CB8AC3E}">
+        <p14:creationId xmlns:p14="http://schemas.microsoft.com/office/powerpoint/2010/main" val="3213475699"/>
       </p:ext>
     </p:extLst>
   </p:cSld>
@@ -15170,6 +17480,2210 @@
     <p:extLst>
       <p:ext uri="{BB962C8B-B14F-4D97-AF65-F5344CB8AC3E}">
         <p14:creationId xmlns:p14="http://schemas.microsoft.com/office/powerpoint/2010/main" val="4089507502"/>
+      </p:ext>
+    </p:extLst>
+  </p:cSld>
+  <p:clrMapOvr>
+    <a:masterClrMapping/>
+  </p:clrMapOvr>
+</p:sld>
+</file>
+
+<file path=ppt/slides/slide20.xml><?xml version="1.0" encoding="utf-8"?>
+<p:sld xmlns:a="http://schemas.openxmlformats.org/drawingml/2006/main" xmlns:r="http://schemas.openxmlformats.org/officeDocument/2006/relationships" xmlns:p="http://schemas.openxmlformats.org/presentationml/2006/main">
+  <p:cSld>
+    <p:spTree>
+      <p:nvGrpSpPr>
+        <p:cNvPr id="1" name="">
+          <a:extLst>
+            <a:ext uri="{FF2B5EF4-FFF2-40B4-BE49-F238E27FC236}">
+              <a16:creationId xmlns:a16="http://schemas.microsoft.com/office/drawing/2014/main" id="{100FECCE-2513-9065-089D-C3534A2DA5B8}"/>
+            </a:ext>
+          </a:extLst>
+        </p:cNvPr>
+        <p:cNvGrpSpPr/>
+        <p:nvPr/>
+      </p:nvGrpSpPr>
+      <p:grpSpPr>
+        <a:xfrm>
+          <a:off x="0" y="0"/>
+          <a:ext cx="0" cy="0"/>
+          <a:chOff x="0" y="0"/>
+          <a:chExt cx="0" cy="0"/>
+        </a:xfrm>
+      </p:grpSpPr>
+      <p:sp>
+        <p:nvSpPr>
+          <p:cNvPr id="4" name="Title 1">
+            <a:extLst>
+              <a:ext uri="{FF2B5EF4-FFF2-40B4-BE49-F238E27FC236}">
+                <a16:creationId xmlns:a16="http://schemas.microsoft.com/office/drawing/2014/main" id="{619A2429-2EEA-1861-F540-71F98BB6C850}"/>
+              </a:ext>
+            </a:extLst>
+          </p:cNvPr>
+          <p:cNvSpPr txBox="1">
+            <a:spLocks/>
+          </p:cNvSpPr>
+          <p:nvPr/>
+        </p:nvSpPr>
+        <p:spPr>
+          <a:xfrm>
+            <a:off x="990600" y="383056"/>
+            <a:ext cx="10515600" cy="853976"/>
+          </a:xfrm>
+          <a:prstGeom prst="rect">
+            <a:avLst/>
+          </a:prstGeom>
+        </p:spPr>
+        <p:txBody>
+          <a:bodyPr vert="horz" lIns="91440" tIns="45720" rIns="91440" bIns="45720" rtlCol="0" anchor="ctr">
+            <a:normAutofit/>
+          </a:bodyPr>
+          <a:lstStyle>
+            <a:lvl1pPr algn="l" defTabSz="914400" rtl="0" eaLnBrk="1" latinLnBrk="0" hangingPunct="1">
+              <a:lnSpc>
+                <a:spcPct val="90000"/>
+              </a:lnSpc>
+              <a:spcBef>
+                <a:spcPct val="0"/>
+              </a:spcBef>
+              <a:buNone/>
+              <a:defRPr sz="3600" b="1" i="0" kern="1200" cap="all" baseline="0">
+                <a:solidFill>
+                  <a:schemeClr val="tx2"/>
+                </a:solidFill>
+                <a:latin typeface="+mj-lt"/>
+                <a:ea typeface="Open Sans Semibold" panose="020B0606030504020204" pitchFamily="34" charset="0"/>
+                <a:cs typeface="Open Sans Semibold" panose="020B0606030504020204" pitchFamily="34" charset="0"/>
+              </a:defRPr>
+            </a:lvl1pPr>
+          </a:lstStyle>
+          <a:p>
+            <a:r>
+              <a:rPr lang="en-US" dirty="0"/>
+              <a:t>TYPESCRIPT – ALIAS</a:t>
+            </a:r>
+            <a:endParaRPr lang="hr-HR" dirty="0"/>
+          </a:p>
+        </p:txBody>
+      </p:sp>
+      <p:pic>
+        <p:nvPicPr>
+          <p:cNvPr id="5" name="Picture 4">
+            <a:extLst>
+              <a:ext uri="{FF2B5EF4-FFF2-40B4-BE49-F238E27FC236}">
+                <a16:creationId xmlns:a16="http://schemas.microsoft.com/office/drawing/2014/main" id="{89D04474-D166-50BB-A9A2-1C525C8E5F3B}"/>
+              </a:ext>
+            </a:extLst>
+          </p:cNvPr>
+          <p:cNvPicPr>
+            <a:picLocks noChangeAspect="1"/>
+          </p:cNvPicPr>
+          <p:nvPr/>
+        </p:nvPicPr>
+        <p:blipFill>
+          <a:blip r:embed="rId3"/>
+          <a:stretch>
+            <a:fillRect/>
+          </a:stretch>
+        </p:blipFill>
+        <p:spPr>
+          <a:xfrm>
+            <a:off x="1098920" y="1454445"/>
+            <a:ext cx="4210050" cy="419100"/>
+          </a:xfrm>
+          <a:prstGeom prst="rect">
+            <a:avLst/>
+          </a:prstGeom>
+        </p:spPr>
+      </p:pic>
+      <p:pic>
+        <p:nvPicPr>
+          <p:cNvPr id="7" name="Picture 6">
+            <a:extLst>
+              <a:ext uri="{FF2B5EF4-FFF2-40B4-BE49-F238E27FC236}">
+                <a16:creationId xmlns:a16="http://schemas.microsoft.com/office/drawing/2014/main" id="{BD6BD528-7EC8-D54C-8D88-A6C65CFF6EE4}"/>
+              </a:ext>
+            </a:extLst>
+          </p:cNvPr>
+          <p:cNvPicPr>
+            <a:picLocks noChangeAspect="1"/>
+          </p:cNvPicPr>
+          <p:nvPr/>
+        </p:nvPicPr>
+        <p:blipFill>
+          <a:blip r:embed="rId4"/>
+          <a:stretch>
+            <a:fillRect/>
+          </a:stretch>
+        </p:blipFill>
+        <p:spPr>
+          <a:xfrm>
+            <a:off x="1104900" y="2100262"/>
+            <a:ext cx="5143500" cy="885825"/>
+          </a:xfrm>
+          <a:prstGeom prst="rect">
+            <a:avLst/>
+          </a:prstGeom>
+        </p:spPr>
+      </p:pic>
+      <p:pic>
+        <p:nvPicPr>
+          <p:cNvPr id="9" name="Picture 8">
+            <a:extLst>
+              <a:ext uri="{FF2B5EF4-FFF2-40B4-BE49-F238E27FC236}">
+                <a16:creationId xmlns:a16="http://schemas.microsoft.com/office/drawing/2014/main" id="{77872D64-855C-8AD7-85D6-015C702E68B1}"/>
+              </a:ext>
+            </a:extLst>
+          </p:cNvPr>
+          <p:cNvPicPr>
+            <a:picLocks noChangeAspect="1"/>
+          </p:cNvPicPr>
+          <p:nvPr/>
+        </p:nvPicPr>
+        <p:blipFill>
+          <a:blip r:embed="rId5"/>
+          <a:stretch>
+            <a:fillRect/>
+          </a:stretch>
+        </p:blipFill>
+        <p:spPr>
+          <a:xfrm>
+            <a:off x="1098920" y="3177361"/>
+            <a:ext cx="3800475" cy="1247775"/>
+          </a:xfrm>
+          <a:prstGeom prst="rect">
+            <a:avLst/>
+          </a:prstGeom>
+        </p:spPr>
+      </p:pic>
+      <p:pic>
+        <p:nvPicPr>
+          <p:cNvPr id="11" name="Picture 10">
+            <a:extLst>
+              <a:ext uri="{FF2B5EF4-FFF2-40B4-BE49-F238E27FC236}">
+                <a16:creationId xmlns:a16="http://schemas.microsoft.com/office/drawing/2014/main" id="{F6140AE8-05A6-1BF2-8AC9-407053CAC8E2}"/>
+              </a:ext>
+            </a:extLst>
+          </p:cNvPr>
+          <p:cNvPicPr>
+            <a:picLocks noChangeAspect="1"/>
+          </p:cNvPicPr>
+          <p:nvPr/>
+        </p:nvPicPr>
+        <p:blipFill>
+          <a:blip r:embed="rId6"/>
+          <a:stretch>
+            <a:fillRect/>
+          </a:stretch>
+        </p:blipFill>
+        <p:spPr>
+          <a:xfrm>
+            <a:off x="7864992" y="1454445"/>
+            <a:ext cx="2628900" cy="3209925"/>
+          </a:xfrm>
+          <a:prstGeom prst="rect">
+            <a:avLst/>
+          </a:prstGeom>
+        </p:spPr>
+      </p:pic>
+    </p:spTree>
+    <p:extLst>
+      <p:ext uri="{BB962C8B-B14F-4D97-AF65-F5344CB8AC3E}">
+        <p14:creationId xmlns:p14="http://schemas.microsoft.com/office/powerpoint/2010/main" val="2266154636"/>
+      </p:ext>
+    </p:extLst>
+  </p:cSld>
+  <p:clrMapOvr>
+    <a:masterClrMapping/>
+  </p:clrMapOvr>
+</p:sld>
+</file>
+
+<file path=ppt/slides/slide21.xml><?xml version="1.0" encoding="utf-8"?>
+<p:sld xmlns:a="http://schemas.openxmlformats.org/drawingml/2006/main" xmlns:r="http://schemas.openxmlformats.org/officeDocument/2006/relationships" xmlns:p="http://schemas.openxmlformats.org/presentationml/2006/main">
+  <p:cSld>
+    <p:spTree>
+      <p:nvGrpSpPr>
+        <p:cNvPr id="1" name="">
+          <a:extLst>
+            <a:ext uri="{FF2B5EF4-FFF2-40B4-BE49-F238E27FC236}">
+              <a16:creationId xmlns:a16="http://schemas.microsoft.com/office/drawing/2014/main" id="{B7F3FA8F-0FFE-2652-1830-DA916E45A785}"/>
+            </a:ext>
+          </a:extLst>
+        </p:cNvPr>
+        <p:cNvGrpSpPr/>
+        <p:nvPr/>
+      </p:nvGrpSpPr>
+      <p:grpSpPr>
+        <a:xfrm>
+          <a:off x="0" y="0"/>
+          <a:ext cx="0" cy="0"/>
+          <a:chOff x="0" y="0"/>
+          <a:chExt cx="0" cy="0"/>
+        </a:xfrm>
+      </p:grpSpPr>
+      <p:sp>
+        <p:nvSpPr>
+          <p:cNvPr id="4" name="Title 1">
+            <a:extLst>
+              <a:ext uri="{FF2B5EF4-FFF2-40B4-BE49-F238E27FC236}">
+                <a16:creationId xmlns:a16="http://schemas.microsoft.com/office/drawing/2014/main" id="{FA7EE2F4-44DA-1F60-C4C0-8671253F399A}"/>
+              </a:ext>
+            </a:extLst>
+          </p:cNvPr>
+          <p:cNvSpPr txBox="1">
+            <a:spLocks/>
+          </p:cNvSpPr>
+          <p:nvPr/>
+        </p:nvSpPr>
+        <p:spPr>
+          <a:xfrm>
+            <a:off x="990600" y="383056"/>
+            <a:ext cx="10515600" cy="853976"/>
+          </a:xfrm>
+          <a:prstGeom prst="rect">
+            <a:avLst/>
+          </a:prstGeom>
+        </p:spPr>
+        <p:txBody>
+          <a:bodyPr vert="horz" lIns="91440" tIns="45720" rIns="91440" bIns="45720" rtlCol="0" anchor="ctr">
+            <a:normAutofit/>
+          </a:bodyPr>
+          <a:lstStyle>
+            <a:lvl1pPr algn="l" defTabSz="914400" rtl="0" eaLnBrk="1" latinLnBrk="0" hangingPunct="1">
+              <a:lnSpc>
+                <a:spcPct val="90000"/>
+              </a:lnSpc>
+              <a:spcBef>
+                <a:spcPct val="0"/>
+              </a:spcBef>
+              <a:buNone/>
+              <a:defRPr sz="3600" b="1" i="0" kern="1200" cap="all" baseline="0">
+                <a:solidFill>
+                  <a:schemeClr val="tx2"/>
+                </a:solidFill>
+                <a:latin typeface="+mj-lt"/>
+                <a:ea typeface="Open Sans Semibold" panose="020B0606030504020204" pitchFamily="34" charset="0"/>
+                <a:cs typeface="Open Sans Semibold" panose="020B0606030504020204" pitchFamily="34" charset="0"/>
+              </a:defRPr>
+            </a:lvl1pPr>
+          </a:lstStyle>
+          <a:p>
+            <a:r>
+              <a:rPr lang="en-US" dirty="0"/>
+              <a:t>TYPESCRIPT – RETURN</a:t>
+            </a:r>
+            <a:endParaRPr lang="hr-HR" dirty="0"/>
+          </a:p>
+        </p:txBody>
+      </p:sp>
+      <p:pic>
+        <p:nvPicPr>
+          <p:cNvPr id="3" name="Picture 2">
+            <a:extLst>
+              <a:ext uri="{FF2B5EF4-FFF2-40B4-BE49-F238E27FC236}">
+                <a16:creationId xmlns:a16="http://schemas.microsoft.com/office/drawing/2014/main" id="{4270A440-59D4-5CE8-6578-9C7E7D57DAD3}"/>
+              </a:ext>
+            </a:extLst>
+          </p:cNvPr>
+          <p:cNvPicPr>
+            <a:picLocks noChangeAspect="1"/>
+          </p:cNvPicPr>
+          <p:nvPr/>
+        </p:nvPicPr>
+        <p:blipFill>
+          <a:blip r:embed="rId3"/>
+          <a:stretch>
+            <a:fillRect/>
+          </a:stretch>
+        </p:blipFill>
+        <p:spPr>
+          <a:xfrm>
+            <a:off x="1103239" y="1320652"/>
+            <a:ext cx="9496425" cy="952500"/>
+          </a:xfrm>
+          <a:prstGeom prst="rect">
+            <a:avLst/>
+          </a:prstGeom>
+        </p:spPr>
+      </p:pic>
+      <p:pic>
+        <p:nvPicPr>
+          <p:cNvPr id="8" name="Picture 7">
+            <a:extLst>
+              <a:ext uri="{FF2B5EF4-FFF2-40B4-BE49-F238E27FC236}">
+                <a16:creationId xmlns:a16="http://schemas.microsoft.com/office/drawing/2014/main" id="{665B3EFC-3D22-E3D1-426A-327FB49F8F61}"/>
+              </a:ext>
+            </a:extLst>
+          </p:cNvPr>
+          <p:cNvPicPr>
+            <a:picLocks noChangeAspect="1"/>
+          </p:cNvPicPr>
+          <p:nvPr/>
+        </p:nvPicPr>
+        <p:blipFill>
+          <a:blip r:embed="rId4"/>
+          <a:stretch>
+            <a:fillRect/>
+          </a:stretch>
+        </p:blipFill>
+        <p:spPr>
+          <a:xfrm>
+            <a:off x="1103239" y="2643519"/>
+            <a:ext cx="3724275" cy="1028700"/>
+          </a:xfrm>
+          <a:prstGeom prst="rect">
+            <a:avLst/>
+          </a:prstGeom>
+        </p:spPr>
+      </p:pic>
+      <p:pic>
+        <p:nvPicPr>
+          <p:cNvPr id="13" name="Picture 12">
+            <a:extLst>
+              <a:ext uri="{FF2B5EF4-FFF2-40B4-BE49-F238E27FC236}">
+                <a16:creationId xmlns:a16="http://schemas.microsoft.com/office/drawing/2014/main" id="{95C30F9C-DF61-5E5B-9CE7-24B9B32C2829}"/>
+              </a:ext>
+            </a:extLst>
+          </p:cNvPr>
+          <p:cNvPicPr>
+            <a:picLocks noChangeAspect="1"/>
+          </p:cNvPicPr>
+          <p:nvPr/>
+        </p:nvPicPr>
+        <p:blipFill>
+          <a:blip r:embed="rId5"/>
+          <a:stretch>
+            <a:fillRect/>
+          </a:stretch>
+        </p:blipFill>
+        <p:spPr>
+          <a:xfrm>
+            <a:off x="1103239" y="3979853"/>
+            <a:ext cx="5255363" cy="1390695"/>
+          </a:xfrm>
+          <a:prstGeom prst="rect">
+            <a:avLst/>
+          </a:prstGeom>
+        </p:spPr>
+      </p:pic>
+    </p:spTree>
+    <p:extLst>
+      <p:ext uri="{BB962C8B-B14F-4D97-AF65-F5344CB8AC3E}">
+        <p14:creationId xmlns:p14="http://schemas.microsoft.com/office/powerpoint/2010/main" val="2045948352"/>
+      </p:ext>
+    </p:extLst>
+  </p:cSld>
+  <p:clrMapOvr>
+    <a:masterClrMapping/>
+  </p:clrMapOvr>
+</p:sld>
+</file>
+
+<file path=ppt/slides/slide22.xml><?xml version="1.0" encoding="utf-8"?>
+<p:sld xmlns:a="http://schemas.openxmlformats.org/drawingml/2006/main" xmlns:r="http://schemas.openxmlformats.org/officeDocument/2006/relationships" xmlns:p="http://schemas.openxmlformats.org/presentationml/2006/main">
+  <p:cSld>
+    <p:spTree>
+      <p:nvGrpSpPr>
+        <p:cNvPr id="1" name="">
+          <a:extLst>
+            <a:ext uri="{FF2B5EF4-FFF2-40B4-BE49-F238E27FC236}">
+              <a16:creationId xmlns:a16="http://schemas.microsoft.com/office/drawing/2014/main" id="{CF1273C8-B25A-DB2F-4F2A-E3114E1F5EAA}"/>
+            </a:ext>
+          </a:extLst>
+        </p:cNvPr>
+        <p:cNvGrpSpPr/>
+        <p:nvPr/>
+      </p:nvGrpSpPr>
+      <p:grpSpPr>
+        <a:xfrm>
+          <a:off x="0" y="0"/>
+          <a:ext cx="0" cy="0"/>
+          <a:chOff x="0" y="0"/>
+          <a:chExt cx="0" cy="0"/>
+        </a:xfrm>
+      </p:grpSpPr>
+      <p:sp>
+        <p:nvSpPr>
+          <p:cNvPr id="4" name="Title 1">
+            <a:extLst>
+              <a:ext uri="{FF2B5EF4-FFF2-40B4-BE49-F238E27FC236}">
+                <a16:creationId xmlns:a16="http://schemas.microsoft.com/office/drawing/2014/main" id="{81051637-A1CE-0DFF-A831-FB14FB673051}"/>
+              </a:ext>
+            </a:extLst>
+          </p:cNvPr>
+          <p:cNvSpPr txBox="1">
+            <a:spLocks/>
+          </p:cNvSpPr>
+          <p:nvPr/>
+        </p:nvSpPr>
+        <p:spPr>
+          <a:xfrm>
+            <a:off x="990600" y="383056"/>
+            <a:ext cx="10515600" cy="853976"/>
+          </a:xfrm>
+          <a:prstGeom prst="rect">
+            <a:avLst/>
+          </a:prstGeom>
+        </p:spPr>
+        <p:txBody>
+          <a:bodyPr vert="horz" lIns="91440" tIns="45720" rIns="91440" bIns="45720" rtlCol="0" anchor="ctr">
+            <a:normAutofit/>
+          </a:bodyPr>
+          <a:lstStyle>
+            <a:lvl1pPr algn="l" defTabSz="914400" rtl="0" eaLnBrk="1" latinLnBrk="0" hangingPunct="1">
+              <a:lnSpc>
+                <a:spcPct val="90000"/>
+              </a:lnSpc>
+              <a:spcBef>
+                <a:spcPct val="0"/>
+              </a:spcBef>
+              <a:buNone/>
+              <a:defRPr sz="3600" b="1" i="0" kern="1200" cap="all" baseline="0">
+                <a:solidFill>
+                  <a:schemeClr val="tx2"/>
+                </a:solidFill>
+                <a:latin typeface="+mj-lt"/>
+                <a:ea typeface="Open Sans Semibold" panose="020B0606030504020204" pitchFamily="34" charset="0"/>
+                <a:cs typeface="Open Sans Semibold" panose="020B0606030504020204" pitchFamily="34" charset="0"/>
+              </a:defRPr>
+            </a:lvl1pPr>
+          </a:lstStyle>
+          <a:p>
+            <a:r>
+              <a:rPr lang="en-US" dirty="0"/>
+              <a:t>TYPESCRIPT – RETURN</a:t>
+            </a:r>
+            <a:endParaRPr lang="hr-HR" dirty="0"/>
+          </a:p>
+        </p:txBody>
+      </p:sp>
+      <p:pic>
+        <p:nvPicPr>
+          <p:cNvPr id="5" name="Picture 4">
+            <a:extLst>
+              <a:ext uri="{FF2B5EF4-FFF2-40B4-BE49-F238E27FC236}">
+                <a16:creationId xmlns:a16="http://schemas.microsoft.com/office/drawing/2014/main" id="{379F8991-CA45-2705-3029-8B019C6726D1}"/>
+              </a:ext>
+            </a:extLst>
+          </p:cNvPr>
+          <p:cNvPicPr>
+            <a:picLocks noChangeAspect="1"/>
+          </p:cNvPicPr>
+          <p:nvPr/>
+        </p:nvPicPr>
+        <p:blipFill>
+          <a:blip r:embed="rId3"/>
+          <a:stretch>
+            <a:fillRect/>
+          </a:stretch>
+        </p:blipFill>
+        <p:spPr>
+          <a:xfrm>
+            <a:off x="1086293" y="2480069"/>
+            <a:ext cx="5473995" cy="1330485"/>
+          </a:xfrm>
+          <a:prstGeom prst="rect">
+            <a:avLst/>
+          </a:prstGeom>
+        </p:spPr>
+      </p:pic>
+      <p:sp>
+        <p:nvSpPr>
+          <p:cNvPr id="6" name="TextBox 5">
+            <a:extLst>
+              <a:ext uri="{FF2B5EF4-FFF2-40B4-BE49-F238E27FC236}">
+                <a16:creationId xmlns:a16="http://schemas.microsoft.com/office/drawing/2014/main" id="{BEB537AB-95E8-36F2-6392-62970B574F4B}"/>
+              </a:ext>
+            </a:extLst>
+          </p:cNvPr>
+          <p:cNvSpPr txBox="1"/>
+          <p:nvPr/>
+        </p:nvSpPr>
+        <p:spPr>
+          <a:xfrm>
+            <a:off x="1012701" y="1349714"/>
+            <a:ext cx="8671239" cy="646331"/>
+          </a:xfrm>
+          <a:prstGeom prst="rect">
+            <a:avLst/>
+          </a:prstGeom>
+          <a:noFill/>
+        </p:spPr>
+        <p:txBody>
+          <a:bodyPr wrap="square">
+            <a:spAutoFit/>
+          </a:bodyPr>
+          <a:lstStyle/>
+          <a:p>
+            <a:pPr>
+              <a:buNone/>
+            </a:pPr>
+            <a:r>
+              <a:rPr lang="en-US" b="1" dirty="0"/>
+              <a:t>never </a:t>
+            </a:r>
+            <a:r>
+              <a:rPr lang="hr-HR" dirty="0"/>
+              <a:t>označava funkcije koje se nikada ne završavaju normalno, npr. zbog bacanja greške</a:t>
+            </a:r>
+          </a:p>
+        </p:txBody>
+      </p:sp>
+    </p:spTree>
+    <p:extLst>
+      <p:ext uri="{BB962C8B-B14F-4D97-AF65-F5344CB8AC3E}">
+        <p14:creationId xmlns:p14="http://schemas.microsoft.com/office/powerpoint/2010/main" val="2539092851"/>
+      </p:ext>
+    </p:extLst>
+  </p:cSld>
+  <p:clrMapOvr>
+    <a:masterClrMapping/>
+  </p:clrMapOvr>
+</p:sld>
+</file>
+
+<file path=ppt/slides/slide23.xml><?xml version="1.0" encoding="utf-8"?>
+<p:sld xmlns:a="http://schemas.openxmlformats.org/drawingml/2006/main" xmlns:r="http://schemas.openxmlformats.org/officeDocument/2006/relationships" xmlns:p="http://schemas.openxmlformats.org/presentationml/2006/main">
+  <p:cSld>
+    <p:spTree>
+      <p:nvGrpSpPr>
+        <p:cNvPr id="1" name="">
+          <a:extLst>
+            <a:ext uri="{FF2B5EF4-FFF2-40B4-BE49-F238E27FC236}">
+              <a16:creationId xmlns:a16="http://schemas.microsoft.com/office/drawing/2014/main" id="{5AB52721-B96F-9253-7BDD-34ABC4048B49}"/>
+            </a:ext>
+          </a:extLst>
+        </p:cNvPr>
+        <p:cNvGrpSpPr/>
+        <p:nvPr/>
+      </p:nvGrpSpPr>
+      <p:grpSpPr>
+        <a:xfrm>
+          <a:off x="0" y="0"/>
+          <a:ext cx="0" cy="0"/>
+          <a:chOff x="0" y="0"/>
+          <a:chExt cx="0" cy="0"/>
+        </a:xfrm>
+      </p:grpSpPr>
+      <p:sp>
+        <p:nvSpPr>
+          <p:cNvPr id="4" name="Title 1">
+            <a:extLst>
+              <a:ext uri="{FF2B5EF4-FFF2-40B4-BE49-F238E27FC236}">
+                <a16:creationId xmlns:a16="http://schemas.microsoft.com/office/drawing/2014/main" id="{C4EC823E-6114-665D-E356-BBD076EBDBF3}"/>
+              </a:ext>
+            </a:extLst>
+          </p:cNvPr>
+          <p:cNvSpPr txBox="1">
+            <a:spLocks/>
+          </p:cNvSpPr>
+          <p:nvPr/>
+        </p:nvSpPr>
+        <p:spPr>
+          <a:xfrm>
+            <a:off x="990600" y="383056"/>
+            <a:ext cx="10515600" cy="853976"/>
+          </a:xfrm>
+          <a:prstGeom prst="rect">
+            <a:avLst/>
+          </a:prstGeom>
+        </p:spPr>
+        <p:txBody>
+          <a:bodyPr vert="horz" lIns="91440" tIns="45720" rIns="91440" bIns="45720" rtlCol="0" anchor="ctr">
+            <a:normAutofit/>
+          </a:bodyPr>
+          <a:lstStyle>
+            <a:lvl1pPr algn="l" defTabSz="914400" rtl="0" eaLnBrk="1" latinLnBrk="0" hangingPunct="1">
+              <a:lnSpc>
+                <a:spcPct val="90000"/>
+              </a:lnSpc>
+              <a:spcBef>
+                <a:spcPct val="0"/>
+              </a:spcBef>
+              <a:buNone/>
+              <a:defRPr sz="3600" b="1" i="0" kern="1200" cap="all" baseline="0">
+                <a:solidFill>
+                  <a:schemeClr val="tx2"/>
+                </a:solidFill>
+                <a:latin typeface="+mj-lt"/>
+                <a:ea typeface="Open Sans Semibold" panose="020B0606030504020204" pitchFamily="34" charset="0"/>
+                <a:cs typeface="Open Sans Semibold" panose="020B0606030504020204" pitchFamily="34" charset="0"/>
+              </a:defRPr>
+            </a:lvl1pPr>
+          </a:lstStyle>
+          <a:p>
+            <a:r>
+              <a:rPr lang="en-US" dirty="0"/>
+              <a:t>TYPESCRIPT – FUNCTIONS AS VALUES</a:t>
+            </a:r>
+            <a:endParaRPr lang="hr-HR" dirty="0"/>
+          </a:p>
+        </p:txBody>
+      </p:sp>
+      <p:sp>
+        <p:nvSpPr>
+          <p:cNvPr id="2" name="TextBox 1">
+            <a:extLst>
+              <a:ext uri="{FF2B5EF4-FFF2-40B4-BE49-F238E27FC236}">
+                <a16:creationId xmlns:a16="http://schemas.microsoft.com/office/drawing/2014/main" id="{2D5ED08E-79CD-0409-3299-CC7D1A725BC1}"/>
+              </a:ext>
+            </a:extLst>
+          </p:cNvPr>
+          <p:cNvSpPr txBox="1"/>
+          <p:nvPr/>
+        </p:nvSpPr>
+        <p:spPr>
+          <a:xfrm>
+            <a:off x="1108394" y="1663374"/>
+            <a:ext cx="8671239" cy="2308324"/>
+          </a:xfrm>
+          <a:prstGeom prst="rect">
+            <a:avLst/>
+          </a:prstGeom>
+          <a:noFill/>
+        </p:spPr>
+        <p:txBody>
+          <a:bodyPr wrap="square">
+            <a:spAutoFit/>
+          </a:bodyPr>
+          <a:lstStyle/>
+          <a:p>
+            <a:pPr>
+              <a:buNone/>
+            </a:pPr>
+            <a:r>
+              <a:rPr lang="hr-HR" dirty="0"/>
+              <a:t>Funkcije kao vrijednosti: Omogućuju fleksibilno prosljeđivanje funkcija kao argumenata i pohranu u varijable.</a:t>
+            </a:r>
+            <a:endParaRPr lang="en-US" dirty="0"/>
+          </a:p>
+          <a:p>
+            <a:pPr>
+              <a:buNone/>
+            </a:pPr>
+            <a:br>
+              <a:rPr lang="hr-HR" dirty="0"/>
+            </a:br>
+            <a:r>
+              <a:rPr lang="hr-HR" dirty="0"/>
+              <a:t>Funkcijski tipovi: Pomažu specificirati točno što se očekuje od </a:t>
+            </a:r>
+            <a:r>
+              <a:rPr lang="hr-HR" dirty="0" err="1"/>
+              <a:t>callback</a:t>
+            </a:r>
+            <a:r>
+              <a:rPr lang="hr-HR" dirty="0"/>
+              <a:t> funkcija ili metoda unutar objekata, uključujući tipove parametara i povratnu vrijednost.</a:t>
+            </a:r>
+            <a:endParaRPr lang="en-US" dirty="0"/>
+          </a:p>
+          <a:p>
+            <a:pPr>
+              <a:buNone/>
+            </a:pPr>
+            <a:br>
+              <a:rPr lang="hr-HR" dirty="0"/>
+            </a:br>
+            <a:r>
+              <a:rPr lang="hr-HR" dirty="0"/>
+              <a:t>Praktična primjena: Koristite ovu sintaksu za osiguranje sigurnosti tipova, što poboljšava čitljivost i održavanje koda u </a:t>
+            </a:r>
+            <a:r>
+              <a:rPr lang="hr-HR" dirty="0" err="1"/>
+              <a:t>TypeScript</a:t>
+            </a:r>
+            <a:r>
+              <a:rPr lang="hr-HR" dirty="0"/>
+              <a:t> projektima.</a:t>
+            </a:r>
+          </a:p>
+        </p:txBody>
+      </p:sp>
+    </p:spTree>
+    <p:extLst>
+      <p:ext uri="{BB962C8B-B14F-4D97-AF65-F5344CB8AC3E}">
+        <p14:creationId xmlns:p14="http://schemas.microsoft.com/office/powerpoint/2010/main" val="3850611104"/>
+      </p:ext>
+    </p:extLst>
+  </p:cSld>
+  <p:clrMapOvr>
+    <a:masterClrMapping/>
+  </p:clrMapOvr>
+</p:sld>
+</file>
+
+<file path=ppt/slides/slide24.xml><?xml version="1.0" encoding="utf-8"?>
+<p:sld xmlns:a="http://schemas.openxmlformats.org/drawingml/2006/main" xmlns:r="http://schemas.openxmlformats.org/officeDocument/2006/relationships" xmlns:p="http://schemas.openxmlformats.org/presentationml/2006/main">
+  <p:cSld>
+    <p:spTree>
+      <p:nvGrpSpPr>
+        <p:cNvPr id="1" name="">
+          <a:extLst>
+            <a:ext uri="{FF2B5EF4-FFF2-40B4-BE49-F238E27FC236}">
+              <a16:creationId xmlns:a16="http://schemas.microsoft.com/office/drawing/2014/main" id="{7B0E1068-459E-182E-D8CF-6BF890DF0739}"/>
+            </a:ext>
+          </a:extLst>
+        </p:cNvPr>
+        <p:cNvGrpSpPr/>
+        <p:nvPr/>
+      </p:nvGrpSpPr>
+      <p:grpSpPr>
+        <a:xfrm>
+          <a:off x="0" y="0"/>
+          <a:ext cx="0" cy="0"/>
+          <a:chOff x="0" y="0"/>
+          <a:chExt cx="0" cy="0"/>
+        </a:xfrm>
+      </p:grpSpPr>
+      <p:sp>
+        <p:nvSpPr>
+          <p:cNvPr id="4" name="Title 1">
+            <a:extLst>
+              <a:ext uri="{FF2B5EF4-FFF2-40B4-BE49-F238E27FC236}">
+                <a16:creationId xmlns:a16="http://schemas.microsoft.com/office/drawing/2014/main" id="{F13AC5D4-7FD8-C243-0A70-770E13FFCAE2}"/>
+              </a:ext>
+            </a:extLst>
+          </p:cNvPr>
+          <p:cNvSpPr txBox="1">
+            <a:spLocks/>
+          </p:cNvSpPr>
+          <p:nvPr/>
+        </p:nvSpPr>
+        <p:spPr>
+          <a:xfrm>
+            <a:off x="990600" y="383056"/>
+            <a:ext cx="10515600" cy="853976"/>
+          </a:xfrm>
+          <a:prstGeom prst="rect">
+            <a:avLst/>
+          </a:prstGeom>
+        </p:spPr>
+        <p:txBody>
+          <a:bodyPr vert="horz" lIns="91440" tIns="45720" rIns="91440" bIns="45720" rtlCol="0" anchor="ctr">
+            <a:normAutofit/>
+          </a:bodyPr>
+          <a:lstStyle>
+            <a:lvl1pPr algn="l" defTabSz="914400" rtl="0" eaLnBrk="1" latinLnBrk="0" hangingPunct="1">
+              <a:lnSpc>
+                <a:spcPct val="90000"/>
+              </a:lnSpc>
+              <a:spcBef>
+                <a:spcPct val="0"/>
+              </a:spcBef>
+              <a:buNone/>
+              <a:defRPr sz="3600" b="1" i="0" kern="1200" cap="all" baseline="0">
+                <a:solidFill>
+                  <a:schemeClr val="tx2"/>
+                </a:solidFill>
+                <a:latin typeface="+mj-lt"/>
+                <a:ea typeface="Open Sans Semibold" panose="020B0606030504020204" pitchFamily="34" charset="0"/>
+                <a:cs typeface="Open Sans Semibold" panose="020B0606030504020204" pitchFamily="34" charset="0"/>
+              </a:defRPr>
+            </a:lvl1pPr>
+          </a:lstStyle>
+          <a:p>
+            <a:r>
+              <a:rPr lang="en-US" dirty="0"/>
+              <a:t>TYPESCRIPT – FUNCTIONS AS VALUES</a:t>
+            </a:r>
+            <a:endParaRPr lang="hr-HR" dirty="0"/>
+          </a:p>
+        </p:txBody>
+      </p:sp>
+      <p:pic>
+        <p:nvPicPr>
+          <p:cNvPr id="7" name="Picture 6">
+            <a:extLst>
+              <a:ext uri="{FF2B5EF4-FFF2-40B4-BE49-F238E27FC236}">
+                <a16:creationId xmlns:a16="http://schemas.microsoft.com/office/drawing/2014/main" id="{160AAAA9-6F68-F2B2-E6AB-CA568816FF84}"/>
+              </a:ext>
+            </a:extLst>
+          </p:cNvPr>
+          <p:cNvPicPr>
+            <a:picLocks noChangeAspect="1"/>
+          </p:cNvPicPr>
+          <p:nvPr/>
+        </p:nvPicPr>
+        <p:blipFill>
+          <a:blip r:embed="rId3"/>
+          <a:stretch>
+            <a:fillRect/>
+          </a:stretch>
+        </p:blipFill>
+        <p:spPr>
+          <a:xfrm>
+            <a:off x="1139456" y="1350711"/>
+            <a:ext cx="4437321" cy="494701"/>
+          </a:xfrm>
+          <a:prstGeom prst="rect">
+            <a:avLst/>
+          </a:prstGeom>
+        </p:spPr>
+      </p:pic>
+      <p:pic>
+        <p:nvPicPr>
+          <p:cNvPr id="9" name="Picture 8">
+            <a:extLst>
+              <a:ext uri="{FF2B5EF4-FFF2-40B4-BE49-F238E27FC236}">
+                <a16:creationId xmlns:a16="http://schemas.microsoft.com/office/drawing/2014/main" id="{F2782806-F29F-511F-D783-80DA30189058}"/>
+              </a:ext>
+            </a:extLst>
+          </p:cNvPr>
+          <p:cNvPicPr>
+            <a:picLocks noChangeAspect="1"/>
+          </p:cNvPicPr>
+          <p:nvPr/>
+        </p:nvPicPr>
+        <p:blipFill>
+          <a:blip r:embed="rId4"/>
+          <a:stretch>
+            <a:fillRect/>
+          </a:stretch>
+        </p:blipFill>
+        <p:spPr>
+          <a:xfrm>
+            <a:off x="1139456" y="2044884"/>
+            <a:ext cx="4781550" cy="3076575"/>
+          </a:xfrm>
+          <a:prstGeom prst="rect">
+            <a:avLst/>
+          </a:prstGeom>
+        </p:spPr>
+      </p:pic>
+      <p:pic>
+        <p:nvPicPr>
+          <p:cNvPr id="11" name="Picture 10">
+            <a:extLst>
+              <a:ext uri="{FF2B5EF4-FFF2-40B4-BE49-F238E27FC236}">
+                <a16:creationId xmlns:a16="http://schemas.microsoft.com/office/drawing/2014/main" id="{05CFED14-87B3-C0AA-12CD-2509A3BA026F}"/>
+              </a:ext>
+            </a:extLst>
+          </p:cNvPr>
+          <p:cNvPicPr>
+            <a:picLocks noChangeAspect="1"/>
+          </p:cNvPicPr>
+          <p:nvPr/>
+        </p:nvPicPr>
+        <p:blipFill>
+          <a:blip r:embed="rId5"/>
+          <a:stretch>
+            <a:fillRect/>
+          </a:stretch>
+        </p:blipFill>
+        <p:spPr>
+          <a:xfrm>
+            <a:off x="6518644" y="1419003"/>
+            <a:ext cx="4846851" cy="3702456"/>
+          </a:xfrm>
+          <a:prstGeom prst="rect">
+            <a:avLst/>
+          </a:prstGeom>
+        </p:spPr>
+      </p:pic>
+    </p:spTree>
+    <p:extLst>
+      <p:ext uri="{BB962C8B-B14F-4D97-AF65-F5344CB8AC3E}">
+        <p14:creationId xmlns:p14="http://schemas.microsoft.com/office/powerpoint/2010/main" val="1245551102"/>
+      </p:ext>
+    </p:extLst>
+  </p:cSld>
+  <p:clrMapOvr>
+    <a:masterClrMapping/>
+  </p:clrMapOvr>
+</p:sld>
+</file>
+
+<file path=ppt/slides/slide25.xml><?xml version="1.0" encoding="utf-8"?>
+<p:sld xmlns:a="http://schemas.openxmlformats.org/drawingml/2006/main" xmlns:r="http://schemas.openxmlformats.org/officeDocument/2006/relationships" xmlns:p="http://schemas.openxmlformats.org/presentationml/2006/main">
+  <p:cSld>
+    <p:spTree>
+      <p:nvGrpSpPr>
+        <p:cNvPr id="1" name="">
+          <a:extLst>
+            <a:ext uri="{FF2B5EF4-FFF2-40B4-BE49-F238E27FC236}">
+              <a16:creationId xmlns:a16="http://schemas.microsoft.com/office/drawing/2014/main" id="{18949642-1D35-4CFD-400E-8482B87408B6}"/>
+            </a:ext>
+          </a:extLst>
+        </p:cNvPr>
+        <p:cNvGrpSpPr/>
+        <p:nvPr/>
+      </p:nvGrpSpPr>
+      <p:grpSpPr>
+        <a:xfrm>
+          <a:off x="0" y="0"/>
+          <a:ext cx="0" cy="0"/>
+          <a:chOff x="0" y="0"/>
+          <a:chExt cx="0" cy="0"/>
+        </a:xfrm>
+      </p:grpSpPr>
+      <p:sp>
+        <p:nvSpPr>
+          <p:cNvPr id="4" name="Title 1">
+            <a:extLst>
+              <a:ext uri="{FF2B5EF4-FFF2-40B4-BE49-F238E27FC236}">
+                <a16:creationId xmlns:a16="http://schemas.microsoft.com/office/drawing/2014/main" id="{F7C00DE0-2BEC-6575-71AF-6F261666F958}"/>
+              </a:ext>
+            </a:extLst>
+          </p:cNvPr>
+          <p:cNvSpPr txBox="1">
+            <a:spLocks/>
+          </p:cNvSpPr>
+          <p:nvPr/>
+        </p:nvSpPr>
+        <p:spPr>
+          <a:xfrm>
+            <a:off x="990600" y="383056"/>
+            <a:ext cx="10515600" cy="853976"/>
+          </a:xfrm>
+          <a:prstGeom prst="rect">
+            <a:avLst/>
+          </a:prstGeom>
+        </p:spPr>
+        <p:txBody>
+          <a:bodyPr vert="horz" lIns="91440" tIns="45720" rIns="91440" bIns="45720" rtlCol="0" anchor="ctr">
+            <a:normAutofit/>
+          </a:bodyPr>
+          <a:lstStyle>
+            <a:lvl1pPr algn="l" defTabSz="914400" rtl="0" eaLnBrk="1" latinLnBrk="0" hangingPunct="1">
+              <a:lnSpc>
+                <a:spcPct val="90000"/>
+              </a:lnSpc>
+              <a:spcBef>
+                <a:spcPct val="0"/>
+              </a:spcBef>
+              <a:buNone/>
+              <a:defRPr sz="3600" b="1" i="0" kern="1200" cap="all" baseline="0">
+                <a:solidFill>
+                  <a:schemeClr val="tx2"/>
+                </a:solidFill>
+                <a:latin typeface="+mj-lt"/>
+                <a:ea typeface="Open Sans Semibold" panose="020B0606030504020204" pitchFamily="34" charset="0"/>
+                <a:cs typeface="Open Sans Semibold" panose="020B0606030504020204" pitchFamily="34" charset="0"/>
+              </a:defRPr>
+            </a:lvl1pPr>
+          </a:lstStyle>
+          <a:p>
+            <a:r>
+              <a:rPr lang="en-US" dirty="0"/>
+              <a:t>TYPESCRIPT – NULL &amp; UNDEFINED</a:t>
+            </a:r>
+            <a:endParaRPr lang="hr-HR" dirty="0"/>
+          </a:p>
+        </p:txBody>
+      </p:sp>
+      <p:pic>
+        <p:nvPicPr>
+          <p:cNvPr id="3" name="Picture 2">
+            <a:extLst>
+              <a:ext uri="{FF2B5EF4-FFF2-40B4-BE49-F238E27FC236}">
+                <a16:creationId xmlns:a16="http://schemas.microsoft.com/office/drawing/2014/main" id="{172E7410-B42D-CE49-EC03-0783D48754AF}"/>
+              </a:ext>
+            </a:extLst>
+          </p:cNvPr>
+          <p:cNvPicPr>
+            <a:picLocks noChangeAspect="1"/>
+          </p:cNvPicPr>
+          <p:nvPr/>
+        </p:nvPicPr>
+        <p:blipFill>
+          <a:blip r:embed="rId3"/>
+          <a:stretch>
+            <a:fillRect/>
+          </a:stretch>
+        </p:blipFill>
+        <p:spPr>
+          <a:xfrm>
+            <a:off x="1051737" y="1930031"/>
+            <a:ext cx="6324600" cy="1009650"/>
+          </a:xfrm>
+          <a:prstGeom prst="rect">
+            <a:avLst/>
+          </a:prstGeom>
+        </p:spPr>
+      </p:pic>
+      <p:sp>
+        <p:nvSpPr>
+          <p:cNvPr id="5" name="TextBox 4">
+            <a:extLst>
+              <a:ext uri="{FF2B5EF4-FFF2-40B4-BE49-F238E27FC236}">
+                <a16:creationId xmlns:a16="http://schemas.microsoft.com/office/drawing/2014/main" id="{5EFB1465-DC5E-8813-FFC3-4F6A46ACC861}"/>
+              </a:ext>
+            </a:extLst>
+          </p:cNvPr>
+          <p:cNvSpPr txBox="1"/>
+          <p:nvPr/>
+        </p:nvSpPr>
+        <p:spPr>
+          <a:xfrm>
+            <a:off x="990600" y="1365662"/>
+            <a:ext cx="8671239" cy="369332"/>
+          </a:xfrm>
+          <a:prstGeom prst="rect">
+            <a:avLst/>
+          </a:prstGeom>
+          <a:noFill/>
+        </p:spPr>
+        <p:txBody>
+          <a:bodyPr wrap="square">
+            <a:spAutoFit/>
+          </a:bodyPr>
+          <a:lstStyle/>
+          <a:p>
+            <a:pPr>
+              <a:buNone/>
+            </a:pPr>
+            <a:r>
+              <a:rPr lang="en-US" b="1" dirty="0"/>
+              <a:t>null - </a:t>
+            </a:r>
+            <a:r>
+              <a:rPr lang="hr-HR" dirty="0"/>
+              <a:t>Definiran je kao tip koji dopušta varijabli da drži samo vrijednost</a:t>
+            </a:r>
+          </a:p>
+        </p:txBody>
+      </p:sp>
+      <p:sp>
+        <p:nvSpPr>
+          <p:cNvPr id="6" name="TextBox 5">
+            <a:extLst>
+              <a:ext uri="{FF2B5EF4-FFF2-40B4-BE49-F238E27FC236}">
+                <a16:creationId xmlns:a16="http://schemas.microsoft.com/office/drawing/2014/main" id="{CC7A3072-AAC4-204D-61B9-DB38661FA02F}"/>
+              </a:ext>
+            </a:extLst>
+          </p:cNvPr>
+          <p:cNvSpPr txBox="1"/>
+          <p:nvPr/>
+        </p:nvSpPr>
+        <p:spPr>
+          <a:xfrm>
+            <a:off x="1016683" y="3244334"/>
+            <a:ext cx="8671239" cy="369332"/>
+          </a:xfrm>
+          <a:prstGeom prst="rect">
+            <a:avLst/>
+          </a:prstGeom>
+          <a:noFill/>
+        </p:spPr>
+        <p:txBody>
+          <a:bodyPr wrap="square">
+            <a:spAutoFit/>
+          </a:bodyPr>
+          <a:lstStyle/>
+          <a:p>
+            <a:pPr>
+              <a:buNone/>
+            </a:pPr>
+            <a:r>
+              <a:rPr lang="en-US" b="1" dirty="0"/>
+              <a:t>undefined - </a:t>
+            </a:r>
+            <a:r>
+              <a:rPr lang="hr-HR" dirty="0"/>
+              <a:t>je poseban tip koji označava da varijabla nije inicijalizirana</a:t>
+            </a:r>
+          </a:p>
+        </p:txBody>
+      </p:sp>
+      <p:pic>
+        <p:nvPicPr>
+          <p:cNvPr id="10" name="Picture 9">
+            <a:extLst>
+              <a:ext uri="{FF2B5EF4-FFF2-40B4-BE49-F238E27FC236}">
+                <a16:creationId xmlns:a16="http://schemas.microsoft.com/office/drawing/2014/main" id="{779A79EA-1CDF-7DAA-760E-7C34035181DB}"/>
+              </a:ext>
+            </a:extLst>
+          </p:cNvPr>
+          <p:cNvPicPr>
+            <a:picLocks noChangeAspect="1"/>
+          </p:cNvPicPr>
+          <p:nvPr/>
+        </p:nvPicPr>
+        <p:blipFill>
+          <a:blip r:embed="rId4"/>
+          <a:stretch>
+            <a:fillRect/>
+          </a:stretch>
+        </p:blipFill>
+        <p:spPr>
+          <a:xfrm>
+            <a:off x="1051737" y="3918319"/>
+            <a:ext cx="8029575" cy="742950"/>
+          </a:xfrm>
+          <a:prstGeom prst="rect">
+            <a:avLst/>
+          </a:prstGeom>
+        </p:spPr>
+      </p:pic>
+    </p:spTree>
+    <p:extLst>
+      <p:ext uri="{BB962C8B-B14F-4D97-AF65-F5344CB8AC3E}">
+        <p14:creationId xmlns:p14="http://schemas.microsoft.com/office/powerpoint/2010/main" val="771034537"/>
+      </p:ext>
+    </p:extLst>
+  </p:cSld>
+  <p:clrMapOvr>
+    <a:masterClrMapping/>
+  </p:clrMapOvr>
+</p:sld>
+</file>
+
+<file path=ppt/slides/slide26.xml><?xml version="1.0" encoding="utf-8"?>
+<p:sld xmlns:a="http://schemas.openxmlformats.org/drawingml/2006/main" xmlns:r="http://schemas.openxmlformats.org/officeDocument/2006/relationships" xmlns:p="http://schemas.openxmlformats.org/presentationml/2006/main">
+  <p:cSld>
+    <p:spTree>
+      <p:nvGrpSpPr>
+        <p:cNvPr id="1" name="">
+          <a:extLst>
+            <a:ext uri="{FF2B5EF4-FFF2-40B4-BE49-F238E27FC236}">
+              <a16:creationId xmlns:a16="http://schemas.microsoft.com/office/drawing/2014/main" id="{F8531F19-C895-069C-E5AA-8C8DA17A4D7F}"/>
+            </a:ext>
+          </a:extLst>
+        </p:cNvPr>
+        <p:cNvGrpSpPr/>
+        <p:nvPr/>
+      </p:nvGrpSpPr>
+      <p:grpSpPr>
+        <a:xfrm>
+          <a:off x="0" y="0"/>
+          <a:ext cx="0" cy="0"/>
+          <a:chOff x="0" y="0"/>
+          <a:chExt cx="0" cy="0"/>
+        </a:xfrm>
+      </p:grpSpPr>
+      <p:sp>
+        <p:nvSpPr>
+          <p:cNvPr id="4" name="Title 1">
+            <a:extLst>
+              <a:ext uri="{FF2B5EF4-FFF2-40B4-BE49-F238E27FC236}">
+                <a16:creationId xmlns:a16="http://schemas.microsoft.com/office/drawing/2014/main" id="{7118016C-1523-EB0A-75A5-13362F68A8A2}"/>
+              </a:ext>
+            </a:extLst>
+          </p:cNvPr>
+          <p:cNvSpPr txBox="1">
+            <a:spLocks/>
+          </p:cNvSpPr>
+          <p:nvPr/>
+        </p:nvSpPr>
+        <p:spPr>
+          <a:xfrm>
+            <a:off x="990600" y="383056"/>
+            <a:ext cx="10515600" cy="853976"/>
+          </a:xfrm>
+          <a:prstGeom prst="rect">
+            <a:avLst/>
+          </a:prstGeom>
+        </p:spPr>
+        <p:txBody>
+          <a:bodyPr vert="horz" lIns="91440" tIns="45720" rIns="91440" bIns="45720" rtlCol="0" anchor="ctr">
+            <a:normAutofit/>
+          </a:bodyPr>
+          <a:lstStyle>
+            <a:lvl1pPr algn="l" defTabSz="914400" rtl="0" eaLnBrk="1" latinLnBrk="0" hangingPunct="1">
+              <a:lnSpc>
+                <a:spcPct val="90000"/>
+              </a:lnSpc>
+              <a:spcBef>
+                <a:spcPct val="0"/>
+              </a:spcBef>
+              <a:buNone/>
+              <a:defRPr sz="3600" b="1" i="0" kern="1200" cap="all" baseline="0">
+                <a:solidFill>
+                  <a:schemeClr val="tx2"/>
+                </a:solidFill>
+                <a:latin typeface="+mj-lt"/>
+                <a:ea typeface="Open Sans Semibold" panose="020B0606030504020204" pitchFamily="34" charset="0"/>
+                <a:cs typeface="Open Sans Semibold" panose="020B0606030504020204" pitchFamily="34" charset="0"/>
+              </a:defRPr>
+            </a:lvl1pPr>
+          </a:lstStyle>
+          <a:p>
+            <a:r>
+              <a:rPr lang="en-US" dirty="0"/>
+              <a:t>TYPESCRIPT – TYPE CASTING</a:t>
+            </a:r>
+            <a:endParaRPr lang="hr-HR" dirty="0"/>
+          </a:p>
+        </p:txBody>
+      </p:sp>
+      <p:sp>
+        <p:nvSpPr>
+          <p:cNvPr id="6" name="TextBox 5">
+            <a:extLst>
+              <a:ext uri="{FF2B5EF4-FFF2-40B4-BE49-F238E27FC236}">
+                <a16:creationId xmlns:a16="http://schemas.microsoft.com/office/drawing/2014/main" id="{4011DE12-D30C-CC89-C0EA-F0B8E9CA8355}"/>
+              </a:ext>
+            </a:extLst>
+          </p:cNvPr>
+          <p:cNvSpPr txBox="1"/>
+          <p:nvPr/>
+        </p:nvSpPr>
+        <p:spPr>
+          <a:xfrm>
+            <a:off x="1114785" y="3786595"/>
+            <a:ext cx="10243196" cy="1815882"/>
+          </a:xfrm>
+          <a:prstGeom prst="rect">
+            <a:avLst/>
+          </a:prstGeom>
+          <a:noFill/>
+        </p:spPr>
+        <p:txBody>
+          <a:bodyPr wrap="square">
+            <a:spAutoFit/>
+          </a:bodyPr>
+          <a:lstStyle/>
+          <a:p>
+            <a:pPr>
+              <a:buNone/>
+            </a:pPr>
+            <a:r>
+              <a:rPr lang="hr-HR" sz="1400" dirty="0"/>
+              <a:t>Ugrađeni HTML tipovi u </a:t>
+            </a:r>
+            <a:r>
+              <a:rPr lang="hr-HR" sz="1400" dirty="0" err="1"/>
+              <a:t>TypeScript</a:t>
+            </a:r>
+            <a:r>
+              <a:rPr lang="hr-HR" sz="1400" dirty="0"/>
+              <a:t>-u omogućuju vam precizno tipiziranje DOM elemenata bez potrebe za ručnim definiranjem.</a:t>
+            </a:r>
+            <a:endParaRPr lang="en-US" sz="1400" dirty="0"/>
+          </a:p>
+          <a:p>
+            <a:pPr>
+              <a:buNone/>
+            </a:pPr>
+            <a:br>
+              <a:rPr lang="hr-HR" sz="1400" dirty="0"/>
+            </a:br>
+            <a:r>
+              <a:rPr lang="hr-HR" sz="1400" dirty="0" err="1"/>
+              <a:t>Type</a:t>
+            </a:r>
+            <a:r>
+              <a:rPr lang="hr-HR" sz="1400" dirty="0"/>
+              <a:t> </a:t>
+            </a:r>
+            <a:r>
+              <a:rPr lang="hr-HR" sz="1400" dirty="0" err="1"/>
+              <a:t>casting</a:t>
+            </a:r>
+            <a:r>
+              <a:rPr lang="hr-HR" sz="1400" dirty="0"/>
+              <a:t> (npr. pomoću as </a:t>
+            </a:r>
+            <a:r>
+              <a:rPr lang="hr-HR" sz="1400" dirty="0" err="1"/>
+              <a:t>HTMLInputElement</a:t>
+            </a:r>
+            <a:r>
+              <a:rPr lang="hr-HR" sz="1400" dirty="0"/>
+              <a:t>) pomaže da specificirate očekivani tip vrijednosti iz funkcija poput </a:t>
+            </a:r>
+            <a:r>
+              <a:rPr lang="hr-HR" sz="1400" dirty="0" err="1"/>
+              <a:t>getElementById</a:t>
+            </a:r>
+            <a:r>
+              <a:rPr lang="hr-HR" sz="1400" dirty="0"/>
+              <a:t>, ali zahtijeva oprez.</a:t>
+            </a:r>
+            <a:endParaRPr lang="en-US" sz="1400" dirty="0"/>
+          </a:p>
+          <a:p>
+            <a:pPr>
+              <a:buNone/>
+            </a:pPr>
+            <a:br>
+              <a:rPr lang="hr-HR" sz="1400" dirty="0"/>
+            </a:br>
+            <a:r>
+              <a:rPr lang="hr-HR" sz="1400" dirty="0"/>
+              <a:t>Ako niste sigurni u postojanje elementa, koristite </a:t>
+            </a:r>
+            <a:r>
+              <a:rPr lang="hr-HR" sz="1400" dirty="0" err="1"/>
+              <a:t>union</a:t>
+            </a:r>
+            <a:r>
+              <a:rPr lang="hr-HR" sz="1400" dirty="0"/>
+              <a:t> tipove i provjeru </a:t>
+            </a:r>
+            <a:r>
+              <a:rPr lang="hr-HR" sz="1400" dirty="0" err="1"/>
+              <a:t>null</a:t>
+            </a:r>
+            <a:r>
+              <a:rPr lang="hr-HR" sz="1400" dirty="0"/>
+              <a:t> vrijednosti kako biste spriječili </a:t>
+            </a:r>
+            <a:r>
+              <a:rPr lang="hr-HR" sz="1400" dirty="0" err="1"/>
+              <a:t>runtime</a:t>
+            </a:r>
+            <a:r>
+              <a:rPr lang="hr-HR" sz="1400" dirty="0"/>
+              <a:t> greške.</a:t>
+            </a:r>
+          </a:p>
+        </p:txBody>
+      </p:sp>
+      <p:pic>
+        <p:nvPicPr>
+          <p:cNvPr id="7" name="Picture 6">
+            <a:extLst>
+              <a:ext uri="{FF2B5EF4-FFF2-40B4-BE49-F238E27FC236}">
+                <a16:creationId xmlns:a16="http://schemas.microsoft.com/office/drawing/2014/main" id="{C7599FB3-249C-3991-F9E3-418F6D3DB136}"/>
+              </a:ext>
+            </a:extLst>
+          </p:cNvPr>
+          <p:cNvPicPr>
+            <a:picLocks noChangeAspect="1"/>
+          </p:cNvPicPr>
+          <p:nvPr/>
+        </p:nvPicPr>
+        <p:blipFill>
+          <a:blip r:embed="rId3"/>
+          <a:stretch>
+            <a:fillRect/>
+          </a:stretch>
+        </p:blipFill>
+        <p:spPr>
+          <a:xfrm>
+            <a:off x="1051737" y="1383433"/>
+            <a:ext cx="5219700" cy="857250"/>
+          </a:xfrm>
+          <a:prstGeom prst="rect">
+            <a:avLst/>
+          </a:prstGeom>
+        </p:spPr>
+      </p:pic>
+      <p:pic>
+        <p:nvPicPr>
+          <p:cNvPr id="9" name="Picture 8">
+            <a:extLst>
+              <a:ext uri="{FF2B5EF4-FFF2-40B4-BE49-F238E27FC236}">
+                <a16:creationId xmlns:a16="http://schemas.microsoft.com/office/drawing/2014/main" id="{CCB9A8E1-7FCB-6FF4-1C11-3F46C06A4881}"/>
+              </a:ext>
+            </a:extLst>
+          </p:cNvPr>
+          <p:cNvPicPr>
+            <a:picLocks noChangeAspect="1"/>
+          </p:cNvPicPr>
+          <p:nvPr/>
+        </p:nvPicPr>
+        <p:blipFill>
+          <a:blip r:embed="rId4"/>
+          <a:stretch>
+            <a:fillRect/>
+          </a:stretch>
+        </p:blipFill>
+        <p:spPr>
+          <a:xfrm>
+            <a:off x="1051737" y="2485001"/>
+            <a:ext cx="6467475" cy="1057275"/>
+          </a:xfrm>
+          <a:prstGeom prst="rect">
+            <a:avLst/>
+          </a:prstGeom>
+        </p:spPr>
+      </p:pic>
+    </p:spTree>
+    <p:extLst>
+      <p:ext uri="{BB962C8B-B14F-4D97-AF65-F5344CB8AC3E}">
+        <p14:creationId xmlns:p14="http://schemas.microsoft.com/office/powerpoint/2010/main" val="2766576542"/>
+      </p:ext>
+    </p:extLst>
+  </p:cSld>
+  <p:clrMapOvr>
+    <a:masterClrMapping/>
+  </p:clrMapOvr>
+</p:sld>
+</file>
+
+<file path=ppt/slides/slide27.xml><?xml version="1.0" encoding="utf-8"?>
+<p:sld xmlns:a="http://schemas.openxmlformats.org/drawingml/2006/main" xmlns:r="http://schemas.openxmlformats.org/officeDocument/2006/relationships" xmlns:p="http://schemas.openxmlformats.org/presentationml/2006/main">
+  <p:cSld>
+    <p:spTree>
+      <p:nvGrpSpPr>
+        <p:cNvPr id="1" name="">
+          <a:extLst>
+            <a:ext uri="{FF2B5EF4-FFF2-40B4-BE49-F238E27FC236}">
+              <a16:creationId xmlns:a16="http://schemas.microsoft.com/office/drawing/2014/main" id="{C8561A4F-2F38-23E7-826B-9F6E581C3201}"/>
+            </a:ext>
+          </a:extLst>
+        </p:cNvPr>
+        <p:cNvGrpSpPr/>
+        <p:nvPr/>
+      </p:nvGrpSpPr>
+      <p:grpSpPr>
+        <a:xfrm>
+          <a:off x="0" y="0"/>
+          <a:ext cx="0" cy="0"/>
+          <a:chOff x="0" y="0"/>
+          <a:chExt cx="0" cy="0"/>
+        </a:xfrm>
+      </p:grpSpPr>
+      <p:sp>
+        <p:nvSpPr>
+          <p:cNvPr id="4" name="Title 1">
+            <a:extLst>
+              <a:ext uri="{FF2B5EF4-FFF2-40B4-BE49-F238E27FC236}">
+                <a16:creationId xmlns:a16="http://schemas.microsoft.com/office/drawing/2014/main" id="{6368D5C0-F820-969A-9461-235559BD219F}"/>
+              </a:ext>
+            </a:extLst>
+          </p:cNvPr>
+          <p:cNvSpPr txBox="1">
+            <a:spLocks/>
+          </p:cNvSpPr>
+          <p:nvPr/>
+        </p:nvSpPr>
+        <p:spPr>
+          <a:xfrm>
+            <a:off x="990600" y="383056"/>
+            <a:ext cx="10515600" cy="853976"/>
+          </a:xfrm>
+          <a:prstGeom prst="rect">
+            <a:avLst/>
+          </a:prstGeom>
+        </p:spPr>
+        <p:txBody>
+          <a:bodyPr vert="horz" lIns="91440" tIns="45720" rIns="91440" bIns="45720" rtlCol="0" anchor="ctr">
+            <a:normAutofit/>
+          </a:bodyPr>
+          <a:lstStyle>
+            <a:lvl1pPr algn="l" defTabSz="914400" rtl="0" eaLnBrk="1" latinLnBrk="0" hangingPunct="1">
+              <a:lnSpc>
+                <a:spcPct val="90000"/>
+              </a:lnSpc>
+              <a:spcBef>
+                <a:spcPct val="0"/>
+              </a:spcBef>
+              <a:buNone/>
+              <a:defRPr sz="3600" b="1" i="0" kern="1200" cap="all" baseline="0">
+                <a:solidFill>
+                  <a:schemeClr val="tx2"/>
+                </a:solidFill>
+                <a:latin typeface="+mj-lt"/>
+                <a:ea typeface="Open Sans Semibold" panose="020B0606030504020204" pitchFamily="34" charset="0"/>
+                <a:cs typeface="Open Sans Semibold" panose="020B0606030504020204" pitchFamily="34" charset="0"/>
+              </a:defRPr>
+            </a:lvl1pPr>
+          </a:lstStyle>
+          <a:p>
+            <a:r>
+              <a:rPr lang="en-US" dirty="0"/>
+              <a:t>TYPESCRIPT – undefined</a:t>
+            </a:r>
+            <a:endParaRPr lang="hr-HR" dirty="0"/>
+          </a:p>
+        </p:txBody>
+      </p:sp>
+      <p:sp>
+        <p:nvSpPr>
+          <p:cNvPr id="6" name="TextBox 5">
+            <a:extLst>
+              <a:ext uri="{FF2B5EF4-FFF2-40B4-BE49-F238E27FC236}">
+                <a16:creationId xmlns:a16="http://schemas.microsoft.com/office/drawing/2014/main" id="{BB0FF0A1-0D35-F801-5B3E-7A08C4B85100}"/>
+              </a:ext>
+            </a:extLst>
+          </p:cNvPr>
+          <p:cNvSpPr txBox="1"/>
+          <p:nvPr/>
+        </p:nvSpPr>
+        <p:spPr>
+          <a:xfrm>
+            <a:off x="974402" y="3805086"/>
+            <a:ext cx="10243196" cy="1815882"/>
+          </a:xfrm>
+          <a:prstGeom prst="rect">
+            <a:avLst/>
+          </a:prstGeom>
+          <a:noFill/>
+        </p:spPr>
+        <p:txBody>
+          <a:bodyPr wrap="square">
+            <a:spAutoFit/>
+          </a:bodyPr>
+          <a:lstStyle/>
+          <a:p>
+            <a:pPr>
+              <a:buNone/>
+            </a:pPr>
+            <a:r>
+              <a:rPr lang="hr-HR" sz="1400" dirty="0" err="1"/>
+              <a:t>Unknown</a:t>
+            </a:r>
+            <a:r>
+              <a:rPr lang="hr-HR" sz="1400" dirty="0"/>
+              <a:t> tip je sličan </a:t>
+            </a:r>
+            <a:r>
+              <a:rPr lang="hr-HR" sz="1400" dirty="0" err="1"/>
+              <a:t>any</a:t>
+            </a:r>
+            <a:r>
+              <a:rPr lang="hr-HR" sz="1400" dirty="0"/>
+              <a:t> tipu jer može sadržavati bilo koju vrijednost, no za razliku od </a:t>
+            </a:r>
+            <a:r>
+              <a:rPr lang="hr-HR" sz="1400" dirty="0" err="1"/>
+              <a:t>any</a:t>
+            </a:r>
+            <a:r>
+              <a:rPr lang="hr-HR" sz="1400" dirty="0"/>
+              <a:t>, on zahtijeva da se prije korištenja izvrše odgovarajuće provjere.</a:t>
+            </a:r>
+            <a:endParaRPr lang="en-US" sz="1400" dirty="0"/>
+          </a:p>
+          <a:p>
+            <a:pPr>
+              <a:buNone/>
+            </a:pPr>
+            <a:br>
+              <a:rPr lang="hr-HR" sz="1400" dirty="0"/>
+            </a:br>
+            <a:r>
+              <a:rPr lang="hr-HR" sz="1400" dirty="0"/>
+              <a:t>Time osiguravate da se operacije izvršavaju samo ako vrijednost zadovoljava očekivanu strukturu, čime se povećava sigurnost i pouzdanost koda.</a:t>
+            </a:r>
+            <a:endParaRPr lang="en-US" sz="1400" dirty="0"/>
+          </a:p>
+          <a:p>
+            <a:pPr>
+              <a:buNone/>
+            </a:pPr>
+            <a:br>
+              <a:rPr lang="hr-HR" sz="1400" dirty="0"/>
+            </a:br>
+            <a:r>
+              <a:rPr lang="hr-HR" sz="1400" dirty="0"/>
+              <a:t>Ovo je osobito korisno u generičkom kodiranju i razvoju biblioteka gdje struktura ulaznih podataka nije uvijek poznata unaprijed.</a:t>
+            </a:r>
+          </a:p>
+        </p:txBody>
+      </p:sp>
+      <p:pic>
+        <p:nvPicPr>
+          <p:cNvPr id="3" name="Picture 2">
+            <a:extLst>
+              <a:ext uri="{FF2B5EF4-FFF2-40B4-BE49-F238E27FC236}">
+                <a16:creationId xmlns:a16="http://schemas.microsoft.com/office/drawing/2014/main" id="{3742AF97-A5C7-D7F7-74FA-A70F37094AF4}"/>
+              </a:ext>
+            </a:extLst>
+          </p:cNvPr>
+          <p:cNvPicPr>
+            <a:picLocks noChangeAspect="1"/>
+          </p:cNvPicPr>
+          <p:nvPr/>
+        </p:nvPicPr>
+        <p:blipFill>
+          <a:blip r:embed="rId3"/>
+          <a:stretch>
+            <a:fillRect/>
+          </a:stretch>
+        </p:blipFill>
+        <p:spPr>
+          <a:xfrm>
+            <a:off x="1029032" y="1237032"/>
+            <a:ext cx="8093703" cy="768016"/>
+          </a:xfrm>
+          <a:prstGeom prst="rect">
+            <a:avLst/>
+          </a:prstGeom>
+        </p:spPr>
+      </p:pic>
+      <p:pic>
+        <p:nvPicPr>
+          <p:cNvPr id="8" name="Picture 7">
+            <a:extLst>
+              <a:ext uri="{FF2B5EF4-FFF2-40B4-BE49-F238E27FC236}">
+                <a16:creationId xmlns:a16="http://schemas.microsoft.com/office/drawing/2014/main" id="{D43C406C-79EA-4AC7-4116-FAD064CAFA4B}"/>
+              </a:ext>
+            </a:extLst>
+          </p:cNvPr>
+          <p:cNvPicPr>
+            <a:picLocks noChangeAspect="1"/>
+          </p:cNvPicPr>
+          <p:nvPr/>
+        </p:nvPicPr>
+        <p:blipFill>
+          <a:blip r:embed="rId4"/>
+          <a:stretch>
+            <a:fillRect/>
+          </a:stretch>
+        </p:blipFill>
+        <p:spPr>
+          <a:xfrm>
+            <a:off x="1029032" y="2089604"/>
+            <a:ext cx="4026749" cy="1581746"/>
+          </a:xfrm>
+          <a:prstGeom prst="rect">
+            <a:avLst/>
+          </a:prstGeom>
+        </p:spPr>
+      </p:pic>
+    </p:spTree>
+    <p:extLst>
+      <p:ext uri="{BB962C8B-B14F-4D97-AF65-F5344CB8AC3E}">
+        <p14:creationId xmlns:p14="http://schemas.microsoft.com/office/powerpoint/2010/main" val="842278996"/>
+      </p:ext>
+    </p:extLst>
+  </p:cSld>
+  <p:clrMapOvr>
+    <a:masterClrMapping/>
+  </p:clrMapOvr>
+</p:sld>
+</file>
+
+<file path=ppt/slides/slide28.xml><?xml version="1.0" encoding="utf-8"?>
+<p:sld xmlns:a="http://schemas.openxmlformats.org/drawingml/2006/main" xmlns:r="http://schemas.openxmlformats.org/officeDocument/2006/relationships" xmlns:p="http://schemas.openxmlformats.org/presentationml/2006/main">
+  <p:cSld>
+    <p:spTree>
+      <p:nvGrpSpPr>
+        <p:cNvPr id="1" name="">
+          <a:extLst>
+            <a:ext uri="{FF2B5EF4-FFF2-40B4-BE49-F238E27FC236}">
+              <a16:creationId xmlns:a16="http://schemas.microsoft.com/office/drawing/2014/main" id="{1641A999-7B1C-1639-5F03-118AFA1C1D00}"/>
+            </a:ext>
+          </a:extLst>
+        </p:cNvPr>
+        <p:cNvGrpSpPr/>
+        <p:nvPr/>
+      </p:nvGrpSpPr>
+      <p:grpSpPr>
+        <a:xfrm>
+          <a:off x="0" y="0"/>
+          <a:ext cx="0" cy="0"/>
+          <a:chOff x="0" y="0"/>
+          <a:chExt cx="0" cy="0"/>
+        </a:xfrm>
+      </p:grpSpPr>
+      <p:sp>
+        <p:nvSpPr>
+          <p:cNvPr id="4" name="Title 1">
+            <a:extLst>
+              <a:ext uri="{FF2B5EF4-FFF2-40B4-BE49-F238E27FC236}">
+                <a16:creationId xmlns:a16="http://schemas.microsoft.com/office/drawing/2014/main" id="{A7E48B02-9C91-19BD-B50A-CD1597224A6A}"/>
+              </a:ext>
+            </a:extLst>
+          </p:cNvPr>
+          <p:cNvSpPr txBox="1">
+            <a:spLocks/>
+          </p:cNvSpPr>
+          <p:nvPr/>
+        </p:nvSpPr>
+        <p:spPr>
+          <a:xfrm>
+            <a:off x="990600" y="383056"/>
+            <a:ext cx="10515600" cy="853976"/>
+          </a:xfrm>
+          <a:prstGeom prst="rect">
+            <a:avLst/>
+          </a:prstGeom>
+        </p:spPr>
+        <p:txBody>
+          <a:bodyPr vert="horz" lIns="91440" tIns="45720" rIns="91440" bIns="45720" rtlCol="0" anchor="ctr">
+            <a:normAutofit/>
+          </a:bodyPr>
+          <a:lstStyle>
+            <a:lvl1pPr algn="l" defTabSz="914400" rtl="0" eaLnBrk="1" latinLnBrk="0" hangingPunct="1">
+              <a:lnSpc>
+                <a:spcPct val="90000"/>
+              </a:lnSpc>
+              <a:spcBef>
+                <a:spcPct val="0"/>
+              </a:spcBef>
+              <a:buNone/>
+              <a:defRPr sz="3600" b="1" i="0" kern="1200" cap="all" baseline="0">
+                <a:solidFill>
+                  <a:schemeClr val="tx2"/>
+                </a:solidFill>
+                <a:latin typeface="+mj-lt"/>
+                <a:ea typeface="Open Sans Semibold" panose="020B0606030504020204" pitchFamily="34" charset="0"/>
+                <a:cs typeface="Open Sans Semibold" panose="020B0606030504020204" pitchFamily="34" charset="0"/>
+              </a:defRPr>
+            </a:lvl1pPr>
+          </a:lstStyle>
+          <a:p>
+            <a:r>
+              <a:rPr lang="en-US" dirty="0"/>
+              <a:t>TYPESCRIPT – </a:t>
+            </a:r>
+            <a:r>
+              <a:rPr lang="en-US" dirty="0" err="1"/>
+              <a:t>tsconfig.json</a:t>
+            </a:r>
+            <a:endParaRPr lang="hr-HR" dirty="0"/>
+          </a:p>
+        </p:txBody>
+      </p:sp>
+      <p:sp>
+        <p:nvSpPr>
+          <p:cNvPr id="2" name="TextBox 1">
+            <a:extLst>
+              <a:ext uri="{FF2B5EF4-FFF2-40B4-BE49-F238E27FC236}">
+                <a16:creationId xmlns:a16="http://schemas.microsoft.com/office/drawing/2014/main" id="{A610215A-A66C-AC97-F2C9-8099300380F2}"/>
+              </a:ext>
+            </a:extLst>
+          </p:cNvPr>
+          <p:cNvSpPr txBox="1"/>
+          <p:nvPr/>
+        </p:nvSpPr>
+        <p:spPr>
+          <a:xfrm>
+            <a:off x="1108394" y="1275286"/>
+            <a:ext cx="8671239" cy="1754326"/>
+          </a:xfrm>
+          <a:prstGeom prst="rect">
+            <a:avLst/>
+          </a:prstGeom>
+          <a:noFill/>
+        </p:spPr>
+        <p:txBody>
+          <a:bodyPr wrap="square">
+            <a:spAutoFit/>
+          </a:bodyPr>
+          <a:lstStyle/>
+          <a:p>
+            <a:pPr>
+              <a:buFont typeface="Arial" panose="020B0604020202020204" pitchFamily="34" charset="0"/>
+              <a:buChar char="•"/>
+            </a:pPr>
+            <a:r>
+              <a:rPr lang="en-US" b="1" dirty="0"/>
+              <a:t> </a:t>
+            </a:r>
+            <a:r>
+              <a:rPr lang="hr-HR" b="1" dirty="0" err="1"/>
+              <a:t>tsconfig.json</a:t>
+            </a:r>
+            <a:r>
+              <a:rPr lang="hr-HR" dirty="0"/>
+              <a:t> datoteka je ključna za konfiguriranje </a:t>
+            </a:r>
+            <a:r>
+              <a:rPr lang="hr-HR" dirty="0" err="1"/>
+              <a:t>TypeScript</a:t>
+            </a:r>
+            <a:r>
+              <a:rPr lang="hr-HR" dirty="0"/>
+              <a:t>-a na razini projekta.</a:t>
+            </a:r>
+          </a:p>
+          <a:p>
+            <a:pPr>
+              <a:buFont typeface="Arial" panose="020B0604020202020204" pitchFamily="34" charset="0"/>
+              <a:buChar char="•"/>
+            </a:pPr>
+            <a:r>
+              <a:rPr lang="en-US" dirty="0"/>
+              <a:t> </a:t>
+            </a:r>
+            <a:r>
+              <a:rPr lang="hr-HR" dirty="0" err="1"/>
+              <a:t>Default</a:t>
+            </a:r>
+            <a:r>
+              <a:rPr lang="hr-HR" dirty="0"/>
+              <a:t> postavke su često dovoljne, ali možete ih prilagoditi prema potrebama vašeg projekta.</a:t>
+            </a:r>
+          </a:p>
+          <a:p>
+            <a:pPr>
+              <a:buFont typeface="Arial" panose="020B0604020202020204" pitchFamily="34" charset="0"/>
+              <a:buChar char="•"/>
+            </a:pPr>
+            <a:r>
+              <a:rPr lang="en-US" dirty="0"/>
+              <a:t> </a:t>
+            </a:r>
+            <a:r>
+              <a:rPr lang="hr-HR" dirty="0"/>
+              <a:t>Za naprednije konfiguracije preporučuje se proučavanje službene dokumentacije.</a:t>
+            </a:r>
+          </a:p>
+        </p:txBody>
+      </p:sp>
+      <p:pic>
+        <p:nvPicPr>
+          <p:cNvPr id="7" name="Picture 6">
+            <a:extLst>
+              <a:ext uri="{FF2B5EF4-FFF2-40B4-BE49-F238E27FC236}">
+                <a16:creationId xmlns:a16="http://schemas.microsoft.com/office/drawing/2014/main" id="{E727449B-C417-5FB0-86B2-5F43808F8B01}"/>
+              </a:ext>
+            </a:extLst>
+          </p:cNvPr>
+          <p:cNvPicPr>
+            <a:picLocks noChangeAspect="1"/>
+          </p:cNvPicPr>
+          <p:nvPr/>
+        </p:nvPicPr>
+        <p:blipFill>
+          <a:blip r:embed="rId3"/>
+          <a:stretch>
+            <a:fillRect/>
+          </a:stretch>
+        </p:blipFill>
+        <p:spPr>
+          <a:xfrm>
+            <a:off x="1188410" y="3133504"/>
+            <a:ext cx="1543050" cy="495300"/>
+          </a:xfrm>
+          <a:prstGeom prst="rect">
+            <a:avLst/>
+          </a:prstGeom>
+        </p:spPr>
+      </p:pic>
+      <p:sp>
+        <p:nvSpPr>
+          <p:cNvPr id="9" name="TextBox 8">
+            <a:extLst>
+              <a:ext uri="{FF2B5EF4-FFF2-40B4-BE49-F238E27FC236}">
+                <a16:creationId xmlns:a16="http://schemas.microsoft.com/office/drawing/2014/main" id="{9C6ED333-C33F-9822-25CE-A4BE2ECC534F}"/>
+              </a:ext>
+            </a:extLst>
+          </p:cNvPr>
+          <p:cNvSpPr txBox="1"/>
+          <p:nvPr/>
+        </p:nvSpPr>
+        <p:spPr>
+          <a:xfrm>
+            <a:off x="1060820" y="3828388"/>
+            <a:ext cx="8671239" cy="1754326"/>
+          </a:xfrm>
+          <a:prstGeom prst="rect">
+            <a:avLst/>
+          </a:prstGeom>
+          <a:noFill/>
+        </p:spPr>
+        <p:txBody>
+          <a:bodyPr wrap="square">
+            <a:spAutoFit/>
+          </a:bodyPr>
+          <a:lstStyle/>
+          <a:p>
+            <a:pPr>
+              <a:buFont typeface="Arial" panose="020B0604020202020204" pitchFamily="34" charset="0"/>
+              <a:buChar char="•"/>
+            </a:pPr>
+            <a:r>
+              <a:rPr lang="en-US" dirty="0"/>
+              <a:t> </a:t>
+            </a:r>
+            <a:r>
+              <a:rPr lang="hr-HR" dirty="0"/>
+              <a:t>Osnovne postavke, poput </a:t>
+            </a:r>
+            <a:r>
+              <a:rPr lang="hr-HR" dirty="0" err="1"/>
+              <a:t>target</a:t>
+            </a:r>
+            <a:r>
+              <a:rPr lang="hr-HR" dirty="0"/>
+              <a:t> i </a:t>
+            </a:r>
+            <a:r>
+              <a:rPr lang="hr-HR" dirty="0" err="1"/>
+              <a:t>lib</a:t>
+            </a:r>
+            <a:r>
+              <a:rPr lang="hr-HR" dirty="0"/>
+              <a:t>, ključne su za definiranje generiranog JavaScript koda i dostupnih globalnih tipova.</a:t>
+            </a:r>
+            <a:endParaRPr lang="en-US" dirty="0"/>
+          </a:p>
+          <a:p>
+            <a:pPr>
+              <a:buFont typeface="Arial" panose="020B0604020202020204" pitchFamily="34" charset="0"/>
+              <a:buChar char="•"/>
+            </a:pPr>
+            <a:r>
+              <a:rPr lang="en-US" dirty="0"/>
+              <a:t> </a:t>
+            </a:r>
+            <a:r>
+              <a:rPr lang="hr-HR" dirty="0"/>
+              <a:t>Napredne opcije su dostupne za specifične slučajeve, ali se u većini manjih projekata </a:t>
+            </a:r>
+            <a:r>
+              <a:rPr lang="hr-HR" dirty="0" err="1"/>
+              <a:t>default</a:t>
+            </a:r>
+            <a:r>
+              <a:rPr lang="hr-HR" dirty="0"/>
+              <a:t> postavke pokazuju kao dovoljne.</a:t>
+            </a:r>
+            <a:endParaRPr lang="en-US" dirty="0"/>
+          </a:p>
+          <a:p>
+            <a:pPr>
+              <a:buFont typeface="Arial" panose="020B0604020202020204" pitchFamily="34" charset="0"/>
+              <a:buChar char="•"/>
+            </a:pPr>
+            <a:r>
+              <a:rPr lang="en-US" dirty="0"/>
+              <a:t> </a:t>
+            </a:r>
+            <a:r>
+              <a:rPr lang="hr-HR" dirty="0"/>
+              <a:t>Alati poput Vite-a često automatski postavljaju optimalnu konfiguraciju, što olakšava početak rada s </a:t>
+            </a:r>
+            <a:r>
+              <a:rPr lang="hr-HR" dirty="0" err="1"/>
+              <a:t>TypeScript</a:t>
+            </a:r>
+            <a:r>
+              <a:rPr lang="hr-HR" dirty="0"/>
+              <a:t>-om.</a:t>
+            </a:r>
+          </a:p>
+        </p:txBody>
+      </p:sp>
+    </p:spTree>
+    <p:extLst>
+      <p:ext uri="{BB962C8B-B14F-4D97-AF65-F5344CB8AC3E}">
+        <p14:creationId xmlns:p14="http://schemas.microsoft.com/office/powerpoint/2010/main" val="714075796"/>
+      </p:ext>
+    </p:extLst>
+  </p:cSld>
+  <p:clrMapOvr>
+    <a:masterClrMapping/>
+  </p:clrMapOvr>
+</p:sld>
+</file>
+
+<file path=ppt/slides/slide29.xml><?xml version="1.0" encoding="utf-8"?>
+<p:sld xmlns:a="http://schemas.openxmlformats.org/drawingml/2006/main" xmlns:r="http://schemas.openxmlformats.org/officeDocument/2006/relationships" xmlns:p="http://schemas.openxmlformats.org/presentationml/2006/main">
+  <p:cSld>
+    <p:spTree>
+      <p:nvGrpSpPr>
+        <p:cNvPr id="1" name="">
+          <a:extLst>
+            <a:ext uri="{FF2B5EF4-FFF2-40B4-BE49-F238E27FC236}">
+              <a16:creationId xmlns:a16="http://schemas.microsoft.com/office/drawing/2014/main" id="{41D8D391-E500-51BA-E7FD-06C8D5BADE27}"/>
+            </a:ext>
+          </a:extLst>
+        </p:cNvPr>
+        <p:cNvGrpSpPr/>
+        <p:nvPr/>
+      </p:nvGrpSpPr>
+      <p:grpSpPr>
+        <a:xfrm>
+          <a:off x="0" y="0"/>
+          <a:ext cx="0" cy="0"/>
+          <a:chOff x="0" y="0"/>
+          <a:chExt cx="0" cy="0"/>
+        </a:xfrm>
+      </p:grpSpPr>
+      <p:sp>
+        <p:nvSpPr>
+          <p:cNvPr id="2" name="Title 1">
+            <a:extLst>
+              <a:ext uri="{FF2B5EF4-FFF2-40B4-BE49-F238E27FC236}">
+                <a16:creationId xmlns:a16="http://schemas.microsoft.com/office/drawing/2014/main" id="{7A95F4FD-1537-5299-B877-F1D1B4403E64}"/>
+              </a:ext>
+            </a:extLst>
+          </p:cNvPr>
+          <p:cNvSpPr>
+            <a:spLocks noGrp="1"/>
+          </p:cNvSpPr>
+          <p:nvPr>
+            <p:ph type="title"/>
+          </p:nvPr>
+        </p:nvSpPr>
+        <p:spPr/>
+        <p:txBody>
+          <a:bodyPr/>
+          <a:lstStyle/>
+          <a:p>
+            <a:r>
+              <a:rPr lang="en-US" dirty="0"/>
+              <a:t>VJE</a:t>
+            </a:r>
+            <a:r>
+              <a:rPr lang="hr-HR" dirty="0"/>
+              <a:t>ž</a:t>
+            </a:r>
+            <a:r>
+              <a:rPr lang="en-US" dirty="0" err="1"/>
+              <a:t>ba</a:t>
+            </a:r>
+            <a:endParaRPr lang="hr-HR" dirty="0"/>
+          </a:p>
+        </p:txBody>
+      </p:sp>
+      <p:sp>
+        <p:nvSpPr>
+          <p:cNvPr id="6" name="Text Placeholder 5">
+            <a:extLst>
+              <a:ext uri="{FF2B5EF4-FFF2-40B4-BE49-F238E27FC236}">
+                <a16:creationId xmlns:a16="http://schemas.microsoft.com/office/drawing/2014/main" id="{833981EC-5E89-16A5-C438-450D17DC012D}"/>
+              </a:ext>
+            </a:extLst>
+          </p:cNvPr>
+          <p:cNvSpPr>
+            <a:spLocks noGrp="1"/>
+          </p:cNvSpPr>
+          <p:nvPr>
+            <p:ph type="body" sz="half" idx="2"/>
+          </p:nvPr>
+        </p:nvSpPr>
+        <p:spPr/>
+        <p:txBody>
+          <a:bodyPr>
+            <a:normAutofit fontScale="70000" lnSpcReduction="20000"/>
+          </a:bodyPr>
+          <a:lstStyle/>
+          <a:p>
+            <a:pPr>
+              <a:buNone/>
+            </a:pPr>
+            <a:r>
+              <a:rPr lang="hr-HR" dirty="0"/>
+              <a:t>Napišite jednostavan kalkulator koji prima dva broja i operaciju (zbrajanje, oduzimanje, množenje, dijeljenje) te vraća rezultat te operacije.</a:t>
+            </a:r>
+          </a:p>
+          <a:p>
+            <a:pPr>
+              <a:buNone/>
+            </a:pPr>
+            <a:r>
+              <a:rPr lang="hr-HR" dirty="0"/>
+              <a:t>Definirajte tip podataka </a:t>
+            </a:r>
+            <a:r>
+              <a:rPr lang="hr-HR" dirty="0" err="1"/>
+              <a:t>ArithmeticData</a:t>
+            </a:r>
+            <a:r>
+              <a:rPr lang="hr-HR" dirty="0"/>
+              <a:t> koji sadrži:</a:t>
+            </a:r>
+          </a:p>
+          <a:p>
+            <a:pPr>
+              <a:buFont typeface="Arial" panose="020B0604020202020204" pitchFamily="34" charset="0"/>
+              <a:buChar char="•"/>
+            </a:pPr>
+            <a:r>
+              <a:rPr lang="hr-HR" dirty="0"/>
+              <a:t>num1: prvi broj</a:t>
+            </a:r>
+          </a:p>
+          <a:p>
+            <a:pPr>
+              <a:buFont typeface="Arial" panose="020B0604020202020204" pitchFamily="34" charset="0"/>
+              <a:buChar char="•"/>
+            </a:pPr>
+            <a:r>
+              <a:rPr lang="hr-HR" dirty="0"/>
+              <a:t>num2: drugi broj</a:t>
+            </a:r>
+          </a:p>
+          <a:p>
+            <a:pPr>
+              <a:buFont typeface="Arial" panose="020B0604020202020204" pitchFamily="34" charset="0"/>
+              <a:buChar char="•"/>
+            </a:pPr>
+            <a:r>
+              <a:rPr lang="hr-HR" dirty="0" err="1"/>
+              <a:t>operation</a:t>
+            </a:r>
+            <a:r>
+              <a:rPr lang="hr-HR" dirty="0"/>
+              <a:t>: operacija koju treba izvršiti (jedna od: "+", "-", "*", "/")</a:t>
+            </a:r>
+          </a:p>
+          <a:p>
+            <a:pPr>
+              <a:buNone/>
+            </a:pPr>
+            <a:r>
+              <a:rPr lang="hr-HR" dirty="0"/>
+              <a:t>Definirajte tip rezultata kao uniju tipova koja može biti broj ili poruka (</a:t>
+            </a:r>
+            <a:r>
+              <a:rPr lang="hr-HR" dirty="0" err="1"/>
+              <a:t>string</a:t>
+            </a:r>
+            <a:r>
+              <a:rPr lang="hr-HR" dirty="0"/>
+              <a:t>).</a:t>
+            </a:r>
+          </a:p>
+          <a:p>
+            <a:pPr>
+              <a:buNone/>
+            </a:pPr>
+            <a:r>
+              <a:rPr lang="hr-HR" dirty="0"/>
+              <a:t>Napravite funkciju </a:t>
+            </a:r>
+            <a:r>
+              <a:rPr lang="hr-HR" dirty="0" err="1"/>
+              <a:t>calculateArithmetic</a:t>
+            </a:r>
+            <a:r>
+              <a:rPr lang="hr-HR" dirty="0"/>
+              <a:t> koja obrađuje ulazne podatke, provjerava operaciju te vraća izračunati rezultat. Ako se dogodi dijeljenje s nulom, vratite odgovarajuću poruku o grešci.</a:t>
+            </a:r>
+          </a:p>
+          <a:p>
+            <a:r>
+              <a:rPr lang="hr-HR" dirty="0"/>
+              <a:t>Napišite funkciju </a:t>
+            </a:r>
+            <a:r>
+              <a:rPr lang="hr-HR" dirty="0" err="1"/>
+              <a:t>printResult</a:t>
+            </a:r>
+            <a:r>
+              <a:rPr lang="hr-HR" dirty="0"/>
+              <a:t> koja ispisuje rezultat na konzolu.</a:t>
+            </a:r>
+          </a:p>
+        </p:txBody>
+      </p:sp>
+      <p:pic>
+        <p:nvPicPr>
+          <p:cNvPr id="4" name="Picture 3">
+            <a:extLst>
+              <a:ext uri="{FF2B5EF4-FFF2-40B4-BE49-F238E27FC236}">
+                <a16:creationId xmlns:a16="http://schemas.microsoft.com/office/drawing/2014/main" id="{5A472A13-2402-16DB-3E82-F60A05E19F39}"/>
+              </a:ext>
+            </a:extLst>
+          </p:cNvPr>
+          <p:cNvPicPr>
+            <a:picLocks noChangeAspect="1"/>
+          </p:cNvPicPr>
+          <p:nvPr/>
+        </p:nvPicPr>
+        <p:blipFill>
+          <a:blip r:embed="rId3"/>
+          <a:stretch>
+            <a:fillRect/>
+          </a:stretch>
+        </p:blipFill>
+        <p:spPr>
+          <a:xfrm>
+            <a:off x="5935182" y="3429000"/>
+            <a:ext cx="5372100" cy="400050"/>
+          </a:xfrm>
+          <a:prstGeom prst="rect">
+            <a:avLst/>
+          </a:prstGeom>
+        </p:spPr>
+      </p:pic>
+    </p:spTree>
+    <p:extLst>
+      <p:ext uri="{BB962C8B-B14F-4D97-AF65-F5344CB8AC3E}">
+        <p14:creationId xmlns:p14="http://schemas.microsoft.com/office/powerpoint/2010/main" val="4076044860"/>
       </p:ext>
     </p:extLst>
   </p:cSld>
@@ -19230,26 +23744,6 @@
 </file>
 
 <file path=customXml/item1.xml><?xml version="1.0" encoding="utf-8"?>
-<?mso-contentType ?>
-<FormTemplates xmlns="http://schemas.microsoft.com/sharepoint/v3/contenttype/forms">
-  <Display>DocumentLibraryForm</Display>
-  <Edit>DocumentLibraryForm</Edit>
-  <New>DocumentLibraryForm</New>
-</FormTemplates>
-</file>
-
-<file path=customXml/item2.xml><?xml version="1.0" encoding="utf-8"?>
-<p:properties xmlns:p="http://schemas.microsoft.com/office/2006/metadata/properties" xmlns:xsi="http://www.w3.org/2001/XMLSchema-instance" xmlns:pc="http://schemas.microsoft.com/office/infopath/2007/PartnerControls">
-  <documentManagement>
-    <lcf76f155ced4ddcb4097134ff3c332f xmlns="40806f44-bc4a-4ea4-b660-c6da93f8f179">
-      <Terms xmlns="http://schemas.microsoft.com/office/infopath/2007/PartnerControls"/>
-    </lcf76f155ced4ddcb4097134ff3c332f>
-    <TaxCatchAll xmlns="758d0d8f-b783-4c78-ab73-9740c97b97cf" xsi:nil="true"/>
-  </documentManagement>
-</p:properties>
-</file>
-
-<file path=customXml/item3.xml><?xml version="1.0" encoding="utf-8"?>
 <ct:contentTypeSchema xmlns:ct="http://schemas.microsoft.com/office/2006/metadata/contentType" xmlns:ma="http://schemas.microsoft.com/office/2006/metadata/properties/metaAttributes" ct:_="" ma:_="" ma:contentTypeName="Document" ma:contentTypeID="0x010100E4F55D9EF0BF0A44B819E681FCAC00B7" ma:contentTypeVersion="12" ma:contentTypeDescription="Create a new document." ma:contentTypeScope="" ma:versionID="068ce121a7a7a0aebcb89dd601c4f0a2">
   <xsd:schema xmlns:xsd="http://www.w3.org/2001/XMLSchema" xmlns:xs="http://www.w3.org/2001/XMLSchema" xmlns:p="http://schemas.microsoft.com/office/2006/metadata/properties" xmlns:ns2="40806f44-bc4a-4ea4-b660-c6da93f8f179" xmlns:ns3="758d0d8f-b783-4c78-ab73-9740c97b97cf" targetNamespace="http://schemas.microsoft.com/office/2006/metadata/properties" ma:root="true" ma:fieldsID="67c58e6c5c8ea9af0822acd84d25e1a2" ns2:_="" ns3:_="">
     <xsd:import namespace="40806f44-bc4a-4ea4-b660-c6da93f8f179"/>
@@ -19466,10 +23960,41 @@
 </ct:contentTypeSchema>
 </file>
 
+<file path=customXml/item2.xml><?xml version="1.0" encoding="utf-8"?>
+<p:properties xmlns:p="http://schemas.microsoft.com/office/2006/metadata/properties" xmlns:xsi="http://www.w3.org/2001/XMLSchema-instance" xmlns:pc="http://schemas.microsoft.com/office/infopath/2007/PartnerControls">
+  <documentManagement>
+    <lcf76f155ced4ddcb4097134ff3c332f xmlns="40806f44-bc4a-4ea4-b660-c6da93f8f179">
+      <Terms xmlns="http://schemas.microsoft.com/office/infopath/2007/PartnerControls"/>
+    </lcf76f155ced4ddcb4097134ff3c332f>
+    <TaxCatchAll xmlns="758d0d8f-b783-4c78-ab73-9740c97b97cf" xsi:nil="true"/>
+  </documentManagement>
+</p:properties>
+</file>
+
+<file path=customXml/item3.xml><?xml version="1.0" encoding="utf-8"?>
+<?mso-contentType ?>
+<FormTemplates xmlns="http://schemas.microsoft.com/sharepoint/v3/contenttype/forms">
+  <Display>DocumentLibraryForm</Display>
+  <Edit>DocumentLibraryForm</Edit>
+  <New>DocumentLibraryForm</New>
+</FormTemplates>
+</file>
+
 <file path=customXml/itemProps1.xml><?xml version="1.0" encoding="utf-8"?>
-<ds:datastoreItem xmlns:ds="http://schemas.openxmlformats.org/officeDocument/2006/customXml" ds:itemID="{46915D30-CAA6-465E-907F-1770D4E3B01D}">
+<ds:datastoreItem xmlns:ds="http://schemas.openxmlformats.org/officeDocument/2006/customXml" ds:itemID="{4E6AED0F-96FF-4C7F-8AC9-672C91BFCDFE}">
   <ds:schemaRefs>
-    <ds:schemaRef ds:uri="http://schemas.microsoft.com/sharepoint/v3/contenttype/forms"/>
+    <ds:schemaRef ds:uri="http://schemas.microsoft.com/office/2006/metadata/contentType"/>
+    <ds:schemaRef ds:uri="http://schemas.microsoft.com/office/2006/metadata/properties/metaAttributes"/>
+    <ds:schemaRef ds:uri="http://www.w3.org/2001/XMLSchema"/>
+    <ds:schemaRef ds:uri="http://schemas.microsoft.com/office/2006/metadata/properties"/>
+    <ds:schemaRef ds:uri="40806f44-bc4a-4ea4-b660-c6da93f8f179"/>
+    <ds:schemaRef ds:uri="758d0d8f-b783-4c78-ab73-9740c97b97cf"/>
+    <ds:schemaRef ds:uri="http://schemas.microsoft.com/office/2006/documentManagement/types"/>
+    <ds:schemaRef ds:uri="http://schemas.microsoft.com/office/infopath/2007/PartnerControls"/>
+    <ds:schemaRef ds:uri="http://schemas.openxmlformats.org/package/2006/metadata/core-properties"/>
+    <ds:schemaRef ds:uri="http://purl.org/dc/elements/1.1/"/>
+    <ds:schemaRef ds:uri="http://purl.org/dc/terms/"/>
+    <ds:schemaRef ds:uri="http://schemas.microsoft.com/internal/obd"/>
   </ds:schemaRefs>
 </ds:datastoreItem>
 </file>
@@ -19492,20 +24017,9 @@
 </file>
 
 <file path=customXml/itemProps3.xml><?xml version="1.0" encoding="utf-8"?>
-<ds:datastoreItem xmlns:ds="http://schemas.openxmlformats.org/officeDocument/2006/customXml" ds:itemID="{4E6AED0F-96FF-4C7F-8AC9-672C91BFCDFE}">
+<ds:datastoreItem xmlns:ds="http://schemas.openxmlformats.org/officeDocument/2006/customXml" ds:itemID="{46915D30-CAA6-465E-907F-1770D4E3B01D}">
   <ds:schemaRefs>
-    <ds:schemaRef ds:uri="http://schemas.microsoft.com/office/2006/metadata/contentType"/>
-    <ds:schemaRef ds:uri="http://schemas.microsoft.com/office/2006/metadata/properties/metaAttributes"/>
-    <ds:schemaRef ds:uri="http://www.w3.org/2001/XMLSchema"/>
-    <ds:schemaRef ds:uri="http://schemas.microsoft.com/office/2006/metadata/properties"/>
-    <ds:schemaRef ds:uri="40806f44-bc4a-4ea4-b660-c6da93f8f179"/>
-    <ds:schemaRef ds:uri="758d0d8f-b783-4c78-ab73-9740c97b97cf"/>
-    <ds:schemaRef ds:uri="http://schemas.microsoft.com/office/2006/documentManagement/types"/>
-    <ds:schemaRef ds:uri="http://schemas.microsoft.com/office/infopath/2007/PartnerControls"/>
-    <ds:schemaRef ds:uri="http://schemas.openxmlformats.org/package/2006/metadata/core-properties"/>
-    <ds:schemaRef ds:uri="http://purl.org/dc/elements/1.1/"/>
-    <ds:schemaRef ds:uri="http://purl.org/dc/terms/"/>
-    <ds:schemaRef ds:uri="http://schemas.microsoft.com/internal/obd"/>
+    <ds:schemaRef ds:uri="http://schemas.microsoft.com/sharepoint/v3/contenttype/forms"/>
   </ds:schemaRefs>
 </ds:datastoreItem>
 </file>
--- a/Bootcamp/typescript/typescript-uvod.pptx
+++ b/Bootcamp/typescript/typescript-uvod.pptx
@@ -5,7 +5,7 @@
     <p:sldMasterId id="2147483648" r:id="rId4"/>
   </p:sldMasterIdLst>
   <p:notesMasterIdLst>
-    <p:notesMasterId r:id="rId34"/>
+    <p:notesMasterId r:id="rId35"/>
   </p:notesMasterIdLst>
   <p:sldIdLst>
     <p:sldId id="282" r:id="rId5"/>
@@ -36,7 +36,8 @@
     <p:sldId id="406" r:id="rId30"/>
     <p:sldId id="407" r:id="rId31"/>
     <p:sldId id="408" r:id="rId32"/>
-    <p:sldId id="378" r:id="rId33"/>
+    <p:sldId id="409" r:id="rId33"/>
+    <p:sldId id="378" r:id="rId34"/>
   </p:sldIdLst>
   <p:sldSz cx="12192000" cy="6858000"/>
   <p:notesSz cx="6858000" cy="9144000"/>
@@ -172,6 +173,7 @@
             <p14:sldId id="406"/>
             <p14:sldId id="407"/>
             <p14:sldId id="408"/>
+            <p14:sldId id="409"/>
             <p14:sldId id="378"/>
           </p14:sldIdLst>
         </p14:section>
@@ -2716,6 +2718,117 @@
         <p:cNvPr id="1" name="">
           <a:extLst>
             <a:ext uri="{FF2B5EF4-FFF2-40B4-BE49-F238E27FC236}">
+              <a16:creationId xmlns:a16="http://schemas.microsoft.com/office/drawing/2014/main" id="{0FDE4400-38D0-7BA2-E949-480509FA1E51}"/>
+            </a:ext>
+          </a:extLst>
+        </p:cNvPr>
+        <p:cNvGrpSpPr/>
+        <p:nvPr/>
+      </p:nvGrpSpPr>
+      <p:grpSpPr>
+        <a:xfrm>
+          <a:off x="0" y="0"/>
+          <a:ext cx="0" cy="0"/>
+          <a:chOff x="0" y="0"/>
+          <a:chExt cx="0" cy="0"/>
+        </a:xfrm>
+      </p:grpSpPr>
+      <p:sp>
+        <p:nvSpPr>
+          <p:cNvPr id="2" name="Slide Image Placeholder 1">
+            <a:extLst>
+              <a:ext uri="{FF2B5EF4-FFF2-40B4-BE49-F238E27FC236}">
+                <a16:creationId xmlns:a16="http://schemas.microsoft.com/office/drawing/2014/main" id="{B531FA1B-4015-0EDF-B647-EDA718867E06}"/>
+              </a:ext>
+            </a:extLst>
+          </p:cNvPr>
+          <p:cNvSpPr>
+            <a:spLocks noGrp="1" noRot="1" noChangeAspect="1"/>
+          </p:cNvSpPr>
+          <p:nvPr>
+            <p:ph type="sldImg"/>
+          </p:nvPr>
+        </p:nvSpPr>
+        <p:spPr/>
+      </p:sp>
+      <p:sp>
+        <p:nvSpPr>
+          <p:cNvPr id="3" name="Notes Placeholder 2">
+            <a:extLst>
+              <a:ext uri="{FF2B5EF4-FFF2-40B4-BE49-F238E27FC236}">
+                <a16:creationId xmlns:a16="http://schemas.microsoft.com/office/drawing/2014/main" id="{F53C321A-A738-1EE9-295D-AEFA183E03D3}"/>
+              </a:ext>
+            </a:extLst>
+          </p:cNvPr>
+          <p:cNvSpPr>
+            <a:spLocks noGrp="1"/>
+          </p:cNvSpPr>
+          <p:nvPr>
+            <p:ph type="body" idx="1"/>
+          </p:nvPr>
+        </p:nvSpPr>
+        <p:spPr/>
+        <p:txBody>
+          <a:bodyPr/>
+          <a:lstStyle/>
+          <a:p>
+            <a:r>
+              <a:rPr lang="hr-HR" dirty="0"/>
+              <a:t>https://gist.github.com/dinoDuvnjak/d1a54e91ae92c8bb816344d2f7f90de1</a:t>
+            </a:r>
+          </a:p>
+        </p:txBody>
+      </p:sp>
+      <p:sp>
+        <p:nvSpPr>
+          <p:cNvPr id="4" name="Slide Number Placeholder 3">
+            <a:extLst>
+              <a:ext uri="{FF2B5EF4-FFF2-40B4-BE49-F238E27FC236}">
+                <a16:creationId xmlns:a16="http://schemas.microsoft.com/office/drawing/2014/main" id="{72BAF06B-99D9-87E5-183A-C35FEEEFB775}"/>
+              </a:ext>
+            </a:extLst>
+          </p:cNvPr>
+          <p:cNvSpPr>
+            <a:spLocks noGrp="1"/>
+          </p:cNvSpPr>
+          <p:nvPr>
+            <p:ph type="sldNum" sz="quarter" idx="5"/>
+          </p:nvPr>
+        </p:nvSpPr>
+        <p:spPr/>
+        <p:txBody>
+          <a:bodyPr/>
+          <a:lstStyle/>
+          <a:p>
+            <a:fld id="{343B951A-A665-1949-AEDB-B62DC9BE7F13}" type="slidenum">
+              <a:rPr lang="en-US" smtClean="0"/>
+              <a:t>29</a:t>
+            </a:fld>
+            <a:endParaRPr lang="en-US"/>
+          </a:p>
+        </p:txBody>
+      </p:sp>
+    </p:spTree>
+    <p:extLst>
+      <p:ext uri="{BB962C8B-B14F-4D97-AF65-F5344CB8AC3E}">
+        <p14:creationId xmlns:p14="http://schemas.microsoft.com/office/powerpoint/2010/main" val="778838711"/>
+      </p:ext>
+    </p:extLst>
+  </p:cSld>
+  <p:clrMapOvr>
+    <a:masterClrMapping/>
+  </p:clrMapOvr>
+</p:notes>
+</file>
+
+<file path=ppt/notesSlides/notesSlide29.xml><?xml version="1.0" encoding="utf-8"?>
+<p:notes xmlns:a="http://schemas.openxmlformats.org/drawingml/2006/main" xmlns:r="http://schemas.openxmlformats.org/officeDocument/2006/relationships" xmlns:p="http://schemas.openxmlformats.org/presentationml/2006/main">
+  <p:cSld>
+    <p:spTree>
+      <p:nvGrpSpPr>
+        <p:cNvPr id="1" name="">
+          <a:extLst>
+            <a:ext uri="{FF2B5EF4-FFF2-40B4-BE49-F238E27FC236}">
               <a16:creationId xmlns:a16="http://schemas.microsoft.com/office/drawing/2014/main" id="{4F32F5CD-A2DA-DD60-9A45-CC97E0363F9A}"/>
             </a:ext>
           </a:extLst>
@@ -2797,7 +2910,7 @@
           <a:p>
             <a:fld id="{343B951A-A665-1949-AEDB-B62DC9BE7F13}" type="slidenum">
               <a:rPr lang="en-US" smtClean="0"/>
-              <a:t>29</a:t>
+              <a:t>30</a:t>
             </a:fld>
             <a:endParaRPr lang="en-US"/>
           </a:p>
@@ -19466,7 +19579,7 @@
         <p:cNvPr id="1" name="">
           <a:extLst>
             <a:ext uri="{FF2B5EF4-FFF2-40B4-BE49-F238E27FC236}">
-              <a16:creationId xmlns:a16="http://schemas.microsoft.com/office/drawing/2014/main" id="{41D8D391-E500-51BA-E7FD-06C8D5BADE27}"/>
+              <a16:creationId xmlns:a16="http://schemas.microsoft.com/office/drawing/2014/main" id="{BE3CD824-BE79-8C1F-8F22-F7291477C9A5}"/>
             </a:ext>
           </a:extLst>
         </p:cNvPr>
@@ -19483,179 +19596,65 @@
       </p:grpSpPr>
       <p:sp>
         <p:nvSpPr>
-          <p:cNvPr id="2" name="Title 1">
-            <a:extLst>
-              <a:ext uri="{FF2B5EF4-FFF2-40B4-BE49-F238E27FC236}">
-                <a16:creationId xmlns:a16="http://schemas.microsoft.com/office/drawing/2014/main" id="{7A95F4FD-1537-5299-B877-F1D1B4403E64}"/>
-              </a:ext>
-            </a:extLst>
-          </p:cNvPr>
-          <p:cNvSpPr>
-            <a:spLocks noGrp="1"/>
+          <p:cNvPr id="4" name="Title 1">
+            <a:extLst>
+              <a:ext uri="{FF2B5EF4-FFF2-40B4-BE49-F238E27FC236}">
+                <a16:creationId xmlns:a16="http://schemas.microsoft.com/office/drawing/2014/main" id="{CAE27AEB-44C2-51AE-887A-AF84BF59B727}"/>
+              </a:ext>
+            </a:extLst>
+          </p:cNvPr>
+          <p:cNvSpPr txBox="1">
+            <a:spLocks/>
           </p:cNvSpPr>
-          <p:nvPr>
-            <p:ph type="title"/>
-          </p:nvPr>
-        </p:nvSpPr>
-        <p:spPr/>
+          <p:nvPr/>
+        </p:nvSpPr>
+        <p:spPr>
+          <a:xfrm>
+            <a:off x="990600" y="383056"/>
+            <a:ext cx="10515600" cy="853976"/>
+          </a:xfrm>
+          <a:prstGeom prst="rect">
+            <a:avLst/>
+          </a:prstGeom>
+        </p:spPr>
         <p:txBody>
-          <a:bodyPr/>
-          <a:lstStyle/>
+          <a:bodyPr vert="horz" lIns="91440" tIns="45720" rIns="91440" bIns="45720" rtlCol="0" anchor="ctr">
+            <a:normAutofit/>
+          </a:bodyPr>
+          <a:lstStyle>
+            <a:lvl1pPr algn="l" defTabSz="914400" rtl="0" eaLnBrk="1" latinLnBrk="0" hangingPunct="1">
+              <a:lnSpc>
+                <a:spcPct val="90000"/>
+              </a:lnSpc>
+              <a:spcBef>
+                <a:spcPct val="0"/>
+              </a:spcBef>
+              <a:buNone/>
+              <a:defRPr sz="3600" b="1" i="0" kern="1200" cap="all" baseline="0">
+                <a:solidFill>
+                  <a:schemeClr val="tx2"/>
+                </a:solidFill>
+                <a:latin typeface="+mj-lt"/>
+                <a:ea typeface="Open Sans Semibold" panose="020B0606030504020204" pitchFamily="34" charset="0"/>
+                <a:cs typeface="Open Sans Semibold" panose="020B0606030504020204" pitchFamily="34" charset="0"/>
+              </a:defRPr>
+            </a:lvl1pPr>
+          </a:lstStyle>
           <a:p>
             <a:r>
               <a:rPr lang="en-US" dirty="0"/>
-              <a:t>VJE</a:t>
-            </a:r>
-            <a:r>
-              <a:rPr lang="hr-HR" dirty="0"/>
-              <a:t>ž</a:t>
-            </a:r>
-            <a:r>
-              <a:rPr lang="en-US" dirty="0" err="1"/>
-              <a:t>ba</a:t>
+              <a:t>TYPESCRIPT – CONFIG COMPILING</a:t>
             </a:r>
             <a:endParaRPr lang="hr-HR" dirty="0"/>
-          </a:p>
-        </p:txBody>
-      </p:sp>
-      <p:sp>
-        <p:nvSpPr>
-          <p:cNvPr id="6" name="Text Placeholder 5">
-            <a:extLst>
-              <a:ext uri="{FF2B5EF4-FFF2-40B4-BE49-F238E27FC236}">
-                <a16:creationId xmlns:a16="http://schemas.microsoft.com/office/drawing/2014/main" id="{833981EC-5E89-16A5-C438-450D17DC012D}"/>
-              </a:ext>
-            </a:extLst>
-          </p:cNvPr>
-          <p:cNvSpPr>
-            <a:spLocks noGrp="1"/>
-          </p:cNvSpPr>
-          <p:nvPr>
-            <p:ph type="body" sz="half" idx="2"/>
-          </p:nvPr>
-        </p:nvSpPr>
-        <p:spPr/>
-        <p:txBody>
-          <a:bodyPr>
-            <a:normAutofit fontScale="70000" lnSpcReduction="20000"/>
-          </a:bodyPr>
-          <a:lstStyle/>
-          <a:p>
-            <a:pPr>
-              <a:buNone/>
-            </a:pPr>
-            <a:r>
-              <a:rPr lang="hr-HR" dirty="0"/>
-              <a:t>Napišite jednostavan kalkulator koji prima dva broja i operaciju (zbrajanje, oduzimanje, množenje, dijeljenje) te vraća rezultat te operacije.</a:t>
-            </a:r>
-          </a:p>
-          <a:p>
-            <a:pPr>
-              <a:buNone/>
-            </a:pPr>
-            <a:r>
-              <a:rPr lang="hr-HR" dirty="0"/>
-              <a:t>Definirajte tip podataka </a:t>
-            </a:r>
-            <a:r>
-              <a:rPr lang="hr-HR" dirty="0" err="1"/>
-              <a:t>ArithmeticData</a:t>
-            </a:r>
-            <a:r>
-              <a:rPr lang="hr-HR" dirty="0"/>
-              <a:t> koji sadrži:</a:t>
-            </a:r>
-          </a:p>
-          <a:p>
-            <a:pPr>
-              <a:buFont typeface="Arial" panose="020B0604020202020204" pitchFamily="34" charset="0"/>
-              <a:buChar char="•"/>
-            </a:pPr>
-            <a:r>
-              <a:rPr lang="hr-HR" dirty="0"/>
-              <a:t>num1: prvi broj</a:t>
-            </a:r>
-          </a:p>
-          <a:p>
-            <a:pPr>
-              <a:buFont typeface="Arial" panose="020B0604020202020204" pitchFamily="34" charset="0"/>
-              <a:buChar char="•"/>
-            </a:pPr>
-            <a:r>
-              <a:rPr lang="hr-HR" dirty="0"/>
-              <a:t>num2: drugi broj</a:t>
-            </a:r>
-          </a:p>
-          <a:p>
-            <a:pPr>
-              <a:buFont typeface="Arial" panose="020B0604020202020204" pitchFamily="34" charset="0"/>
-              <a:buChar char="•"/>
-            </a:pPr>
-            <a:r>
-              <a:rPr lang="hr-HR" dirty="0" err="1"/>
-              <a:t>operation</a:t>
-            </a:r>
-            <a:r>
-              <a:rPr lang="hr-HR" dirty="0"/>
-              <a:t>: operacija koju treba izvršiti (jedna od: "+", "-", "*", "/")</a:t>
-            </a:r>
-          </a:p>
-          <a:p>
-            <a:pPr>
-              <a:buNone/>
-            </a:pPr>
-            <a:r>
-              <a:rPr lang="hr-HR" dirty="0"/>
-              <a:t>Definirajte tip rezultata kao uniju tipova koja može biti broj ili poruka (</a:t>
-            </a:r>
-            <a:r>
-              <a:rPr lang="hr-HR" dirty="0" err="1"/>
-              <a:t>string</a:t>
-            </a:r>
-            <a:r>
-              <a:rPr lang="hr-HR" dirty="0"/>
-              <a:t>).</a:t>
-            </a:r>
-          </a:p>
-          <a:p>
-            <a:pPr>
-              <a:buNone/>
-            </a:pPr>
-            <a:r>
-              <a:rPr lang="hr-HR" dirty="0"/>
-              <a:t>Napravite funkciju </a:t>
-            </a:r>
-            <a:r>
-              <a:rPr lang="hr-HR" dirty="0" err="1"/>
-              <a:t>calculateArithmetic</a:t>
-            </a:r>
-            <a:r>
-              <a:rPr lang="hr-HR" dirty="0"/>
-              <a:t> koja obrađuje ulazne podatke, provjerava operaciju te vraća izračunati rezultat. Ako se dogodi dijeljenje s nulom, vratite odgovarajuću poruku o grešci.</a:t>
-            </a:r>
-          </a:p>
-          <a:p>
-            <a:r>
-              <a:rPr lang="hr-HR" dirty="0"/>
-              <a:t>Napišite funkciju </a:t>
-            </a:r>
-            <a:r>
-              <a:rPr lang="hr-HR" dirty="0" err="1"/>
-              <a:t>printResult</a:t>
-            </a:r>
-            <a:r>
-              <a:rPr lang="hr-HR" dirty="0"/>
-              <a:t> koja ispisuje rezultat na konzolu.</a:t>
-            </a:r>
           </a:p>
         </p:txBody>
       </p:sp>
       <p:pic>
         <p:nvPicPr>
-          <p:cNvPr id="4" name="Picture 3">
-            <a:extLst>
-              <a:ext uri="{FF2B5EF4-FFF2-40B4-BE49-F238E27FC236}">
-                <a16:creationId xmlns:a16="http://schemas.microsoft.com/office/drawing/2014/main" id="{5A472A13-2402-16DB-3E82-F60A05E19F39}"/>
+          <p:cNvPr id="5" name="Picture 4">
+            <a:extLst>
+              <a:ext uri="{FF2B5EF4-FFF2-40B4-BE49-F238E27FC236}">
+                <a16:creationId xmlns:a16="http://schemas.microsoft.com/office/drawing/2014/main" id="{F7A489E2-B929-E3E1-0CEC-3B9B2997CE33}"/>
               </a:ext>
             </a:extLst>
           </p:cNvPr>
@@ -19672,8 +19671,98 @@
         </p:blipFill>
         <p:spPr>
           <a:xfrm>
-            <a:off x="5935182" y="3429000"/>
-            <a:ext cx="5372100" cy="400050"/>
+            <a:off x="1104823" y="2073126"/>
+            <a:ext cx="1810926" cy="2016421"/>
+          </a:xfrm>
+          <a:prstGeom prst="rect">
+            <a:avLst/>
+          </a:prstGeom>
+        </p:spPr>
+      </p:pic>
+      <p:pic>
+        <p:nvPicPr>
+          <p:cNvPr id="8" name="Picture 7">
+            <a:extLst>
+              <a:ext uri="{FF2B5EF4-FFF2-40B4-BE49-F238E27FC236}">
+                <a16:creationId xmlns:a16="http://schemas.microsoft.com/office/drawing/2014/main" id="{2433C45E-9BBD-37F2-BE30-763EB6D9E22A}"/>
+              </a:ext>
+            </a:extLst>
+          </p:cNvPr>
+          <p:cNvPicPr>
+            <a:picLocks noChangeAspect="1"/>
+          </p:cNvPicPr>
+          <p:nvPr/>
+        </p:nvPicPr>
+        <p:blipFill>
+          <a:blip r:embed="rId4"/>
+          <a:stretch>
+            <a:fillRect/>
+          </a:stretch>
+        </p:blipFill>
+        <p:spPr>
+          <a:xfrm>
+            <a:off x="1104823" y="1545154"/>
+            <a:ext cx="1962150" cy="333375"/>
+          </a:xfrm>
+          <a:prstGeom prst="rect">
+            <a:avLst/>
+          </a:prstGeom>
+        </p:spPr>
+      </p:pic>
+      <p:pic>
+        <p:nvPicPr>
+          <p:cNvPr id="11" name="Picture 10">
+            <a:extLst>
+              <a:ext uri="{FF2B5EF4-FFF2-40B4-BE49-F238E27FC236}">
+                <a16:creationId xmlns:a16="http://schemas.microsoft.com/office/drawing/2014/main" id="{C97C592D-63D3-46FE-5E61-28EBEA0BB79F}"/>
+              </a:ext>
+            </a:extLst>
+          </p:cNvPr>
+          <p:cNvPicPr>
+            <a:picLocks noChangeAspect="1"/>
+          </p:cNvPicPr>
+          <p:nvPr/>
+        </p:nvPicPr>
+        <p:blipFill>
+          <a:blip r:embed="rId5"/>
+          <a:stretch>
+            <a:fillRect/>
+          </a:stretch>
+        </p:blipFill>
+        <p:spPr>
+          <a:xfrm>
+            <a:off x="4812450" y="2073126"/>
+            <a:ext cx="3800475" cy="695325"/>
+          </a:xfrm>
+          <a:prstGeom prst="rect">
+            <a:avLst/>
+          </a:prstGeom>
+        </p:spPr>
+      </p:pic>
+      <p:pic>
+        <p:nvPicPr>
+          <p:cNvPr id="13" name="Picture 12">
+            <a:extLst>
+              <a:ext uri="{FF2B5EF4-FFF2-40B4-BE49-F238E27FC236}">
+                <a16:creationId xmlns:a16="http://schemas.microsoft.com/office/drawing/2014/main" id="{30E7F65C-9665-60EC-D299-1E808CB6FC06}"/>
+              </a:ext>
+            </a:extLst>
+          </p:cNvPr>
+          <p:cNvPicPr>
+            <a:picLocks noChangeAspect="1"/>
+          </p:cNvPicPr>
+          <p:nvPr/>
+        </p:nvPicPr>
+        <p:blipFill>
+          <a:blip r:embed="rId6"/>
+          <a:stretch>
+            <a:fillRect/>
+          </a:stretch>
+        </p:blipFill>
+        <p:spPr>
+          <a:xfrm>
+            <a:off x="4815994" y="1545154"/>
+            <a:ext cx="1133475" cy="314325"/>
           </a:xfrm>
           <a:prstGeom prst="rect">
             <a:avLst/>
@@ -19683,7 +19772,7 @@
     </p:spTree>
     <p:extLst>
       <p:ext uri="{BB962C8B-B14F-4D97-AF65-F5344CB8AC3E}">
-        <p14:creationId xmlns:p14="http://schemas.microsoft.com/office/powerpoint/2010/main" val="4076044860"/>
+        <p14:creationId xmlns:p14="http://schemas.microsoft.com/office/powerpoint/2010/main" val="3681122335"/>
       </p:ext>
     </p:extLst>
   </p:cSld>
@@ -20223,6 +20312,241 @@
     <p:extLst>
       <p:ext uri="{BB962C8B-B14F-4D97-AF65-F5344CB8AC3E}">
         <p14:creationId xmlns:p14="http://schemas.microsoft.com/office/powerpoint/2010/main" val="3313296355"/>
+      </p:ext>
+    </p:extLst>
+  </p:cSld>
+  <p:clrMapOvr>
+    <a:masterClrMapping/>
+  </p:clrMapOvr>
+</p:sld>
+</file>
+
+<file path=ppt/slides/slide30.xml><?xml version="1.0" encoding="utf-8"?>
+<p:sld xmlns:a="http://schemas.openxmlformats.org/drawingml/2006/main" xmlns:r="http://schemas.openxmlformats.org/officeDocument/2006/relationships" xmlns:p="http://schemas.openxmlformats.org/presentationml/2006/main">
+  <p:cSld>
+    <p:spTree>
+      <p:nvGrpSpPr>
+        <p:cNvPr id="1" name="">
+          <a:extLst>
+            <a:ext uri="{FF2B5EF4-FFF2-40B4-BE49-F238E27FC236}">
+              <a16:creationId xmlns:a16="http://schemas.microsoft.com/office/drawing/2014/main" id="{41D8D391-E500-51BA-E7FD-06C8D5BADE27}"/>
+            </a:ext>
+          </a:extLst>
+        </p:cNvPr>
+        <p:cNvGrpSpPr/>
+        <p:nvPr/>
+      </p:nvGrpSpPr>
+      <p:grpSpPr>
+        <a:xfrm>
+          <a:off x="0" y="0"/>
+          <a:ext cx="0" cy="0"/>
+          <a:chOff x="0" y="0"/>
+          <a:chExt cx="0" cy="0"/>
+        </a:xfrm>
+      </p:grpSpPr>
+      <p:sp>
+        <p:nvSpPr>
+          <p:cNvPr id="2" name="Title 1">
+            <a:extLst>
+              <a:ext uri="{FF2B5EF4-FFF2-40B4-BE49-F238E27FC236}">
+                <a16:creationId xmlns:a16="http://schemas.microsoft.com/office/drawing/2014/main" id="{7A95F4FD-1537-5299-B877-F1D1B4403E64}"/>
+              </a:ext>
+            </a:extLst>
+          </p:cNvPr>
+          <p:cNvSpPr>
+            <a:spLocks noGrp="1"/>
+          </p:cNvSpPr>
+          <p:nvPr>
+            <p:ph type="title"/>
+          </p:nvPr>
+        </p:nvSpPr>
+        <p:spPr/>
+        <p:txBody>
+          <a:bodyPr/>
+          <a:lstStyle/>
+          <a:p>
+            <a:r>
+              <a:rPr lang="en-US" dirty="0"/>
+              <a:t>VJE</a:t>
+            </a:r>
+            <a:r>
+              <a:rPr lang="hr-HR" dirty="0"/>
+              <a:t>ž</a:t>
+            </a:r>
+            <a:r>
+              <a:rPr lang="en-US" dirty="0" err="1"/>
+              <a:t>ba</a:t>
+            </a:r>
+            <a:endParaRPr lang="hr-HR" dirty="0"/>
+          </a:p>
+        </p:txBody>
+      </p:sp>
+      <p:sp>
+        <p:nvSpPr>
+          <p:cNvPr id="6" name="Text Placeholder 5">
+            <a:extLst>
+              <a:ext uri="{FF2B5EF4-FFF2-40B4-BE49-F238E27FC236}">
+                <a16:creationId xmlns:a16="http://schemas.microsoft.com/office/drawing/2014/main" id="{833981EC-5E89-16A5-C438-450D17DC012D}"/>
+              </a:ext>
+            </a:extLst>
+          </p:cNvPr>
+          <p:cNvSpPr>
+            <a:spLocks noGrp="1"/>
+          </p:cNvSpPr>
+          <p:nvPr>
+            <p:ph type="body" sz="half" idx="2"/>
+          </p:nvPr>
+        </p:nvSpPr>
+        <p:spPr/>
+        <p:txBody>
+          <a:bodyPr>
+            <a:normAutofit fontScale="70000" lnSpcReduction="20000"/>
+          </a:bodyPr>
+          <a:lstStyle/>
+          <a:p>
+            <a:pPr>
+              <a:buNone/>
+            </a:pPr>
+            <a:r>
+              <a:rPr lang="hr-HR" dirty="0"/>
+              <a:t>Napišite jednostavan kalkulator koji prima dva broja i operaciju (zbrajanje, oduzimanje, množenje, dijeljenje) te vraća rezultat te operacije.</a:t>
+            </a:r>
+          </a:p>
+          <a:p>
+            <a:pPr>
+              <a:buNone/>
+            </a:pPr>
+            <a:r>
+              <a:rPr lang="hr-HR" dirty="0"/>
+              <a:t>Definirajte tip podataka </a:t>
+            </a:r>
+            <a:r>
+              <a:rPr lang="hr-HR" dirty="0" err="1"/>
+              <a:t>ArithmeticData</a:t>
+            </a:r>
+            <a:r>
+              <a:rPr lang="hr-HR" dirty="0"/>
+              <a:t> koji sadrži:</a:t>
+            </a:r>
+          </a:p>
+          <a:p>
+            <a:pPr>
+              <a:buFont typeface="Arial" panose="020B0604020202020204" pitchFamily="34" charset="0"/>
+              <a:buChar char="•"/>
+            </a:pPr>
+            <a:r>
+              <a:rPr lang="hr-HR" dirty="0"/>
+              <a:t>num1: prvi broj</a:t>
+            </a:r>
+          </a:p>
+          <a:p>
+            <a:pPr>
+              <a:buFont typeface="Arial" panose="020B0604020202020204" pitchFamily="34" charset="0"/>
+              <a:buChar char="•"/>
+            </a:pPr>
+            <a:r>
+              <a:rPr lang="hr-HR" dirty="0"/>
+              <a:t>num2: drugi broj</a:t>
+            </a:r>
+          </a:p>
+          <a:p>
+            <a:pPr>
+              <a:buFont typeface="Arial" panose="020B0604020202020204" pitchFamily="34" charset="0"/>
+              <a:buChar char="•"/>
+            </a:pPr>
+            <a:r>
+              <a:rPr lang="hr-HR" dirty="0" err="1"/>
+              <a:t>operation</a:t>
+            </a:r>
+            <a:r>
+              <a:rPr lang="hr-HR" dirty="0"/>
+              <a:t>: operacija koju treba izvršiti (jedna od: "+", "-", "*", "/")</a:t>
+            </a:r>
+          </a:p>
+          <a:p>
+            <a:pPr>
+              <a:buNone/>
+            </a:pPr>
+            <a:r>
+              <a:rPr lang="hr-HR" dirty="0"/>
+              <a:t>Definirajte tip rezultata kao uniju tipova koja može biti broj ili poruka (</a:t>
+            </a:r>
+            <a:r>
+              <a:rPr lang="hr-HR" dirty="0" err="1"/>
+              <a:t>string</a:t>
+            </a:r>
+            <a:r>
+              <a:rPr lang="hr-HR" dirty="0"/>
+              <a:t>).</a:t>
+            </a:r>
+          </a:p>
+          <a:p>
+            <a:pPr>
+              <a:buNone/>
+            </a:pPr>
+            <a:r>
+              <a:rPr lang="hr-HR" dirty="0"/>
+              <a:t>Napravite funkciju </a:t>
+            </a:r>
+            <a:r>
+              <a:rPr lang="hr-HR" dirty="0" err="1"/>
+              <a:t>calculateArithmetic</a:t>
+            </a:r>
+            <a:r>
+              <a:rPr lang="hr-HR" dirty="0"/>
+              <a:t> koja obrađuje ulazne podatke, provjerava operaciju te vraća izračunati rezultat. Ako se dogodi dijeljenje s nulom, vratite odgovarajuću poruku o grešci.</a:t>
+            </a:r>
+          </a:p>
+          <a:p>
+            <a:r>
+              <a:rPr lang="hr-HR" dirty="0"/>
+              <a:t>Napišite funkciju </a:t>
+            </a:r>
+            <a:r>
+              <a:rPr lang="hr-HR" dirty="0" err="1"/>
+              <a:t>printResult</a:t>
+            </a:r>
+            <a:r>
+              <a:rPr lang="hr-HR" dirty="0"/>
+              <a:t> koja ispisuje rezultat na konzolu.</a:t>
+            </a:r>
+          </a:p>
+        </p:txBody>
+      </p:sp>
+      <p:pic>
+        <p:nvPicPr>
+          <p:cNvPr id="4" name="Picture 3">
+            <a:extLst>
+              <a:ext uri="{FF2B5EF4-FFF2-40B4-BE49-F238E27FC236}">
+                <a16:creationId xmlns:a16="http://schemas.microsoft.com/office/drawing/2014/main" id="{5A472A13-2402-16DB-3E82-F60A05E19F39}"/>
+              </a:ext>
+            </a:extLst>
+          </p:cNvPr>
+          <p:cNvPicPr>
+            <a:picLocks noChangeAspect="1"/>
+          </p:cNvPicPr>
+          <p:nvPr/>
+        </p:nvPicPr>
+        <p:blipFill>
+          <a:blip r:embed="rId3"/>
+          <a:stretch>
+            <a:fillRect/>
+          </a:stretch>
+        </p:blipFill>
+        <p:spPr>
+          <a:xfrm>
+            <a:off x="5935182" y="3429000"/>
+            <a:ext cx="5372100" cy="400050"/>
+          </a:xfrm>
+          <a:prstGeom prst="rect">
+            <a:avLst/>
+          </a:prstGeom>
+        </p:spPr>
+      </p:pic>
+    </p:spTree>
+    <p:extLst>
+      <p:ext uri="{BB962C8B-B14F-4D97-AF65-F5344CB8AC3E}">
+        <p14:creationId xmlns:p14="http://schemas.microsoft.com/office/powerpoint/2010/main" val="4076044860"/>
       </p:ext>
     </p:extLst>
   </p:cSld>
@@ -23744,6 +24068,17 @@
 </file>
 
 <file path=customXml/item1.xml><?xml version="1.0" encoding="utf-8"?>
+<p:properties xmlns:p="http://schemas.microsoft.com/office/2006/metadata/properties" xmlns:xsi="http://www.w3.org/2001/XMLSchema-instance" xmlns:pc="http://schemas.microsoft.com/office/infopath/2007/PartnerControls">
+  <documentManagement>
+    <lcf76f155ced4ddcb4097134ff3c332f xmlns="40806f44-bc4a-4ea4-b660-c6da93f8f179">
+      <Terms xmlns="http://schemas.microsoft.com/office/infopath/2007/PartnerControls"/>
+    </lcf76f155ced4ddcb4097134ff3c332f>
+    <TaxCatchAll xmlns="758d0d8f-b783-4c78-ab73-9740c97b97cf" xsi:nil="true"/>
+  </documentManagement>
+</p:properties>
+</file>
+
+<file path=customXml/item2.xml><?xml version="1.0" encoding="utf-8"?>
 <ct:contentTypeSchema xmlns:ct="http://schemas.microsoft.com/office/2006/metadata/contentType" xmlns:ma="http://schemas.microsoft.com/office/2006/metadata/properties/metaAttributes" ct:_="" ma:_="" ma:contentTypeName="Document" ma:contentTypeID="0x010100E4F55D9EF0BF0A44B819E681FCAC00B7" ma:contentTypeVersion="12" ma:contentTypeDescription="Create a new document." ma:contentTypeScope="" ma:versionID="068ce121a7a7a0aebcb89dd601c4f0a2">
   <xsd:schema xmlns:xsd="http://www.w3.org/2001/XMLSchema" xmlns:xs="http://www.w3.org/2001/XMLSchema" xmlns:p="http://schemas.microsoft.com/office/2006/metadata/properties" xmlns:ns2="40806f44-bc4a-4ea4-b660-c6da93f8f179" xmlns:ns3="758d0d8f-b783-4c78-ab73-9740c97b97cf" targetNamespace="http://schemas.microsoft.com/office/2006/metadata/properties" ma:root="true" ma:fieldsID="67c58e6c5c8ea9af0822acd84d25e1a2" ns2:_="" ns3:_="">
     <xsd:import namespace="40806f44-bc4a-4ea4-b660-c6da93f8f179"/>
@@ -23960,17 +24295,6 @@
 </ct:contentTypeSchema>
 </file>
 
-<file path=customXml/item2.xml><?xml version="1.0" encoding="utf-8"?>
-<p:properties xmlns:p="http://schemas.microsoft.com/office/2006/metadata/properties" xmlns:xsi="http://www.w3.org/2001/XMLSchema-instance" xmlns:pc="http://schemas.microsoft.com/office/infopath/2007/PartnerControls">
-  <documentManagement>
-    <lcf76f155ced4ddcb4097134ff3c332f xmlns="40806f44-bc4a-4ea4-b660-c6da93f8f179">
-      <Terms xmlns="http://schemas.microsoft.com/office/infopath/2007/PartnerControls"/>
-    </lcf76f155ced4ddcb4097134ff3c332f>
-    <TaxCatchAll xmlns="758d0d8f-b783-4c78-ab73-9740c97b97cf" xsi:nil="true"/>
-  </documentManagement>
-</p:properties>
-</file>
-
 <file path=customXml/item3.xml><?xml version="1.0" encoding="utf-8"?>
 <?mso-contentType ?>
 <FormTemplates xmlns="http://schemas.microsoft.com/sharepoint/v3/contenttype/forms">
@@ -23981,6 +24305,23 @@
 </file>
 
 <file path=customXml/itemProps1.xml><?xml version="1.0" encoding="utf-8"?>
+<ds:datastoreItem xmlns:ds="http://schemas.openxmlformats.org/officeDocument/2006/customXml" ds:itemID="{61E72F81-8533-461E-8E71-A6D77294CFEF}">
+  <ds:schemaRefs>
+    <ds:schemaRef ds:uri="http://purl.org/dc/elements/1.1/"/>
+    <ds:schemaRef ds:uri="http://www.w3.org/XML/1998/namespace"/>
+    <ds:schemaRef ds:uri="http://purl.org/dc/terms/"/>
+    <ds:schemaRef ds:uri="http://schemas.microsoft.com/office/2006/documentManagement/types"/>
+    <ds:schemaRef ds:uri="40806f44-bc4a-4ea4-b660-c6da93f8f179"/>
+    <ds:schemaRef ds:uri="http://schemas.openxmlformats.org/package/2006/metadata/core-properties"/>
+    <ds:schemaRef ds:uri="http://purl.org/dc/dcmitype/"/>
+    <ds:schemaRef ds:uri="http://schemas.microsoft.com/office/infopath/2007/PartnerControls"/>
+    <ds:schemaRef ds:uri="758d0d8f-b783-4c78-ab73-9740c97b97cf"/>
+    <ds:schemaRef ds:uri="http://schemas.microsoft.com/office/2006/metadata/properties"/>
+  </ds:schemaRefs>
+</ds:datastoreItem>
+</file>
+
+<file path=customXml/itemProps2.xml><?xml version="1.0" encoding="utf-8"?>
 <ds:datastoreItem xmlns:ds="http://schemas.openxmlformats.org/officeDocument/2006/customXml" ds:itemID="{4E6AED0F-96FF-4C7F-8AC9-672C91BFCDFE}">
   <ds:schemaRefs>
     <ds:schemaRef ds:uri="http://schemas.microsoft.com/office/2006/metadata/contentType"/>
@@ -23999,23 +24340,6 @@
 </ds:datastoreItem>
 </file>
 
-<file path=customXml/itemProps2.xml><?xml version="1.0" encoding="utf-8"?>
-<ds:datastoreItem xmlns:ds="http://schemas.openxmlformats.org/officeDocument/2006/customXml" ds:itemID="{61E72F81-8533-461E-8E71-A6D77294CFEF}">
-  <ds:schemaRefs>
-    <ds:schemaRef ds:uri="http://purl.org/dc/elements/1.1/"/>
-    <ds:schemaRef ds:uri="http://www.w3.org/XML/1998/namespace"/>
-    <ds:schemaRef ds:uri="http://purl.org/dc/terms/"/>
-    <ds:schemaRef ds:uri="http://schemas.microsoft.com/office/2006/documentManagement/types"/>
-    <ds:schemaRef ds:uri="40806f44-bc4a-4ea4-b660-c6da93f8f179"/>
-    <ds:schemaRef ds:uri="http://schemas.openxmlformats.org/package/2006/metadata/core-properties"/>
-    <ds:schemaRef ds:uri="http://purl.org/dc/dcmitype/"/>
-    <ds:schemaRef ds:uri="http://schemas.microsoft.com/office/infopath/2007/PartnerControls"/>
-    <ds:schemaRef ds:uri="758d0d8f-b783-4c78-ab73-9740c97b97cf"/>
-    <ds:schemaRef ds:uri="http://schemas.microsoft.com/office/2006/metadata/properties"/>
-  </ds:schemaRefs>
-</ds:datastoreItem>
-</file>
-
 <file path=customXml/itemProps3.xml><?xml version="1.0" encoding="utf-8"?>
 <ds:datastoreItem xmlns:ds="http://schemas.openxmlformats.org/officeDocument/2006/customXml" ds:itemID="{46915D30-CAA6-465E-907F-1770D4E3B01D}">
   <ds:schemaRefs>

--- a/Bootcamp/typescript/typescript-uvod.pptx
+++ b/Bootcamp/typescript/typescript-uvod.pptx
@@ -5,7 +5,7 @@
     <p:sldMasterId id="2147483648" r:id="rId4"/>
   </p:sldMasterIdLst>
   <p:notesMasterIdLst>
-    <p:notesMasterId r:id="rId35"/>
+    <p:notesMasterId r:id="rId36"/>
   </p:notesMasterIdLst>
   <p:sldIdLst>
     <p:sldId id="282" r:id="rId5"/>
@@ -13,31 +13,32 @@
     <p:sldId id="382" r:id="rId7"/>
     <p:sldId id="383" r:id="rId8"/>
     <p:sldId id="384" r:id="rId9"/>
-    <p:sldId id="385" r:id="rId10"/>
-    <p:sldId id="386" r:id="rId11"/>
-    <p:sldId id="387" r:id="rId12"/>
-    <p:sldId id="388" r:id="rId13"/>
-    <p:sldId id="389" r:id="rId14"/>
+    <p:sldId id="386" r:id="rId10"/>
+    <p:sldId id="387" r:id="rId11"/>
+    <p:sldId id="388" r:id="rId12"/>
+    <p:sldId id="389" r:id="rId13"/>
+    <p:sldId id="410" r:id="rId14"/>
     <p:sldId id="390" r:id="rId15"/>
     <p:sldId id="391" r:id="rId16"/>
     <p:sldId id="392" r:id="rId17"/>
     <p:sldId id="393" r:id="rId18"/>
-    <p:sldId id="394" r:id="rId19"/>
-    <p:sldId id="395" r:id="rId20"/>
-    <p:sldId id="396" r:id="rId21"/>
+    <p:sldId id="411" r:id="rId19"/>
+    <p:sldId id="394" r:id="rId20"/>
+    <p:sldId id="395" r:id="rId21"/>
     <p:sldId id="397" r:id="rId22"/>
-    <p:sldId id="398" r:id="rId23"/>
-    <p:sldId id="399" r:id="rId24"/>
-    <p:sldId id="400" r:id="rId25"/>
-    <p:sldId id="401" r:id="rId26"/>
-    <p:sldId id="404" r:id="rId27"/>
-    <p:sldId id="403" r:id="rId28"/>
-    <p:sldId id="405" r:id="rId29"/>
-    <p:sldId id="406" r:id="rId30"/>
-    <p:sldId id="407" r:id="rId31"/>
-    <p:sldId id="408" r:id="rId32"/>
-    <p:sldId id="409" r:id="rId33"/>
-    <p:sldId id="378" r:id="rId34"/>
+    <p:sldId id="412" r:id="rId23"/>
+    <p:sldId id="398" r:id="rId24"/>
+    <p:sldId id="399" r:id="rId25"/>
+    <p:sldId id="400" r:id="rId26"/>
+    <p:sldId id="401" r:id="rId27"/>
+    <p:sldId id="404" r:id="rId28"/>
+    <p:sldId id="403" r:id="rId29"/>
+    <p:sldId id="405" r:id="rId30"/>
+    <p:sldId id="406" r:id="rId31"/>
+    <p:sldId id="407" r:id="rId32"/>
+    <p:sldId id="408" r:id="rId33"/>
+    <p:sldId id="409" r:id="rId34"/>
+    <p:sldId id="378" r:id="rId35"/>
   </p:sldIdLst>
   <p:sldSz cx="12192000" cy="6858000"/>
   <p:notesSz cx="6858000" cy="9144000"/>
@@ -150,19 +151,20 @@
             <p14:sldId id="382"/>
             <p14:sldId id="383"/>
             <p14:sldId id="384"/>
-            <p14:sldId id="385"/>
             <p14:sldId id="386"/>
             <p14:sldId id="387"/>
             <p14:sldId id="388"/>
             <p14:sldId id="389"/>
+            <p14:sldId id="410"/>
             <p14:sldId id="390"/>
             <p14:sldId id="391"/>
             <p14:sldId id="392"/>
             <p14:sldId id="393"/>
+            <p14:sldId id="411"/>
             <p14:sldId id="394"/>
             <p14:sldId id="395"/>
-            <p14:sldId id="396"/>
             <p14:sldId id="397"/>
+            <p14:sldId id="412"/>
             <p14:sldId id="398"/>
             <p14:sldId id="399"/>
             <p14:sldId id="400"/>
@@ -279,7 +281,7 @@
           <a:p>
             <a:fld id="{B2A70591-2E3C-5F42-A4E1-C0F5A0F4E5DB}" type="datetimeFigureOut">
               <a:rPr lang="en-US" smtClean="0"/>
-              <a:t>3/26/2025</a:t>
+              <a:t>5/15/2025</a:t>
             </a:fld>
             <a:endParaRPr lang="en-US"/>
           </a:p>
@@ -1095,6 +1097,114 @@
         <p:cNvPr id="1" name="">
           <a:extLst>
             <a:ext uri="{FF2B5EF4-FFF2-40B4-BE49-F238E27FC236}">
+              <a16:creationId xmlns:a16="http://schemas.microsoft.com/office/drawing/2014/main" id="{59781C2D-9AB1-1537-EF37-7E2CA46ACBA5}"/>
+            </a:ext>
+          </a:extLst>
+        </p:cNvPr>
+        <p:cNvGrpSpPr/>
+        <p:nvPr/>
+      </p:nvGrpSpPr>
+      <p:grpSpPr>
+        <a:xfrm>
+          <a:off x="0" y="0"/>
+          <a:ext cx="0" cy="0"/>
+          <a:chOff x="0" y="0"/>
+          <a:chExt cx="0" cy="0"/>
+        </a:xfrm>
+      </p:grpSpPr>
+      <p:sp>
+        <p:nvSpPr>
+          <p:cNvPr id="2" name="Slide Image Placeholder 1">
+            <a:extLst>
+              <a:ext uri="{FF2B5EF4-FFF2-40B4-BE49-F238E27FC236}">
+                <a16:creationId xmlns:a16="http://schemas.microsoft.com/office/drawing/2014/main" id="{2D4D225E-46FA-FAD7-B03A-33355898F8FD}"/>
+              </a:ext>
+            </a:extLst>
+          </p:cNvPr>
+          <p:cNvSpPr>
+            <a:spLocks noGrp="1" noRot="1" noChangeAspect="1"/>
+          </p:cNvSpPr>
+          <p:nvPr>
+            <p:ph type="sldImg"/>
+          </p:nvPr>
+        </p:nvSpPr>
+        <p:spPr/>
+      </p:sp>
+      <p:sp>
+        <p:nvSpPr>
+          <p:cNvPr id="3" name="Notes Placeholder 2">
+            <a:extLst>
+              <a:ext uri="{FF2B5EF4-FFF2-40B4-BE49-F238E27FC236}">
+                <a16:creationId xmlns:a16="http://schemas.microsoft.com/office/drawing/2014/main" id="{FC5A2DED-1889-FC8F-165F-AF38CAA07966}"/>
+              </a:ext>
+            </a:extLst>
+          </p:cNvPr>
+          <p:cNvSpPr>
+            <a:spLocks noGrp="1"/>
+          </p:cNvSpPr>
+          <p:nvPr>
+            <p:ph type="body" idx="1"/>
+          </p:nvPr>
+        </p:nvSpPr>
+        <p:spPr/>
+        <p:txBody>
+          <a:bodyPr/>
+          <a:lstStyle/>
+          <a:p>
+            <a:endParaRPr lang="hr-HR" dirty="0"/>
+          </a:p>
+        </p:txBody>
+      </p:sp>
+      <p:sp>
+        <p:nvSpPr>
+          <p:cNvPr id="4" name="Slide Number Placeholder 3">
+            <a:extLst>
+              <a:ext uri="{FF2B5EF4-FFF2-40B4-BE49-F238E27FC236}">
+                <a16:creationId xmlns:a16="http://schemas.microsoft.com/office/drawing/2014/main" id="{C52198D5-4B9D-1A2F-E6CF-71DEF45522D8}"/>
+              </a:ext>
+            </a:extLst>
+          </p:cNvPr>
+          <p:cNvSpPr>
+            <a:spLocks noGrp="1"/>
+          </p:cNvSpPr>
+          <p:nvPr>
+            <p:ph type="sldNum" sz="quarter" idx="5"/>
+          </p:nvPr>
+        </p:nvSpPr>
+        <p:spPr/>
+        <p:txBody>
+          <a:bodyPr/>
+          <a:lstStyle/>
+          <a:p>
+            <a:fld id="{343B951A-A665-1949-AEDB-B62DC9BE7F13}" type="slidenum">
+              <a:rPr lang="en-US" smtClean="0"/>
+              <a:t>15</a:t>
+            </a:fld>
+            <a:endParaRPr lang="en-US"/>
+          </a:p>
+        </p:txBody>
+      </p:sp>
+    </p:spTree>
+    <p:extLst>
+      <p:ext uri="{BB962C8B-B14F-4D97-AF65-F5344CB8AC3E}">
+        <p14:creationId xmlns:p14="http://schemas.microsoft.com/office/powerpoint/2010/main" val="1995618989"/>
+      </p:ext>
+    </p:extLst>
+  </p:cSld>
+  <p:clrMapOvr>
+    <a:masterClrMapping/>
+  </p:clrMapOvr>
+</p:notes>
+</file>
+
+<file path=ppt/notesSlides/notesSlide15.xml><?xml version="1.0" encoding="utf-8"?>
+<p:notes xmlns:a="http://schemas.openxmlformats.org/drawingml/2006/main" xmlns:r="http://schemas.openxmlformats.org/officeDocument/2006/relationships" xmlns:p="http://schemas.openxmlformats.org/presentationml/2006/main">
+  <p:cSld>
+    <p:spTree>
+      <p:nvGrpSpPr>
+        <p:cNvPr id="1" name="">
+          <a:extLst>
+            <a:ext uri="{FF2B5EF4-FFF2-40B4-BE49-F238E27FC236}">
               <a16:creationId xmlns:a16="http://schemas.microsoft.com/office/drawing/2014/main" id="{8C36546D-9376-A7A8-FE52-8062E21A7EF5}"/>
             </a:ext>
           </a:extLst>
@@ -1176,7 +1286,7 @@
           <a:p>
             <a:fld id="{343B951A-A665-1949-AEDB-B62DC9BE7F13}" type="slidenum">
               <a:rPr lang="en-US" smtClean="0"/>
-              <a:t>15</a:t>
+              <a:t>16</a:t>
             </a:fld>
             <a:endParaRPr lang="en-US"/>
           </a:p>
@@ -1195,7 +1305,7 @@
 </p:notes>
 </file>
 
-<file path=ppt/notesSlides/notesSlide15.xml><?xml version="1.0" encoding="utf-8"?>
+<file path=ppt/notesSlides/notesSlide16.xml><?xml version="1.0" encoding="utf-8"?>
 <p:notes xmlns:a="http://schemas.openxmlformats.org/drawingml/2006/main" xmlns:r="http://schemas.openxmlformats.org/officeDocument/2006/relationships" xmlns:p="http://schemas.openxmlformats.org/presentationml/2006/main">
   <p:cSld>
     <p:spTree>
@@ -1284,7 +1394,7 @@
           <a:p>
             <a:fld id="{343B951A-A665-1949-AEDB-B62DC9BE7F13}" type="slidenum">
               <a:rPr lang="en-US" smtClean="0"/>
-              <a:t>16</a:t>
+              <a:t>17</a:t>
             </a:fld>
             <a:endParaRPr lang="en-US"/>
           </a:p>
@@ -1294,114 +1404,6 @@
     <p:extLst>
       <p:ext uri="{BB962C8B-B14F-4D97-AF65-F5344CB8AC3E}">
         <p14:creationId xmlns:p14="http://schemas.microsoft.com/office/powerpoint/2010/main" val="2526097395"/>
-      </p:ext>
-    </p:extLst>
-  </p:cSld>
-  <p:clrMapOvr>
-    <a:masterClrMapping/>
-  </p:clrMapOvr>
-</p:notes>
-</file>
-
-<file path=ppt/notesSlides/notesSlide16.xml><?xml version="1.0" encoding="utf-8"?>
-<p:notes xmlns:a="http://schemas.openxmlformats.org/drawingml/2006/main" xmlns:r="http://schemas.openxmlformats.org/officeDocument/2006/relationships" xmlns:p="http://schemas.openxmlformats.org/presentationml/2006/main">
-  <p:cSld>
-    <p:spTree>
-      <p:nvGrpSpPr>
-        <p:cNvPr id="1" name="">
-          <a:extLst>
-            <a:ext uri="{FF2B5EF4-FFF2-40B4-BE49-F238E27FC236}">
-              <a16:creationId xmlns:a16="http://schemas.microsoft.com/office/drawing/2014/main" id="{F71BAC55-AD9D-EE1A-DFE0-E999094FB704}"/>
-            </a:ext>
-          </a:extLst>
-        </p:cNvPr>
-        <p:cNvGrpSpPr/>
-        <p:nvPr/>
-      </p:nvGrpSpPr>
-      <p:grpSpPr>
-        <a:xfrm>
-          <a:off x="0" y="0"/>
-          <a:ext cx="0" cy="0"/>
-          <a:chOff x="0" y="0"/>
-          <a:chExt cx="0" cy="0"/>
-        </a:xfrm>
-      </p:grpSpPr>
-      <p:sp>
-        <p:nvSpPr>
-          <p:cNvPr id="2" name="Slide Image Placeholder 1">
-            <a:extLst>
-              <a:ext uri="{FF2B5EF4-FFF2-40B4-BE49-F238E27FC236}">
-                <a16:creationId xmlns:a16="http://schemas.microsoft.com/office/drawing/2014/main" id="{0DFFF9C8-AEB2-D233-69D4-CD4F3B1C34D7}"/>
-              </a:ext>
-            </a:extLst>
-          </p:cNvPr>
-          <p:cNvSpPr>
-            <a:spLocks noGrp="1" noRot="1" noChangeAspect="1"/>
-          </p:cNvSpPr>
-          <p:nvPr>
-            <p:ph type="sldImg"/>
-          </p:nvPr>
-        </p:nvSpPr>
-        <p:spPr/>
-      </p:sp>
-      <p:sp>
-        <p:nvSpPr>
-          <p:cNvPr id="3" name="Notes Placeholder 2">
-            <a:extLst>
-              <a:ext uri="{FF2B5EF4-FFF2-40B4-BE49-F238E27FC236}">
-                <a16:creationId xmlns:a16="http://schemas.microsoft.com/office/drawing/2014/main" id="{ECBA0CC1-3609-193A-D36B-8EFAD099AA60}"/>
-              </a:ext>
-            </a:extLst>
-          </p:cNvPr>
-          <p:cNvSpPr>
-            <a:spLocks noGrp="1"/>
-          </p:cNvSpPr>
-          <p:nvPr>
-            <p:ph type="body" idx="1"/>
-          </p:nvPr>
-        </p:nvSpPr>
-        <p:spPr/>
-        <p:txBody>
-          <a:bodyPr/>
-          <a:lstStyle/>
-          <a:p>
-            <a:endParaRPr lang="hr-HR" dirty="0"/>
-          </a:p>
-        </p:txBody>
-      </p:sp>
-      <p:sp>
-        <p:nvSpPr>
-          <p:cNvPr id="4" name="Slide Number Placeholder 3">
-            <a:extLst>
-              <a:ext uri="{FF2B5EF4-FFF2-40B4-BE49-F238E27FC236}">
-                <a16:creationId xmlns:a16="http://schemas.microsoft.com/office/drawing/2014/main" id="{D7CECCB6-FF31-DC1A-3E2E-53F25379FD40}"/>
-              </a:ext>
-            </a:extLst>
-          </p:cNvPr>
-          <p:cNvSpPr>
-            <a:spLocks noGrp="1"/>
-          </p:cNvSpPr>
-          <p:nvPr>
-            <p:ph type="sldNum" sz="quarter" idx="5"/>
-          </p:nvPr>
-        </p:nvSpPr>
-        <p:spPr/>
-        <p:txBody>
-          <a:bodyPr/>
-          <a:lstStyle/>
-          <a:p>
-            <a:fld id="{343B951A-A665-1949-AEDB-B62DC9BE7F13}" type="slidenum">
-              <a:rPr lang="en-US" smtClean="0"/>
-              <a:t>17</a:t>
-            </a:fld>
-            <a:endParaRPr lang="en-US"/>
-          </a:p>
-        </p:txBody>
-      </p:sp>
-    </p:spTree>
-    <p:extLst>
-      <p:ext uri="{BB962C8B-B14F-4D97-AF65-F5344CB8AC3E}">
-        <p14:creationId xmlns:p14="http://schemas.microsoft.com/office/powerpoint/2010/main" val="2764952446"/>
       </p:ext>
     </p:extLst>
   </p:cSld>
@@ -1527,7 +1529,7 @@
         <p:cNvPr id="1" name="">
           <a:extLst>
             <a:ext uri="{FF2B5EF4-FFF2-40B4-BE49-F238E27FC236}">
-              <a16:creationId xmlns:a16="http://schemas.microsoft.com/office/drawing/2014/main" id="{0E2FCA75-5963-373E-6945-A8916EBA6356}"/>
+              <a16:creationId xmlns:a16="http://schemas.microsoft.com/office/drawing/2014/main" id="{21F2F1A4-8F10-7070-003F-582701F77253}"/>
             </a:ext>
           </a:extLst>
         </p:cNvPr>
@@ -1547,7 +1549,7 @@
           <p:cNvPr id="2" name="Slide Image Placeholder 1">
             <a:extLst>
               <a:ext uri="{FF2B5EF4-FFF2-40B4-BE49-F238E27FC236}">
-                <a16:creationId xmlns:a16="http://schemas.microsoft.com/office/drawing/2014/main" id="{F809272F-E385-2B59-7665-AE4B222927BC}"/>
+                <a16:creationId xmlns:a16="http://schemas.microsoft.com/office/drawing/2014/main" id="{178E10AF-E073-A6FF-6E15-79F71BF3588C}"/>
               </a:ext>
             </a:extLst>
           </p:cNvPr>
@@ -1565,7 +1567,7 @@
           <p:cNvPr id="3" name="Notes Placeholder 2">
             <a:extLst>
               <a:ext uri="{FF2B5EF4-FFF2-40B4-BE49-F238E27FC236}">
-                <a16:creationId xmlns:a16="http://schemas.microsoft.com/office/drawing/2014/main" id="{364F0AAE-7761-3DE7-B3E2-23D2717BE5A9}"/>
+                <a16:creationId xmlns:a16="http://schemas.microsoft.com/office/drawing/2014/main" id="{92BCC801-BE6B-B6E9-3A51-08C293CB0664}"/>
               </a:ext>
             </a:extLst>
           </p:cNvPr>
@@ -1590,7 +1592,7 @@
           <p:cNvPr id="4" name="Slide Number Placeholder 3">
             <a:extLst>
               <a:ext uri="{FF2B5EF4-FFF2-40B4-BE49-F238E27FC236}">
-                <a16:creationId xmlns:a16="http://schemas.microsoft.com/office/drawing/2014/main" id="{841202B5-52EA-D2C0-9B72-B8DAAE26E508}"/>
+                <a16:creationId xmlns:a16="http://schemas.microsoft.com/office/drawing/2014/main" id="{7F1A864A-ED45-D47B-BCA6-1D067EFC847B}"/>
               </a:ext>
             </a:extLst>
           </p:cNvPr>
@@ -1617,7 +1619,7 @@
     </p:spTree>
     <p:extLst>
       <p:ext uri="{BB962C8B-B14F-4D97-AF65-F5344CB8AC3E}">
-        <p14:creationId xmlns:p14="http://schemas.microsoft.com/office/powerpoint/2010/main" val="3586062956"/>
+        <p14:creationId xmlns:p14="http://schemas.microsoft.com/office/powerpoint/2010/main" val="2016978021"/>
       </p:ext>
     </p:extLst>
   </p:cSld>
@@ -1635,7 +1637,7 @@
         <p:cNvPr id="1" name="">
           <a:extLst>
             <a:ext uri="{FF2B5EF4-FFF2-40B4-BE49-F238E27FC236}">
-              <a16:creationId xmlns:a16="http://schemas.microsoft.com/office/drawing/2014/main" id="{A67334FD-89C1-A217-5C93-D1487076C585}"/>
+              <a16:creationId xmlns:a16="http://schemas.microsoft.com/office/drawing/2014/main" id="{0E2FCA75-5963-373E-6945-A8916EBA6356}"/>
             </a:ext>
           </a:extLst>
         </p:cNvPr>
@@ -1655,7 +1657,7 @@
           <p:cNvPr id="2" name="Slide Image Placeholder 1">
             <a:extLst>
               <a:ext uri="{FF2B5EF4-FFF2-40B4-BE49-F238E27FC236}">
-                <a16:creationId xmlns:a16="http://schemas.microsoft.com/office/drawing/2014/main" id="{188DCE43-D88C-446D-01B5-C0D61CB3B634}"/>
+                <a16:creationId xmlns:a16="http://schemas.microsoft.com/office/drawing/2014/main" id="{F809272F-E385-2B59-7665-AE4B222927BC}"/>
               </a:ext>
             </a:extLst>
           </p:cNvPr>
@@ -1673,7 +1675,7 @@
           <p:cNvPr id="3" name="Notes Placeholder 2">
             <a:extLst>
               <a:ext uri="{FF2B5EF4-FFF2-40B4-BE49-F238E27FC236}">
-                <a16:creationId xmlns:a16="http://schemas.microsoft.com/office/drawing/2014/main" id="{84ECB67B-F7E4-E3F5-E854-50D4B6D307BD}"/>
+                <a16:creationId xmlns:a16="http://schemas.microsoft.com/office/drawing/2014/main" id="{364F0AAE-7761-3DE7-B3E2-23D2717BE5A9}"/>
               </a:ext>
             </a:extLst>
           </p:cNvPr>
@@ -1698,7 +1700,7 @@
           <p:cNvPr id="4" name="Slide Number Placeholder 3">
             <a:extLst>
               <a:ext uri="{FF2B5EF4-FFF2-40B4-BE49-F238E27FC236}">
-                <a16:creationId xmlns:a16="http://schemas.microsoft.com/office/drawing/2014/main" id="{D8AA386A-A964-E2AF-68F2-E25308A674A3}"/>
+                <a16:creationId xmlns:a16="http://schemas.microsoft.com/office/drawing/2014/main" id="{841202B5-52EA-D2C0-9B72-B8DAAE26E508}"/>
               </a:ext>
             </a:extLst>
           </p:cNvPr>
@@ -1725,7 +1727,7 @@
     </p:spTree>
     <p:extLst>
       <p:ext uri="{BB962C8B-B14F-4D97-AF65-F5344CB8AC3E}">
-        <p14:creationId xmlns:p14="http://schemas.microsoft.com/office/powerpoint/2010/main" val="838679879"/>
+        <p14:creationId xmlns:p14="http://schemas.microsoft.com/office/powerpoint/2010/main" val="3586062956"/>
       </p:ext>
     </p:extLst>
   </p:cSld>
@@ -1851,6 +1853,114 @@
         <p:cNvPr id="1" name="">
           <a:extLst>
             <a:ext uri="{FF2B5EF4-FFF2-40B4-BE49-F238E27FC236}">
+              <a16:creationId xmlns:a16="http://schemas.microsoft.com/office/drawing/2014/main" id="{A67334FD-89C1-A217-5C93-D1487076C585}"/>
+            </a:ext>
+          </a:extLst>
+        </p:cNvPr>
+        <p:cNvGrpSpPr/>
+        <p:nvPr/>
+      </p:nvGrpSpPr>
+      <p:grpSpPr>
+        <a:xfrm>
+          <a:off x="0" y="0"/>
+          <a:ext cx="0" cy="0"/>
+          <a:chOff x="0" y="0"/>
+          <a:chExt cx="0" cy="0"/>
+        </a:xfrm>
+      </p:grpSpPr>
+      <p:sp>
+        <p:nvSpPr>
+          <p:cNvPr id="2" name="Slide Image Placeholder 1">
+            <a:extLst>
+              <a:ext uri="{FF2B5EF4-FFF2-40B4-BE49-F238E27FC236}">
+                <a16:creationId xmlns:a16="http://schemas.microsoft.com/office/drawing/2014/main" id="{188DCE43-D88C-446D-01B5-C0D61CB3B634}"/>
+              </a:ext>
+            </a:extLst>
+          </p:cNvPr>
+          <p:cNvSpPr>
+            <a:spLocks noGrp="1" noRot="1" noChangeAspect="1"/>
+          </p:cNvSpPr>
+          <p:nvPr>
+            <p:ph type="sldImg"/>
+          </p:nvPr>
+        </p:nvSpPr>
+        <p:spPr/>
+      </p:sp>
+      <p:sp>
+        <p:nvSpPr>
+          <p:cNvPr id="3" name="Notes Placeholder 2">
+            <a:extLst>
+              <a:ext uri="{FF2B5EF4-FFF2-40B4-BE49-F238E27FC236}">
+                <a16:creationId xmlns:a16="http://schemas.microsoft.com/office/drawing/2014/main" id="{84ECB67B-F7E4-E3F5-E854-50D4B6D307BD}"/>
+              </a:ext>
+            </a:extLst>
+          </p:cNvPr>
+          <p:cNvSpPr>
+            <a:spLocks noGrp="1"/>
+          </p:cNvSpPr>
+          <p:nvPr>
+            <p:ph type="body" idx="1"/>
+          </p:nvPr>
+        </p:nvSpPr>
+        <p:spPr/>
+        <p:txBody>
+          <a:bodyPr/>
+          <a:lstStyle/>
+          <a:p>
+            <a:endParaRPr lang="hr-HR" dirty="0"/>
+          </a:p>
+        </p:txBody>
+      </p:sp>
+      <p:sp>
+        <p:nvSpPr>
+          <p:cNvPr id="4" name="Slide Number Placeholder 3">
+            <a:extLst>
+              <a:ext uri="{FF2B5EF4-FFF2-40B4-BE49-F238E27FC236}">
+                <a16:creationId xmlns:a16="http://schemas.microsoft.com/office/drawing/2014/main" id="{D8AA386A-A964-E2AF-68F2-E25308A674A3}"/>
+              </a:ext>
+            </a:extLst>
+          </p:cNvPr>
+          <p:cNvSpPr>
+            <a:spLocks noGrp="1"/>
+          </p:cNvSpPr>
+          <p:nvPr>
+            <p:ph type="sldNum" sz="quarter" idx="5"/>
+          </p:nvPr>
+        </p:nvSpPr>
+        <p:spPr/>
+        <p:txBody>
+          <a:bodyPr/>
+          <a:lstStyle/>
+          <a:p>
+            <a:fld id="{343B951A-A665-1949-AEDB-B62DC9BE7F13}" type="slidenum">
+              <a:rPr lang="en-US" smtClean="0"/>
+              <a:t>21</a:t>
+            </a:fld>
+            <a:endParaRPr lang="en-US"/>
+          </a:p>
+        </p:txBody>
+      </p:sp>
+    </p:spTree>
+    <p:extLst>
+      <p:ext uri="{BB962C8B-B14F-4D97-AF65-F5344CB8AC3E}">
+        <p14:creationId xmlns:p14="http://schemas.microsoft.com/office/powerpoint/2010/main" val="838679879"/>
+      </p:ext>
+    </p:extLst>
+  </p:cSld>
+  <p:clrMapOvr>
+    <a:masterClrMapping/>
+  </p:clrMapOvr>
+</p:notes>
+</file>
+
+<file path=ppt/notesSlides/notesSlide21.xml><?xml version="1.0" encoding="utf-8"?>
+<p:notes xmlns:a="http://schemas.openxmlformats.org/drawingml/2006/main" xmlns:r="http://schemas.openxmlformats.org/officeDocument/2006/relationships" xmlns:p="http://schemas.openxmlformats.org/presentationml/2006/main">
+  <p:cSld>
+    <p:spTree>
+      <p:nvGrpSpPr>
+        <p:cNvPr id="1" name="">
+          <a:extLst>
+            <a:ext uri="{FF2B5EF4-FFF2-40B4-BE49-F238E27FC236}">
               <a16:creationId xmlns:a16="http://schemas.microsoft.com/office/drawing/2014/main" id="{B884B46F-B801-EAFF-67A6-DEEC9ADBD47D}"/>
             </a:ext>
           </a:extLst>
@@ -1932,7 +2042,7 @@
           <a:p>
             <a:fld id="{343B951A-A665-1949-AEDB-B62DC9BE7F13}" type="slidenum">
               <a:rPr lang="en-US" smtClean="0"/>
-              <a:t>21</a:t>
+              <a:t>22</a:t>
             </a:fld>
             <a:endParaRPr lang="en-US"/>
           </a:p>
@@ -1951,7 +2061,7 @@
 </p:notes>
 </file>
 
-<file path=ppt/notesSlides/notesSlide21.xml><?xml version="1.0" encoding="utf-8"?>
+<file path=ppt/notesSlides/notesSlide22.xml><?xml version="1.0" encoding="utf-8"?>
 <p:notes xmlns:a="http://schemas.openxmlformats.org/drawingml/2006/main" xmlns:r="http://schemas.openxmlformats.org/officeDocument/2006/relationships" xmlns:p="http://schemas.openxmlformats.org/presentationml/2006/main">
   <p:cSld>
     <p:spTree>
@@ -2040,7 +2150,7 @@
           <a:p>
             <a:fld id="{343B951A-A665-1949-AEDB-B62DC9BE7F13}" type="slidenum">
               <a:rPr lang="en-US" smtClean="0"/>
-              <a:t>22</a:t>
+              <a:t>23</a:t>
             </a:fld>
             <a:endParaRPr lang="en-US"/>
           </a:p>
@@ -2059,7 +2169,7 @@
 </p:notes>
 </file>
 
-<file path=ppt/notesSlides/notesSlide22.xml><?xml version="1.0" encoding="utf-8"?>
+<file path=ppt/notesSlides/notesSlide23.xml><?xml version="1.0" encoding="utf-8"?>
 <p:notes xmlns:a="http://schemas.openxmlformats.org/drawingml/2006/main" xmlns:r="http://schemas.openxmlformats.org/officeDocument/2006/relationships" xmlns:p="http://schemas.openxmlformats.org/presentationml/2006/main">
   <p:cSld>
     <p:spTree>
@@ -2148,7 +2258,7 @@
           <a:p>
             <a:fld id="{343B951A-A665-1949-AEDB-B62DC9BE7F13}" type="slidenum">
               <a:rPr lang="en-US" smtClean="0"/>
-              <a:t>23</a:t>
+              <a:t>24</a:t>
             </a:fld>
             <a:endParaRPr lang="en-US"/>
           </a:p>
@@ -2167,7 +2277,7 @@
 </p:notes>
 </file>
 
-<file path=ppt/notesSlides/notesSlide23.xml><?xml version="1.0" encoding="utf-8"?>
+<file path=ppt/notesSlides/notesSlide24.xml><?xml version="1.0" encoding="utf-8"?>
 <p:notes xmlns:a="http://schemas.openxmlformats.org/drawingml/2006/main" xmlns:r="http://schemas.openxmlformats.org/officeDocument/2006/relationships" xmlns:p="http://schemas.openxmlformats.org/presentationml/2006/main">
   <p:cSld>
     <p:spTree>
@@ -2256,7 +2366,7 @@
           <a:p>
             <a:fld id="{343B951A-A665-1949-AEDB-B62DC9BE7F13}" type="slidenum">
               <a:rPr lang="en-US" smtClean="0"/>
-              <a:t>24</a:t>
+              <a:t>25</a:t>
             </a:fld>
             <a:endParaRPr lang="en-US"/>
           </a:p>
@@ -2275,7 +2385,7 @@
 </p:notes>
 </file>
 
-<file path=ppt/notesSlides/notesSlide24.xml><?xml version="1.0" encoding="utf-8"?>
+<file path=ppt/notesSlides/notesSlide25.xml><?xml version="1.0" encoding="utf-8"?>
 <p:notes xmlns:a="http://schemas.openxmlformats.org/drawingml/2006/main" xmlns:r="http://schemas.openxmlformats.org/officeDocument/2006/relationships" xmlns:p="http://schemas.openxmlformats.org/presentationml/2006/main">
   <p:cSld>
     <p:spTree>
@@ -2364,7 +2474,7 @@
           <a:p>
             <a:fld id="{343B951A-A665-1949-AEDB-B62DC9BE7F13}" type="slidenum">
               <a:rPr lang="en-US" smtClean="0"/>
-              <a:t>25</a:t>
+              <a:t>26</a:t>
             </a:fld>
             <a:endParaRPr lang="en-US"/>
           </a:p>
@@ -2383,7 +2493,7 @@
 </p:notes>
 </file>
 
-<file path=ppt/notesSlides/notesSlide25.xml><?xml version="1.0" encoding="utf-8"?>
+<file path=ppt/notesSlides/notesSlide26.xml><?xml version="1.0" encoding="utf-8"?>
 <p:notes xmlns:a="http://schemas.openxmlformats.org/drawingml/2006/main" xmlns:r="http://schemas.openxmlformats.org/officeDocument/2006/relationships" xmlns:p="http://schemas.openxmlformats.org/presentationml/2006/main">
   <p:cSld>
     <p:spTree>
@@ -2472,7 +2582,7 @@
           <a:p>
             <a:fld id="{343B951A-A665-1949-AEDB-B62DC9BE7F13}" type="slidenum">
               <a:rPr lang="en-US" smtClean="0"/>
-              <a:t>26</a:t>
+              <a:t>27</a:t>
             </a:fld>
             <a:endParaRPr lang="en-US"/>
           </a:p>
@@ -2491,7 +2601,7 @@
 </p:notes>
 </file>
 
-<file path=ppt/notesSlides/notesSlide26.xml><?xml version="1.0" encoding="utf-8"?>
+<file path=ppt/notesSlides/notesSlide27.xml><?xml version="1.0" encoding="utf-8"?>
 <p:notes xmlns:a="http://schemas.openxmlformats.org/drawingml/2006/main" xmlns:r="http://schemas.openxmlformats.org/officeDocument/2006/relationships" xmlns:p="http://schemas.openxmlformats.org/presentationml/2006/main">
   <p:cSld>
     <p:spTree>
@@ -2580,7 +2690,7 @@
           <a:p>
             <a:fld id="{343B951A-A665-1949-AEDB-B62DC9BE7F13}" type="slidenum">
               <a:rPr lang="en-US" smtClean="0"/>
-              <a:t>27</a:t>
+              <a:t>28</a:t>
             </a:fld>
             <a:endParaRPr lang="en-US"/>
           </a:p>
@@ -2599,7 +2709,7 @@
 </p:notes>
 </file>
 
-<file path=ppt/notesSlides/notesSlide27.xml><?xml version="1.0" encoding="utf-8"?>
+<file path=ppt/notesSlides/notesSlide28.xml><?xml version="1.0" encoding="utf-8"?>
 <p:notes xmlns:a="http://schemas.openxmlformats.org/drawingml/2006/main" xmlns:r="http://schemas.openxmlformats.org/officeDocument/2006/relationships" xmlns:p="http://schemas.openxmlformats.org/presentationml/2006/main">
   <p:cSld>
     <p:spTree>
@@ -2691,7 +2801,7 @@
           <a:p>
             <a:fld id="{343B951A-A665-1949-AEDB-B62DC9BE7F13}" type="slidenum">
               <a:rPr lang="en-US" smtClean="0"/>
-              <a:t>28</a:t>
+              <a:t>29</a:t>
             </a:fld>
             <a:endParaRPr lang="en-US"/>
           </a:p>
@@ -2710,7 +2820,7 @@
 </p:notes>
 </file>
 
-<file path=ppt/notesSlides/notesSlide28.xml><?xml version="1.0" encoding="utf-8"?>
+<file path=ppt/notesSlides/notesSlide29.xml><?xml version="1.0" encoding="utf-8"?>
 <p:notes xmlns:a="http://schemas.openxmlformats.org/drawingml/2006/main" xmlns:r="http://schemas.openxmlformats.org/officeDocument/2006/relationships" xmlns:p="http://schemas.openxmlformats.org/presentationml/2006/main">
   <p:cSld>
     <p:spTree>
@@ -2802,7 +2912,7 @@
           <a:p>
             <a:fld id="{343B951A-A665-1949-AEDB-B62DC9BE7F13}" type="slidenum">
               <a:rPr lang="en-US" smtClean="0"/>
-              <a:t>29</a:t>
+              <a:t>30</a:t>
             </a:fld>
             <a:endParaRPr lang="en-US"/>
           </a:p>
@@ -2812,114 +2922,6 @@
     <p:extLst>
       <p:ext uri="{BB962C8B-B14F-4D97-AF65-F5344CB8AC3E}">
         <p14:creationId xmlns:p14="http://schemas.microsoft.com/office/powerpoint/2010/main" val="778838711"/>
-      </p:ext>
-    </p:extLst>
-  </p:cSld>
-  <p:clrMapOvr>
-    <a:masterClrMapping/>
-  </p:clrMapOvr>
-</p:notes>
-</file>
-
-<file path=ppt/notesSlides/notesSlide29.xml><?xml version="1.0" encoding="utf-8"?>
-<p:notes xmlns:a="http://schemas.openxmlformats.org/drawingml/2006/main" xmlns:r="http://schemas.openxmlformats.org/officeDocument/2006/relationships" xmlns:p="http://schemas.openxmlformats.org/presentationml/2006/main">
-  <p:cSld>
-    <p:spTree>
-      <p:nvGrpSpPr>
-        <p:cNvPr id="1" name="">
-          <a:extLst>
-            <a:ext uri="{FF2B5EF4-FFF2-40B4-BE49-F238E27FC236}">
-              <a16:creationId xmlns:a16="http://schemas.microsoft.com/office/drawing/2014/main" id="{4F32F5CD-A2DA-DD60-9A45-CC97E0363F9A}"/>
-            </a:ext>
-          </a:extLst>
-        </p:cNvPr>
-        <p:cNvGrpSpPr/>
-        <p:nvPr/>
-      </p:nvGrpSpPr>
-      <p:grpSpPr>
-        <a:xfrm>
-          <a:off x="0" y="0"/>
-          <a:ext cx="0" cy="0"/>
-          <a:chOff x="0" y="0"/>
-          <a:chExt cx="0" cy="0"/>
-        </a:xfrm>
-      </p:grpSpPr>
-      <p:sp>
-        <p:nvSpPr>
-          <p:cNvPr id="2" name="Slide Image Placeholder 1">
-            <a:extLst>
-              <a:ext uri="{FF2B5EF4-FFF2-40B4-BE49-F238E27FC236}">
-                <a16:creationId xmlns:a16="http://schemas.microsoft.com/office/drawing/2014/main" id="{F74C1F54-F75E-E6EF-02BB-6B7640CF52AF}"/>
-              </a:ext>
-            </a:extLst>
-          </p:cNvPr>
-          <p:cNvSpPr>
-            <a:spLocks noGrp="1" noRot="1" noChangeAspect="1"/>
-          </p:cNvSpPr>
-          <p:nvPr>
-            <p:ph type="sldImg"/>
-          </p:nvPr>
-        </p:nvSpPr>
-        <p:spPr/>
-      </p:sp>
-      <p:sp>
-        <p:nvSpPr>
-          <p:cNvPr id="3" name="Notes Placeholder 2">
-            <a:extLst>
-              <a:ext uri="{FF2B5EF4-FFF2-40B4-BE49-F238E27FC236}">
-                <a16:creationId xmlns:a16="http://schemas.microsoft.com/office/drawing/2014/main" id="{74EDBDA2-31AB-B8AC-5E4B-BFEBC5570DD6}"/>
-              </a:ext>
-            </a:extLst>
-          </p:cNvPr>
-          <p:cNvSpPr>
-            <a:spLocks noGrp="1"/>
-          </p:cNvSpPr>
-          <p:nvPr>
-            <p:ph type="body" idx="1"/>
-          </p:nvPr>
-        </p:nvSpPr>
-        <p:spPr/>
-        <p:txBody>
-          <a:bodyPr/>
-          <a:lstStyle/>
-          <a:p>
-            <a:endParaRPr lang="hr-HR" dirty="0"/>
-          </a:p>
-        </p:txBody>
-      </p:sp>
-      <p:sp>
-        <p:nvSpPr>
-          <p:cNvPr id="4" name="Slide Number Placeholder 3">
-            <a:extLst>
-              <a:ext uri="{FF2B5EF4-FFF2-40B4-BE49-F238E27FC236}">
-                <a16:creationId xmlns:a16="http://schemas.microsoft.com/office/drawing/2014/main" id="{122A1C05-6BC9-2947-A3F1-2736F5A627D8}"/>
-              </a:ext>
-            </a:extLst>
-          </p:cNvPr>
-          <p:cNvSpPr>
-            <a:spLocks noGrp="1"/>
-          </p:cNvSpPr>
-          <p:nvPr>
-            <p:ph type="sldNum" sz="quarter" idx="5"/>
-          </p:nvPr>
-        </p:nvSpPr>
-        <p:spPr/>
-        <p:txBody>
-          <a:bodyPr/>
-          <a:lstStyle/>
-          <a:p>
-            <a:fld id="{343B951A-A665-1949-AEDB-B62DC9BE7F13}" type="slidenum">
-              <a:rPr lang="en-US" smtClean="0"/>
-              <a:t>30</a:t>
-            </a:fld>
-            <a:endParaRPr lang="en-US"/>
-          </a:p>
-        </p:txBody>
-      </p:sp>
-    </p:spTree>
-    <p:extLst>
-      <p:ext uri="{BB962C8B-B14F-4D97-AF65-F5344CB8AC3E}">
-        <p14:creationId xmlns:p14="http://schemas.microsoft.com/office/powerpoint/2010/main" val="978507786"/>
       </p:ext>
     </p:extLst>
   </p:cSld>
@@ -3037,6 +3039,114 @@
 </p:notes>
 </file>
 
+<file path=ppt/notesSlides/notesSlide30.xml><?xml version="1.0" encoding="utf-8"?>
+<p:notes xmlns:a="http://schemas.openxmlformats.org/drawingml/2006/main" xmlns:r="http://schemas.openxmlformats.org/officeDocument/2006/relationships" xmlns:p="http://schemas.openxmlformats.org/presentationml/2006/main">
+  <p:cSld>
+    <p:spTree>
+      <p:nvGrpSpPr>
+        <p:cNvPr id="1" name="">
+          <a:extLst>
+            <a:ext uri="{FF2B5EF4-FFF2-40B4-BE49-F238E27FC236}">
+              <a16:creationId xmlns:a16="http://schemas.microsoft.com/office/drawing/2014/main" id="{4F32F5CD-A2DA-DD60-9A45-CC97E0363F9A}"/>
+            </a:ext>
+          </a:extLst>
+        </p:cNvPr>
+        <p:cNvGrpSpPr/>
+        <p:nvPr/>
+      </p:nvGrpSpPr>
+      <p:grpSpPr>
+        <a:xfrm>
+          <a:off x="0" y="0"/>
+          <a:ext cx="0" cy="0"/>
+          <a:chOff x="0" y="0"/>
+          <a:chExt cx="0" cy="0"/>
+        </a:xfrm>
+      </p:grpSpPr>
+      <p:sp>
+        <p:nvSpPr>
+          <p:cNvPr id="2" name="Slide Image Placeholder 1">
+            <a:extLst>
+              <a:ext uri="{FF2B5EF4-FFF2-40B4-BE49-F238E27FC236}">
+                <a16:creationId xmlns:a16="http://schemas.microsoft.com/office/drawing/2014/main" id="{F74C1F54-F75E-E6EF-02BB-6B7640CF52AF}"/>
+              </a:ext>
+            </a:extLst>
+          </p:cNvPr>
+          <p:cNvSpPr>
+            <a:spLocks noGrp="1" noRot="1" noChangeAspect="1"/>
+          </p:cNvSpPr>
+          <p:nvPr>
+            <p:ph type="sldImg"/>
+          </p:nvPr>
+        </p:nvSpPr>
+        <p:spPr/>
+      </p:sp>
+      <p:sp>
+        <p:nvSpPr>
+          <p:cNvPr id="3" name="Notes Placeholder 2">
+            <a:extLst>
+              <a:ext uri="{FF2B5EF4-FFF2-40B4-BE49-F238E27FC236}">
+                <a16:creationId xmlns:a16="http://schemas.microsoft.com/office/drawing/2014/main" id="{74EDBDA2-31AB-B8AC-5E4B-BFEBC5570DD6}"/>
+              </a:ext>
+            </a:extLst>
+          </p:cNvPr>
+          <p:cNvSpPr>
+            <a:spLocks noGrp="1"/>
+          </p:cNvSpPr>
+          <p:nvPr>
+            <p:ph type="body" idx="1"/>
+          </p:nvPr>
+        </p:nvSpPr>
+        <p:spPr/>
+        <p:txBody>
+          <a:bodyPr/>
+          <a:lstStyle/>
+          <a:p>
+            <a:endParaRPr lang="hr-HR" dirty="0"/>
+          </a:p>
+        </p:txBody>
+      </p:sp>
+      <p:sp>
+        <p:nvSpPr>
+          <p:cNvPr id="4" name="Slide Number Placeholder 3">
+            <a:extLst>
+              <a:ext uri="{FF2B5EF4-FFF2-40B4-BE49-F238E27FC236}">
+                <a16:creationId xmlns:a16="http://schemas.microsoft.com/office/drawing/2014/main" id="{122A1C05-6BC9-2947-A3F1-2736F5A627D8}"/>
+              </a:ext>
+            </a:extLst>
+          </p:cNvPr>
+          <p:cNvSpPr>
+            <a:spLocks noGrp="1"/>
+          </p:cNvSpPr>
+          <p:nvPr>
+            <p:ph type="sldNum" sz="quarter" idx="5"/>
+          </p:nvPr>
+        </p:nvSpPr>
+        <p:spPr/>
+        <p:txBody>
+          <a:bodyPr/>
+          <a:lstStyle/>
+          <a:p>
+            <a:fld id="{343B951A-A665-1949-AEDB-B62DC9BE7F13}" type="slidenum">
+              <a:rPr lang="en-US" smtClean="0"/>
+              <a:t>31</a:t>
+            </a:fld>
+            <a:endParaRPr lang="en-US"/>
+          </a:p>
+        </p:txBody>
+      </p:sp>
+    </p:spTree>
+    <p:extLst>
+      <p:ext uri="{BB962C8B-B14F-4D97-AF65-F5344CB8AC3E}">
+        <p14:creationId xmlns:p14="http://schemas.microsoft.com/office/powerpoint/2010/main" val="978507786"/>
+      </p:ext>
+    </p:extLst>
+  </p:cSld>
+  <p:clrMapOvr>
+    <a:masterClrMapping/>
+  </p:clrMapOvr>
+</p:notes>
+</file>
+
 <file path=ppt/notesSlides/notesSlide4.xml><?xml version="1.0" encoding="utf-8"?>
 <p:notes xmlns:a="http://schemas.openxmlformats.org/drawingml/2006/main" xmlns:r="http://schemas.openxmlformats.org/officeDocument/2006/relationships" xmlns:p="http://schemas.openxmlformats.org/presentationml/2006/main">
   <p:cSld>
@@ -3153,117 +3263,6 @@
         <p:cNvPr id="1" name="">
           <a:extLst>
             <a:ext uri="{FF2B5EF4-FFF2-40B4-BE49-F238E27FC236}">
-              <a16:creationId xmlns:a16="http://schemas.microsoft.com/office/drawing/2014/main" id="{0484A188-EB63-B093-FBA6-C7E4B5B519D1}"/>
-            </a:ext>
-          </a:extLst>
-        </p:cNvPr>
-        <p:cNvGrpSpPr/>
-        <p:nvPr/>
-      </p:nvGrpSpPr>
-      <p:grpSpPr>
-        <a:xfrm>
-          <a:off x="0" y="0"/>
-          <a:ext cx="0" cy="0"/>
-          <a:chOff x="0" y="0"/>
-          <a:chExt cx="0" cy="0"/>
-        </a:xfrm>
-      </p:grpSpPr>
-      <p:sp>
-        <p:nvSpPr>
-          <p:cNvPr id="2" name="Slide Image Placeholder 1">
-            <a:extLst>
-              <a:ext uri="{FF2B5EF4-FFF2-40B4-BE49-F238E27FC236}">
-                <a16:creationId xmlns:a16="http://schemas.microsoft.com/office/drawing/2014/main" id="{77520A30-8822-66C5-BB52-A105F391F9C1}"/>
-              </a:ext>
-            </a:extLst>
-          </p:cNvPr>
-          <p:cNvSpPr>
-            <a:spLocks noGrp="1" noRot="1" noChangeAspect="1"/>
-          </p:cNvSpPr>
-          <p:nvPr>
-            <p:ph type="sldImg"/>
-          </p:nvPr>
-        </p:nvSpPr>
-        <p:spPr/>
-      </p:sp>
-      <p:sp>
-        <p:nvSpPr>
-          <p:cNvPr id="3" name="Notes Placeholder 2">
-            <a:extLst>
-              <a:ext uri="{FF2B5EF4-FFF2-40B4-BE49-F238E27FC236}">
-                <a16:creationId xmlns:a16="http://schemas.microsoft.com/office/drawing/2014/main" id="{BFB1BC30-6382-ACCD-3411-3987C5783AC3}"/>
-              </a:ext>
-            </a:extLst>
-          </p:cNvPr>
-          <p:cNvSpPr>
-            <a:spLocks noGrp="1"/>
-          </p:cNvSpPr>
-          <p:nvPr>
-            <p:ph type="body" idx="1"/>
-          </p:nvPr>
-        </p:nvSpPr>
-        <p:spPr/>
-        <p:txBody>
-          <a:bodyPr/>
-          <a:lstStyle/>
-          <a:p>
-            <a:r>
-              <a:rPr lang="hr-HR" dirty="0"/>
-              <a:t>https://nodejs.org/en</a:t>
-            </a:r>
-          </a:p>
-        </p:txBody>
-      </p:sp>
-      <p:sp>
-        <p:nvSpPr>
-          <p:cNvPr id="4" name="Slide Number Placeholder 3">
-            <a:extLst>
-              <a:ext uri="{FF2B5EF4-FFF2-40B4-BE49-F238E27FC236}">
-                <a16:creationId xmlns:a16="http://schemas.microsoft.com/office/drawing/2014/main" id="{6988A613-0D83-53FA-8F14-18427F633035}"/>
-              </a:ext>
-            </a:extLst>
-          </p:cNvPr>
-          <p:cNvSpPr>
-            <a:spLocks noGrp="1"/>
-          </p:cNvSpPr>
-          <p:nvPr>
-            <p:ph type="sldNum" sz="quarter" idx="5"/>
-          </p:nvPr>
-        </p:nvSpPr>
-        <p:spPr/>
-        <p:txBody>
-          <a:bodyPr/>
-          <a:lstStyle/>
-          <a:p>
-            <a:fld id="{343B951A-A665-1949-AEDB-B62DC9BE7F13}" type="slidenum">
-              <a:rPr lang="en-US" smtClean="0"/>
-              <a:t>6</a:t>
-            </a:fld>
-            <a:endParaRPr lang="en-US"/>
-          </a:p>
-        </p:txBody>
-      </p:sp>
-    </p:spTree>
-    <p:extLst>
-      <p:ext uri="{BB962C8B-B14F-4D97-AF65-F5344CB8AC3E}">
-        <p14:creationId xmlns:p14="http://schemas.microsoft.com/office/powerpoint/2010/main" val="2213312165"/>
-      </p:ext>
-    </p:extLst>
-  </p:cSld>
-  <p:clrMapOvr>
-    <a:masterClrMapping/>
-  </p:clrMapOvr>
-</p:notes>
-</file>
-
-<file path=ppt/notesSlides/notesSlide6.xml><?xml version="1.0" encoding="utf-8"?>
-<p:notes xmlns:a="http://schemas.openxmlformats.org/drawingml/2006/main" xmlns:r="http://schemas.openxmlformats.org/officeDocument/2006/relationships" xmlns:p="http://schemas.openxmlformats.org/presentationml/2006/main">
-  <p:cSld>
-    <p:spTree>
-      <p:nvGrpSpPr>
-        <p:cNvPr id="1" name="">
-          <a:extLst>
-            <a:ext uri="{FF2B5EF4-FFF2-40B4-BE49-F238E27FC236}">
               <a16:creationId xmlns:a16="http://schemas.microsoft.com/office/drawing/2014/main" id="{987DCA54-4CDF-66D4-1FD8-4CD57E06F517}"/>
             </a:ext>
           </a:extLst>
@@ -3348,7 +3347,7 @@
           <a:p>
             <a:fld id="{343B951A-A665-1949-AEDB-B62DC9BE7F13}" type="slidenum">
               <a:rPr lang="en-US" smtClean="0"/>
-              <a:t>7</a:t>
+              <a:t>6</a:t>
             </a:fld>
             <a:endParaRPr lang="en-US"/>
           </a:p>
@@ -3367,7 +3366,7 @@
 </p:notes>
 </file>
 
-<file path=ppt/notesSlides/notesSlide7.xml><?xml version="1.0" encoding="utf-8"?>
+<file path=ppt/notesSlides/notesSlide6.xml><?xml version="1.0" encoding="utf-8"?>
 <p:notes xmlns:a="http://schemas.openxmlformats.org/drawingml/2006/main" xmlns:r="http://schemas.openxmlformats.org/officeDocument/2006/relationships" xmlns:p="http://schemas.openxmlformats.org/presentationml/2006/main">
   <p:cSld>
     <p:spTree>
@@ -3456,7 +3455,7 @@
           <a:p>
             <a:fld id="{343B951A-A665-1949-AEDB-B62DC9BE7F13}" type="slidenum">
               <a:rPr lang="en-US" smtClean="0"/>
-              <a:t>8</a:t>
+              <a:t>7</a:t>
             </a:fld>
             <a:endParaRPr lang="en-US"/>
           </a:p>
@@ -3475,7 +3474,7 @@
 </p:notes>
 </file>
 
-<file path=ppt/notesSlides/notesSlide8.xml><?xml version="1.0" encoding="utf-8"?>
+<file path=ppt/notesSlides/notesSlide7.xml><?xml version="1.0" encoding="utf-8"?>
 <p:notes xmlns:a="http://schemas.openxmlformats.org/drawingml/2006/main" xmlns:r="http://schemas.openxmlformats.org/officeDocument/2006/relationships" xmlns:p="http://schemas.openxmlformats.org/presentationml/2006/main">
   <p:cSld>
     <p:spTree>
@@ -3564,7 +3563,7 @@
           <a:p>
             <a:fld id="{343B951A-A665-1949-AEDB-B62DC9BE7F13}" type="slidenum">
               <a:rPr lang="en-US" smtClean="0"/>
-              <a:t>9</a:t>
+              <a:t>8</a:t>
             </a:fld>
             <a:endParaRPr lang="en-US"/>
           </a:p>
@@ -3583,7 +3582,7 @@
 </p:notes>
 </file>
 
-<file path=ppt/notesSlides/notesSlide9.xml><?xml version="1.0" encoding="utf-8"?>
+<file path=ppt/notesSlides/notesSlide8.xml><?xml version="1.0" encoding="utf-8"?>
 <p:notes xmlns:a="http://schemas.openxmlformats.org/drawingml/2006/main" xmlns:r="http://schemas.openxmlformats.org/officeDocument/2006/relationships" xmlns:p="http://schemas.openxmlformats.org/presentationml/2006/main">
   <p:cSld>
     <p:spTree>
@@ -3672,7 +3671,7 @@
           <a:p>
             <a:fld id="{343B951A-A665-1949-AEDB-B62DC9BE7F13}" type="slidenum">
               <a:rPr lang="en-US" smtClean="0"/>
-              <a:t>10</a:t>
+              <a:t>9</a:t>
             </a:fld>
             <a:endParaRPr lang="en-US"/>
           </a:p>
@@ -3682,6 +3681,114 @@
     <p:extLst>
       <p:ext uri="{BB962C8B-B14F-4D97-AF65-F5344CB8AC3E}">
         <p14:creationId xmlns:p14="http://schemas.microsoft.com/office/powerpoint/2010/main" val="695048121"/>
+      </p:ext>
+    </p:extLst>
+  </p:cSld>
+  <p:clrMapOvr>
+    <a:masterClrMapping/>
+  </p:clrMapOvr>
+</p:notes>
+</file>
+
+<file path=ppt/notesSlides/notesSlide9.xml><?xml version="1.0" encoding="utf-8"?>
+<p:notes xmlns:a="http://schemas.openxmlformats.org/drawingml/2006/main" xmlns:r="http://schemas.openxmlformats.org/officeDocument/2006/relationships" xmlns:p="http://schemas.openxmlformats.org/presentationml/2006/main">
+  <p:cSld>
+    <p:spTree>
+      <p:nvGrpSpPr>
+        <p:cNvPr id="1" name="">
+          <a:extLst>
+            <a:ext uri="{FF2B5EF4-FFF2-40B4-BE49-F238E27FC236}">
+              <a16:creationId xmlns:a16="http://schemas.microsoft.com/office/drawing/2014/main" id="{2627B932-8BA7-FF63-683A-D01840EA8C3C}"/>
+            </a:ext>
+          </a:extLst>
+        </p:cNvPr>
+        <p:cNvGrpSpPr/>
+        <p:nvPr/>
+      </p:nvGrpSpPr>
+      <p:grpSpPr>
+        <a:xfrm>
+          <a:off x="0" y="0"/>
+          <a:ext cx="0" cy="0"/>
+          <a:chOff x="0" y="0"/>
+          <a:chExt cx="0" cy="0"/>
+        </a:xfrm>
+      </p:grpSpPr>
+      <p:sp>
+        <p:nvSpPr>
+          <p:cNvPr id="2" name="Slide Image Placeholder 1">
+            <a:extLst>
+              <a:ext uri="{FF2B5EF4-FFF2-40B4-BE49-F238E27FC236}">
+                <a16:creationId xmlns:a16="http://schemas.microsoft.com/office/drawing/2014/main" id="{B604F01B-646B-75EC-A22C-5C4A57E1E806}"/>
+              </a:ext>
+            </a:extLst>
+          </p:cNvPr>
+          <p:cNvSpPr>
+            <a:spLocks noGrp="1" noRot="1" noChangeAspect="1"/>
+          </p:cNvSpPr>
+          <p:nvPr>
+            <p:ph type="sldImg"/>
+          </p:nvPr>
+        </p:nvSpPr>
+        <p:spPr/>
+      </p:sp>
+      <p:sp>
+        <p:nvSpPr>
+          <p:cNvPr id="3" name="Notes Placeholder 2">
+            <a:extLst>
+              <a:ext uri="{FF2B5EF4-FFF2-40B4-BE49-F238E27FC236}">
+                <a16:creationId xmlns:a16="http://schemas.microsoft.com/office/drawing/2014/main" id="{81866D44-4A47-8117-83A9-AAEA8214D5E9}"/>
+              </a:ext>
+            </a:extLst>
+          </p:cNvPr>
+          <p:cNvSpPr>
+            <a:spLocks noGrp="1"/>
+          </p:cNvSpPr>
+          <p:nvPr>
+            <p:ph type="body" idx="1"/>
+          </p:nvPr>
+        </p:nvSpPr>
+        <p:spPr/>
+        <p:txBody>
+          <a:bodyPr/>
+          <a:lstStyle/>
+          <a:p>
+            <a:endParaRPr lang="hr-HR" dirty="0"/>
+          </a:p>
+        </p:txBody>
+      </p:sp>
+      <p:sp>
+        <p:nvSpPr>
+          <p:cNvPr id="4" name="Slide Number Placeholder 3">
+            <a:extLst>
+              <a:ext uri="{FF2B5EF4-FFF2-40B4-BE49-F238E27FC236}">
+                <a16:creationId xmlns:a16="http://schemas.microsoft.com/office/drawing/2014/main" id="{A9AB3BEF-2DBF-C92A-BE11-2FF283BCE6C0}"/>
+              </a:ext>
+            </a:extLst>
+          </p:cNvPr>
+          <p:cNvSpPr>
+            <a:spLocks noGrp="1"/>
+          </p:cNvSpPr>
+          <p:nvPr>
+            <p:ph type="sldNum" sz="quarter" idx="5"/>
+          </p:nvPr>
+        </p:nvSpPr>
+        <p:spPr/>
+        <p:txBody>
+          <a:bodyPr/>
+          <a:lstStyle/>
+          <a:p>
+            <a:fld id="{343B951A-A665-1949-AEDB-B62DC9BE7F13}" type="slidenum">
+              <a:rPr lang="en-US" smtClean="0"/>
+              <a:t>10</a:t>
+            </a:fld>
+            <a:endParaRPr lang="en-US"/>
+          </a:p>
+        </p:txBody>
+      </p:sp>
+    </p:spTree>
+    <p:extLst>
+      <p:ext uri="{BB962C8B-B14F-4D97-AF65-F5344CB8AC3E}">
+        <p14:creationId xmlns:p14="http://schemas.microsoft.com/office/powerpoint/2010/main" val="2405884199"/>
       </p:ext>
     </p:extLst>
   </p:cSld>
@@ -4383,7 +4490,7 @@
                 <a:ea typeface="Open Sans" panose="020B0606030504020204" pitchFamily="34" charset="0"/>
                 <a:cs typeface="Open Sans" panose="020B0606030504020204" pitchFamily="34" charset="0"/>
               </a:rPr>
-              <a:t>26/03/2025</a:t>
+              <a:t>15/05/2025</a:t>
             </a:fld>
             <a:endParaRPr lang="en-GB" sz="1800" b="0" i="0" kern="1200" dirty="0">
               <a:solidFill>
@@ -5128,7 +5235,7 @@
                 <a:ea typeface="Open Sans" panose="020B0606030504020204" pitchFamily="34" charset="0"/>
                 <a:cs typeface="Open Sans" panose="020B0606030504020204" pitchFamily="34" charset="0"/>
               </a:rPr>
-              <a:t>26/03/2025</a:t>
+              <a:t>15/05/2025</a:t>
             </a:fld>
             <a:endParaRPr lang="en-GB" sz="1800" b="0" i="0" kern="1200" dirty="0">
               <a:solidFill>
@@ -5651,7 +5758,7 @@
                 <a:ea typeface="Open Sans" panose="020B0606030504020204" pitchFamily="34" charset="0"/>
                 <a:cs typeface="Open Sans" panose="020B0606030504020204" pitchFamily="34" charset="0"/>
               </a:rPr>
-              <a:t>26/03/2025</a:t>
+              <a:t>15/05/2025</a:t>
             </a:fld>
             <a:endParaRPr lang="en-GB" sz="1800" b="0" i="0" kern="1200" dirty="0">
               <a:solidFill>
@@ -6617,7 +6724,7 @@
                 <a:ea typeface="Open Sans" panose="020B0606030504020204" pitchFamily="34" charset="0"/>
                 <a:cs typeface="Open Sans" panose="020B0606030504020204" pitchFamily="34" charset="0"/>
               </a:rPr>
-              <a:t>26/03/2025</a:t>
+              <a:t>15/05/2025</a:t>
             </a:fld>
             <a:endParaRPr lang="en-GB" sz="1800" b="0" i="0" kern="1200" dirty="0">
               <a:solidFill>
@@ -7056,7 +7163,7 @@
                 <a:ea typeface="Open Sans" panose="020B0606030504020204" pitchFamily="34" charset="0"/>
                 <a:cs typeface="Open Sans" panose="020B0606030504020204" pitchFamily="34" charset="0"/>
               </a:rPr>
-              <a:t>26/03/2025</a:t>
+              <a:t>15/05/2025</a:t>
             </a:fld>
             <a:endParaRPr lang="en-GB" sz="1800" b="0" i="0" kern="1200" dirty="0">
               <a:solidFill>
@@ -8826,7 +8933,7 @@
                 <a:ea typeface="Open Sans" pitchFamily="2" charset="0"/>
                 <a:cs typeface="Open Sans" pitchFamily="2" charset="0"/>
               </a:rPr>
-              <a:t>26/03/2025</a:t>
+              <a:t>15/05/2025</a:t>
             </a:fld>
             <a:endParaRPr lang="en-GB" sz="1800" b="0" i="0" kern="1200" dirty="0">
               <a:solidFill>
@@ -10576,7 +10683,7 @@
                 <a:ea typeface="Open Sans" pitchFamily="2" charset="0"/>
                 <a:cs typeface="Open Sans" pitchFamily="2" charset="0"/>
               </a:rPr>
-              <a:t>26/03/2025</a:t>
+              <a:t>15/05/2025</a:t>
             </a:fld>
             <a:endParaRPr lang="en-GB" sz="1800" b="0" i="0" kern="1200" dirty="0">
               <a:solidFill>
@@ -11093,7 +11200,7 @@
                 <a:ea typeface="Open Sans" panose="020B0606030504020204" pitchFamily="34" charset="0"/>
                 <a:cs typeface="Open Sans" panose="020B0606030504020204" pitchFamily="34" charset="0"/>
               </a:rPr>
-              <a:t>26/03/2025</a:t>
+              <a:t>15/05/2025</a:t>
             </a:fld>
             <a:endParaRPr lang="en-GB" sz="1800" b="0" i="0" kern="1200" dirty="0">
               <a:solidFill>
@@ -11690,7 +11797,7 @@
                 <a:ea typeface="Open Sans" pitchFamily="2" charset="0"/>
                 <a:cs typeface="Open Sans" pitchFamily="2" charset="0"/>
               </a:rPr>
-              <a:t>26/03/2025</a:t>
+              <a:t>15/05/2025</a:t>
             </a:fld>
             <a:endParaRPr lang="en-GB" sz="1800" b="0" i="0" kern="1200" dirty="0">
               <a:solidFill>
@@ -12230,7 +12337,7 @@
                 <a:ea typeface="Open Sans" panose="020B0606030504020204" pitchFamily="34" charset="0"/>
                 <a:cs typeface="Open Sans" panose="020B0606030504020204" pitchFamily="34" charset="0"/>
               </a:rPr>
-              <a:t>26/03/2025</a:t>
+              <a:t>15/05/2025</a:t>
             </a:fld>
             <a:endParaRPr lang="en-GB" sz="1800" b="0" i="0" kern="1200" dirty="0">
               <a:solidFill>
@@ -12931,7 +13038,7 @@
                 <a:ea typeface="Open Sans" panose="020B0606030504020204" pitchFamily="34" charset="0"/>
                 <a:cs typeface="Open Sans" panose="020B0606030504020204" pitchFamily="34" charset="0"/>
               </a:rPr>
-              <a:t>26/03/2025</a:t>
+              <a:t>15/05/2025</a:t>
             </a:fld>
             <a:endParaRPr lang="en-GB" sz="1800" b="0" i="0" kern="1200" dirty="0">
               <a:solidFill>
@@ -13294,7 +13401,7 @@
                 <a:ea typeface="Open Sans" pitchFamily="2" charset="0"/>
                 <a:cs typeface="Open Sans" pitchFamily="2" charset="0"/>
               </a:rPr>
-              <a:t>26/03/2025</a:t>
+              <a:t>15/05/2025</a:t>
             </a:fld>
             <a:endParaRPr lang="en-GB" sz="1800" b="0" i="0" kern="1200" dirty="0">
               <a:solidFill>
@@ -13689,7 +13796,7 @@
                 <a:ea typeface="Open Sans" pitchFamily="2" charset="0"/>
                 <a:cs typeface="Open Sans" pitchFamily="2" charset="0"/>
               </a:rPr>
-              <a:t>26/03/2025</a:t>
+              <a:t>15/05/2025</a:t>
             </a:fld>
             <a:endParaRPr lang="en-GB" sz="1800" b="0" i="0" kern="1200" dirty="0">
               <a:solidFill>
@@ -14380,7 +14487,7 @@
         <p:cNvPr id="1" name="">
           <a:extLst>
             <a:ext uri="{FF2B5EF4-FFF2-40B4-BE49-F238E27FC236}">
-              <a16:creationId xmlns:a16="http://schemas.microsoft.com/office/drawing/2014/main" id="{314EE642-B941-087D-E0A9-F873282DF8AA}"/>
+              <a16:creationId xmlns:a16="http://schemas.microsoft.com/office/drawing/2014/main" id="{EFBDECF1-41CF-9F47-407C-5637E32E6B81}"/>
             </a:ext>
           </a:extLst>
         </p:cNvPr>
@@ -14397,157 +14504,116 @@
       </p:grpSpPr>
       <p:sp>
         <p:nvSpPr>
-          <p:cNvPr id="4" name="Title 1">
-            <a:extLst>
-              <a:ext uri="{FF2B5EF4-FFF2-40B4-BE49-F238E27FC236}">
-                <a16:creationId xmlns:a16="http://schemas.microsoft.com/office/drawing/2014/main" id="{0E878C4E-2A66-ABEF-6322-4BC6B11C6700}"/>
-              </a:ext>
-            </a:extLst>
-          </p:cNvPr>
-          <p:cNvSpPr txBox="1">
-            <a:spLocks/>
+          <p:cNvPr id="2" name="Title 1">
+            <a:extLst>
+              <a:ext uri="{FF2B5EF4-FFF2-40B4-BE49-F238E27FC236}">
+                <a16:creationId xmlns:a16="http://schemas.microsoft.com/office/drawing/2014/main" id="{2C9EB11D-A72F-2D08-CC73-69D79025D0B7}"/>
+              </a:ext>
+            </a:extLst>
+          </p:cNvPr>
+          <p:cNvSpPr>
+            <a:spLocks noGrp="1"/>
           </p:cNvSpPr>
-          <p:nvPr/>
-        </p:nvSpPr>
-        <p:spPr>
-          <a:xfrm>
-            <a:off x="990600" y="383056"/>
-            <a:ext cx="10515600" cy="853976"/>
-          </a:xfrm>
-          <a:prstGeom prst="rect">
-            <a:avLst/>
-          </a:prstGeom>
-        </p:spPr>
+          <p:nvPr>
+            <p:ph type="title"/>
+          </p:nvPr>
+        </p:nvSpPr>
+        <p:spPr/>
         <p:txBody>
-          <a:bodyPr vert="horz" lIns="91440" tIns="45720" rIns="91440" bIns="45720" rtlCol="0" anchor="ctr">
+          <a:bodyPr/>
+          <a:lstStyle/>
+          <a:p>
+            <a:r>
+              <a:rPr lang="en-US" dirty="0"/>
+              <a:t>VJE</a:t>
+            </a:r>
+            <a:r>
+              <a:rPr lang="hr-HR" dirty="0"/>
+              <a:t>ž</a:t>
+            </a:r>
+            <a:r>
+              <a:rPr lang="en-US" dirty="0" err="1"/>
+              <a:t>ba</a:t>
+            </a:r>
+            <a:endParaRPr lang="hr-HR" dirty="0"/>
+          </a:p>
+        </p:txBody>
+      </p:sp>
+      <p:sp>
+        <p:nvSpPr>
+          <p:cNvPr id="6" name="Text Placeholder 5">
+            <a:extLst>
+              <a:ext uri="{FF2B5EF4-FFF2-40B4-BE49-F238E27FC236}">
+                <a16:creationId xmlns:a16="http://schemas.microsoft.com/office/drawing/2014/main" id="{89AF7CC4-7E48-F256-1342-6644E51E4034}"/>
+              </a:ext>
+            </a:extLst>
+          </p:cNvPr>
+          <p:cNvSpPr>
+            <a:spLocks noGrp="1"/>
+          </p:cNvSpPr>
+          <p:nvPr>
+            <p:ph type="body" sz="half" idx="2"/>
+          </p:nvPr>
+        </p:nvSpPr>
+        <p:spPr/>
+        <p:txBody>
+          <a:bodyPr>
             <a:normAutofit/>
           </a:bodyPr>
-          <a:lstStyle>
-            <a:lvl1pPr algn="l" defTabSz="914400" rtl="0" eaLnBrk="1" latinLnBrk="0" hangingPunct="1">
-              <a:lnSpc>
-                <a:spcPct val="90000"/>
-              </a:lnSpc>
-              <a:spcBef>
-                <a:spcPct val="0"/>
-              </a:spcBef>
-              <a:buNone/>
-              <a:defRPr sz="3600" b="1" i="0" kern="1200" cap="all" baseline="0">
-                <a:solidFill>
-                  <a:schemeClr val="tx2"/>
-                </a:solidFill>
-                <a:latin typeface="+mj-lt"/>
-                <a:ea typeface="Open Sans Semibold" panose="020B0606030504020204" pitchFamily="34" charset="0"/>
-                <a:cs typeface="Open Sans Semibold" panose="020B0606030504020204" pitchFamily="34" charset="0"/>
-              </a:defRPr>
-            </a:lvl1pPr>
-          </a:lstStyle>
-          <a:p>
-            <a:r>
-              <a:rPr lang="en-US" dirty="0"/>
-              <a:t>TYPESCRIPT-TIPOVI</a:t>
-            </a:r>
+          <a:lstStyle/>
+          <a:p>
+            <a:pPr>
+              <a:buNone/>
+            </a:pPr>
             <a:r>
               <a:rPr lang="hr-HR" dirty="0"/>
-              <a:t> </a:t>
-            </a:r>
-          </a:p>
-        </p:txBody>
-      </p:sp>
-      <p:sp>
-        <p:nvSpPr>
-          <p:cNvPr id="5" name="TextBox 4">
-            <a:extLst>
-              <a:ext uri="{FF2B5EF4-FFF2-40B4-BE49-F238E27FC236}">
-                <a16:creationId xmlns:a16="http://schemas.microsoft.com/office/drawing/2014/main" id="{2614DEAA-0130-2BC1-7534-8BE9DD04D6F4}"/>
-              </a:ext>
-            </a:extLst>
-          </p:cNvPr>
-          <p:cNvSpPr txBox="1"/>
-          <p:nvPr/>
-        </p:nvSpPr>
-        <p:spPr>
-          <a:xfrm>
-            <a:off x="990600" y="1237032"/>
-            <a:ext cx="8671239" cy="2031325"/>
-          </a:xfrm>
-          <a:prstGeom prst="rect">
-            <a:avLst/>
-          </a:prstGeom>
-          <a:noFill/>
-        </p:spPr>
-        <p:txBody>
-          <a:bodyPr wrap="square">
-            <a:spAutoFit/>
-          </a:bodyPr>
-          <a:lstStyle/>
+              <a:t>Napiši TypeScript kod koji:</a:t>
+            </a:r>
+          </a:p>
           <a:p>
             <a:pPr>
               <a:buNone/>
             </a:pPr>
             <a:r>
-              <a:rPr lang="hr-HR" b="1" dirty="0"/>
-              <a:t>Kada Koristiti Eksplicitnu Dodjelu:</a:t>
-            </a:r>
-            <a:endParaRPr lang="en-US" b="1" dirty="0"/>
+              <a:rPr lang="hr-HR" dirty="0"/>
+              <a:t>Deklarira varijablu firstName tipa string i dodijeli joj svoje ime.</a:t>
+            </a:r>
           </a:p>
           <a:p>
             <a:pPr>
               <a:buNone/>
             </a:pPr>
-            <a:endParaRPr lang="hr-HR" dirty="0"/>
+            <a:r>
+              <a:rPr lang="hr-HR" dirty="0"/>
+              <a:t>Deklarira varijablu yearOfBirth tipa number i dodijeli joj godinu svog rođenja.</a:t>
+            </a:r>
           </a:p>
           <a:p>
             <a:pPr>
-              <a:buFont typeface="Arial" panose="020B0604020202020204" pitchFamily="34" charset="0"/>
-              <a:buChar char="•"/>
+              <a:buNone/>
             </a:pPr>
             <a:r>
               <a:rPr lang="hr-HR" dirty="0"/>
-              <a:t>Koristite eksplicitnu dodjelu kada varijabla nije inicijalizirana odmah, kako bi </a:t>
-            </a:r>
-            <a:r>
-              <a:rPr lang="hr-HR" dirty="0" err="1"/>
-              <a:t>TypeScript</a:t>
-            </a:r>
+              <a:t>Izračuna trenutnu dob u varijabli currentAge tako da od 2025. (trenutna godina) oduzme yearOfBirth.</a:t>
+            </a:r>
+          </a:p>
+          <a:p>
+            <a:pPr>
+              <a:buNone/>
+            </a:pPr>
             <a:r>
               <a:rPr lang="hr-HR" dirty="0"/>
-              <a:t> znao koji tip se očekuje.</a:t>
-            </a:r>
-            <a:endParaRPr lang="en-US" dirty="0"/>
-          </a:p>
-          <a:p>
-            <a:pPr>
-              <a:buFont typeface="Arial" panose="020B0604020202020204" pitchFamily="34" charset="0"/>
-              <a:buChar char="•"/>
-            </a:pPr>
-            <a:endParaRPr lang="hr-HR" dirty="0"/>
-          </a:p>
-          <a:p>
-            <a:pPr>
-              <a:buFont typeface="Arial" panose="020B0604020202020204" pitchFamily="34" charset="0"/>
-              <a:buChar char="•"/>
-            </a:pPr>
-            <a:r>
-              <a:rPr lang="hr-HR" dirty="0"/>
-              <a:t>Ako varijabla ima početnu vrijednost, dobro je osloniti se na </a:t>
-            </a:r>
-            <a:r>
-              <a:rPr lang="hr-HR" dirty="0" err="1"/>
-              <a:t>inference</a:t>
-            </a:r>
-            <a:r>
-              <a:rPr lang="hr-HR" dirty="0"/>
-              <a:t>, osim ako nemate specifičan razlog za eksplicitnu definiciju</a:t>
+              <a:t>Ispiše u konzolu poruku:</a:t>
             </a:r>
           </a:p>
         </p:txBody>
       </p:sp>
       <p:pic>
         <p:nvPicPr>
-          <p:cNvPr id="3" name="Picture 2">
-            <a:extLst>
-              <a:ext uri="{FF2B5EF4-FFF2-40B4-BE49-F238E27FC236}">
-                <a16:creationId xmlns:a16="http://schemas.microsoft.com/office/drawing/2014/main" id="{9606E49B-39AA-CB4D-155C-B1FB06057934}"/>
+          <p:cNvPr id="7" name="Picture 6">
+            <a:extLst>
+              <a:ext uri="{FF2B5EF4-FFF2-40B4-BE49-F238E27FC236}">
+                <a16:creationId xmlns:a16="http://schemas.microsoft.com/office/drawing/2014/main" id="{7E588480-6600-9731-18A0-5DD7F6917603}"/>
               </a:ext>
             </a:extLst>
           </p:cNvPr>
@@ -14564,38 +14630,8 @@
         </p:blipFill>
         <p:spPr>
           <a:xfrm>
-            <a:off x="1065104" y="3513304"/>
-            <a:ext cx="6543675" cy="695325"/>
-          </a:xfrm>
-          <a:prstGeom prst="rect">
-            <a:avLst/>
-          </a:prstGeom>
-        </p:spPr>
-      </p:pic>
-      <p:pic>
-        <p:nvPicPr>
-          <p:cNvPr id="7" name="Picture 6">
-            <a:extLst>
-              <a:ext uri="{FF2B5EF4-FFF2-40B4-BE49-F238E27FC236}">
-                <a16:creationId xmlns:a16="http://schemas.microsoft.com/office/drawing/2014/main" id="{B6AB66FC-23DC-73D9-5346-CECF62368E2A}"/>
-              </a:ext>
-            </a:extLst>
-          </p:cNvPr>
-          <p:cNvPicPr>
-            <a:picLocks noChangeAspect="1"/>
-          </p:cNvPicPr>
-          <p:nvPr/>
-        </p:nvPicPr>
-        <p:blipFill>
-          <a:blip r:embed="rId4"/>
-          <a:stretch>
-            <a:fillRect/>
-          </a:stretch>
-        </p:blipFill>
-        <p:spPr>
-          <a:xfrm>
-            <a:off x="1065104" y="4453576"/>
-            <a:ext cx="7324725" cy="590550"/>
+            <a:off x="6573461" y="3208229"/>
+            <a:ext cx="3648075" cy="581025"/>
           </a:xfrm>
           <a:prstGeom prst="rect">
             <a:avLst/>
@@ -14605,7 +14641,7 @@
     </p:spTree>
     <p:extLst>
       <p:ext uri="{BB962C8B-B14F-4D97-AF65-F5344CB8AC3E}">
-        <p14:creationId xmlns:p14="http://schemas.microsoft.com/office/powerpoint/2010/main" val="1293142067"/>
+        <p14:creationId xmlns:p14="http://schemas.microsoft.com/office/powerpoint/2010/main" val="2194952087"/>
       </p:ext>
     </p:extLst>
   </p:cSld>
@@ -15497,6 +15533,178 @@
         <p:cNvPr id="1" name="">
           <a:extLst>
             <a:ext uri="{FF2B5EF4-FFF2-40B4-BE49-F238E27FC236}">
+              <a16:creationId xmlns:a16="http://schemas.microsoft.com/office/drawing/2014/main" id="{C3B88688-9AD2-6B59-3E1D-8BCBD1425C0E}"/>
+            </a:ext>
+          </a:extLst>
+        </p:cNvPr>
+        <p:cNvGrpSpPr/>
+        <p:nvPr/>
+      </p:nvGrpSpPr>
+      <p:grpSpPr>
+        <a:xfrm>
+          <a:off x="0" y="0"/>
+          <a:ext cx="0" cy="0"/>
+          <a:chOff x="0" y="0"/>
+          <a:chExt cx="0" cy="0"/>
+        </a:xfrm>
+      </p:grpSpPr>
+      <p:sp>
+        <p:nvSpPr>
+          <p:cNvPr id="2" name="Title 1">
+            <a:extLst>
+              <a:ext uri="{FF2B5EF4-FFF2-40B4-BE49-F238E27FC236}">
+                <a16:creationId xmlns:a16="http://schemas.microsoft.com/office/drawing/2014/main" id="{EBEFDF3A-965F-05E7-5DD6-1482AEEDCDF0}"/>
+              </a:ext>
+            </a:extLst>
+          </p:cNvPr>
+          <p:cNvSpPr>
+            <a:spLocks noGrp="1"/>
+          </p:cNvSpPr>
+          <p:nvPr>
+            <p:ph type="title"/>
+          </p:nvPr>
+        </p:nvSpPr>
+        <p:spPr/>
+        <p:txBody>
+          <a:bodyPr/>
+          <a:lstStyle/>
+          <a:p>
+            <a:r>
+              <a:rPr lang="en-US" dirty="0"/>
+              <a:t>VJE</a:t>
+            </a:r>
+            <a:r>
+              <a:rPr lang="hr-HR" dirty="0"/>
+              <a:t>ž</a:t>
+            </a:r>
+            <a:r>
+              <a:rPr lang="en-US" dirty="0" err="1"/>
+              <a:t>ba</a:t>
+            </a:r>
+            <a:endParaRPr lang="hr-HR" dirty="0"/>
+          </a:p>
+        </p:txBody>
+      </p:sp>
+      <p:sp>
+        <p:nvSpPr>
+          <p:cNvPr id="6" name="Text Placeholder 5">
+            <a:extLst>
+              <a:ext uri="{FF2B5EF4-FFF2-40B4-BE49-F238E27FC236}">
+                <a16:creationId xmlns:a16="http://schemas.microsoft.com/office/drawing/2014/main" id="{B7C074A5-9247-DF2B-1EAD-E77EB957870D}"/>
+              </a:ext>
+            </a:extLst>
+          </p:cNvPr>
+          <p:cNvSpPr>
+            <a:spLocks noGrp="1"/>
+          </p:cNvSpPr>
+          <p:nvPr>
+            <p:ph type="body" sz="half" idx="2"/>
+          </p:nvPr>
+        </p:nvSpPr>
+        <p:spPr/>
+        <p:txBody>
+          <a:bodyPr>
+            <a:normAutofit/>
+          </a:bodyPr>
+          <a:lstStyle/>
+          <a:p>
+            <a:pPr>
+              <a:buNone/>
+            </a:pPr>
+            <a:r>
+              <a:rPr lang="hr-HR" dirty="0"/>
+              <a:t>Napiši TypeScript kod koji:</a:t>
+            </a:r>
+          </a:p>
+          <a:p>
+            <a:pPr>
+              <a:buNone/>
+            </a:pPr>
+            <a:r>
+              <a:rPr lang="hr-HR" dirty="0"/>
+              <a:t>Definira union tip NumberOrString koji može biti number ili string.</a:t>
+            </a:r>
+          </a:p>
+          <a:p>
+            <a:pPr>
+              <a:buNone/>
+            </a:pPr>
+            <a:r>
+              <a:rPr lang="hr-HR" dirty="0"/>
+              <a:t>Implementira funkciju processItems(items: NumberOrString[]): NumberOrString[] bez korištenja arrow funkcija, tako da:</a:t>
+            </a:r>
+          </a:p>
+          <a:p>
+            <a:pPr>
+              <a:buNone/>
+            </a:pPr>
+            <a:r>
+              <a:rPr lang="hr-HR" dirty="0"/>
+              <a:t>za svaki broj u nizu vraća njegov kvadrat,</a:t>
+            </a:r>
+          </a:p>
+          <a:p>
+            <a:pPr>
+              <a:buNone/>
+            </a:pPr>
+            <a:r>
+              <a:rPr lang="hr-HR" dirty="0"/>
+              <a:t>za svaki string vraća isti string pretvoren u velika slova</a:t>
+            </a:r>
+          </a:p>
+        </p:txBody>
+      </p:sp>
+      <p:pic>
+        <p:nvPicPr>
+          <p:cNvPr id="5" name="Picture 4">
+            <a:extLst>
+              <a:ext uri="{FF2B5EF4-FFF2-40B4-BE49-F238E27FC236}">
+                <a16:creationId xmlns:a16="http://schemas.microsoft.com/office/drawing/2014/main" id="{BBAEF10F-524D-3643-55DB-1752F1F54697}"/>
+              </a:ext>
+            </a:extLst>
+          </p:cNvPr>
+          <p:cNvPicPr>
+            <a:picLocks noChangeAspect="1"/>
+          </p:cNvPicPr>
+          <p:nvPr/>
+        </p:nvPicPr>
+        <p:blipFill>
+          <a:blip r:embed="rId3"/>
+          <a:stretch>
+            <a:fillRect/>
+          </a:stretch>
+        </p:blipFill>
+        <p:spPr>
+          <a:xfrm>
+            <a:off x="7051001" y="3554439"/>
+            <a:ext cx="2847975" cy="400050"/>
+          </a:xfrm>
+          <a:prstGeom prst="rect">
+            <a:avLst/>
+          </a:prstGeom>
+        </p:spPr>
+      </p:pic>
+    </p:spTree>
+    <p:extLst>
+      <p:ext uri="{BB962C8B-B14F-4D97-AF65-F5344CB8AC3E}">
+        <p14:creationId xmlns:p14="http://schemas.microsoft.com/office/powerpoint/2010/main" val="3471626296"/>
+      </p:ext>
+    </p:extLst>
+  </p:cSld>
+  <p:clrMapOvr>
+    <a:masterClrMapping/>
+  </p:clrMapOvr>
+</p:sld>
+</file>
+
+<file path=ppt/slides/slide16.xml><?xml version="1.0" encoding="utf-8"?>
+<p:sld xmlns:a="http://schemas.openxmlformats.org/drawingml/2006/main" xmlns:r="http://schemas.openxmlformats.org/officeDocument/2006/relationships" xmlns:p="http://schemas.openxmlformats.org/presentationml/2006/main">
+  <p:cSld>
+    <p:spTree>
+      <p:nvGrpSpPr>
+        <p:cNvPr id="1" name="">
+          <a:extLst>
+            <a:ext uri="{FF2B5EF4-FFF2-40B4-BE49-F238E27FC236}">
               <a16:creationId xmlns:a16="http://schemas.microsoft.com/office/drawing/2014/main" id="{7D121237-D865-6C90-9CFE-30323CE6666C}"/>
             </a:ext>
           </a:extLst>
@@ -15809,7 +16017,7 @@
 </p:sld>
 </file>
 
-<file path=ppt/slides/slide16.xml><?xml version="1.0" encoding="utf-8"?>
+<file path=ppt/slides/slide17.xml><?xml version="1.0" encoding="utf-8"?>
 <p:sld xmlns:a="http://schemas.openxmlformats.org/drawingml/2006/main" xmlns:r="http://schemas.openxmlformats.org/officeDocument/2006/relationships" xmlns:p="http://schemas.openxmlformats.org/presentationml/2006/main">
   <p:cSld>
     <p:spTree>
@@ -16093,299 +16301,6 @@
     <p:extLst>
       <p:ext uri="{BB962C8B-B14F-4D97-AF65-F5344CB8AC3E}">
         <p14:creationId xmlns:p14="http://schemas.microsoft.com/office/powerpoint/2010/main" val="3164354319"/>
-      </p:ext>
-    </p:extLst>
-  </p:cSld>
-  <p:clrMapOvr>
-    <a:masterClrMapping/>
-  </p:clrMapOvr>
-</p:sld>
-</file>
-
-<file path=ppt/slides/slide17.xml><?xml version="1.0" encoding="utf-8"?>
-<p:sld xmlns:a="http://schemas.openxmlformats.org/drawingml/2006/main" xmlns:r="http://schemas.openxmlformats.org/officeDocument/2006/relationships" xmlns:p="http://schemas.openxmlformats.org/presentationml/2006/main">
-  <p:cSld>
-    <p:spTree>
-      <p:nvGrpSpPr>
-        <p:cNvPr id="1" name="">
-          <a:extLst>
-            <a:ext uri="{FF2B5EF4-FFF2-40B4-BE49-F238E27FC236}">
-              <a16:creationId xmlns:a16="http://schemas.microsoft.com/office/drawing/2014/main" id="{FBE04A12-32A5-DEB9-66F8-32DD361EC409}"/>
-            </a:ext>
-          </a:extLst>
-        </p:cNvPr>
-        <p:cNvGrpSpPr/>
-        <p:nvPr/>
-      </p:nvGrpSpPr>
-      <p:grpSpPr>
-        <a:xfrm>
-          <a:off x="0" y="0"/>
-          <a:ext cx="0" cy="0"/>
-          <a:chOff x="0" y="0"/>
-          <a:chExt cx="0" cy="0"/>
-        </a:xfrm>
-      </p:grpSpPr>
-      <p:sp>
-        <p:nvSpPr>
-          <p:cNvPr id="4" name="Title 1">
-            <a:extLst>
-              <a:ext uri="{FF2B5EF4-FFF2-40B4-BE49-F238E27FC236}">
-                <a16:creationId xmlns:a16="http://schemas.microsoft.com/office/drawing/2014/main" id="{D2076299-F852-2A71-3A1F-A4071EC2054C}"/>
-              </a:ext>
-            </a:extLst>
-          </p:cNvPr>
-          <p:cNvSpPr txBox="1">
-            <a:spLocks/>
-          </p:cNvSpPr>
-          <p:nvPr/>
-        </p:nvSpPr>
-        <p:spPr>
-          <a:xfrm>
-            <a:off x="990600" y="383056"/>
-            <a:ext cx="10515600" cy="853976"/>
-          </a:xfrm>
-          <a:prstGeom prst="rect">
-            <a:avLst/>
-          </a:prstGeom>
-        </p:spPr>
-        <p:txBody>
-          <a:bodyPr vert="horz" lIns="91440" tIns="45720" rIns="91440" bIns="45720" rtlCol="0" anchor="ctr">
-            <a:normAutofit/>
-          </a:bodyPr>
-          <a:lstStyle>
-            <a:lvl1pPr algn="l" defTabSz="914400" rtl="0" eaLnBrk="1" latinLnBrk="0" hangingPunct="1">
-              <a:lnSpc>
-                <a:spcPct val="90000"/>
-              </a:lnSpc>
-              <a:spcBef>
-                <a:spcPct val="0"/>
-              </a:spcBef>
-              <a:buNone/>
-              <a:defRPr sz="3600" b="1" i="0" kern="1200" cap="all" baseline="0">
-                <a:solidFill>
-                  <a:schemeClr val="tx2"/>
-                </a:solidFill>
-                <a:latin typeface="+mj-lt"/>
-                <a:ea typeface="Open Sans Semibold" panose="020B0606030504020204" pitchFamily="34" charset="0"/>
-                <a:cs typeface="Open Sans Semibold" panose="020B0606030504020204" pitchFamily="34" charset="0"/>
-              </a:defRPr>
-            </a:lvl1pPr>
-          </a:lstStyle>
-          <a:p>
-            <a:r>
-              <a:rPr lang="en-US" dirty="0"/>
-              <a:t>TYPESCRIPT – ENUM</a:t>
-            </a:r>
-            <a:endParaRPr lang="hr-HR" dirty="0"/>
-          </a:p>
-        </p:txBody>
-      </p:sp>
-      <p:sp>
-        <p:nvSpPr>
-          <p:cNvPr id="21" name="TextBox 20">
-            <a:extLst>
-              <a:ext uri="{FF2B5EF4-FFF2-40B4-BE49-F238E27FC236}">
-                <a16:creationId xmlns:a16="http://schemas.microsoft.com/office/drawing/2014/main" id="{E96B37BB-B634-30D4-E21C-082A28F4CD9E}"/>
-              </a:ext>
-            </a:extLst>
-          </p:cNvPr>
-          <p:cNvSpPr txBox="1"/>
-          <p:nvPr/>
-        </p:nvSpPr>
-        <p:spPr>
-          <a:xfrm>
-            <a:off x="814226" y="1109854"/>
-            <a:ext cx="8671239" cy="923330"/>
-          </a:xfrm>
-          <a:prstGeom prst="rect">
-            <a:avLst/>
-          </a:prstGeom>
-          <a:noFill/>
-        </p:spPr>
-        <p:txBody>
-          <a:bodyPr wrap="square">
-            <a:spAutoFit/>
-          </a:bodyPr>
-          <a:lstStyle/>
-          <a:p>
-            <a:pPr>
-              <a:buFont typeface="Arial" panose="020B0604020202020204" pitchFamily="34" charset="0"/>
-              <a:buChar char="•"/>
-            </a:pPr>
-            <a:r>
-              <a:rPr lang="en-US" b="1" dirty="0"/>
-              <a:t> </a:t>
-            </a:r>
-            <a:r>
-              <a:rPr lang="hr-HR" dirty="0" err="1"/>
-              <a:t>Enum</a:t>
-            </a:r>
-            <a:r>
-              <a:rPr lang="hr-HR" dirty="0"/>
-              <a:t> (enumeracija) predstavlja tip koji dopušta samo određene vrijednosti.</a:t>
-            </a:r>
-            <a:endParaRPr lang="en-US" dirty="0"/>
-          </a:p>
-          <a:p>
-            <a:pPr>
-              <a:buFont typeface="Arial" panose="020B0604020202020204" pitchFamily="34" charset="0"/>
-              <a:buChar char="•"/>
-            </a:pPr>
-            <a:r>
-              <a:rPr lang="hr-HR" dirty="0"/>
-              <a:t>Pomoću </a:t>
-            </a:r>
-            <a:r>
-              <a:rPr lang="hr-HR" dirty="0" err="1"/>
-              <a:t>enuma</a:t>
-            </a:r>
-            <a:r>
-              <a:rPr lang="hr-HR" dirty="0"/>
-              <a:t> možete definirati, primjerice, korisničke uloge poput </a:t>
-            </a:r>
-            <a:r>
-              <a:rPr lang="hr-HR" dirty="0" err="1"/>
-              <a:t>admin</a:t>
-            </a:r>
-            <a:r>
-              <a:rPr lang="hr-HR" dirty="0"/>
-              <a:t>, editor i </a:t>
-            </a:r>
-            <a:r>
-              <a:rPr lang="hr-HR" dirty="0" err="1"/>
-              <a:t>guest</a:t>
-            </a:r>
-            <a:r>
-              <a:rPr lang="hr-HR" dirty="0"/>
-              <a:t>.</a:t>
-            </a:r>
-          </a:p>
-        </p:txBody>
-      </p:sp>
-      <p:pic>
-        <p:nvPicPr>
-          <p:cNvPr id="11" name="Picture 10">
-            <a:extLst>
-              <a:ext uri="{FF2B5EF4-FFF2-40B4-BE49-F238E27FC236}">
-                <a16:creationId xmlns:a16="http://schemas.microsoft.com/office/drawing/2014/main" id="{D9ACF10B-F641-9479-F2E2-ED9D03AE5F3F}"/>
-              </a:ext>
-            </a:extLst>
-          </p:cNvPr>
-          <p:cNvPicPr>
-            <a:picLocks noChangeAspect="1"/>
-          </p:cNvPicPr>
-          <p:nvPr/>
-        </p:nvPicPr>
-        <p:blipFill>
-          <a:blip r:embed="rId3"/>
-          <a:stretch>
-            <a:fillRect/>
-          </a:stretch>
-        </p:blipFill>
-        <p:spPr>
-          <a:xfrm>
-            <a:off x="921599" y="2336726"/>
-            <a:ext cx="2714625" cy="1238250"/>
-          </a:xfrm>
-          <a:prstGeom prst="rect">
-            <a:avLst/>
-          </a:prstGeom>
-        </p:spPr>
-      </p:pic>
-      <p:pic>
-        <p:nvPicPr>
-          <p:cNvPr id="14" name="Picture 13">
-            <a:extLst>
-              <a:ext uri="{FF2B5EF4-FFF2-40B4-BE49-F238E27FC236}">
-                <a16:creationId xmlns:a16="http://schemas.microsoft.com/office/drawing/2014/main" id="{3DE84852-C8C1-5720-9C27-AA63C9F91687}"/>
-              </a:ext>
-            </a:extLst>
-          </p:cNvPr>
-          <p:cNvPicPr>
-            <a:picLocks noChangeAspect="1"/>
-          </p:cNvPicPr>
-          <p:nvPr/>
-        </p:nvPicPr>
-        <p:blipFill>
-          <a:blip r:embed="rId4"/>
-          <a:stretch>
-            <a:fillRect/>
-          </a:stretch>
-        </p:blipFill>
-        <p:spPr>
-          <a:xfrm>
-            <a:off x="4384823" y="2336726"/>
-            <a:ext cx="4089326" cy="1560979"/>
-          </a:xfrm>
-          <a:prstGeom prst="rect">
-            <a:avLst/>
-          </a:prstGeom>
-        </p:spPr>
-      </p:pic>
-      <p:pic>
-        <p:nvPicPr>
-          <p:cNvPr id="17" name="Picture 16">
-            <a:extLst>
-              <a:ext uri="{FF2B5EF4-FFF2-40B4-BE49-F238E27FC236}">
-                <a16:creationId xmlns:a16="http://schemas.microsoft.com/office/drawing/2014/main" id="{9C4DAAB2-5EB8-C9E1-9C42-462968DBBEBC}"/>
-              </a:ext>
-            </a:extLst>
-          </p:cNvPr>
-          <p:cNvPicPr>
-            <a:picLocks noChangeAspect="1"/>
-          </p:cNvPicPr>
-          <p:nvPr/>
-        </p:nvPicPr>
-        <p:blipFill>
-          <a:blip r:embed="rId5"/>
-          <a:stretch>
-            <a:fillRect/>
-          </a:stretch>
-        </p:blipFill>
-        <p:spPr>
-          <a:xfrm>
-            <a:off x="921599" y="4201247"/>
-            <a:ext cx="3507748" cy="1504354"/>
-          </a:xfrm>
-          <a:prstGeom prst="rect">
-            <a:avLst/>
-          </a:prstGeom>
-        </p:spPr>
-      </p:pic>
-      <p:pic>
-        <p:nvPicPr>
-          <p:cNvPr id="22" name="Picture 21">
-            <a:extLst>
-              <a:ext uri="{FF2B5EF4-FFF2-40B4-BE49-F238E27FC236}">
-                <a16:creationId xmlns:a16="http://schemas.microsoft.com/office/drawing/2014/main" id="{9520BC9B-403E-CB63-DF32-A6FD55000C39}"/>
-              </a:ext>
-            </a:extLst>
-          </p:cNvPr>
-          <p:cNvPicPr>
-            <a:picLocks noChangeAspect="1"/>
-          </p:cNvPicPr>
-          <p:nvPr/>
-        </p:nvPicPr>
-        <p:blipFill>
-          <a:blip r:embed="rId6"/>
-          <a:stretch>
-            <a:fillRect/>
-          </a:stretch>
-        </p:blipFill>
-        <p:spPr>
-          <a:xfrm>
-            <a:off x="4891974" y="4122257"/>
-            <a:ext cx="3709766" cy="1583344"/>
-          </a:xfrm>
-          <a:prstGeom prst="rect">
-            <a:avLst/>
-          </a:prstGeom>
-        </p:spPr>
-      </p:pic>
-    </p:spTree>
-    <p:extLst>
-      <p:ext uri="{BB962C8B-B14F-4D97-AF65-F5344CB8AC3E}">
-        <p14:creationId xmlns:p14="http://schemas.microsoft.com/office/powerpoint/2010/main" val="206016068"/>
       </p:ext>
     </p:extLst>
   </p:cSld>
@@ -16653,7 +16568,7 @@
         <p:cNvPr id="1" name="">
           <a:extLst>
             <a:ext uri="{FF2B5EF4-FFF2-40B4-BE49-F238E27FC236}">
-              <a16:creationId xmlns:a16="http://schemas.microsoft.com/office/drawing/2014/main" id="{B287BB01-2487-2793-3028-79169D65CC99}"/>
+              <a16:creationId xmlns:a16="http://schemas.microsoft.com/office/drawing/2014/main" id="{840AD218-2A9F-8025-8248-F17B56ABD67B}"/>
             </a:ext>
           </a:extLst>
         </p:cNvPr>
@@ -16670,54 +16585,36 @@
       </p:grpSpPr>
       <p:sp>
         <p:nvSpPr>
-          <p:cNvPr id="4" name="Title 1">
-            <a:extLst>
-              <a:ext uri="{FF2B5EF4-FFF2-40B4-BE49-F238E27FC236}">
-                <a16:creationId xmlns:a16="http://schemas.microsoft.com/office/drawing/2014/main" id="{654673FE-F918-AFD0-5A85-FC237C45AC92}"/>
-              </a:ext>
-            </a:extLst>
-          </p:cNvPr>
-          <p:cNvSpPr txBox="1">
-            <a:spLocks/>
+          <p:cNvPr id="2" name="Title 1">
+            <a:extLst>
+              <a:ext uri="{FF2B5EF4-FFF2-40B4-BE49-F238E27FC236}">
+                <a16:creationId xmlns:a16="http://schemas.microsoft.com/office/drawing/2014/main" id="{CE73D8DC-679F-CD02-9AB5-B9F71667E7D5}"/>
+              </a:ext>
+            </a:extLst>
+          </p:cNvPr>
+          <p:cNvSpPr>
+            <a:spLocks noGrp="1"/>
           </p:cNvSpPr>
-          <p:nvPr/>
-        </p:nvSpPr>
-        <p:spPr>
-          <a:xfrm>
-            <a:off x="990600" y="383056"/>
-            <a:ext cx="10515600" cy="853976"/>
-          </a:xfrm>
-          <a:prstGeom prst="rect">
-            <a:avLst/>
-          </a:prstGeom>
-        </p:spPr>
+          <p:nvPr>
+            <p:ph type="title"/>
+          </p:nvPr>
+        </p:nvSpPr>
+        <p:spPr/>
         <p:txBody>
-          <a:bodyPr vert="horz" lIns="91440" tIns="45720" rIns="91440" bIns="45720" rtlCol="0" anchor="ctr">
-            <a:normAutofit/>
-          </a:bodyPr>
-          <a:lstStyle>
-            <a:lvl1pPr algn="l" defTabSz="914400" rtl="0" eaLnBrk="1" latinLnBrk="0" hangingPunct="1">
-              <a:lnSpc>
-                <a:spcPct val="90000"/>
-              </a:lnSpc>
-              <a:spcBef>
-                <a:spcPct val="0"/>
-              </a:spcBef>
-              <a:buNone/>
-              <a:defRPr sz="3600" b="1" i="0" kern="1200" cap="all" baseline="0">
-                <a:solidFill>
-                  <a:schemeClr val="tx2"/>
-                </a:solidFill>
-                <a:latin typeface="+mj-lt"/>
-                <a:ea typeface="Open Sans Semibold" panose="020B0606030504020204" pitchFamily="34" charset="0"/>
-                <a:cs typeface="Open Sans Semibold" panose="020B0606030504020204" pitchFamily="34" charset="0"/>
-              </a:defRPr>
-            </a:lvl1pPr>
-          </a:lstStyle>
+          <a:bodyPr/>
+          <a:lstStyle/>
           <a:p>
             <a:r>
               <a:rPr lang="en-US" dirty="0"/>
-              <a:t>TYPESCRIPT – ALIAS</a:t>
+              <a:t>VJE</a:t>
+            </a:r>
+            <a:r>
+              <a:rPr lang="hr-HR" dirty="0"/>
+              <a:t>ž</a:t>
+            </a:r>
+            <a:r>
+              <a:rPr lang="en-US" dirty="0" err="1"/>
+              <a:t>ba</a:t>
             </a:r>
             <a:endParaRPr lang="hr-HR" dirty="0"/>
           </a:p>
@@ -16725,29 +16622,24 @@
       </p:sp>
       <p:sp>
         <p:nvSpPr>
-          <p:cNvPr id="21" name="TextBox 20">
-            <a:extLst>
-              <a:ext uri="{FF2B5EF4-FFF2-40B4-BE49-F238E27FC236}">
-                <a16:creationId xmlns:a16="http://schemas.microsoft.com/office/drawing/2014/main" id="{D794E0A5-8F1C-873A-AD64-511CE43AEA25}"/>
-              </a:ext>
-            </a:extLst>
-          </p:cNvPr>
-          <p:cNvSpPr txBox="1"/>
-          <p:nvPr/>
-        </p:nvSpPr>
-        <p:spPr>
-          <a:xfrm>
-            <a:off x="814226" y="1109854"/>
-            <a:ext cx="8671239" cy="1477328"/>
-          </a:xfrm>
-          <a:prstGeom prst="rect">
-            <a:avLst/>
-          </a:prstGeom>
-          <a:noFill/>
-        </p:spPr>
+          <p:cNvPr id="6" name="Text Placeholder 5">
+            <a:extLst>
+              <a:ext uri="{FF2B5EF4-FFF2-40B4-BE49-F238E27FC236}">
+                <a16:creationId xmlns:a16="http://schemas.microsoft.com/office/drawing/2014/main" id="{7651C6E1-EEC7-8B6E-E09C-744D453971F3}"/>
+              </a:ext>
+            </a:extLst>
+          </p:cNvPr>
+          <p:cNvSpPr>
+            <a:spLocks noGrp="1"/>
+          </p:cNvSpPr>
+          <p:nvPr>
+            <p:ph type="body" sz="half" idx="2"/>
+          </p:nvPr>
+        </p:nvSpPr>
+        <p:spPr/>
         <p:txBody>
-          <a:bodyPr wrap="square">
-            <a:spAutoFit/>
+          <a:bodyPr>
+            <a:normAutofit fontScale="92500" lnSpcReduction="20000"/>
           </a:bodyPr>
           <a:lstStyle/>
           <a:p>
@@ -16755,125 +16647,92 @@
               <a:buNone/>
             </a:pPr>
             <a:r>
-              <a:rPr lang="hr-HR" b="1" dirty="0"/>
-              <a:t>Problem s Dugim Tip Definicijama:</a:t>
-            </a:r>
-            <a:endParaRPr lang="hr-HR" dirty="0"/>
+              <a:rPr lang="hr-HR" dirty="0"/>
+              <a:t>Napiši TypeScript kod koji:</a:t>
+            </a:r>
+            <a:endParaRPr lang="en-US" dirty="0"/>
           </a:p>
           <a:p>
             <a:pPr>
-              <a:buFont typeface="Arial" panose="020B0604020202020204" pitchFamily="34" charset="0"/>
-              <a:buChar char="•"/>
+              <a:buNone/>
             </a:pPr>
             <a:r>
               <a:rPr lang="hr-HR" dirty="0"/>
-              <a:t>Kombinacija </a:t>
-            </a:r>
-            <a:r>
-              <a:rPr lang="hr-HR" dirty="0" err="1"/>
-              <a:t>literalnih</a:t>
-            </a:r>
+              <a:t>Definira enum Role s vrijednostima Admin, Editor i Viewer.</a:t>
+            </a:r>
+          </a:p>
+          <a:p>
+            <a:pPr>
+              <a:buNone/>
+            </a:pPr>
             <a:r>
               <a:rPr lang="hr-HR" dirty="0"/>
-              <a:t> i unijskih tipova može rezultirati vrlo dugim i ne preglednim tip definicijama.</a:t>
+              <a:t>Definira klasu User s javnim svojstvima name: string i role: Role, te konstruktorom koji ih prima.</a:t>
             </a:r>
           </a:p>
           <a:p>
             <a:pPr>
-              <a:buFont typeface="Arial" panose="020B0604020202020204" pitchFamily="34" charset="0"/>
-              <a:buChar char="•"/>
+              <a:buNone/>
             </a:pPr>
             <a:r>
               <a:rPr lang="hr-HR" dirty="0"/>
-              <a:t>Kopiranje iste definicije na više mjesta povećava rizik od grešaka ako se kasnije nešto promijeni.</a:t>
+              <a:t>Kreira nekoliko instanci User i smjesti ih u polje users: User[].</a:t>
+            </a:r>
+          </a:p>
+          <a:p>
+            <a:pPr>
+              <a:buNone/>
+            </a:pPr>
+            <a:r>
+              <a:rPr lang="hr-HR" dirty="0"/>
+              <a:t>Napiše funkciju getAdmins(users: User[]): User[] koja prolazi kroz polje i vraća samo one čiji je role === Role.Admin.</a:t>
+            </a:r>
+          </a:p>
+          <a:p>
+            <a:pPr>
+              <a:buNone/>
+            </a:pPr>
+            <a:r>
+              <a:rPr lang="hr-HR" dirty="0"/>
+              <a:t>Pozove getAdmins(users) i ispiše imena administratora u konzolu.</a:t>
             </a:r>
           </a:p>
         </p:txBody>
       </p:sp>
-      <p:sp>
-        <p:nvSpPr>
-          <p:cNvPr id="2" name="TextBox 1">
-            <a:extLst>
-              <a:ext uri="{FF2B5EF4-FFF2-40B4-BE49-F238E27FC236}">
-                <a16:creationId xmlns:a16="http://schemas.microsoft.com/office/drawing/2014/main" id="{2504EAE6-3C6F-B3BF-74BE-C7E998C5E9AC}"/>
-              </a:ext>
-            </a:extLst>
-          </p:cNvPr>
-          <p:cNvSpPr txBox="1"/>
+      <p:pic>
+        <p:nvPicPr>
+          <p:cNvPr id="4" name="Picture 3">
+            <a:extLst>
+              <a:ext uri="{FF2B5EF4-FFF2-40B4-BE49-F238E27FC236}">
+                <a16:creationId xmlns:a16="http://schemas.microsoft.com/office/drawing/2014/main" id="{D3B3BAEC-86BE-AC37-7AD4-BB9E6417D895}"/>
+              </a:ext>
+            </a:extLst>
+          </p:cNvPr>
+          <p:cNvPicPr>
+            <a:picLocks noChangeAspect="1"/>
+          </p:cNvPicPr>
           <p:nvPr/>
-        </p:nvSpPr>
-        <p:spPr>
-          <a:xfrm>
-            <a:off x="833719" y="2979412"/>
-            <a:ext cx="8671239" cy="1200329"/>
+        </p:nvPicPr>
+        <p:blipFill>
+          <a:blip r:embed="rId3"/>
+          <a:stretch>
+            <a:fillRect/>
+          </a:stretch>
+        </p:blipFill>
+        <p:spPr>
+          <a:xfrm>
+            <a:off x="7477205" y="3241647"/>
+            <a:ext cx="1933575" cy="638175"/>
           </a:xfrm>
           <a:prstGeom prst="rect">
             <a:avLst/>
           </a:prstGeom>
-          <a:noFill/>
-        </p:spPr>
-        <p:txBody>
-          <a:bodyPr wrap="square">
-            <a:spAutoFit/>
-          </a:bodyPr>
-          <a:lstStyle/>
-          <a:p>
-            <a:pPr>
-              <a:buNone/>
-            </a:pPr>
-            <a:r>
-              <a:rPr lang="hr-HR" b="1" dirty="0"/>
-              <a:t>Rješenje: </a:t>
-            </a:r>
-            <a:r>
-              <a:rPr lang="hr-HR" b="1" dirty="0" err="1"/>
-              <a:t>Type</a:t>
-            </a:r>
-            <a:r>
-              <a:rPr lang="hr-HR" b="1" dirty="0"/>
-              <a:t> Alias (Tip Prečac):</a:t>
-            </a:r>
-            <a:endParaRPr lang="hr-HR" dirty="0"/>
-          </a:p>
-          <a:p>
-            <a:pPr>
-              <a:buFont typeface="Arial" panose="020B0604020202020204" pitchFamily="34" charset="0"/>
-              <a:buChar char="•"/>
-            </a:pPr>
-            <a:r>
-              <a:rPr lang="hr-HR" dirty="0" err="1"/>
-              <a:t>TypeScript</a:t>
-            </a:r>
-            <a:r>
-              <a:rPr lang="hr-HR" dirty="0"/>
-              <a:t> omogućava kreiranje prilagođenih tipova pomoću ključne riječi</a:t>
-            </a:r>
-            <a:r>
-              <a:rPr lang="en-US" dirty="0"/>
-              <a:t> </a:t>
-            </a:r>
-            <a:r>
-              <a:rPr lang="en-US" b="1" dirty="0"/>
-              <a:t>type</a:t>
-            </a:r>
-          </a:p>
-          <a:p>
-            <a:pPr>
-              <a:buFont typeface="Arial" panose="020B0604020202020204" pitchFamily="34" charset="0"/>
-              <a:buChar char="•"/>
-            </a:pPr>
-            <a:r>
-              <a:rPr lang="hr-HR" dirty="0"/>
-              <a:t>Time jednom definirani tip možete koristiti na više mjesta u kodu, čime se smanjuje dupliciranje i povećava konzistentnost.</a:t>
-            </a:r>
-            <a:endParaRPr lang="hr-HR" b="1" dirty="0"/>
-          </a:p>
-        </p:txBody>
-      </p:sp>
+        </p:spPr>
+      </p:pic>
     </p:spTree>
     <p:extLst>
       <p:ext uri="{BB962C8B-B14F-4D97-AF65-F5344CB8AC3E}">
-        <p14:creationId xmlns:p14="http://schemas.microsoft.com/office/powerpoint/2010/main" val="3213475699"/>
+        <p14:creationId xmlns:p14="http://schemas.microsoft.com/office/powerpoint/2010/main" val="4195707806"/>
       </p:ext>
     </p:extLst>
   </p:cSld>
@@ -17610,6 +17469,244 @@
         <p:cNvPr id="1" name="">
           <a:extLst>
             <a:ext uri="{FF2B5EF4-FFF2-40B4-BE49-F238E27FC236}">
+              <a16:creationId xmlns:a16="http://schemas.microsoft.com/office/drawing/2014/main" id="{B287BB01-2487-2793-3028-79169D65CC99}"/>
+            </a:ext>
+          </a:extLst>
+        </p:cNvPr>
+        <p:cNvGrpSpPr/>
+        <p:nvPr/>
+      </p:nvGrpSpPr>
+      <p:grpSpPr>
+        <a:xfrm>
+          <a:off x="0" y="0"/>
+          <a:ext cx="0" cy="0"/>
+          <a:chOff x="0" y="0"/>
+          <a:chExt cx="0" cy="0"/>
+        </a:xfrm>
+      </p:grpSpPr>
+      <p:sp>
+        <p:nvSpPr>
+          <p:cNvPr id="4" name="Title 1">
+            <a:extLst>
+              <a:ext uri="{FF2B5EF4-FFF2-40B4-BE49-F238E27FC236}">
+                <a16:creationId xmlns:a16="http://schemas.microsoft.com/office/drawing/2014/main" id="{654673FE-F918-AFD0-5A85-FC237C45AC92}"/>
+              </a:ext>
+            </a:extLst>
+          </p:cNvPr>
+          <p:cNvSpPr txBox="1">
+            <a:spLocks/>
+          </p:cNvSpPr>
+          <p:nvPr/>
+        </p:nvSpPr>
+        <p:spPr>
+          <a:xfrm>
+            <a:off x="990600" y="383056"/>
+            <a:ext cx="10515600" cy="853976"/>
+          </a:xfrm>
+          <a:prstGeom prst="rect">
+            <a:avLst/>
+          </a:prstGeom>
+        </p:spPr>
+        <p:txBody>
+          <a:bodyPr vert="horz" lIns="91440" tIns="45720" rIns="91440" bIns="45720" rtlCol="0" anchor="ctr">
+            <a:normAutofit/>
+          </a:bodyPr>
+          <a:lstStyle>
+            <a:lvl1pPr algn="l" defTabSz="914400" rtl="0" eaLnBrk="1" latinLnBrk="0" hangingPunct="1">
+              <a:lnSpc>
+                <a:spcPct val="90000"/>
+              </a:lnSpc>
+              <a:spcBef>
+                <a:spcPct val="0"/>
+              </a:spcBef>
+              <a:buNone/>
+              <a:defRPr sz="3600" b="1" i="0" kern="1200" cap="all" baseline="0">
+                <a:solidFill>
+                  <a:schemeClr val="tx2"/>
+                </a:solidFill>
+                <a:latin typeface="+mj-lt"/>
+                <a:ea typeface="Open Sans Semibold" panose="020B0606030504020204" pitchFamily="34" charset="0"/>
+                <a:cs typeface="Open Sans Semibold" panose="020B0606030504020204" pitchFamily="34" charset="0"/>
+              </a:defRPr>
+            </a:lvl1pPr>
+          </a:lstStyle>
+          <a:p>
+            <a:r>
+              <a:rPr lang="en-US" dirty="0"/>
+              <a:t>TYPESCRIPT – ALIAS</a:t>
+            </a:r>
+            <a:endParaRPr lang="hr-HR" dirty="0"/>
+          </a:p>
+        </p:txBody>
+      </p:sp>
+      <p:sp>
+        <p:nvSpPr>
+          <p:cNvPr id="21" name="TextBox 20">
+            <a:extLst>
+              <a:ext uri="{FF2B5EF4-FFF2-40B4-BE49-F238E27FC236}">
+                <a16:creationId xmlns:a16="http://schemas.microsoft.com/office/drawing/2014/main" id="{D794E0A5-8F1C-873A-AD64-511CE43AEA25}"/>
+              </a:ext>
+            </a:extLst>
+          </p:cNvPr>
+          <p:cNvSpPr txBox="1"/>
+          <p:nvPr/>
+        </p:nvSpPr>
+        <p:spPr>
+          <a:xfrm>
+            <a:off x="814226" y="1109854"/>
+            <a:ext cx="8671239" cy="1477328"/>
+          </a:xfrm>
+          <a:prstGeom prst="rect">
+            <a:avLst/>
+          </a:prstGeom>
+          <a:noFill/>
+        </p:spPr>
+        <p:txBody>
+          <a:bodyPr wrap="square">
+            <a:spAutoFit/>
+          </a:bodyPr>
+          <a:lstStyle/>
+          <a:p>
+            <a:pPr>
+              <a:buNone/>
+            </a:pPr>
+            <a:r>
+              <a:rPr lang="hr-HR" b="1" dirty="0"/>
+              <a:t>Problem s Dugim Tip Definicijama:</a:t>
+            </a:r>
+            <a:endParaRPr lang="hr-HR" dirty="0"/>
+          </a:p>
+          <a:p>
+            <a:pPr>
+              <a:buFont typeface="Arial" panose="020B0604020202020204" pitchFamily="34" charset="0"/>
+              <a:buChar char="•"/>
+            </a:pPr>
+            <a:r>
+              <a:rPr lang="hr-HR" dirty="0"/>
+              <a:t>Kombinacija </a:t>
+            </a:r>
+            <a:r>
+              <a:rPr lang="hr-HR" dirty="0" err="1"/>
+              <a:t>literalnih</a:t>
+            </a:r>
+            <a:r>
+              <a:rPr lang="hr-HR" dirty="0"/>
+              <a:t> i unijskih tipova može rezultirati vrlo dugim i ne preglednim tip definicijama.</a:t>
+            </a:r>
+          </a:p>
+          <a:p>
+            <a:pPr>
+              <a:buFont typeface="Arial" panose="020B0604020202020204" pitchFamily="34" charset="0"/>
+              <a:buChar char="•"/>
+            </a:pPr>
+            <a:r>
+              <a:rPr lang="hr-HR" dirty="0"/>
+              <a:t>Kopiranje iste definicije na više mjesta povećava rizik od grešaka ako se kasnije nešto promijeni.</a:t>
+            </a:r>
+          </a:p>
+        </p:txBody>
+      </p:sp>
+      <p:sp>
+        <p:nvSpPr>
+          <p:cNvPr id="2" name="TextBox 1">
+            <a:extLst>
+              <a:ext uri="{FF2B5EF4-FFF2-40B4-BE49-F238E27FC236}">
+                <a16:creationId xmlns:a16="http://schemas.microsoft.com/office/drawing/2014/main" id="{2504EAE6-3C6F-B3BF-74BE-C7E998C5E9AC}"/>
+              </a:ext>
+            </a:extLst>
+          </p:cNvPr>
+          <p:cNvSpPr txBox="1"/>
+          <p:nvPr/>
+        </p:nvSpPr>
+        <p:spPr>
+          <a:xfrm>
+            <a:off x="833719" y="2979412"/>
+            <a:ext cx="8671239" cy="1200329"/>
+          </a:xfrm>
+          <a:prstGeom prst="rect">
+            <a:avLst/>
+          </a:prstGeom>
+          <a:noFill/>
+        </p:spPr>
+        <p:txBody>
+          <a:bodyPr wrap="square">
+            <a:spAutoFit/>
+          </a:bodyPr>
+          <a:lstStyle/>
+          <a:p>
+            <a:pPr>
+              <a:buNone/>
+            </a:pPr>
+            <a:r>
+              <a:rPr lang="hr-HR" b="1" dirty="0"/>
+              <a:t>Rješenje: </a:t>
+            </a:r>
+            <a:r>
+              <a:rPr lang="hr-HR" b="1" dirty="0" err="1"/>
+              <a:t>Type</a:t>
+            </a:r>
+            <a:r>
+              <a:rPr lang="hr-HR" b="1" dirty="0"/>
+              <a:t> Alias (Tip Prečac):</a:t>
+            </a:r>
+            <a:endParaRPr lang="hr-HR" dirty="0"/>
+          </a:p>
+          <a:p>
+            <a:pPr>
+              <a:buFont typeface="Arial" panose="020B0604020202020204" pitchFamily="34" charset="0"/>
+              <a:buChar char="•"/>
+            </a:pPr>
+            <a:r>
+              <a:rPr lang="hr-HR" dirty="0" err="1"/>
+              <a:t>TypeScript</a:t>
+            </a:r>
+            <a:r>
+              <a:rPr lang="hr-HR" dirty="0"/>
+              <a:t> omogućava kreiranje prilagođenih tipova pomoću ključne riječi</a:t>
+            </a:r>
+            <a:r>
+              <a:rPr lang="en-US" dirty="0"/>
+              <a:t> </a:t>
+            </a:r>
+            <a:r>
+              <a:rPr lang="en-US" b="1" dirty="0"/>
+              <a:t>type</a:t>
+            </a:r>
+          </a:p>
+          <a:p>
+            <a:pPr>
+              <a:buFont typeface="Arial" panose="020B0604020202020204" pitchFamily="34" charset="0"/>
+              <a:buChar char="•"/>
+            </a:pPr>
+            <a:r>
+              <a:rPr lang="hr-HR" dirty="0"/>
+              <a:t>Time jednom definirani tip možete koristiti na više mjesta u kodu, čime se smanjuje dupliciranje i povećava konzistentnost.</a:t>
+            </a:r>
+            <a:endParaRPr lang="hr-HR" b="1" dirty="0"/>
+          </a:p>
+        </p:txBody>
+      </p:sp>
+    </p:spTree>
+    <p:extLst>
+      <p:ext uri="{BB962C8B-B14F-4D97-AF65-F5344CB8AC3E}">
+        <p14:creationId xmlns:p14="http://schemas.microsoft.com/office/powerpoint/2010/main" val="3213475699"/>
+      </p:ext>
+    </p:extLst>
+  </p:cSld>
+  <p:clrMapOvr>
+    <a:masterClrMapping/>
+  </p:clrMapOvr>
+</p:sld>
+</file>
+
+<file path=ppt/slides/slide21.xml><?xml version="1.0" encoding="utf-8"?>
+<p:sld xmlns:a="http://schemas.openxmlformats.org/drawingml/2006/main" xmlns:r="http://schemas.openxmlformats.org/officeDocument/2006/relationships" xmlns:p="http://schemas.openxmlformats.org/presentationml/2006/main">
+  <p:cSld>
+    <p:spTree>
+      <p:nvGrpSpPr>
+        <p:cNvPr id="1" name="">
+          <a:extLst>
+            <a:ext uri="{FF2B5EF4-FFF2-40B4-BE49-F238E27FC236}">
               <a16:creationId xmlns:a16="http://schemas.microsoft.com/office/drawing/2014/main" id="{100FECCE-2513-9065-089D-C3534A2DA5B8}"/>
             </a:ext>
           </a:extLst>
@@ -17813,7 +17910,7 @@
 </p:sld>
 </file>
 
-<file path=ppt/slides/slide21.xml><?xml version="1.0" encoding="utf-8"?>
+<file path=ppt/slides/slide22.xml><?xml version="1.0" encoding="utf-8"?>
 <p:sld xmlns:a="http://schemas.openxmlformats.org/drawingml/2006/main" xmlns:r="http://schemas.openxmlformats.org/officeDocument/2006/relationships" xmlns:p="http://schemas.openxmlformats.org/presentationml/2006/main">
   <p:cSld>
     <p:spTree>
@@ -17994,7 +18091,7 @@
 </p:sld>
 </file>
 
-<file path=ppt/slides/slide22.xml><?xml version="1.0" encoding="utf-8"?>
+<file path=ppt/slides/slide23.xml><?xml version="1.0" encoding="utf-8"?>
 <p:sld xmlns:a="http://schemas.openxmlformats.org/drawingml/2006/main" xmlns:r="http://schemas.openxmlformats.org/officeDocument/2006/relationships" xmlns:p="http://schemas.openxmlformats.org/presentationml/2006/main">
   <p:cSld>
     <p:spTree>
@@ -18157,7 +18254,7 @@
 </p:sld>
 </file>
 
-<file path=ppt/slides/slide23.xml><?xml version="1.0" encoding="utf-8"?>
+<file path=ppt/slides/slide24.xml><?xml version="1.0" encoding="utf-8"?>
 <p:sld xmlns:a="http://schemas.openxmlformats.org/drawingml/2006/main" xmlns:r="http://schemas.openxmlformats.org/officeDocument/2006/relationships" xmlns:p="http://schemas.openxmlformats.org/presentationml/2006/main">
   <p:cSld>
     <p:spTree>
@@ -18328,7 +18425,7 @@
 </p:sld>
 </file>
 
-<file path=ppt/slides/slide24.xml><?xml version="1.0" encoding="utf-8"?>
+<file path=ppt/slides/slide25.xml><?xml version="1.0" encoding="utf-8"?>
 <p:sld xmlns:a="http://schemas.openxmlformats.org/drawingml/2006/main" xmlns:r="http://schemas.openxmlformats.org/officeDocument/2006/relationships" xmlns:p="http://schemas.openxmlformats.org/presentationml/2006/main">
   <p:cSld>
     <p:spTree>
@@ -18509,7 +18606,7 @@
 </p:sld>
 </file>
 
-<file path=ppt/slides/slide25.xml><?xml version="1.0" encoding="utf-8"?>
+<file path=ppt/slides/slide26.xml><?xml version="1.0" encoding="utf-8"?>
 <p:sld xmlns:a="http://schemas.openxmlformats.org/drawingml/2006/main" xmlns:r="http://schemas.openxmlformats.org/officeDocument/2006/relationships" xmlns:p="http://schemas.openxmlformats.org/presentationml/2006/main">
   <p:cSld>
     <p:spTree>
@@ -18744,7 +18841,7 @@
 </p:sld>
 </file>
 
-<file path=ppt/slides/slide26.xml><?xml version="1.0" encoding="utf-8"?>
+<file path=ppt/slides/slide27.xml><?xml version="1.0" encoding="utf-8"?>
 <p:sld xmlns:a="http://schemas.openxmlformats.org/drawingml/2006/main" xmlns:r="http://schemas.openxmlformats.org/officeDocument/2006/relationships" xmlns:p="http://schemas.openxmlformats.org/presentationml/2006/main">
   <p:cSld>
     <p:spTree>
@@ -19019,7 +19116,7 @@
 </p:sld>
 </file>
 
-<file path=ppt/slides/slide27.xml><?xml version="1.0" encoding="utf-8"?>
+<file path=ppt/slides/slide28.xml><?xml version="1.0" encoding="utf-8"?>
 <p:sld xmlns:a="http://schemas.openxmlformats.org/drawingml/2006/main" xmlns:r="http://schemas.openxmlformats.org/officeDocument/2006/relationships" xmlns:p="http://schemas.openxmlformats.org/presentationml/2006/main">
   <p:cSld>
     <p:spTree>
@@ -19254,7 +19351,7 @@
 </p:sld>
 </file>
 
-<file path=ppt/slides/slide28.xml><?xml version="1.0" encoding="utf-8"?>
+<file path=ppt/slides/slide29.xml><?xml version="1.0" encoding="utf-8"?>
 <p:sld xmlns:a="http://schemas.openxmlformats.org/drawingml/2006/main" xmlns:r="http://schemas.openxmlformats.org/officeDocument/2006/relationships" xmlns:p="http://schemas.openxmlformats.org/presentationml/2006/main">
   <p:cSld>
     <p:spTree>
@@ -19562,217 +19659,6 @@
     <p:extLst>
       <p:ext uri="{BB962C8B-B14F-4D97-AF65-F5344CB8AC3E}">
         <p14:creationId xmlns:p14="http://schemas.microsoft.com/office/powerpoint/2010/main" val="714075796"/>
-      </p:ext>
-    </p:extLst>
-  </p:cSld>
-  <p:clrMapOvr>
-    <a:masterClrMapping/>
-  </p:clrMapOvr>
-</p:sld>
-</file>
-
-<file path=ppt/slides/slide29.xml><?xml version="1.0" encoding="utf-8"?>
-<p:sld xmlns:a="http://schemas.openxmlformats.org/drawingml/2006/main" xmlns:r="http://schemas.openxmlformats.org/officeDocument/2006/relationships" xmlns:p="http://schemas.openxmlformats.org/presentationml/2006/main">
-  <p:cSld>
-    <p:spTree>
-      <p:nvGrpSpPr>
-        <p:cNvPr id="1" name="">
-          <a:extLst>
-            <a:ext uri="{FF2B5EF4-FFF2-40B4-BE49-F238E27FC236}">
-              <a16:creationId xmlns:a16="http://schemas.microsoft.com/office/drawing/2014/main" id="{BE3CD824-BE79-8C1F-8F22-F7291477C9A5}"/>
-            </a:ext>
-          </a:extLst>
-        </p:cNvPr>
-        <p:cNvGrpSpPr/>
-        <p:nvPr/>
-      </p:nvGrpSpPr>
-      <p:grpSpPr>
-        <a:xfrm>
-          <a:off x="0" y="0"/>
-          <a:ext cx="0" cy="0"/>
-          <a:chOff x="0" y="0"/>
-          <a:chExt cx="0" cy="0"/>
-        </a:xfrm>
-      </p:grpSpPr>
-      <p:sp>
-        <p:nvSpPr>
-          <p:cNvPr id="4" name="Title 1">
-            <a:extLst>
-              <a:ext uri="{FF2B5EF4-FFF2-40B4-BE49-F238E27FC236}">
-                <a16:creationId xmlns:a16="http://schemas.microsoft.com/office/drawing/2014/main" id="{CAE27AEB-44C2-51AE-887A-AF84BF59B727}"/>
-              </a:ext>
-            </a:extLst>
-          </p:cNvPr>
-          <p:cNvSpPr txBox="1">
-            <a:spLocks/>
-          </p:cNvSpPr>
-          <p:nvPr/>
-        </p:nvSpPr>
-        <p:spPr>
-          <a:xfrm>
-            <a:off x="990600" y="383056"/>
-            <a:ext cx="10515600" cy="853976"/>
-          </a:xfrm>
-          <a:prstGeom prst="rect">
-            <a:avLst/>
-          </a:prstGeom>
-        </p:spPr>
-        <p:txBody>
-          <a:bodyPr vert="horz" lIns="91440" tIns="45720" rIns="91440" bIns="45720" rtlCol="0" anchor="ctr">
-            <a:normAutofit/>
-          </a:bodyPr>
-          <a:lstStyle>
-            <a:lvl1pPr algn="l" defTabSz="914400" rtl="0" eaLnBrk="1" latinLnBrk="0" hangingPunct="1">
-              <a:lnSpc>
-                <a:spcPct val="90000"/>
-              </a:lnSpc>
-              <a:spcBef>
-                <a:spcPct val="0"/>
-              </a:spcBef>
-              <a:buNone/>
-              <a:defRPr sz="3600" b="1" i="0" kern="1200" cap="all" baseline="0">
-                <a:solidFill>
-                  <a:schemeClr val="tx2"/>
-                </a:solidFill>
-                <a:latin typeface="+mj-lt"/>
-                <a:ea typeface="Open Sans Semibold" panose="020B0606030504020204" pitchFamily="34" charset="0"/>
-                <a:cs typeface="Open Sans Semibold" panose="020B0606030504020204" pitchFamily="34" charset="0"/>
-              </a:defRPr>
-            </a:lvl1pPr>
-          </a:lstStyle>
-          <a:p>
-            <a:r>
-              <a:rPr lang="en-US" dirty="0"/>
-              <a:t>TYPESCRIPT – CONFIG COMPILING</a:t>
-            </a:r>
-            <a:endParaRPr lang="hr-HR" dirty="0"/>
-          </a:p>
-        </p:txBody>
-      </p:sp>
-      <p:pic>
-        <p:nvPicPr>
-          <p:cNvPr id="5" name="Picture 4">
-            <a:extLst>
-              <a:ext uri="{FF2B5EF4-FFF2-40B4-BE49-F238E27FC236}">
-                <a16:creationId xmlns:a16="http://schemas.microsoft.com/office/drawing/2014/main" id="{F7A489E2-B929-E3E1-0CEC-3B9B2997CE33}"/>
-              </a:ext>
-            </a:extLst>
-          </p:cNvPr>
-          <p:cNvPicPr>
-            <a:picLocks noChangeAspect="1"/>
-          </p:cNvPicPr>
-          <p:nvPr/>
-        </p:nvPicPr>
-        <p:blipFill>
-          <a:blip r:embed="rId3"/>
-          <a:stretch>
-            <a:fillRect/>
-          </a:stretch>
-        </p:blipFill>
-        <p:spPr>
-          <a:xfrm>
-            <a:off x="1104823" y="2073126"/>
-            <a:ext cx="1810926" cy="2016421"/>
-          </a:xfrm>
-          <a:prstGeom prst="rect">
-            <a:avLst/>
-          </a:prstGeom>
-        </p:spPr>
-      </p:pic>
-      <p:pic>
-        <p:nvPicPr>
-          <p:cNvPr id="8" name="Picture 7">
-            <a:extLst>
-              <a:ext uri="{FF2B5EF4-FFF2-40B4-BE49-F238E27FC236}">
-                <a16:creationId xmlns:a16="http://schemas.microsoft.com/office/drawing/2014/main" id="{2433C45E-9BBD-37F2-BE30-763EB6D9E22A}"/>
-              </a:ext>
-            </a:extLst>
-          </p:cNvPr>
-          <p:cNvPicPr>
-            <a:picLocks noChangeAspect="1"/>
-          </p:cNvPicPr>
-          <p:nvPr/>
-        </p:nvPicPr>
-        <p:blipFill>
-          <a:blip r:embed="rId4"/>
-          <a:stretch>
-            <a:fillRect/>
-          </a:stretch>
-        </p:blipFill>
-        <p:spPr>
-          <a:xfrm>
-            <a:off x="1104823" y="1545154"/>
-            <a:ext cx="1962150" cy="333375"/>
-          </a:xfrm>
-          <a:prstGeom prst="rect">
-            <a:avLst/>
-          </a:prstGeom>
-        </p:spPr>
-      </p:pic>
-      <p:pic>
-        <p:nvPicPr>
-          <p:cNvPr id="11" name="Picture 10">
-            <a:extLst>
-              <a:ext uri="{FF2B5EF4-FFF2-40B4-BE49-F238E27FC236}">
-                <a16:creationId xmlns:a16="http://schemas.microsoft.com/office/drawing/2014/main" id="{C97C592D-63D3-46FE-5E61-28EBEA0BB79F}"/>
-              </a:ext>
-            </a:extLst>
-          </p:cNvPr>
-          <p:cNvPicPr>
-            <a:picLocks noChangeAspect="1"/>
-          </p:cNvPicPr>
-          <p:nvPr/>
-        </p:nvPicPr>
-        <p:blipFill>
-          <a:blip r:embed="rId5"/>
-          <a:stretch>
-            <a:fillRect/>
-          </a:stretch>
-        </p:blipFill>
-        <p:spPr>
-          <a:xfrm>
-            <a:off x="4812450" y="2073126"/>
-            <a:ext cx="3800475" cy="695325"/>
-          </a:xfrm>
-          <a:prstGeom prst="rect">
-            <a:avLst/>
-          </a:prstGeom>
-        </p:spPr>
-      </p:pic>
-      <p:pic>
-        <p:nvPicPr>
-          <p:cNvPr id="13" name="Picture 12">
-            <a:extLst>
-              <a:ext uri="{FF2B5EF4-FFF2-40B4-BE49-F238E27FC236}">
-                <a16:creationId xmlns:a16="http://schemas.microsoft.com/office/drawing/2014/main" id="{30E7F65C-9665-60EC-D299-1E808CB6FC06}"/>
-              </a:ext>
-            </a:extLst>
-          </p:cNvPr>
-          <p:cNvPicPr>
-            <a:picLocks noChangeAspect="1"/>
-          </p:cNvPicPr>
-          <p:nvPr/>
-        </p:nvPicPr>
-        <p:blipFill>
-          <a:blip r:embed="rId6"/>
-          <a:stretch>
-            <a:fillRect/>
-          </a:stretch>
-        </p:blipFill>
-        <p:spPr>
-          <a:xfrm>
-            <a:off x="4815994" y="1545154"/>
-            <a:ext cx="1133475" cy="314325"/>
-          </a:xfrm>
-          <a:prstGeom prst="rect">
-            <a:avLst/>
-          </a:prstGeom>
-        </p:spPr>
-      </p:pic>
-    </p:spTree>
-    <p:extLst>
-      <p:ext uri="{BB962C8B-B14F-4D97-AF65-F5344CB8AC3E}">
-        <p14:creationId xmlns:p14="http://schemas.microsoft.com/office/powerpoint/2010/main" val="3681122335"/>
       </p:ext>
     </p:extLst>
   </p:cSld>
@@ -20322,6 +20208,217 @@
 </file>
 
 <file path=ppt/slides/slide30.xml><?xml version="1.0" encoding="utf-8"?>
+<p:sld xmlns:a="http://schemas.openxmlformats.org/drawingml/2006/main" xmlns:r="http://schemas.openxmlformats.org/officeDocument/2006/relationships" xmlns:p="http://schemas.openxmlformats.org/presentationml/2006/main">
+  <p:cSld>
+    <p:spTree>
+      <p:nvGrpSpPr>
+        <p:cNvPr id="1" name="">
+          <a:extLst>
+            <a:ext uri="{FF2B5EF4-FFF2-40B4-BE49-F238E27FC236}">
+              <a16:creationId xmlns:a16="http://schemas.microsoft.com/office/drawing/2014/main" id="{BE3CD824-BE79-8C1F-8F22-F7291477C9A5}"/>
+            </a:ext>
+          </a:extLst>
+        </p:cNvPr>
+        <p:cNvGrpSpPr/>
+        <p:nvPr/>
+      </p:nvGrpSpPr>
+      <p:grpSpPr>
+        <a:xfrm>
+          <a:off x="0" y="0"/>
+          <a:ext cx="0" cy="0"/>
+          <a:chOff x="0" y="0"/>
+          <a:chExt cx="0" cy="0"/>
+        </a:xfrm>
+      </p:grpSpPr>
+      <p:sp>
+        <p:nvSpPr>
+          <p:cNvPr id="4" name="Title 1">
+            <a:extLst>
+              <a:ext uri="{FF2B5EF4-FFF2-40B4-BE49-F238E27FC236}">
+                <a16:creationId xmlns:a16="http://schemas.microsoft.com/office/drawing/2014/main" id="{CAE27AEB-44C2-51AE-887A-AF84BF59B727}"/>
+              </a:ext>
+            </a:extLst>
+          </p:cNvPr>
+          <p:cNvSpPr txBox="1">
+            <a:spLocks/>
+          </p:cNvSpPr>
+          <p:nvPr/>
+        </p:nvSpPr>
+        <p:spPr>
+          <a:xfrm>
+            <a:off x="990600" y="383056"/>
+            <a:ext cx="10515600" cy="853976"/>
+          </a:xfrm>
+          <a:prstGeom prst="rect">
+            <a:avLst/>
+          </a:prstGeom>
+        </p:spPr>
+        <p:txBody>
+          <a:bodyPr vert="horz" lIns="91440" tIns="45720" rIns="91440" bIns="45720" rtlCol="0" anchor="ctr">
+            <a:normAutofit/>
+          </a:bodyPr>
+          <a:lstStyle>
+            <a:lvl1pPr algn="l" defTabSz="914400" rtl="0" eaLnBrk="1" latinLnBrk="0" hangingPunct="1">
+              <a:lnSpc>
+                <a:spcPct val="90000"/>
+              </a:lnSpc>
+              <a:spcBef>
+                <a:spcPct val="0"/>
+              </a:spcBef>
+              <a:buNone/>
+              <a:defRPr sz="3600" b="1" i="0" kern="1200" cap="all" baseline="0">
+                <a:solidFill>
+                  <a:schemeClr val="tx2"/>
+                </a:solidFill>
+                <a:latin typeface="+mj-lt"/>
+                <a:ea typeface="Open Sans Semibold" panose="020B0606030504020204" pitchFamily="34" charset="0"/>
+                <a:cs typeface="Open Sans Semibold" panose="020B0606030504020204" pitchFamily="34" charset="0"/>
+              </a:defRPr>
+            </a:lvl1pPr>
+          </a:lstStyle>
+          <a:p>
+            <a:r>
+              <a:rPr lang="en-US" dirty="0"/>
+              <a:t>TYPESCRIPT – CONFIG COMPILING</a:t>
+            </a:r>
+            <a:endParaRPr lang="hr-HR" dirty="0"/>
+          </a:p>
+        </p:txBody>
+      </p:sp>
+      <p:pic>
+        <p:nvPicPr>
+          <p:cNvPr id="5" name="Picture 4">
+            <a:extLst>
+              <a:ext uri="{FF2B5EF4-FFF2-40B4-BE49-F238E27FC236}">
+                <a16:creationId xmlns:a16="http://schemas.microsoft.com/office/drawing/2014/main" id="{F7A489E2-B929-E3E1-0CEC-3B9B2997CE33}"/>
+              </a:ext>
+            </a:extLst>
+          </p:cNvPr>
+          <p:cNvPicPr>
+            <a:picLocks noChangeAspect="1"/>
+          </p:cNvPicPr>
+          <p:nvPr/>
+        </p:nvPicPr>
+        <p:blipFill>
+          <a:blip r:embed="rId3"/>
+          <a:stretch>
+            <a:fillRect/>
+          </a:stretch>
+        </p:blipFill>
+        <p:spPr>
+          <a:xfrm>
+            <a:off x="1104823" y="2073126"/>
+            <a:ext cx="1810926" cy="2016421"/>
+          </a:xfrm>
+          <a:prstGeom prst="rect">
+            <a:avLst/>
+          </a:prstGeom>
+        </p:spPr>
+      </p:pic>
+      <p:pic>
+        <p:nvPicPr>
+          <p:cNvPr id="8" name="Picture 7">
+            <a:extLst>
+              <a:ext uri="{FF2B5EF4-FFF2-40B4-BE49-F238E27FC236}">
+                <a16:creationId xmlns:a16="http://schemas.microsoft.com/office/drawing/2014/main" id="{2433C45E-9BBD-37F2-BE30-763EB6D9E22A}"/>
+              </a:ext>
+            </a:extLst>
+          </p:cNvPr>
+          <p:cNvPicPr>
+            <a:picLocks noChangeAspect="1"/>
+          </p:cNvPicPr>
+          <p:nvPr/>
+        </p:nvPicPr>
+        <p:blipFill>
+          <a:blip r:embed="rId4"/>
+          <a:stretch>
+            <a:fillRect/>
+          </a:stretch>
+        </p:blipFill>
+        <p:spPr>
+          <a:xfrm>
+            <a:off x="1104823" y="1545154"/>
+            <a:ext cx="1962150" cy="333375"/>
+          </a:xfrm>
+          <a:prstGeom prst="rect">
+            <a:avLst/>
+          </a:prstGeom>
+        </p:spPr>
+      </p:pic>
+      <p:pic>
+        <p:nvPicPr>
+          <p:cNvPr id="11" name="Picture 10">
+            <a:extLst>
+              <a:ext uri="{FF2B5EF4-FFF2-40B4-BE49-F238E27FC236}">
+                <a16:creationId xmlns:a16="http://schemas.microsoft.com/office/drawing/2014/main" id="{C97C592D-63D3-46FE-5E61-28EBEA0BB79F}"/>
+              </a:ext>
+            </a:extLst>
+          </p:cNvPr>
+          <p:cNvPicPr>
+            <a:picLocks noChangeAspect="1"/>
+          </p:cNvPicPr>
+          <p:nvPr/>
+        </p:nvPicPr>
+        <p:blipFill>
+          <a:blip r:embed="rId5"/>
+          <a:stretch>
+            <a:fillRect/>
+          </a:stretch>
+        </p:blipFill>
+        <p:spPr>
+          <a:xfrm>
+            <a:off x="4812450" y="2073126"/>
+            <a:ext cx="3800475" cy="695325"/>
+          </a:xfrm>
+          <a:prstGeom prst="rect">
+            <a:avLst/>
+          </a:prstGeom>
+        </p:spPr>
+      </p:pic>
+      <p:pic>
+        <p:nvPicPr>
+          <p:cNvPr id="13" name="Picture 12">
+            <a:extLst>
+              <a:ext uri="{FF2B5EF4-FFF2-40B4-BE49-F238E27FC236}">
+                <a16:creationId xmlns:a16="http://schemas.microsoft.com/office/drawing/2014/main" id="{30E7F65C-9665-60EC-D299-1E808CB6FC06}"/>
+              </a:ext>
+            </a:extLst>
+          </p:cNvPr>
+          <p:cNvPicPr>
+            <a:picLocks noChangeAspect="1"/>
+          </p:cNvPicPr>
+          <p:nvPr/>
+        </p:nvPicPr>
+        <p:blipFill>
+          <a:blip r:embed="rId6"/>
+          <a:stretch>
+            <a:fillRect/>
+          </a:stretch>
+        </p:blipFill>
+        <p:spPr>
+          <a:xfrm>
+            <a:off x="4815994" y="1545154"/>
+            <a:ext cx="1133475" cy="314325"/>
+          </a:xfrm>
+          <a:prstGeom prst="rect">
+            <a:avLst/>
+          </a:prstGeom>
+        </p:spPr>
+      </p:pic>
+    </p:spTree>
+    <p:extLst>
+      <p:ext uri="{BB962C8B-B14F-4D97-AF65-F5344CB8AC3E}">
+        <p14:creationId xmlns:p14="http://schemas.microsoft.com/office/powerpoint/2010/main" val="3681122335"/>
+      </p:ext>
+    </p:extLst>
+  </p:cSld>
+  <p:clrMapOvr>
+    <a:masterClrMapping/>
+  </p:clrMapOvr>
+</p:sld>
+</file>
+
+<file path=ppt/slides/slide31.xml><?xml version="1.0" encoding="utf-8"?>
 <p:sld xmlns:a="http://schemas.openxmlformats.org/drawingml/2006/main" xmlns:r="http://schemas.openxmlformats.org/officeDocument/2006/relationships" xmlns:p="http://schemas.openxmlformats.org/presentationml/2006/main">
   <p:cSld>
     <p:spTree>
@@ -21459,7 +21556,7 @@
         <p:cNvPr id="1" name="">
           <a:extLst>
             <a:ext uri="{FF2B5EF4-FFF2-40B4-BE49-F238E27FC236}">
-              <a16:creationId xmlns:a16="http://schemas.microsoft.com/office/drawing/2014/main" id="{F651ABC9-FB54-1445-BB34-85E848B73ECA}"/>
+              <a16:creationId xmlns:a16="http://schemas.microsoft.com/office/drawing/2014/main" id="{3F1E6E11-C6BC-2E03-884C-C640F1462EF7}"/>
             </a:ext>
           </a:extLst>
         </p:cNvPr>
@@ -21479,7 +21576,7 @@
           <p:cNvPr id="4" name="Title 1">
             <a:extLst>
               <a:ext uri="{FF2B5EF4-FFF2-40B4-BE49-F238E27FC236}">
-                <a16:creationId xmlns:a16="http://schemas.microsoft.com/office/drawing/2014/main" id="{25189367-5A0F-B608-8F2C-CD1F21948F67}"/>
+                <a16:creationId xmlns:a16="http://schemas.microsoft.com/office/drawing/2014/main" id="{3EC107ED-FB57-13BF-AE2F-B581F634A0A3}"/>
               </a:ext>
             </a:extLst>
           </p:cNvPr>
@@ -21541,7 +21638,7 @@
           <p:cNvPr id="13" name="Content Placeholder 2">
             <a:extLst>
               <a:ext uri="{FF2B5EF4-FFF2-40B4-BE49-F238E27FC236}">
-                <a16:creationId xmlns:a16="http://schemas.microsoft.com/office/drawing/2014/main" id="{585B0714-1441-19B9-D0F5-68AA555AE560}"/>
+                <a16:creationId xmlns:a16="http://schemas.microsoft.com/office/drawing/2014/main" id="{CA6A9BFA-35C6-22A7-6317-42E3B4EB0019}"/>
               </a:ext>
             </a:extLst>
           </p:cNvPr>
@@ -21554,6 +21651,422 @@
           <a:xfrm>
             <a:off x="1114102" y="4077286"/>
             <a:ext cx="6226442" cy="426237"/>
+          </a:xfrm>
+          <a:prstGeom prst="rect">
+            <a:avLst/>
+          </a:prstGeom>
+        </p:spPr>
+        <p:txBody>
+          <a:bodyPr vert="horz" lIns="91440" tIns="45720" rIns="91440" bIns="45720" rtlCol="0">
+            <a:normAutofit fontScale="92500"/>
+          </a:bodyPr>
+          <a:lstStyle>
+            <a:lvl1pPr marL="368300" indent="-352425" algn="l" defTabSz="914400" rtl="0" eaLnBrk="1" latinLnBrk="0" hangingPunct="1">
+              <a:lnSpc>
+                <a:spcPct val="90000"/>
+              </a:lnSpc>
+              <a:spcBef>
+                <a:spcPts val="600"/>
+              </a:spcBef>
+              <a:spcAft>
+                <a:spcPts val="600"/>
+              </a:spcAft>
+              <a:buClr>
+                <a:schemeClr val="accent2"/>
+              </a:buClr>
+              <a:buFont typeface="Wingdings" pitchFamily="2" charset="2"/>
+              <a:buChar char="§"/>
+              <a:tabLst/>
+              <a:defRPr sz="2400" kern="1200">
+                <a:solidFill>
+                  <a:schemeClr val="tx1"/>
+                </a:solidFill>
+                <a:latin typeface="+mn-lt"/>
+                <a:ea typeface="Open Sans" panose="020B0606030504020204" pitchFamily="34" charset="0"/>
+                <a:cs typeface="Open Sans" panose="020B0606030504020204" pitchFamily="34" charset="0"/>
+              </a:defRPr>
+            </a:lvl1pPr>
+            <a:lvl2pPr marL="771525" indent="-274638" algn="l" defTabSz="914400" rtl="0" eaLnBrk="1" latinLnBrk="0" hangingPunct="1">
+              <a:lnSpc>
+                <a:spcPct val="90000"/>
+              </a:lnSpc>
+              <a:spcBef>
+                <a:spcPts val="600"/>
+              </a:spcBef>
+              <a:spcAft>
+                <a:spcPts val="600"/>
+              </a:spcAft>
+              <a:buClr>
+                <a:schemeClr val="accent2"/>
+              </a:buClr>
+              <a:buFont typeface="Wingdings" pitchFamily="2" charset="2"/>
+              <a:buChar char="§"/>
+              <a:tabLst/>
+              <a:defRPr sz="2200" kern="1200">
+                <a:solidFill>
+                  <a:schemeClr val="tx1"/>
+                </a:solidFill>
+                <a:latin typeface="+mn-lt"/>
+                <a:ea typeface="Open Sans" panose="020B0606030504020204" pitchFamily="34" charset="0"/>
+                <a:cs typeface="Open Sans" panose="020B0606030504020204" pitchFamily="34" charset="0"/>
+              </a:defRPr>
+            </a:lvl2pPr>
+            <a:lvl3pPr marL="1143000" indent="-228600" algn="l" defTabSz="914400" rtl="0" eaLnBrk="1" latinLnBrk="0" hangingPunct="1">
+              <a:lnSpc>
+                <a:spcPct val="90000"/>
+              </a:lnSpc>
+              <a:spcBef>
+                <a:spcPts val="600"/>
+              </a:spcBef>
+              <a:spcAft>
+                <a:spcPts val="600"/>
+              </a:spcAft>
+              <a:buClr>
+                <a:schemeClr val="accent2"/>
+              </a:buClr>
+              <a:buFont typeface="Wingdings" pitchFamily="2" charset="2"/>
+              <a:buChar char="§"/>
+              <a:defRPr sz="2000" kern="1200">
+                <a:solidFill>
+                  <a:schemeClr val="tx1"/>
+                </a:solidFill>
+                <a:latin typeface="+mn-lt"/>
+                <a:ea typeface="Open Sans" panose="020B0606030504020204" pitchFamily="34" charset="0"/>
+                <a:cs typeface="Open Sans" panose="020B0606030504020204" pitchFamily="34" charset="0"/>
+              </a:defRPr>
+            </a:lvl3pPr>
+            <a:lvl4pPr marL="1600200" indent="-228600" algn="l" defTabSz="914400" rtl="0" eaLnBrk="1" latinLnBrk="0" hangingPunct="1">
+              <a:lnSpc>
+                <a:spcPct val="90000"/>
+              </a:lnSpc>
+              <a:spcBef>
+                <a:spcPts val="600"/>
+              </a:spcBef>
+              <a:spcAft>
+                <a:spcPts val="600"/>
+              </a:spcAft>
+              <a:buClr>
+                <a:schemeClr val="accent2"/>
+              </a:buClr>
+              <a:buFont typeface="Wingdings" pitchFamily="2" charset="2"/>
+              <a:buChar char="§"/>
+              <a:defRPr sz="1800" kern="1200">
+                <a:solidFill>
+                  <a:schemeClr val="tx1"/>
+                </a:solidFill>
+                <a:latin typeface="+mn-lt"/>
+                <a:ea typeface="Open Sans" panose="020B0606030504020204" pitchFamily="34" charset="0"/>
+                <a:cs typeface="Open Sans" panose="020B0606030504020204" pitchFamily="34" charset="0"/>
+              </a:defRPr>
+            </a:lvl4pPr>
+            <a:lvl5pPr marL="1960563" indent="-225425" algn="l" defTabSz="914400" rtl="0" eaLnBrk="1" latinLnBrk="0" hangingPunct="1">
+              <a:lnSpc>
+                <a:spcPct val="90000"/>
+              </a:lnSpc>
+              <a:spcBef>
+                <a:spcPts val="600"/>
+              </a:spcBef>
+              <a:spcAft>
+                <a:spcPts val="600"/>
+              </a:spcAft>
+              <a:buClr>
+                <a:schemeClr val="accent2"/>
+              </a:buClr>
+              <a:buFont typeface="Wingdings" pitchFamily="2" charset="2"/>
+              <a:buChar char="§"/>
+              <a:tabLst/>
+              <a:defRPr sz="1600" kern="1200">
+                <a:solidFill>
+                  <a:schemeClr val="tx1"/>
+                </a:solidFill>
+                <a:latin typeface="+mn-lt"/>
+                <a:ea typeface="Open Sans" panose="020B0606030504020204" pitchFamily="34" charset="0"/>
+                <a:cs typeface="Open Sans" panose="020B0606030504020204" pitchFamily="34" charset="0"/>
+              </a:defRPr>
+            </a:lvl5pPr>
+            <a:lvl6pPr marL="2514600" indent="-228600" algn="l" defTabSz="914400" rtl="0" eaLnBrk="1" latinLnBrk="0" hangingPunct="1">
+              <a:lnSpc>
+                <a:spcPct val="90000"/>
+              </a:lnSpc>
+              <a:spcBef>
+                <a:spcPts val="500"/>
+              </a:spcBef>
+              <a:buFont typeface="Arial" panose="020B0604020202020204" pitchFamily="34" charset="0"/>
+              <a:buChar char="•"/>
+              <a:defRPr sz="1800" kern="1200">
+                <a:solidFill>
+                  <a:schemeClr val="tx1"/>
+                </a:solidFill>
+                <a:latin typeface="+mn-lt"/>
+                <a:ea typeface="+mn-ea"/>
+                <a:cs typeface="+mn-cs"/>
+              </a:defRPr>
+            </a:lvl6pPr>
+            <a:lvl7pPr marL="2971800" indent="-228600" algn="l" defTabSz="914400" rtl="0" eaLnBrk="1" latinLnBrk="0" hangingPunct="1">
+              <a:lnSpc>
+                <a:spcPct val="90000"/>
+              </a:lnSpc>
+              <a:spcBef>
+                <a:spcPts val="500"/>
+              </a:spcBef>
+              <a:buFont typeface="Arial" panose="020B0604020202020204" pitchFamily="34" charset="0"/>
+              <a:buChar char="•"/>
+              <a:defRPr sz="1800" kern="1200">
+                <a:solidFill>
+                  <a:schemeClr val="tx1"/>
+                </a:solidFill>
+                <a:latin typeface="+mn-lt"/>
+                <a:ea typeface="+mn-ea"/>
+                <a:cs typeface="+mn-cs"/>
+              </a:defRPr>
+            </a:lvl7pPr>
+            <a:lvl8pPr marL="3429000" indent="-228600" algn="l" defTabSz="914400" rtl="0" eaLnBrk="1" latinLnBrk="0" hangingPunct="1">
+              <a:lnSpc>
+                <a:spcPct val="90000"/>
+              </a:lnSpc>
+              <a:spcBef>
+                <a:spcPts val="500"/>
+              </a:spcBef>
+              <a:buFont typeface="Arial" panose="020B0604020202020204" pitchFamily="34" charset="0"/>
+              <a:buChar char="•"/>
+              <a:defRPr sz="1800" kern="1200">
+                <a:solidFill>
+                  <a:schemeClr val="tx1"/>
+                </a:solidFill>
+                <a:latin typeface="+mn-lt"/>
+                <a:ea typeface="+mn-ea"/>
+                <a:cs typeface="+mn-cs"/>
+              </a:defRPr>
+            </a:lvl8pPr>
+            <a:lvl9pPr marL="3886200" indent="-228600" algn="l" defTabSz="914400" rtl="0" eaLnBrk="1" latinLnBrk="0" hangingPunct="1">
+              <a:lnSpc>
+                <a:spcPct val="90000"/>
+              </a:lnSpc>
+              <a:spcBef>
+                <a:spcPts val="500"/>
+              </a:spcBef>
+              <a:buFont typeface="Arial" panose="020B0604020202020204" pitchFamily="34" charset="0"/>
+              <a:buChar char="•"/>
+              <a:defRPr sz="1800" kern="1200">
+                <a:solidFill>
+                  <a:schemeClr val="tx1"/>
+                </a:solidFill>
+                <a:latin typeface="+mn-lt"/>
+                <a:ea typeface="+mn-ea"/>
+                <a:cs typeface="+mn-cs"/>
+              </a:defRPr>
+            </a:lvl9pPr>
+          </a:lstStyle>
+          <a:p>
+            <a:pPr>
+              <a:buNone/>
+            </a:pPr>
+            <a:r>
+              <a:rPr lang="hr-HR" sz="1100" dirty="0"/>
+              <a:t>👉 </a:t>
+            </a:r>
+            <a:r>
+              <a:rPr lang="en-US" sz="1400" dirty="0"/>
+              <a:t>Ova </a:t>
+            </a:r>
+            <a:r>
+              <a:rPr lang="en-US" sz="1400" dirty="0" err="1"/>
+              <a:t>komanda</a:t>
+            </a:r>
+            <a:r>
+              <a:rPr lang="en-US" sz="1400" dirty="0"/>
+              <a:t> </a:t>
+            </a:r>
+            <a:r>
+              <a:rPr lang="en-US" sz="1400" dirty="0" err="1"/>
+              <a:t>ce</a:t>
+            </a:r>
+            <a:r>
+              <a:rPr lang="en-US" sz="1400" dirty="0"/>
+              <a:t> </a:t>
+            </a:r>
+            <a:r>
+              <a:rPr lang="en-US" sz="1400" dirty="0" err="1"/>
+              <a:t>izgenerirati</a:t>
+            </a:r>
+            <a:r>
+              <a:rPr lang="en-US" sz="1400" dirty="0"/>
+              <a:t> .</a:t>
+            </a:r>
+            <a:r>
+              <a:rPr lang="en-US" sz="1400" dirty="0" err="1"/>
+              <a:t>js</a:t>
+            </a:r>
+            <a:r>
+              <a:rPr lang="en-US" sz="1400" dirty="0"/>
+              <a:t> file koji je </a:t>
+            </a:r>
+            <a:r>
+              <a:rPr lang="en-US" sz="1400" dirty="0" err="1"/>
+              <a:t>povezan</a:t>
+            </a:r>
+            <a:r>
+              <a:rPr lang="en-US" sz="1400" dirty="0"/>
+              <a:t> </a:t>
+            </a:r>
+            <a:r>
+              <a:rPr lang="en-US" sz="1400" dirty="0" err="1"/>
+              <a:t>sa</a:t>
+            </a:r>
+            <a:r>
+              <a:rPr lang="en-US" sz="1400" dirty="0"/>
+              <a:t> </a:t>
+            </a:r>
+            <a:r>
+              <a:rPr lang="en-US" sz="1400" dirty="0" err="1"/>
+              <a:t>nasim</a:t>
+            </a:r>
+            <a:r>
+              <a:rPr lang="en-US" sz="1400" dirty="0"/>
+              <a:t> index.html</a:t>
+            </a:r>
+            <a:endParaRPr lang="hr-HR" sz="1400" dirty="0"/>
+          </a:p>
+        </p:txBody>
+      </p:sp>
+      <p:pic>
+        <p:nvPicPr>
+          <p:cNvPr id="5" name="Picture 4">
+            <a:extLst>
+              <a:ext uri="{FF2B5EF4-FFF2-40B4-BE49-F238E27FC236}">
+                <a16:creationId xmlns:a16="http://schemas.microsoft.com/office/drawing/2014/main" id="{2791CEB4-F467-7958-CDE7-DEBEBEFBE5EC}"/>
+              </a:ext>
+            </a:extLst>
+          </p:cNvPr>
+          <p:cNvPicPr>
+            <a:picLocks noChangeAspect="1"/>
+          </p:cNvPicPr>
+          <p:nvPr/>
+        </p:nvPicPr>
+        <p:blipFill>
+          <a:blip r:embed="rId3"/>
+          <a:stretch>
+            <a:fillRect/>
+          </a:stretch>
+        </p:blipFill>
+        <p:spPr>
+          <a:xfrm>
+            <a:off x="1114102" y="1214425"/>
+            <a:ext cx="5038725" cy="2129039"/>
+          </a:xfrm>
+          <a:prstGeom prst="rect">
+            <a:avLst/>
+          </a:prstGeom>
+        </p:spPr>
+      </p:pic>
+      <p:pic>
+        <p:nvPicPr>
+          <p:cNvPr id="7" name="Picture 6">
+            <a:extLst>
+              <a:ext uri="{FF2B5EF4-FFF2-40B4-BE49-F238E27FC236}">
+                <a16:creationId xmlns:a16="http://schemas.microsoft.com/office/drawing/2014/main" id="{1F281F2E-1D9C-5C01-318A-53BFBA1AA8EB}"/>
+              </a:ext>
+            </a:extLst>
+          </p:cNvPr>
+          <p:cNvPicPr>
+            <a:picLocks noChangeAspect="1"/>
+          </p:cNvPicPr>
+          <p:nvPr/>
+        </p:nvPicPr>
+        <p:blipFill>
+          <a:blip r:embed="rId4"/>
+          <a:stretch>
+            <a:fillRect/>
+          </a:stretch>
+        </p:blipFill>
+        <p:spPr>
+          <a:xfrm>
+            <a:off x="1114102" y="3399725"/>
+            <a:ext cx="3473559" cy="506197"/>
+          </a:xfrm>
+          <a:prstGeom prst="rect">
+            <a:avLst/>
+          </a:prstGeom>
+        </p:spPr>
+      </p:pic>
+      <p:pic>
+        <p:nvPicPr>
+          <p:cNvPr id="9" name="Picture 8">
+            <a:extLst>
+              <a:ext uri="{FF2B5EF4-FFF2-40B4-BE49-F238E27FC236}">
+                <a16:creationId xmlns:a16="http://schemas.microsoft.com/office/drawing/2014/main" id="{0BAF8AEE-0778-9F6C-8A9E-B1FC1351EA66}"/>
+              </a:ext>
+            </a:extLst>
+          </p:cNvPr>
+          <p:cNvPicPr>
+            <a:picLocks noChangeAspect="1"/>
+          </p:cNvPicPr>
+          <p:nvPr/>
+        </p:nvPicPr>
+        <p:blipFill>
+          <a:blip r:embed="rId5"/>
+          <a:stretch>
+            <a:fillRect/>
+          </a:stretch>
+        </p:blipFill>
+        <p:spPr>
+          <a:xfrm>
+            <a:off x="1114102" y="4378772"/>
+            <a:ext cx="3530789" cy="521943"/>
+          </a:xfrm>
+          <a:prstGeom prst="rect">
+            <a:avLst/>
+          </a:prstGeom>
+        </p:spPr>
+      </p:pic>
+      <p:pic>
+        <p:nvPicPr>
+          <p:cNvPr id="11" name="Picture 10">
+            <a:extLst>
+              <a:ext uri="{FF2B5EF4-FFF2-40B4-BE49-F238E27FC236}">
+                <a16:creationId xmlns:a16="http://schemas.microsoft.com/office/drawing/2014/main" id="{E2426FFD-A29C-0BE8-7AD7-1D335D57ABFA}"/>
+              </a:ext>
+            </a:extLst>
+          </p:cNvPr>
+          <p:cNvPicPr>
+            <a:picLocks noChangeAspect="1"/>
+          </p:cNvPicPr>
+          <p:nvPr/>
+        </p:nvPicPr>
+        <p:blipFill>
+          <a:blip r:embed="rId6"/>
+          <a:stretch>
+            <a:fillRect/>
+          </a:stretch>
+        </p:blipFill>
+        <p:spPr>
+          <a:xfrm>
+            <a:off x="4840476" y="4479953"/>
+            <a:ext cx="3409950" cy="304800"/>
+          </a:xfrm>
+          <a:prstGeom prst="rect">
+            <a:avLst/>
+          </a:prstGeom>
+        </p:spPr>
+      </p:pic>
+      <p:sp>
+        <p:nvSpPr>
+          <p:cNvPr id="12" name="Content Placeholder 2">
+            <a:extLst>
+              <a:ext uri="{FF2B5EF4-FFF2-40B4-BE49-F238E27FC236}">
+                <a16:creationId xmlns:a16="http://schemas.microsoft.com/office/drawing/2014/main" id="{BD387925-149D-264E-16D3-89EB0D81C325}"/>
+              </a:ext>
+            </a:extLst>
+          </p:cNvPr>
+          <p:cNvSpPr txBox="1">
+            <a:spLocks/>
+          </p:cNvSpPr>
+          <p:nvPr/>
+        </p:nvSpPr>
+        <p:spPr>
+          <a:xfrm>
+            <a:off x="1091663" y="5213511"/>
+            <a:ext cx="8766873" cy="426237"/>
           </a:xfrm>
           <a:prstGeom prst="rect">
             <a:avLst/>
@@ -21765,1212 +22278,6 @@
               <a:buNone/>
             </a:pPr>
             <a:r>
-              <a:rPr lang="en-US" sz="1400" dirty="0"/>
-              <a:t>Ova </a:t>
-            </a:r>
-            <a:r>
-              <a:rPr lang="en-US" sz="1400" dirty="0" err="1"/>
-              <a:t>komanda</a:t>
-            </a:r>
-            <a:r>
-              <a:rPr lang="en-US" sz="1400" dirty="0"/>
-              <a:t> </a:t>
-            </a:r>
-            <a:r>
-              <a:rPr lang="en-US" sz="1400" dirty="0" err="1"/>
-              <a:t>ce</a:t>
-            </a:r>
-            <a:r>
-              <a:rPr lang="en-US" sz="1400" dirty="0"/>
-              <a:t> </a:t>
-            </a:r>
-            <a:r>
-              <a:rPr lang="en-US" sz="1400" dirty="0" err="1"/>
-              <a:t>izgenerirati</a:t>
-            </a:r>
-            <a:r>
-              <a:rPr lang="en-US" sz="1400" dirty="0"/>
-              <a:t> .</a:t>
-            </a:r>
-            <a:r>
-              <a:rPr lang="en-US" sz="1400" dirty="0" err="1"/>
-              <a:t>js</a:t>
-            </a:r>
-            <a:r>
-              <a:rPr lang="en-US" sz="1400" dirty="0"/>
-              <a:t> file koji je </a:t>
-            </a:r>
-            <a:r>
-              <a:rPr lang="en-US" sz="1400" dirty="0" err="1"/>
-              <a:t>povezan</a:t>
-            </a:r>
-            <a:r>
-              <a:rPr lang="en-US" sz="1400" dirty="0"/>
-              <a:t> </a:t>
-            </a:r>
-            <a:r>
-              <a:rPr lang="en-US" sz="1400" dirty="0" err="1"/>
-              <a:t>sa</a:t>
-            </a:r>
-            <a:r>
-              <a:rPr lang="en-US" sz="1400" dirty="0"/>
-              <a:t> </a:t>
-            </a:r>
-            <a:r>
-              <a:rPr lang="en-US" sz="1400" dirty="0" err="1"/>
-              <a:t>nasim</a:t>
-            </a:r>
-            <a:r>
-              <a:rPr lang="en-US" sz="1400" dirty="0"/>
-              <a:t> index.html</a:t>
-            </a:r>
-            <a:endParaRPr lang="hr-HR" sz="1400" dirty="0"/>
-          </a:p>
-        </p:txBody>
-      </p:sp>
-      <p:pic>
-        <p:nvPicPr>
-          <p:cNvPr id="5" name="Picture 4">
-            <a:extLst>
-              <a:ext uri="{FF2B5EF4-FFF2-40B4-BE49-F238E27FC236}">
-                <a16:creationId xmlns:a16="http://schemas.microsoft.com/office/drawing/2014/main" id="{8DA7072E-35D9-9EE0-91E8-9DB036DF08C6}"/>
-              </a:ext>
-            </a:extLst>
-          </p:cNvPr>
-          <p:cNvPicPr>
-            <a:picLocks noChangeAspect="1"/>
-          </p:cNvPicPr>
-          <p:nvPr/>
-        </p:nvPicPr>
-        <p:blipFill>
-          <a:blip r:embed="rId3"/>
-          <a:stretch>
-            <a:fillRect/>
-          </a:stretch>
-        </p:blipFill>
-        <p:spPr>
-          <a:xfrm>
-            <a:off x="1114102" y="1214425"/>
-            <a:ext cx="5038725" cy="2129039"/>
-          </a:xfrm>
-          <a:prstGeom prst="rect">
-            <a:avLst/>
-          </a:prstGeom>
-        </p:spPr>
-      </p:pic>
-      <p:pic>
-        <p:nvPicPr>
-          <p:cNvPr id="7" name="Picture 6">
-            <a:extLst>
-              <a:ext uri="{FF2B5EF4-FFF2-40B4-BE49-F238E27FC236}">
-                <a16:creationId xmlns:a16="http://schemas.microsoft.com/office/drawing/2014/main" id="{A44A6AC6-CE27-16A0-CCF8-A247231A8E64}"/>
-              </a:ext>
-            </a:extLst>
-          </p:cNvPr>
-          <p:cNvPicPr>
-            <a:picLocks noChangeAspect="1"/>
-          </p:cNvPicPr>
-          <p:nvPr/>
-        </p:nvPicPr>
-        <p:blipFill>
-          <a:blip r:embed="rId4"/>
-          <a:stretch>
-            <a:fillRect/>
-          </a:stretch>
-        </p:blipFill>
-        <p:spPr>
-          <a:xfrm>
-            <a:off x="1114102" y="3399725"/>
-            <a:ext cx="3473559" cy="506197"/>
-          </a:xfrm>
-          <a:prstGeom prst="rect">
-            <a:avLst/>
-          </a:prstGeom>
-        </p:spPr>
-      </p:pic>
-      <p:pic>
-        <p:nvPicPr>
-          <p:cNvPr id="9" name="Picture 8">
-            <a:extLst>
-              <a:ext uri="{FF2B5EF4-FFF2-40B4-BE49-F238E27FC236}">
-                <a16:creationId xmlns:a16="http://schemas.microsoft.com/office/drawing/2014/main" id="{45490B51-11EC-B033-98C0-BC3E13D3501B}"/>
-              </a:ext>
-            </a:extLst>
-          </p:cNvPr>
-          <p:cNvPicPr>
-            <a:picLocks noChangeAspect="1"/>
-          </p:cNvPicPr>
-          <p:nvPr/>
-        </p:nvPicPr>
-        <p:blipFill>
-          <a:blip r:embed="rId5"/>
-          <a:stretch>
-            <a:fillRect/>
-          </a:stretch>
-        </p:blipFill>
-        <p:spPr>
-          <a:xfrm>
-            <a:off x="1114102" y="4378772"/>
-            <a:ext cx="3530789" cy="521943"/>
-          </a:xfrm>
-          <a:prstGeom prst="rect">
-            <a:avLst/>
-          </a:prstGeom>
-        </p:spPr>
-      </p:pic>
-      <p:pic>
-        <p:nvPicPr>
-          <p:cNvPr id="11" name="Picture 10">
-            <a:extLst>
-              <a:ext uri="{FF2B5EF4-FFF2-40B4-BE49-F238E27FC236}">
-                <a16:creationId xmlns:a16="http://schemas.microsoft.com/office/drawing/2014/main" id="{C8AE54A3-2D2B-F6FC-4A3D-0379F9E77297}"/>
-              </a:ext>
-            </a:extLst>
-          </p:cNvPr>
-          <p:cNvPicPr>
-            <a:picLocks noChangeAspect="1"/>
-          </p:cNvPicPr>
-          <p:nvPr/>
-        </p:nvPicPr>
-        <p:blipFill>
-          <a:blip r:embed="rId6"/>
-          <a:stretch>
-            <a:fillRect/>
-          </a:stretch>
-        </p:blipFill>
-        <p:spPr>
-          <a:xfrm>
-            <a:off x="4840476" y="4479953"/>
-            <a:ext cx="3409950" cy="304800"/>
-          </a:xfrm>
-          <a:prstGeom prst="rect">
-            <a:avLst/>
-          </a:prstGeom>
-        </p:spPr>
-      </p:pic>
-      <p:sp>
-        <p:nvSpPr>
-          <p:cNvPr id="12" name="Content Placeholder 2">
-            <a:extLst>
-              <a:ext uri="{FF2B5EF4-FFF2-40B4-BE49-F238E27FC236}">
-                <a16:creationId xmlns:a16="http://schemas.microsoft.com/office/drawing/2014/main" id="{ADA97A60-B7BA-7EDE-95A2-651865AE7FC7}"/>
-              </a:ext>
-            </a:extLst>
-          </p:cNvPr>
-          <p:cNvSpPr txBox="1">
-            <a:spLocks/>
-          </p:cNvSpPr>
-          <p:nvPr/>
-        </p:nvSpPr>
-        <p:spPr>
-          <a:xfrm>
-            <a:off x="1091663" y="5213511"/>
-            <a:ext cx="8766873" cy="426237"/>
-          </a:xfrm>
-          <a:prstGeom prst="rect">
-            <a:avLst/>
-          </a:prstGeom>
-        </p:spPr>
-        <p:txBody>
-          <a:bodyPr vert="horz" lIns="91440" tIns="45720" rIns="91440" bIns="45720" rtlCol="0">
-            <a:normAutofit/>
-          </a:bodyPr>
-          <a:lstStyle>
-            <a:lvl1pPr marL="368300" indent="-352425" algn="l" defTabSz="914400" rtl="0" eaLnBrk="1" latinLnBrk="0" hangingPunct="1">
-              <a:lnSpc>
-                <a:spcPct val="90000"/>
-              </a:lnSpc>
-              <a:spcBef>
-                <a:spcPts val="600"/>
-              </a:spcBef>
-              <a:spcAft>
-                <a:spcPts val="600"/>
-              </a:spcAft>
-              <a:buClr>
-                <a:schemeClr val="accent2"/>
-              </a:buClr>
-              <a:buFont typeface="Wingdings" pitchFamily="2" charset="2"/>
-              <a:buChar char="§"/>
-              <a:tabLst/>
-              <a:defRPr sz="2400" kern="1200">
-                <a:solidFill>
-                  <a:schemeClr val="tx1"/>
-                </a:solidFill>
-                <a:latin typeface="+mn-lt"/>
-                <a:ea typeface="Open Sans" panose="020B0606030504020204" pitchFamily="34" charset="0"/>
-                <a:cs typeface="Open Sans" panose="020B0606030504020204" pitchFamily="34" charset="0"/>
-              </a:defRPr>
-            </a:lvl1pPr>
-            <a:lvl2pPr marL="771525" indent="-274638" algn="l" defTabSz="914400" rtl="0" eaLnBrk="1" latinLnBrk="0" hangingPunct="1">
-              <a:lnSpc>
-                <a:spcPct val="90000"/>
-              </a:lnSpc>
-              <a:spcBef>
-                <a:spcPts val="600"/>
-              </a:spcBef>
-              <a:spcAft>
-                <a:spcPts val="600"/>
-              </a:spcAft>
-              <a:buClr>
-                <a:schemeClr val="accent2"/>
-              </a:buClr>
-              <a:buFont typeface="Wingdings" pitchFamily="2" charset="2"/>
-              <a:buChar char="§"/>
-              <a:tabLst/>
-              <a:defRPr sz="2200" kern="1200">
-                <a:solidFill>
-                  <a:schemeClr val="tx1"/>
-                </a:solidFill>
-                <a:latin typeface="+mn-lt"/>
-                <a:ea typeface="Open Sans" panose="020B0606030504020204" pitchFamily="34" charset="0"/>
-                <a:cs typeface="Open Sans" panose="020B0606030504020204" pitchFamily="34" charset="0"/>
-              </a:defRPr>
-            </a:lvl2pPr>
-            <a:lvl3pPr marL="1143000" indent="-228600" algn="l" defTabSz="914400" rtl="0" eaLnBrk="1" latinLnBrk="0" hangingPunct="1">
-              <a:lnSpc>
-                <a:spcPct val="90000"/>
-              </a:lnSpc>
-              <a:spcBef>
-                <a:spcPts val="600"/>
-              </a:spcBef>
-              <a:spcAft>
-                <a:spcPts val="600"/>
-              </a:spcAft>
-              <a:buClr>
-                <a:schemeClr val="accent2"/>
-              </a:buClr>
-              <a:buFont typeface="Wingdings" pitchFamily="2" charset="2"/>
-              <a:buChar char="§"/>
-              <a:defRPr sz="2000" kern="1200">
-                <a:solidFill>
-                  <a:schemeClr val="tx1"/>
-                </a:solidFill>
-                <a:latin typeface="+mn-lt"/>
-                <a:ea typeface="Open Sans" panose="020B0606030504020204" pitchFamily="34" charset="0"/>
-                <a:cs typeface="Open Sans" panose="020B0606030504020204" pitchFamily="34" charset="0"/>
-              </a:defRPr>
-            </a:lvl3pPr>
-            <a:lvl4pPr marL="1600200" indent="-228600" algn="l" defTabSz="914400" rtl="0" eaLnBrk="1" latinLnBrk="0" hangingPunct="1">
-              <a:lnSpc>
-                <a:spcPct val="90000"/>
-              </a:lnSpc>
-              <a:spcBef>
-                <a:spcPts val="600"/>
-              </a:spcBef>
-              <a:spcAft>
-                <a:spcPts val="600"/>
-              </a:spcAft>
-              <a:buClr>
-                <a:schemeClr val="accent2"/>
-              </a:buClr>
-              <a:buFont typeface="Wingdings" pitchFamily="2" charset="2"/>
-              <a:buChar char="§"/>
-              <a:defRPr sz="1800" kern="1200">
-                <a:solidFill>
-                  <a:schemeClr val="tx1"/>
-                </a:solidFill>
-                <a:latin typeface="+mn-lt"/>
-                <a:ea typeface="Open Sans" panose="020B0606030504020204" pitchFamily="34" charset="0"/>
-                <a:cs typeface="Open Sans" panose="020B0606030504020204" pitchFamily="34" charset="0"/>
-              </a:defRPr>
-            </a:lvl4pPr>
-            <a:lvl5pPr marL="1960563" indent="-225425" algn="l" defTabSz="914400" rtl="0" eaLnBrk="1" latinLnBrk="0" hangingPunct="1">
-              <a:lnSpc>
-                <a:spcPct val="90000"/>
-              </a:lnSpc>
-              <a:spcBef>
-                <a:spcPts val="600"/>
-              </a:spcBef>
-              <a:spcAft>
-                <a:spcPts val="600"/>
-              </a:spcAft>
-              <a:buClr>
-                <a:schemeClr val="accent2"/>
-              </a:buClr>
-              <a:buFont typeface="Wingdings" pitchFamily="2" charset="2"/>
-              <a:buChar char="§"/>
-              <a:tabLst/>
-              <a:defRPr sz="1600" kern="1200">
-                <a:solidFill>
-                  <a:schemeClr val="tx1"/>
-                </a:solidFill>
-                <a:latin typeface="+mn-lt"/>
-                <a:ea typeface="Open Sans" panose="020B0606030504020204" pitchFamily="34" charset="0"/>
-                <a:cs typeface="Open Sans" panose="020B0606030504020204" pitchFamily="34" charset="0"/>
-              </a:defRPr>
-            </a:lvl5pPr>
-            <a:lvl6pPr marL="2514600" indent="-228600" algn="l" defTabSz="914400" rtl="0" eaLnBrk="1" latinLnBrk="0" hangingPunct="1">
-              <a:lnSpc>
-                <a:spcPct val="90000"/>
-              </a:lnSpc>
-              <a:spcBef>
-                <a:spcPts val="500"/>
-              </a:spcBef>
-              <a:buFont typeface="Arial" panose="020B0604020202020204" pitchFamily="34" charset="0"/>
-              <a:buChar char="•"/>
-              <a:defRPr sz="1800" kern="1200">
-                <a:solidFill>
-                  <a:schemeClr val="tx1"/>
-                </a:solidFill>
-                <a:latin typeface="+mn-lt"/>
-                <a:ea typeface="+mn-ea"/>
-                <a:cs typeface="+mn-cs"/>
-              </a:defRPr>
-            </a:lvl6pPr>
-            <a:lvl7pPr marL="2971800" indent="-228600" algn="l" defTabSz="914400" rtl="0" eaLnBrk="1" latinLnBrk="0" hangingPunct="1">
-              <a:lnSpc>
-                <a:spcPct val="90000"/>
-              </a:lnSpc>
-              <a:spcBef>
-                <a:spcPts val="500"/>
-              </a:spcBef>
-              <a:buFont typeface="Arial" panose="020B0604020202020204" pitchFamily="34" charset="0"/>
-              <a:buChar char="•"/>
-              <a:defRPr sz="1800" kern="1200">
-                <a:solidFill>
-                  <a:schemeClr val="tx1"/>
-                </a:solidFill>
-                <a:latin typeface="+mn-lt"/>
-                <a:ea typeface="+mn-ea"/>
-                <a:cs typeface="+mn-cs"/>
-              </a:defRPr>
-            </a:lvl7pPr>
-            <a:lvl8pPr marL="3429000" indent="-228600" algn="l" defTabSz="914400" rtl="0" eaLnBrk="1" latinLnBrk="0" hangingPunct="1">
-              <a:lnSpc>
-                <a:spcPct val="90000"/>
-              </a:lnSpc>
-              <a:spcBef>
-                <a:spcPts val="500"/>
-              </a:spcBef>
-              <a:buFont typeface="Arial" panose="020B0604020202020204" pitchFamily="34" charset="0"/>
-              <a:buChar char="•"/>
-              <a:defRPr sz="1800" kern="1200">
-                <a:solidFill>
-                  <a:schemeClr val="tx1"/>
-                </a:solidFill>
-                <a:latin typeface="+mn-lt"/>
-                <a:ea typeface="+mn-ea"/>
-                <a:cs typeface="+mn-cs"/>
-              </a:defRPr>
-            </a:lvl8pPr>
-            <a:lvl9pPr marL="3886200" indent="-228600" algn="l" defTabSz="914400" rtl="0" eaLnBrk="1" latinLnBrk="0" hangingPunct="1">
-              <a:lnSpc>
-                <a:spcPct val="90000"/>
-              </a:lnSpc>
-              <a:spcBef>
-                <a:spcPts val="500"/>
-              </a:spcBef>
-              <a:buFont typeface="Arial" panose="020B0604020202020204" pitchFamily="34" charset="0"/>
-              <a:buChar char="•"/>
-              <a:defRPr sz="1800" kern="1200">
-                <a:solidFill>
-                  <a:schemeClr val="tx1"/>
-                </a:solidFill>
-                <a:latin typeface="+mn-lt"/>
-                <a:ea typeface="+mn-ea"/>
-                <a:cs typeface="+mn-cs"/>
-              </a:defRPr>
-            </a:lvl9pPr>
-          </a:lstStyle>
-          <a:p>
-            <a:pPr>
-              <a:buNone/>
-            </a:pPr>
-            <a:r>
-              <a:rPr lang="en-US" sz="1400" b="1" dirty="0"/>
-              <a:t>Kada je </a:t>
-            </a:r>
-            <a:r>
-              <a:rPr lang="en-US" sz="1400" b="1" dirty="0" err="1"/>
-              <a:t>kod</a:t>
-            </a:r>
-            <a:r>
-              <a:rPr lang="en-US" sz="1400" b="1" dirty="0"/>
-              <a:t> </a:t>
-            </a:r>
-            <a:r>
-              <a:rPr lang="en-US" sz="1400" b="1" dirty="0" err="1"/>
-              <a:t>kompajliran</a:t>
-            </a:r>
-            <a:r>
-              <a:rPr lang="en-US" sz="1400" b="1" dirty="0"/>
-              <a:t> </a:t>
-            </a:r>
-            <a:r>
-              <a:rPr lang="en-US" sz="1400" b="1" dirty="0" err="1"/>
-              <a:t>mozemo</a:t>
-            </a:r>
-            <a:r>
-              <a:rPr lang="en-US" sz="1400" b="1" dirty="0"/>
-              <a:t> </a:t>
-            </a:r>
-            <a:r>
-              <a:rPr lang="en-US" sz="1400" b="1" dirty="0" err="1"/>
-              <a:t>pokrenuti</a:t>
-            </a:r>
-            <a:r>
-              <a:rPr lang="en-US" sz="1400" b="1" dirty="0"/>
-              <a:t> </a:t>
-            </a:r>
-            <a:r>
-              <a:rPr lang="en-US" sz="1400" b="1" dirty="0" err="1"/>
-              <a:t>nas</a:t>
-            </a:r>
-            <a:r>
-              <a:rPr lang="en-US" sz="1400" b="1" dirty="0"/>
-              <a:t> </a:t>
-            </a:r>
-            <a:r>
-              <a:rPr lang="en-US" sz="1400" b="1" dirty="0" err="1"/>
-              <a:t>websajt</a:t>
-            </a:r>
-            <a:endParaRPr lang="hr-HR" sz="1400" dirty="0"/>
-          </a:p>
-        </p:txBody>
-      </p:sp>
-    </p:spTree>
-    <p:extLst>
-      <p:ext uri="{BB962C8B-B14F-4D97-AF65-F5344CB8AC3E}">
-        <p14:creationId xmlns:p14="http://schemas.microsoft.com/office/powerpoint/2010/main" val="15252896"/>
-      </p:ext>
-    </p:extLst>
-  </p:cSld>
-  <p:clrMapOvr>
-    <a:masterClrMapping/>
-  </p:clrMapOvr>
-</p:sld>
-</file>
-
-<file path=ppt/slides/slide7.xml><?xml version="1.0" encoding="utf-8"?>
-<p:sld xmlns:a="http://schemas.openxmlformats.org/drawingml/2006/main" xmlns:r="http://schemas.openxmlformats.org/officeDocument/2006/relationships" xmlns:p="http://schemas.openxmlformats.org/presentationml/2006/main">
-  <p:cSld>
-    <p:spTree>
-      <p:nvGrpSpPr>
-        <p:cNvPr id="1" name="">
-          <a:extLst>
-            <a:ext uri="{FF2B5EF4-FFF2-40B4-BE49-F238E27FC236}">
-              <a16:creationId xmlns:a16="http://schemas.microsoft.com/office/drawing/2014/main" id="{3F1E6E11-C6BC-2E03-884C-C640F1462EF7}"/>
-            </a:ext>
-          </a:extLst>
-        </p:cNvPr>
-        <p:cNvGrpSpPr/>
-        <p:nvPr/>
-      </p:nvGrpSpPr>
-      <p:grpSpPr>
-        <a:xfrm>
-          <a:off x="0" y="0"/>
-          <a:ext cx="0" cy="0"/>
-          <a:chOff x="0" y="0"/>
-          <a:chExt cx="0" cy="0"/>
-        </a:xfrm>
-      </p:grpSpPr>
-      <p:sp>
-        <p:nvSpPr>
-          <p:cNvPr id="4" name="Title 1">
-            <a:extLst>
-              <a:ext uri="{FF2B5EF4-FFF2-40B4-BE49-F238E27FC236}">
-                <a16:creationId xmlns:a16="http://schemas.microsoft.com/office/drawing/2014/main" id="{3EC107ED-FB57-13BF-AE2F-B581F634A0A3}"/>
-              </a:ext>
-            </a:extLst>
-          </p:cNvPr>
-          <p:cNvSpPr txBox="1">
-            <a:spLocks/>
-          </p:cNvSpPr>
-          <p:nvPr/>
-        </p:nvSpPr>
-        <p:spPr>
-          <a:xfrm>
-            <a:off x="990600" y="383056"/>
-            <a:ext cx="10515600" cy="853976"/>
-          </a:xfrm>
-          <a:prstGeom prst="rect">
-            <a:avLst/>
-          </a:prstGeom>
-        </p:spPr>
-        <p:txBody>
-          <a:bodyPr vert="horz" lIns="91440" tIns="45720" rIns="91440" bIns="45720" rtlCol="0" anchor="ctr">
-            <a:normAutofit/>
-          </a:bodyPr>
-          <a:lstStyle>
-            <a:lvl1pPr algn="l" defTabSz="914400" rtl="0" eaLnBrk="1" latinLnBrk="0" hangingPunct="1">
-              <a:lnSpc>
-                <a:spcPct val="90000"/>
-              </a:lnSpc>
-              <a:spcBef>
-                <a:spcPct val="0"/>
-              </a:spcBef>
-              <a:buNone/>
-              <a:defRPr sz="3600" b="1" i="0" kern="1200" cap="all" baseline="0">
-                <a:solidFill>
-                  <a:schemeClr val="tx2"/>
-                </a:solidFill>
-                <a:latin typeface="+mj-lt"/>
-                <a:ea typeface="Open Sans Semibold" panose="020B0606030504020204" pitchFamily="34" charset="0"/>
-                <a:cs typeface="Open Sans Semibold" panose="020B0606030504020204" pitchFamily="34" charset="0"/>
-              </a:defRPr>
-            </a:lvl1pPr>
-          </a:lstStyle>
-          <a:p>
-            <a:r>
-              <a:rPr lang="en-US" dirty="0"/>
-              <a:t>TYPESCRIPT-</a:t>
-            </a:r>
-            <a:r>
-              <a:rPr lang="hr-HR" dirty="0" err="1"/>
-              <a:t>Kompajliranje</a:t>
-            </a:r>
-            <a:r>
-              <a:rPr lang="hr-HR" dirty="0"/>
-              <a:t> </a:t>
-            </a:r>
-          </a:p>
-        </p:txBody>
-      </p:sp>
-      <p:sp>
-        <p:nvSpPr>
-          <p:cNvPr id="13" name="Content Placeholder 2">
-            <a:extLst>
-              <a:ext uri="{FF2B5EF4-FFF2-40B4-BE49-F238E27FC236}">
-                <a16:creationId xmlns:a16="http://schemas.microsoft.com/office/drawing/2014/main" id="{CA6A9BFA-35C6-22A7-6317-42E3B4EB0019}"/>
-              </a:ext>
-            </a:extLst>
-          </p:cNvPr>
-          <p:cNvSpPr txBox="1">
-            <a:spLocks/>
-          </p:cNvSpPr>
-          <p:nvPr/>
-        </p:nvSpPr>
-        <p:spPr>
-          <a:xfrm>
-            <a:off x="1114102" y="4077286"/>
-            <a:ext cx="6226442" cy="426237"/>
-          </a:xfrm>
-          <a:prstGeom prst="rect">
-            <a:avLst/>
-          </a:prstGeom>
-        </p:spPr>
-        <p:txBody>
-          <a:bodyPr vert="horz" lIns="91440" tIns="45720" rIns="91440" bIns="45720" rtlCol="0">
-            <a:normAutofit fontScale="92500"/>
-          </a:bodyPr>
-          <a:lstStyle>
-            <a:lvl1pPr marL="368300" indent="-352425" algn="l" defTabSz="914400" rtl="0" eaLnBrk="1" latinLnBrk="0" hangingPunct="1">
-              <a:lnSpc>
-                <a:spcPct val="90000"/>
-              </a:lnSpc>
-              <a:spcBef>
-                <a:spcPts val="600"/>
-              </a:spcBef>
-              <a:spcAft>
-                <a:spcPts val="600"/>
-              </a:spcAft>
-              <a:buClr>
-                <a:schemeClr val="accent2"/>
-              </a:buClr>
-              <a:buFont typeface="Wingdings" pitchFamily="2" charset="2"/>
-              <a:buChar char="§"/>
-              <a:tabLst/>
-              <a:defRPr sz="2400" kern="1200">
-                <a:solidFill>
-                  <a:schemeClr val="tx1"/>
-                </a:solidFill>
-                <a:latin typeface="+mn-lt"/>
-                <a:ea typeface="Open Sans" panose="020B0606030504020204" pitchFamily="34" charset="0"/>
-                <a:cs typeface="Open Sans" panose="020B0606030504020204" pitchFamily="34" charset="0"/>
-              </a:defRPr>
-            </a:lvl1pPr>
-            <a:lvl2pPr marL="771525" indent="-274638" algn="l" defTabSz="914400" rtl="0" eaLnBrk="1" latinLnBrk="0" hangingPunct="1">
-              <a:lnSpc>
-                <a:spcPct val="90000"/>
-              </a:lnSpc>
-              <a:spcBef>
-                <a:spcPts val="600"/>
-              </a:spcBef>
-              <a:spcAft>
-                <a:spcPts val="600"/>
-              </a:spcAft>
-              <a:buClr>
-                <a:schemeClr val="accent2"/>
-              </a:buClr>
-              <a:buFont typeface="Wingdings" pitchFamily="2" charset="2"/>
-              <a:buChar char="§"/>
-              <a:tabLst/>
-              <a:defRPr sz="2200" kern="1200">
-                <a:solidFill>
-                  <a:schemeClr val="tx1"/>
-                </a:solidFill>
-                <a:latin typeface="+mn-lt"/>
-                <a:ea typeface="Open Sans" panose="020B0606030504020204" pitchFamily="34" charset="0"/>
-                <a:cs typeface="Open Sans" panose="020B0606030504020204" pitchFamily="34" charset="0"/>
-              </a:defRPr>
-            </a:lvl2pPr>
-            <a:lvl3pPr marL="1143000" indent="-228600" algn="l" defTabSz="914400" rtl="0" eaLnBrk="1" latinLnBrk="0" hangingPunct="1">
-              <a:lnSpc>
-                <a:spcPct val="90000"/>
-              </a:lnSpc>
-              <a:spcBef>
-                <a:spcPts val="600"/>
-              </a:spcBef>
-              <a:spcAft>
-                <a:spcPts val="600"/>
-              </a:spcAft>
-              <a:buClr>
-                <a:schemeClr val="accent2"/>
-              </a:buClr>
-              <a:buFont typeface="Wingdings" pitchFamily="2" charset="2"/>
-              <a:buChar char="§"/>
-              <a:defRPr sz="2000" kern="1200">
-                <a:solidFill>
-                  <a:schemeClr val="tx1"/>
-                </a:solidFill>
-                <a:latin typeface="+mn-lt"/>
-                <a:ea typeface="Open Sans" panose="020B0606030504020204" pitchFamily="34" charset="0"/>
-                <a:cs typeface="Open Sans" panose="020B0606030504020204" pitchFamily="34" charset="0"/>
-              </a:defRPr>
-            </a:lvl3pPr>
-            <a:lvl4pPr marL="1600200" indent="-228600" algn="l" defTabSz="914400" rtl="0" eaLnBrk="1" latinLnBrk="0" hangingPunct="1">
-              <a:lnSpc>
-                <a:spcPct val="90000"/>
-              </a:lnSpc>
-              <a:spcBef>
-                <a:spcPts val="600"/>
-              </a:spcBef>
-              <a:spcAft>
-                <a:spcPts val="600"/>
-              </a:spcAft>
-              <a:buClr>
-                <a:schemeClr val="accent2"/>
-              </a:buClr>
-              <a:buFont typeface="Wingdings" pitchFamily="2" charset="2"/>
-              <a:buChar char="§"/>
-              <a:defRPr sz="1800" kern="1200">
-                <a:solidFill>
-                  <a:schemeClr val="tx1"/>
-                </a:solidFill>
-                <a:latin typeface="+mn-lt"/>
-                <a:ea typeface="Open Sans" panose="020B0606030504020204" pitchFamily="34" charset="0"/>
-                <a:cs typeface="Open Sans" panose="020B0606030504020204" pitchFamily="34" charset="0"/>
-              </a:defRPr>
-            </a:lvl4pPr>
-            <a:lvl5pPr marL="1960563" indent="-225425" algn="l" defTabSz="914400" rtl="0" eaLnBrk="1" latinLnBrk="0" hangingPunct="1">
-              <a:lnSpc>
-                <a:spcPct val="90000"/>
-              </a:lnSpc>
-              <a:spcBef>
-                <a:spcPts val="600"/>
-              </a:spcBef>
-              <a:spcAft>
-                <a:spcPts val="600"/>
-              </a:spcAft>
-              <a:buClr>
-                <a:schemeClr val="accent2"/>
-              </a:buClr>
-              <a:buFont typeface="Wingdings" pitchFamily="2" charset="2"/>
-              <a:buChar char="§"/>
-              <a:tabLst/>
-              <a:defRPr sz="1600" kern="1200">
-                <a:solidFill>
-                  <a:schemeClr val="tx1"/>
-                </a:solidFill>
-                <a:latin typeface="+mn-lt"/>
-                <a:ea typeface="Open Sans" panose="020B0606030504020204" pitchFamily="34" charset="0"/>
-                <a:cs typeface="Open Sans" panose="020B0606030504020204" pitchFamily="34" charset="0"/>
-              </a:defRPr>
-            </a:lvl5pPr>
-            <a:lvl6pPr marL="2514600" indent="-228600" algn="l" defTabSz="914400" rtl="0" eaLnBrk="1" latinLnBrk="0" hangingPunct="1">
-              <a:lnSpc>
-                <a:spcPct val="90000"/>
-              </a:lnSpc>
-              <a:spcBef>
-                <a:spcPts val="500"/>
-              </a:spcBef>
-              <a:buFont typeface="Arial" panose="020B0604020202020204" pitchFamily="34" charset="0"/>
-              <a:buChar char="•"/>
-              <a:defRPr sz="1800" kern="1200">
-                <a:solidFill>
-                  <a:schemeClr val="tx1"/>
-                </a:solidFill>
-                <a:latin typeface="+mn-lt"/>
-                <a:ea typeface="+mn-ea"/>
-                <a:cs typeface="+mn-cs"/>
-              </a:defRPr>
-            </a:lvl6pPr>
-            <a:lvl7pPr marL="2971800" indent="-228600" algn="l" defTabSz="914400" rtl="0" eaLnBrk="1" latinLnBrk="0" hangingPunct="1">
-              <a:lnSpc>
-                <a:spcPct val="90000"/>
-              </a:lnSpc>
-              <a:spcBef>
-                <a:spcPts val="500"/>
-              </a:spcBef>
-              <a:buFont typeface="Arial" panose="020B0604020202020204" pitchFamily="34" charset="0"/>
-              <a:buChar char="•"/>
-              <a:defRPr sz="1800" kern="1200">
-                <a:solidFill>
-                  <a:schemeClr val="tx1"/>
-                </a:solidFill>
-                <a:latin typeface="+mn-lt"/>
-                <a:ea typeface="+mn-ea"/>
-                <a:cs typeface="+mn-cs"/>
-              </a:defRPr>
-            </a:lvl7pPr>
-            <a:lvl8pPr marL="3429000" indent="-228600" algn="l" defTabSz="914400" rtl="0" eaLnBrk="1" latinLnBrk="0" hangingPunct="1">
-              <a:lnSpc>
-                <a:spcPct val="90000"/>
-              </a:lnSpc>
-              <a:spcBef>
-                <a:spcPts val="500"/>
-              </a:spcBef>
-              <a:buFont typeface="Arial" panose="020B0604020202020204" pitchFamily="34" charset="0"/>
-              <a:buChar char="•"/>
-              <a:defRPr sz="1800" kern="1200">
-                <a:solidFill>
-                  <a:schemeClr val="tx1"/>
-                </a:solidFill>
-                <a:latin typeface="+mn-lt"/>
-                <a:ea typeface="+mn-ea"/>
-                <a:cs typeface="+mn-cs"/>
-              </a:defRPr>
-            </a:lvl8pPr>
-            <a:lvl9pPr marL="3886200" indent="-228600" algn="l" defTabSz="914400" rtl="0" eaLnBrk="1" latinLnBrk="0" hangingPunct="1">
-              <a:lnSpc>
-                <a:spcPct val="90000"/>
-              </a:lnSpc>
-              <a:spcBef>
-                <a:spcPts val="500"/>
-              </a:spcBef>
-              <a:buFont typeface="Arial" panose="020B0604020202020204" pitchFamily="34" charset="0"/>
-              <a:buChar char="•"/>
-              <a:defRPr sz="1800" kern="1200">
-                <a:solidFill>
-                  <a:schemeClr val="tx1"/>
-                </a:solidFill>
-                <a:latin typeface="+mn-lt"/>
-                <a:ea typeface="+mn-ea"/>
-                <a:cs typeface="+mn-cs"/>
-              </a:defRPr>
-            </a:lvl9pPr>
-          </a:lstStyle>
-          <a:p>
-            <a:pPr>
-              <a:buNone/>
-            </a:pPr>
-            <a:r>
-              <a:rPr lang="hr-HR" sz="1100" dirty="0"/>
-              <a:t>👉 </a:t>
-            </a:r>
-            <a:r>
-              <a:rPr lang="en-US" sz="1400" dirty="0"/>
-              <a:t>Ova </a:t>
-            </a:r>
-            <a:r>
-              <a:rPr lang="en-US" sz="1400" dirty="0" err="1"/>
-              <a:t>komanda</a:t>
-            </a:r>
-            <a:r>
-              <a:rPr lang="en-US" sz="1400" dirty="0"/>
-              <a:t> </a:t>
-            </a:r>
-            <a:r>
-              <a:rPr lang="en-US" sz="1400" dirty="0" err="1"/>
-              <a:t>ce</a:t>
-            </a:r>
-            <a:r>
-              <a:rPr lang="en-US" sz="1400" dirty="0"/>
-              <a:t> </a:t>
-            </a:r>
-            <a:r>
-              <a:rPr lang="en-US" sz="1400" dirty="0" err="1"/>
-              <a:t>izgenerirati</a:t>
-            </a:r>
-            <a:r>
-              <a:rPr lang="en-US" sz="1400" dirty="0"/>
-              <a:t> .</a:t>
-            </a:r>
-            <a:r>
-              <a:rPr lang="en-US" sz="1400" dirty="0" err="1"/>
-              <a:t>js</a:t>
-            </a:r>
-            <a:r>
-              <a:rPr lang="en-US" sz="1400" dirty="0"/>
-              <a:t> file koji je </a:t>
-            </a:r>
-            <a:r>
-              <a:rPr lang="en-US" sz="1400" dirty="0" err="1"/>
-              <a:t>povezan</a:t>
-            </a:r>
-            <a:r>
-              <a:rPr lang="en-US" sz="1400" dirty="0"/>
-              <a:t> </a:t>
-            </a:r>
-            <a:r>
-              <a:rPr lang="en-US" sz="1400" dirty="0" err="1"/>
-              <a:t>sa</a:t>
-            </a:r>
-            <a:r>
-              <a:rPr lang="en-US" sz="1400" dirty="0"/>
-              <a:t> </a:t>
-            </a:r>
-            <a:r>
-              <a:rPr lang="en-US" sz="1400" dirty="0" err="1"/>
-              <a:t>nasim</a:t>
-            </a:r>
-            <a:r>
-              <a:rPr lang="en-US" sz="1400" dirty="0"/>
-              <a:t> index.html</a:t>
-            </a:r>
-            <a:endParaRPr lang="hr-HR" sz="1400" dirty="0"/>
-          </a:p>
-        </p:txBody>
-      </p:sp>
-      <p:pic>
-        <p:nvPicPr>
-          <p:cNvPr id="5" name="Picture 4">
-            <a:extLst>
-              <a:ext uri="{FF2B5EF4-FFF2-40B4-BE49-F238E27FC236}">
-                <a16:creationId xmlns:a16="http://schemas.microsoft.com/office/drawing/2014/main" id="{2791CEB4-F467-7958-CDE7-DEBEBEFBE5EC}"/>
-              </a:ext>
-            </a:extLst>
-          </p:cNvPr>
-          <p:cNvPicPr>
-            <a:picLocks noChangeAspect="1"/>
-          </p:cNvPicPr>
-          <p:nvPr/>
-        </p:nvPicPr>
-        <p:blipFill>
-          <a:blip r:embed="rId3"/>
-          <a:stretch>
-            <a:fillRect/>
-          </a:stretch>
-        </p:blipFill>
-        <p:spPr>
-          <a:xfrm>
-            <a:off x="1114102" y="1214425"/>
-            <a:ext cx="5038725" cy="2129039"/>
-          </a:xfrm>
-          <a:prstGeom prst="rect">
-            <a:avLst/>
-          </a:prstGeom>
-        </p:spPr>
-      </p:pic>
-      <p:pic>
-        <p:nvPicPr>
-          <p:cNvPr id="7" name="Picture 6">
-            <a:extLst>
-              <a:ext uri="{FF2B5EF4-FFF2-40B4-BE49-F238E27FC236}">
-                <a16:creationId xmlns:a16="http://schemas.microsoft.com/office/drawing/2014/main" id="{1F281F2E-1D9C-5C01-318A-53BFBA1AA8EB}"/>
-              </a:ext>
-            </a:extLst>
-          </p:cNvPr>
-          <p:cNvPicPr>
-            <a:picLocks noChangeAspect="1"/>
-          </p:cNvPicPr>
-          <p:nvPr/>
-        </p:nvPicPr>
-        <p:blipFill>
-          <a:blip r:embed="rId4"/>
-          <a:stretch>
-            <a:fillRect/>
-          </a:stretch>
-        </p:blipFill>
-        <p:spPr>
-          <a:xfrm>
-            <a:off x="1114102" y="3399725"/>
-            <a:ext cx="3473559" cy="506197"/>
-          </a:xfrm>
-          <a:prstGeom prst="rect">
-            <a:avLst/>
-          </a:prstGeom>
-        </p:spPr>
-      </p:pic>
-      <p:pic>
-        <p:nvPicPr>
-          <p:cNvPr id="9" name="Picture 8">
-            <a:extLst>
-              <a:ext uri="{FF2B5EF4-FFF2-40B4-BE49-F238E27FC236}">
-                <a16:creationId xmlns:a16="http://schemas.microsoft.com/office/drawing/2014/main" id="{0BAF8AEE-0778-9F6C-8A9E-B1FC1351EA66}"/>
-              </a:ext>
-            </a:extLst>
-          </p:cNvPr>
-          <p:cNvPicPr>
-            <a:picLocks noChangeAspect="1"/>
-          </p:cNvPicPr>
-          <p:nvPr/>
-        </p:nvPicPr>
-        <p:blipFill>
-          <a:blip r:embed="rId5"/>
-          <a:stretch>
-            <a:fillRect/>
-          </a:stretch>
-        </p:blipFill>
-        <p:spPr>
-          <a:xfrm>
-            <a:off x="1114102" y="4378772"/>
-            <a:ext cx="3530789" cy="521943"/>
-          </a:xfrm>
-          <a:prstGeom prst="rect">
-            <a:avLst/>
-          </a:prstGeom>
-        </p:spPr>
-      </p:pic>
-      <p:pic>
-        <p:nvPicPr>
-          <p:cNvPr id="11" name="Picture 10">
-            <a:extLst>
-              <a:ext uri="{FF2B5EF4-FFF2-40B4-BE49-F238E27FC236}">
-                <a16:creationId xmlns:a16="http://schemas.microsoft.com/office/drawing/2014/main" id="{E2426FFD-A29C-0BE8-7AD7-1D335D57ABFA}"/>
-              </a:ext>
-            </a:extLst>
-          </p:cNvPr>
-          <p:cNvPicPr>
-            <a:picLocks noChangeAspect="1"/>
-          </p:cNvPicPr>
-          <p:nvPr/>
-        </p:nvPicPr>
-        <p:blipFill>
-          <a:blip r:embed="rId6"/>
-          <a:stretch>
-            <a:fillRect/>
-          </a:stretch>
-        </p:blipFill>
-        <p:spPr>
-          <a:xfrm>
-            <a:off x="4840476" y="4479953"/>
-            <a:ext cx="3409950" cy="304800"/>
-          </a:xfrm>
-          <a:prstGeom prst="rect">
-            <a:avLst/>
-          </a:prstGeom>
-        </p:spPr>
-      </p:pic>
-      <p:sp>
-        <p:nvSpPr>
-          <p:cNvPr id="12" name="Content Placeholder 2">
-            <a:extLst>
-              <a:ext uri="{FF2B5EF4-FFF2-40B4-BE49-F238E27FC236}">
-                <a16:creationId xmlns:a16="http://schemas.microsoft.com/office/drawing/2014/main" id="{BD387925-149D-264E-16D3-89EB0D81C325}"/>
-              </a:ext>
-            </a:extLst>
-          </p:cNvPr>
-          <p:cNvSpPr txBox="1">
-            <a:spLocks/>
-          </p:cNvSpPr>
-          <p:nvPr/>
-        </p:nvSpPr>
-        <p:spPr>
-          <a:xfrm>
-            <a:off x="1091663" y="5213511"/>
-            <a:ext cx="8766873" cy="426237"/>
-          </a:xfrm>
-          <a:prstGeom prst="rect">
-            <a:avLst/>
-          </a:prstGeom>
-        </p:spPr>
-        <p:txBody>
-          <a:bodyPr vert="horz" lIns="91440" tIns="45720" rIns="91440" bIns="45720" rtlCol="0">
-            <a:normAutofit/>
-          </a:bodyPr>
-          <a:lstStyle>
-            <a:lvl1pPr marL="368300" indent="-352425" algn="l" defTabSz="914400" rtl="0" eaLnBrk="1" latinLnBrk="0" hangingPunct="1">
-              <a:lnSpc>
-                <a:spcPct val="90000"/>
-              </a:lnSpc>
-              <a:spcBef>
-                <a:spcPts val="600"/>
-              </a:spcBef>
-              <a:spcAft>
-                <a:spcPts val="600"/>
-              </a:spcAft>
-              <a:buClr>
-                <a:schemeClr val="accent2"/>
-              </a:buClr>
-              <a:buFont typeface="Wingdings" pitchFamily="2" charset="2"/>
-              <a:buChar char="§"/>
-              <a:tabLst/>
-              <a:defRPr sz="2400" kern="1200">
-                <a:solidFill>
-                  <a:schemeClr val="tx1"/>
-                </a:solidFill>
-                <a:latin typeface="+mn-lt"/>
-                <a:ea typeface="Open Sans" panose="020B0606030504020204" pitchFamily="34" charset="0"/>
-                <a:cs typeface="Open Sans" panose="020B0606030504020204" pitchFamily="34" charset="0"/>
-              </a:defRPr>
-            </a:lvl1pPr>
-            <a:lvl2pPr marL="771525" indent="-274638" algn="l" defTabSz="914400" rtl="0" eaLnBrk="1" latinLnBrk="0" hangingPunct="1">
-              <a:lnSpc>
-                <a:spcPct val="90000"/>
-              </a:lnSpc>
-              <a:spcBef>
-                <a:spcPts val="600"/>
-              </a:spcBef>
-              <a:spcAft>
-                <a:spcPts val="600"/>
-              </a:spcAft>
-              <a:buClr>
-                <a:schemeClr val="accent2"/>
-              </a:buClr>
-              <a:buFont typeface="Wingdings" pitchFamily="2" charset="2"/>
-              <a:buChar char="§"/>
-              <a:tabLst/>
-              <a:defRPr sz="2200" kern="1200">
-                <a:solidFill>
-                  <a:schemeClr val="tx1"/>
-                </a:solidFill>
-                <a:latin typeface="+mn-lt"/>
-                <a:ea typeface="Open Sans" panose="020B0606030504020204" pitchFamily="34" charset="0"/>
-                <a:cs typeface="Open Sans" panose="020B0606030504020204" pitchFamily="34" charset="0"/>
-              </a:defRPr>
-            </a:lvl2pPr>
-            <a:lvl3pPr marL="1143000" indent="-228600" algn="l" defTabSz="914400" rtl="0" eaLnBrk="1" latinLnBrk="0" hangingPunct="1">
-              <a:lnSpc>
-                <a:spcPct val="90000"/>
-              </a:lnSpc>
-              <a:spcBef>
-                <a:spcPts val="600"/>
-              </a:spcBef>
-              <a:spcAft>
-                <a:spcPts val="600"/>
-              </a:spcAft>
-              <a:buClr>
-                <a:schemeClr val="accent2"/>
-              </a:buClr>
-              <a:buFont typeface="Wingdings" pitchFamily="2" charset="2"/>
-              <a:buChar char="§"/>
-              <a:defRPr sz="2000" kern="1200">
-                <a:solidFill>
-                  <a:schemeClr val="tx1"/>
-                </a:solidFill>
-                <a:latin typeface="+mn-lt"/>
-                <a:ea typeface="Open Sans" panose="020B0606030504020204" pitchFamily="34" charset="0"/>
-                <a:cs typeface="Open Sans" panose="020B0606030504020204" pitchFamily="34" charset="0"/>
-              </a:defRPr>
-            </a:lvl3pPr>
-            <a:lvl4pPr marL="1600200" indent="-228600" algn="l" defTabSz="914400" rtl="0" eaLnBrk="1" latinLnBrk="0" hangingPunct="1">
-              <a:lnSpc>
-                <a:spcPct val="90000"/>
-              </a:lnSpc>
-              <a:spcBef>
-                <a:spcPts val="600"/>
-              </a:spcBef>
-              <a:spcAft>
-                <a:spcPts val="600"/>
-              </a:spcAft>
-              <a:buClr>
-                <a:schemeClr val="accent2"/>
-              </a:buClr>
-              <a:buFont typeface="Wingdings" pitchFamily="2" charset="2"/>
-              <a:buChar char="§"/>
-              <a:defRPr sz="1800" kern="1200">
-                <a:solidFill>
-                  <a:schemeClr val="tx1"/>
-                </a:solidFill>
-                <a:latin typeface="+mn-lt"/>
-                <a:ea typeface="Open Sans" panose="020B0606030504020204" pitchFamily="34" charset="0"/>
-                <a:cs typeface="Open Sans" panose="020B0606030504020204" pitchFamily="34" charset="0"/>
-              </a:defRPr>
-            </a:lvl4pPr>
-            <a:lvl5pPr marL="1960563" indent="-225425" algn="l" defTabSz="914400" rtl="0" eaLnBrk="1" latinLnBrk="0" hangingPunct="1">
-              <a:lnSpc>
-                <a:spcPct val="90000"/>
-              </a:lnSpc>
-              <a:spcBef>
-                <a:spcPts val="600"/>
-              </a:spcBef>
-              <a:spcAft>
-                <a:spcPts val="600"/>
-              </a:spcAft>
-              <a:buClr>
-                <a:schemeClr val="accent2"/>
-              </a:buClr>
-              <a:buFont typeface="Wingdings" pitchFamily="2" charset="2"/>
-              <a:buChar char="§"/>
-              <a:tabLst/>
-              <a:defRPr sz="1600" kern="1200">
-                <a:solidFill>
-                  <a:schemeClr val="tx1"/>
-                </a:solidFill>
-                <a:latin typeface="+mn-lt"/>
-                <a:ea typeface="Open Sans" panose="020B0606030504020204" pitchFamily="34" charset="0"/>
-                <a:cs typeface="Open Sans" panose="020B0606030504020204" pitchFamily="34" charset="0"/>
-              </a:defRPr>
-            </a:lvl5pPr>
-            <a:lvl6pPr marL="2514600" indent="-228600" algn="l" defTabSz="914400" rtl="0" eaLnBrk="1" latinLnBrk="0" hangingPunct="1">
-              <a:lnSpc>
-                <a:spcPct val="90000"/>
-              </a:lnSpc>
-              <a:spcBef>
-                <a:spcPts val="500"/>
-              </a:spcBef>
-              <a:buFont typeface="Arial" panose="020B0604020202020204" pitchFamily="34" charset="0"/>
-              <a:buChar char="•"/>
-              <a:defRPr sz="1800" kern="1200">
-                <a:solidFill>
-                  <a:schemeClr val="tx1"/>
-                </a:solidFill>
-                <a:latin typeface="+mn-lt"/>
-                <a:ea typeface="+mn-ea"/>
-                <a:cs typeface="+mn-cs"/>
-              </a:defRPr>
-            </a:lvl6pPr>
-            <a:lvl7pPr marL="2971800" indent="-228600" algn="l" defTabSz="914400" rtl="0" eaLnBrk="1" latinLnBrk="0" hangingPunct="1">
-              <a:lnSpc>
-                <a:spcPct val="90000"/>
-              </a:lnSpc>
-              <a:spcBef>
-                <a:spcPts val="500"/>
-              </a:spcBef>
-              <a:buFont typeface="Arial" panose="020B0604020202020204" pitchFamily="34" charset="0"/>
-              <a:buChar char="•"/>
-              <a:defRPr sz="1800" kern="1200">
-                <a:solidFill>
-                  <a:schemeClr val="tx1"/>
-                </a:solidFill>
-                <a:latin typeface="+mn-lt"/>
-                <a:ea typeface="+mn-ea"/>
-                <a:cs typeface="+mn-cs"/>
-              </a:defRPr>
-            </a:lvl7pPr>
-            <a:lvl8pPr marL="3429000" indent="-228600" algn="l" defTabSz="914400" rtl="0" eaLnBrk="1" latinLnBrk="0" hangingPunct="1">
-              <a:lnSpc>
-                <a:spcPct val="90000"/>
-              </a:lnSpc>
-              <a:spcBef>
-                <a:spcPts val="500"/>
-              </a:spcBef>
-              <a:buFont typeface="Arial" panose="020B0604020202020204" pitchFamily="34" charset="0"/>
-              <a:buChar char="•"/>
-              <a:defRPr sz="1800" kern="1200">
-                <a:solidFill>
-                  <a:schemeClr val="tx1"/>
-                </a:solidFill>
-                <a:latin typeface="+mn-lt"/>
-                <a:ea typeface="+mn-ea"/>
-                <a:cs typeface="+mn-cs"/>
-              </a:defRPr>
-            </a:lvl8pPr>
-            <a:lvl9pPr marL="3886200" indent="-228600" algn="l" defTabSz="914400" rtl="0" eaLnBrk="1" latinLnBrk="0" hangingPunct="1">
-              <a:lnSpc>
-                <a:spcPct val="90000"/>
-              </a:lnSpc>
-              <a:spcBef>
-                <a:spcPts val="500"/>
-              </a:spcBef>
-              <a:buFont typeface="Arial" panose="020B0604020202020204" pitchFamily="34" charset="0"/>
-              <a:buChar char="•"/>
-              <a:defRPr sz="1800" kern="1200">
-                <a:solidFill>
-                  <a:schemeClr val="tx1"/>
-                </a:solidFill>
-                <a:latin typeface="+mn-lt"/>
-                <a:ea typeface="+mn-ea"/>
-                <a:cs typeface="+mn-cs"/>
-              </a:defRPr>
-            </a:lvl9pPr>
-          </a:lstStyle>
-          <a:p>
-            <a:pPr>
-              <a:buNone/>
-            </a:pPr>
-            <a:r>
               <a:rPr lang="hr-HR" sz="1100" dirty="0"/>
               <a:t>👉 </a:t>
             </a:r>
@@ -23039,7 +22346,7 @@
 </p:sld>
 </file>
 
-<file path=ppt/slides/slide8.xml><?xml version="1.0" encoding="utf-8"?>
+<file path=ppt/slides/slide7.xml><?xml version="1.0" encoding="utf-8"?>
 <p:sld xmlns:a="http://schemas.openxmlformats.org/drawingml/2006/main" xmlns:r="http://schemas.openxmlformats.org/officeDocument/2006/relationships" xmlns:p="http://schemas.openxmlformats.org/presentationml/2006/main">
   <p:cSld>
     <p:spTree>
@@ -23290,7 +22597,7 @@
 </p:sld>
 </file>
 
-<file path=ppt/slides/slide9.xml><?xml version="1.0" encoding="utf-8"?>
+<file path=ppt/slides/slide8.xml><?xml version="1.0" encoding="utf-8"?>
 <p:sld xmlns:a="http://schemas.openxmlformats.org/drawingml/2006/main" xmlns:r="http://schemas.openxmlformats.org/officeDocument/2006/relationships" xmlns:p="http://schemas.openxmlformats.org/presentationml/2006/main">
   <p:cSld>
     <p:spTree>
@@ -23562,6 +22869,249 @@
     <p:extLst>
       <p:ext uri="{BB962C8B-B14F-4D97-AF65-F5344CB8AC3E}">
         <p14:creationId xmlns:p14="http://schemas.microsoft.com/office/powerpoint/2010/main" val="2905613726"/>
+      </p:ext>
+    </p:extLst>
+  </p:cSld>
+  <p:clrMapOvr>
+    <a:masterClrMapping/>
+  </p:clrMapOvr>
+</p:sld>
+</file>
+
+<file path=ppt/slides/slide9.xml><?xml version="1.0" encoding="utf-8"?>
+<p:sld xmlns:a="http://schemas.openxmlformats.org/drawingml/2006/main" xmlns:r="http://schemas.openxmlformats.org/officeDocument/2006/relationships" xmlns:p="http://schemas.openxmlformats.org/presentationml/2006/main">
+  <p:cSld>
+    <p:spTree>
+      <p:nvGrpSpPr>
+        <p:cNvPr id="1" name="">
+          <a:extLst>
+            <a:ext uri="{FF2B5EF4-FFF2-40B4-BE49-F238E27FC236}">
+              <a16:creationId xmlns:a16="http://schemas.microsoft.com/office/drawing/2014/main" id="{314EE642-B941-087D-E0A9-F873282DF8AA}"/>
+            </a:ext>
+          </a:extLst>
+        </p:cNvPr>
+        <p:cNvGrpSpPr/>
+        <p:nvPr/>
+      </p:nvGrpSpPr>
+      <p:grpSpPr>
+        <a:xfrm>
+          <a:off x="0" y="0"/>
+          <a:ext cx="0" cy="0"/>
+          <a:chOff x="0" y="0"/>
+          <a:chExt cx="0" cy="0"/>
+        </a:xfrm>
+      </p:grpSpPr>
+      <p:sp>
+        <p:nvSpPr>
+          <p:cNvPr id="4" name="Title 1">
+            <a:extLst>
+              <a:ext uri="{FF2B5EF4-FFF2-40B4-BE49-F238E27FC236}">
+                <a16:creationId xmlns:a16="http://schemas.microsoft.com/office/drawing/2014/main" id="{0E878C4E-2A66-ABEF-6322-4BC6B11C6700}"/>
+              </a:ext>
+            </a:extLst>
+          </p:cNvPr>
+          <p:cNvSpPr txBox="1">
+            <a:spLocks/>
+          </p:cNvSpPr>
+          <p:nvPr/>
+        </p:nvSpPr>
+        <p:spPr>
+          <a:xfrm>
+            <a:off x="990600" y="383056"/>
+            <a:ext cx="10515600" cy="853976"/>
+          </a:xfrm>
+          <a:prstGeom prst="rect">
+            <a:avLst/>
+          </a:prstGeom>
+        </p:spPr>
+        <p:txBody>
+          <a:bodyPr vert="horz" lIns="91440" tIns="45720" rIns="91440" bIns="45720" rtlCol="0" anchor="ctr">
+            <a:normAutofit/>
+          </a:bodyPr>
+          <a:lstStyle>
+            <a:lvl1pPr algn="l" defTabSz="914400" rtl="0" eaLnBrk="1" latinLnBrk="0" hangingPunct="1">
+              <a:lnSpc>
+                <a:spcPct val="90000"/>
+              </a:lnSpc>
+              <a:spcBef>
+                <a:spcPct val="0"/>
+              </a:spcBef>
+              <a:buNone/>
+              <a:defRPr sz="3600" b="1" i="0" kern="1200" cap="all" baseline="0">
+                <a:solidFill>
+                  <a:schemeClr val="tx2"/>
+                </a:solidFill>
+                <a:latin typeface="+mj-lt"/>
+                <a:ea typeface="Open Sans Semibold" panose="020B0606030504020204" pitchFamily="34" charset="0"/>
+                <a:cs typeface="Open Sans Semibold" panose="020B0606030504020204" pitchFamily="34" charset="0"/>
+              </a:defRPr>
+            </a:lvl1pPr>
+          </a:lstStyle>
+          <a:p>
+            <a:r>
+              <a:rPr lang="en-US" dirty="0"/>
+              <a:t>TYPESCRIPT-TIPOVI</a:t>
+            </a:r>
+            <a:r>
+              <a:rPr lang="hr-HR" dirty="0"/>
+              <a:t> </a:t>
+            </a:r>
+          </a:p>
+        </p:txBody>
+      </p:sp>
+      <p:sp>
+        <p:nvSpPr>
+          <p:cNvPr id="5" name="TextBox 4">
+            <a:extLst>
+              <a:ext uri="{FF2B5EF4-FFF2-40B4-BE49-F238E27FC236}">
+                <a16:creationId xmlns:a16="http://schemas.microsoft.com/office/drawing/2014/main" id="{2614DEAA-0130-2BC1-7534-8BE9DD04D6F4}"/>
+              </a:ext>
+            </a:extLst>
+          </p:cNvPr>
+          <p:cNvSpPr txBox="1"/>
+          <p:nvPr/>
+        </p:nvSpPr>
+        <p:spPr>
+          <a:xfrm>
+            <a:off x="990600" y="1237032"/>
+            <a:ext cx="8671239" cy="2031325"/>
+          </a:xfrm>
+          <a:prstGeom prst="rect">
+            <a:avLst/>
+          </a:prstGeom>
+          <a:noFill/>
+        </p:spPr>
+        <p:txBody>
+          <a:bodyPr wrap="square">
+            <a:spAutoFit/>
+          </a:bodyPr>
+          <a:lstStyle/>
+          <a:p>
+            <a:pPr>
+              <a:buNone/>
+            </a:pPr>
+            <a:r>
+              <a:rPr lang="hr-HR" b="1" dirty="0"/>
+              <a:t>Kada Koristiti Eksplicitnu Dodjelu:</a:t>
+            </a:r>
+            <a:endParaRPr lang="en-US" b="1" dirty="0"/>
+          </a:p>
+          <a:p>
+            <a:pPr>
+              <a:buNone/>
+            </a:pPr>
+            <a:endParaRPr lang="hr-HR" dirty="0"/>
+          </a:p>
+          <a:p>
+            <a:pPr>
+              <a:buFont typeface="Arial" panose="020B0604020202020204" pitchFamily="34" charset="0"/>
+              <a:buChar char="•"/>
+            </a:pPr>
+            <a:r>
+              <a:rPr lang="hr-HR" dirty="0"/>
+              <a:t>Koristite eksplicitnu dodjelu kada varijabla nije inicijalizirana odmah, kako bi </a:t>
+            </a:r>
+            <a:r>
+              <a:rPr lang="hr-HR" dirty="0" err="1"/>
+              <a:t>TypeScript</a:t>
+            </a:r>
+            <a:r>
+              <a:rPr lang="hr-HR" dirty="0"/>
+              <a:t> znao koji tip se očekuje.</a:t>
+            </a:r>
+            <a:endParaRPr lang="en-US" dirty="0"/>
+          </a:p>
+          <a:p>
+            <a:pPr>
+              <a:buFont typeface="Arial" panose="020B0604020202020204" pitchFamily="34" charset="0"/>
+              <a:buChar char="•"/>
+            </a:pPr>
+            <a:endParaRPr lang="hr-HR" dirty="0"/>
+          </a:p>
+          <a:p>
+            <a:pPr>
+              <a:buFont typeface="Arial" panose="020B0604020202020204" pitchFamily="34" charset="0"/>
+              <a:buChar char="•"/>
+            </a:pPr>
+            <a:r>
+              <a:rPr lang="hr-HR" dirty="0"/>
+              <a:t>Ako varijabla ima početnu vrijednost, dobro je osloniti se na </a:t>
+            </a:r>
+            <a:r>
+              <a:rPr lang="hr-HR" dirty="0" err="1"/>
+              <a:t>inference</a:t>
+            </a:r>
+            <a:r>
+              <a:rPr lang="hr-HR" dirty="0"/>
+              <a:t>, osim ako nemate specifičan razlog za eksplicitnu definiciju</a:t>
+            </a:r>
+          </a:p>
+        </p:txBody>
+      </p:sp>
+      <p:pic>
+        <p:nvPicPr>
+          <p:cNvPr id="3" name="Picture 2">
+            <a:extLst>
+              <a:ext uri="{FF2B5EF4-FFF2-40B4-BE49-F238E27FC236}">
+                <a16:creationId xmlns:a16="http://schemas.microsoft.com/office/drawing/2014/main" id="{9606E49B-39AA-CB4D-155C-B1FB06057934}"/>
+              </a:ext>
+            </a:extLst>
+          </p:cNvPr>
+          <p:cNvPicPr>
+            <a:picLocks noChangeAspect="1"/>
+          </p:cNvPicPr>
+          <p:nvPr/>
+        </p:nvPicPr>
+        <p:blipFill>
+          <a:blip r:embed="rId3"/>
+          <a:stretch>
+            <a:fillRect/>
+          </a:stretch>
+        </p:blipFill>
+        <p:spPr>
+          <a:xfrm>
+            <a:off x="1065104" y="3513304"/>
+            <a:ext cx="6543675" cy="695325"/>
+          </a:xfrm>
+          <a:prstGeom prst="rect">
+            <a:avLst/>
+          </a:prstGeom>
+        </p:spPr>
+      </p:pic>
+      <p:pic>
+        <p:nvPicPr>
+          <p:cNvPr id="7" name="Picture 6">
+            <a:extLst>
+              <a:ext uri="{FF2B5EF4-FFF2-40B4-BE49-F238E27FC236}">
+                <a16:creationId xmlns:a16="http://schemas.microsoft.com/office/drawing/2014/main" id="{B6AB66FC-23DC-73D9-5346-CECF62368E2A}"/>
+              </a:ext>
+            </a:extLst>
+          </p:cNvPr>
+          <p:cNvPicPr>
+            <a:picLocks noChangeAspect="1"/>
+          </p:cNvPicPr>
+          <p:nvPr/>
+        </p:nvPicPr>
+        <p:blipFill>
+          <a:blip r:embed="rId4"/>
+          <a:stretch>
+            <a:fillRect/>
+          </a:stretch>
+        </p:blipFill>
+        <p:spPr>
+          <a:xfrm>
+            <a:off x="1065104" y="4453576"/>
+            <a:ext cx="7324725" cy="590550"/>
+          </a:xfrm>
+          <a:prstGeom prst="rect">
+            <a:avLst/>
+          </a:prstGeom>
+        </p:spPr>
+      </p:pic>
+    </p:spTree>
+    <p:extLst>
+      <p:ext uri="{BB962C8B-B14F-4D97-AF65-F5344CB8AC3E}">
+        <p14:creationId xmlns:p14="http://schemas.microsoft.com/office/powerpoint/2010/main" val="1293142067"/>
       </p:ext>
     </p:extLst>
   </p:cSld>
@@ -24068,17 +23618,6 @@
 </file>
 
 <file path=customXml/item1.xml><?xml version="1.0" encoding="utf-8"?>
-<p:properties xmlns:p="http://schemas.microsoft.com/office/2006/metadata/properties" xmlns:xsi="http://www.w3.org/2001/XMLSchema-instance" xmlns:pc="http://schemas.microsoft.com/office/infopath/2007/PartnerControls">
-  <documentManagement>
-    <lcf76f155ced4ddcb4097134ff3c332f xmlns="40806f44-bc4a-4ea4-b660-c6da93f8f179">
-      <Terms xmlns="http://schemas.microsoft.com/office/infopath/2007/PartnerControls"/>
-    </lcf76f155ced4ddcb4097134ff3c332f>
-    <TaxCatchAll xmlns="758d0d8f-b783-4c78-ab73-9740c97b97cf" xsi:nil="true"/>
-  </documentManagement>
-</p:properties>
-</file>
-
-<file path=customXml/item2.xml><?xml version="1.0" encoding="utf-8"?>
 <ct:contentTypeSchema xmlns:ct="http://schemas.microsoft.com/office/2006/metadata/contentType" xmlns:ma="http://schemas.microsoft.com/office/2006/metadata/properties/metaAttributes" ct:_="" ma:_="" ma:contentTypeName="Document" ma:contentTypeID="0x010100E4F55D9EF0BF0A44B819E681FCAC00B7" ma:contentTypeVersion="12" ma:contentTypeDescription="Create a new document." ma:contentTypeScope="" ma:versionID="068ce121a7a7a0aebcb89dd601c4f0a2">
   <xsd:schema xmlns:xsd="http://www.w3.org/2001/XMLSchema" xmlns:xs="http://www.w3.org/2001/XMLSchema" xmlns:p="http://schemas.microsoft.com/office/2006/metadata/properties" xmlns:ns2="40806f44-bc4a-4ea4-b660-c6da93f8f179" xmlns:ns3="758d0d8f-b783-4c78-ab73-9740c97b97cf" targetNamespace="http://schemas.microsoft.com/office/2006/metadata/properties" ma:root="true" ma:fieldsID="67c58e6c5c8ea9af0822acd84d25e1a2" ns2:_="" ns3:_="">
     <xsd:import namespace="40806f44-bc4a-4ea4-b660-c6da93f8f179"/>
@@ -24295,6 +23834,17 @@
 </ct:contentTypeSchema>
 </file>
 
+<file path=customXml/item2.xml><?xml version="1.0" encoding="utf-8"?>
+<p:properties xmlns:p="http://schemas.microsoft.com/office/2006/metadata/properties" xmlns:xsi="http://www.w3.org/2001/XMLSchema-instance" xmlns:pc="http://schemas.microsoft.com/office/infopath/2007/PartnerControls">
+  <documentManagement>
+    <lcf76f155ced4ddcb4097134ff3c332f xmlns="40806f44-bc4a-4ea4-b660-c6da93f8f179">
+      <Terms xmlns="http://schemas.microsoft.com/office/infopath/2007/PartnerControls"/>
+    </lcf76f155ced4ddcb4097134ff3c332f>
+    <TaxCatchAll xmlns="758d0d8f-b783-4c78-ab73-9740c97b97cf" xsi:nil="true"/>
+  </documentManagement>
+</p:properties>
+</file>
+
 <file path=customXml/item3.xml><?xml version="1.0" encoding="utf-8"?>
 <?mso-contentType ?>
 <FormTemplates xmlns="http://schemas.microsoft.com/sharepoint/v3/contenttype/forms">
@@ -24305,23 +23855,6 @@
 </file>
 
 <file path=customXml/itemProps1.xml><?xml version="1.0" encoding="utf-8"?>
-<ds:datastoreItem xmlns:ds="http://schemas.openxmlformats.org/officeDocument/2006/customXml" ds:itemID="{61E72F81-8533-461E-8E71-A6D77294CFEF}">
-  <ds:schemaRefs>
-    <ds:schemaRef ds:uri="http://purl.org/dc/elements/1.1/"/>
-    <ds:schemaRef ds:uri="http://www.w3.org/XML/1998/namespace"/>
-    <ds:schemaRef ds:uri="http://purl.org/dc/terms/"/>
-    <ds:schemaRef ds:uri="http://schemas.microsoft.com/office/2006/documentManagement/types"/>
-    <ds:schemaRef ds:uri="40806f44-bc4a-4ea4-b660-c6da93f8f179"/>
-    <ds:schemaRef ds:uri="http://schemas.openxmlformats.org/package/2006/metadata/core-properties"/>
-    <ds:schemaRef ds:uri="http://purl.org/dc/dcmitype/"/>
-    <ds:schemaRef ds:uri="http://schemas.microsoft.com/office/infopath/2007/PartnerControls"/>
-    <ds:schemaRef ds:uri="758d0d8f-b783-4c78-ab73-9740c97b97cf"/>
-    <ds:schemaRef ds:uri="http://schemas.microsoft.com/office/2006/metadata/properties"/>
-  </ds:schemaRefs>
-</ds:datastoreItem>
-</file>
-
-<file path=customXml/itemProps2.xml><?xml version="1.0" encoding="utf-8"?>
 <ds:datastoreItem xmlns:ds="http://schemas.openxmlformats.org/officeDocument/2006/customXml" ds:itemID="{4E6AED0F-96FF-4C7F-8AC9-672C91BFCDFE}">
   <ds:schemaRefs>
     <ds:schemaRef ds:uri="http://schemas.microsoft.com/office/2006/metadata/contentType"/>
@@ -24340,6 +23873,23 @@
 </ds:datastoreItem>
 </file>
 
+<file path=customXml/itemProps2.xml><?xml version="1.0" encoding="utf-8"?>
+<ds:datastoreItem xmlns:ds="http://schemas.openxmlformats.org/officeDocument/2006/customXml" ds:itemID="{61E72F81-8533-461E-8E71-A6D77294CFEF}">
+  <ds:schemaRefs>
+    <ds:schemaRef ds:uri="http://purl.org/dc/elements/1.1/"/>
+    <ds:schemaRef ds:uri="http://www.w3.org/XML/1998/namespace"/>
+    <ds:schemaRef ds:uri="http://purl.org/dc/terms/"/>
+    <ds:schemaRef ds:uri="http://schemas.microsoft.com/office/2006/documentManagement/types"/>
+    <ds:schemaRef ds:uri="40806f44-bc4a-4ea4-b660-c6da93f8f179"/>
+    <ds:schemaRef ds:uri="http://schemas.openxmlformats.org/package/2006/metadata/core-properties"/>
+    <ds:schemaRef ds:uri="http://purl.org/dc/dcmitype/"/>
+    <ds:schemaRef ds:uri="http://schemas.microsoft.com/office/infopath/2007/PartnerControls"/>
+    <ds:schemaRef ds:uri="758d0d8f-b783-4c78-ab73-9740c97b97cf"/>
+    <ds:schemaRef ds:uri="http://schemas.microsoft.com/office/2006/metadata/properties"/>
+  </ds:schemaRefs>
+</ds:datastoreItem>
+</file>
+
 <file path=customXml/itemProps3.xml><?xml version="1.0" encoding="utf-8"?>
 <ds:datastoreItem xmlns:ds="http://schemas.openxmlformats.org/officeDocument/2006/customXml" ds:itemID="{46915D30-CAA6-465E-907F-1770D4E3B01D}">
   <ds:schemaRefs>

--- a/Bootcamp/typescript/typescript-uvod.pptx
+++ b/Bootcamp/typescript/typescript-uvod.pptx
@@ -5,7 +5,7 @@
     <p:sldMasterId id="2147483648" r:id="rId4"/>
   </p:sldMasterIdLst>
   <p:notesMasterIdLst>
-    <p:notesMasterId r:id="rId36"/>
+    <p:notesMasterId r:id="rId38"/>
   </p:notesMasterIdLst>
   <p:sldIdLst>
     <p:sldId id="282" r:id="rId5"/>
@@ -24,21 +24,23 @@
     <p:sldId id="393" r:id="rId18"/>
     <p:sldId id="411" r:id="rId19"/>
     <p:sldId id="394" r:id="rId20"/>
-    <p:sldId id="395" r:id="rId21"/>
-    <p:sldId id="397" r:id="rId22"/>
-    <p:sldId id="412" r:id="rId23"/>
-    <p:sldId id="398" r:id="rId24"/>
-    <p:sldId id="399" r:id="rId25"/>
-    <p:sldId id="400" r:id="rId26"/>
-    <p:sldId id="401" r:id="rId27"/>
-    <p:sldId id="404" r:id="rId28"/>
-    <p:sldId id="403" r:id="rId29"/>
-    <p:sldId id="405" r:id="rId30"/>
-    <p:sldId id="406" r:id="rId31"/>
-    <p:sldId id="407" r:id="rId32"/>
-    <p:sldId id="408" r:id="rId33"/>
-    <p:sldId id="409" r:id="rId34"/>
-    <p:sldId id="378" r:id="rId35"/>
+    <p:sldId id="413" r:id="rId21"/>
+    <p:sldId id="395" r:id="rId22"/>
+    <p:sldId id="397" r:id="rId23"/>
+    <p:sldId id="412" r:id="rId24"/>
+    <p:sldId id="398" r:id="rId25"/>
+    <p:sldId id="399" r:id="rId26"/>
+    <p:sldId id="400" r:id="rId27"/>
+    <p:sldId id="401" r:id="rId28"/>
+    <p:sldId id="404" r:id="rId29"/>
+    <p:sldId id="403" r:id="rId30"/>
+    <p:sldId id="414" r:id="rId31"/>
+    <p:sldId id="405" r:id="rId32"/>
+    <p:sldId id="406" r:id="rId33"/>
+    <p:sldId id="407" r:id="rId34"/>
+    <p:sldId id="408" r:id="rId35"/>
+    <p:sldId id="409" r:id="rId36"/>
+    <p:sldId id="378" r:id="rId37"/>
   </p:sldIdLst>
   <p:sldSz cx="12192000" cy="6858000"/>
   <p:notesSz cx="6858000" cy="9144000"/>
@@ -162,6 +164,7 @@
             <p14:sldId id="393"/>
             <p14:sldId id="411"/>
             <p14:sldId id="394"/>
+            <p14:sldId id="413"/>
             <p14:sldId id="395"/>
             <p14:sldId id="397"/>
             <p14:sldId id="412"/>
@@ -171,6 +174,7 @@
             <p14:sldId id="401"/>
             <p14:sldId id="404"/>
             <p14:sldId id="403"/>
+            <p14:sldId id="414"/>
             <p14:sldId id="405"/>
             <p14:sldId id="406"/>
             <p14:sldId id="407"/>
@@ -281,7 +285,7 @@
           <a:p>
             <a:fld id="{B2A70591-2E3C-5F42-A4E1-C0F5A0F4E5DB}" type="datetimeFigureOut">
               <a:rPr lang="en-US" smtClean="0"/>
-              <a:t>5/15/2025</a:t>
+              <a:t>5/18/2025</a:t>
             </a:fld>
             <a:endParaRPr lang="en-US"/>
           </a:p>
@@ -1313,6 +1317,114 @@
         <p:cNvPr id="1" name="">
           <a:extLst>
             <a:ext uri="{FF2B5EF4-FFF2-40B4-BE49-F238E27FC236}">
+              <a16:creationId xmlns:a16="http://schemas.microsoft.com/office/drawing/2014/main" id="{0BDC1CF5-8081-37F1-C601-F75D5CA01FEE}"/>
+            </a:ext>
+          </a:extLst>
+        </p:cNvPr>
+        <p:cNvGrpSpPr/>
+        <p:nvPr/>
+      </p:nvGrpSpPr>
+      <p:grpSpPr>
+        <a:xfrm>
+          <a:off x="0" y="0"/>
+          <a:ext cx="0" cy="0"/>
+          <a:chOff x="0" y="0"/>
+          <a:chExt cx="0" cy="0"/>
+        </a:xfrm>
+      </p:grpSpPr>
+      <p:sp>
+        <p:nvSpPr>
+          <p:cNvPr id="2" name="Slide Image Placeholder 1">
+            <a:extLst>
+              <a:ext uri="{FF2B5EF4-FFF2-40B4-BE49-F238E27FC236}">
+                <a16:creationId xmlns:a16="http://schemas.microsoft.com/office/drawing/2014/main" id="{33DB726B-426B-FFE0-81DE-F7FB5B039443}"/>
+              </a:ext>
+            </a:extLst>
+          </p:cNvPr>
+          <p:cNvSpPr>
+            <a:spLocks noGrp="1" noRot="1" noChangeAspect="1"/>
+          </p:cNvSpPr>
+          <p:nvPr>
+            <p:ph type="sldImg"/>
+          </p:nvPr>
+        </p:nvSpPr>
+        <p:spPr/>
+      </p:sp>
+      <p:sp>
+        <p:nvSpPr>
+          <p:cNvPr id="3" name="Notes Placeholder 2">
+            <a:extLst>
+              <a:ext uri="{FF2B5EF4-FFF2-40B4-BE49-F238E27FC236}">
+                <a16:creationId xmlns:a16="http://schemas.microsoft.com/office/drawing/2014/main" id="{E20FD0CE-5658-117A-4E14-ADEC05327B3B}"/>
+              </a:ext>
+            </a:extLst>
+          </p:cNvPr>
+          <p:cNvSpPr>
+            <a:spLocks noGrp="1"/>
+          </p:cNvSpPr>
+          <p:nvPr>
+            <p:ph type="body" idx="1"/>
+          </p:nvPr>
+        </p:nvSpPr>
+        <p:spPr/>
+        <p:txBody>
+          <a:bodyPr/>
+          <a:lstStyle/>
+          <a:p>
+            <a:endParaRPr lang="hr-HR" dirty="0"/>
+          </a:p>
+        </p:txBody>
+      </p:sp>
+      <p:sp>
+        <p:nvSpPr>
+          <p:cNvPr id="4" name="Slide Number Placeholder 3">
+            <a:extLst>
+              <a:ext uri="{FF2B5EF4-FFF2-40B4-BE49-F238E27FC236}">
+                <a16:creationId xmlns:a16="http://schemas.microsoft.com/office/drawing/2014/main" id="{684E4C3B-49DA-7EB8-C86C-1239C0E87814}"/>
+              </a:ext>
+            </a:extLst>
+          </p:cNvPr>
+          <p:cNvSpPr>
+            <a:spLocks noGrp="1"/>
+          </p:cNvSpPr>
+          <p:nvPr>
+            <p:ph type="sldNum" sz="quarter" idx="5"/>
+          </p:nvPr>
+        </p:nvSpPr>
+        <p:spPr/>
+        <p:txBody>
+          <a:bodyPr/>
+          <a:lstStyle/>
+          <a:p>
+            <a:fld id="{343B951A-A665-1949-AEDB-B62DC9BE7F13}" type="slidenum">
+              <a:rPr lang="en-US" smtClean="0"/>
+              <a:t>17</a:t>
+            </a:fld>
+            <a:endParaRPr lang="en-US"/>
+          </a:p>
+        </p:txBody>
+      </p:sp>
+    </p:spTree>
+    <p:extLst>
+      <p:ext uri="{BB962C8B-B14F-4D97-AF65-F5344CB8AC3E}">
+        <p14:creationId xmlns:p14="http://schemas.microsoft.com/office/powerpoint/2010/main" val="2485723945"/>
+      </p:ext>
+    </p:extLst>
+  </p:cSld>
+  <p:clrMapOvr>
+    <a:masterClrMapping/>
+  </p:clrMapOvr>
+</p:notes>
+</file>
+
+<file path=ppt/notesSlides/notesSlide17.xml><?xml version="1.0" encoding="utf-8"?>
+<p:notes xmlns:a="http://schemas.openxmlformats.org/drawingml/2006/main" xmlns:r="http://schemas.openxmlformats.org/officeDocument/2006/relationships" xmlns:p="http://schemas.openxmlformats.org/presentationml/2006/main">
+  <p:cSld>
+    <p:spTree>
+      <p:nvGrpSpPr>
+        <p:cNvPr id="1" name="">
+          <a:extLst>
+            <a:ext uri="{FF2B5EF4-FFF2-40B4-BE49-F238E27FC236}">
               <a16:creationId xmlns:a16="http://schemas.microsoft.com/office/drawing/2014/main" id="{501C1F30-8BA2-05BD-6570-A9AA1E60664A}"/>
             </a:ext>
           </a:extLst>
@@ -1394,7 +1506,7 @@
           <a:p>
             <a:fld id="{343B951A-A665-1949-AEDB-B62DC9BE7F13}" type="slidenum">
               <a:rPr lang="en-US" smtClean="0"/>
-              <a:t>17</a:t>
+              <a:t>18</a:t>
             </a:fld>
             <a:endParaRPr lang="en-US"/>
           </a:p>
@@ -1413,7 +1525,7 @@
 </p:notes>
 </file>
 
-<file path=ppt/notesSlides/notesSlide17.xml><?xml version="1.0" encoding="utf-8"?>
+<file path=ppt/notesSlides/notesSlide18.xml><?xml version="1.0" encoding="utf-8"?>
 <p:notes xmlns:a="http://schemas.openxmlformats.org/drawingml/2006/main" xmlns:r="http://schemas.openxmlformats.org/officeDocument/2006/relationships" xmlns:p="http://schemas.openxmlformats.org/presentationml/2006/main">
   <p:cSld>
     <p:spTree>
@@ -1502,7 +1614,7 @@
           <a:p>
             <a:fld id="{343B951A-A665-1949-AEDB-B62DC9BE7F13}" type="slidenum">
               <a:rPr lang="en-US" smtClean="0"/>
-              <a:t>18</a:t>
+              <a:t>19</a:t>
             </a:fld>
             <a:endParaRPr lang="en-US"/>
           </a:p>
@@ -1521,7 +1633,7 @@
 </p:notes>
 </file>
 
-<file path=ppt/notesSlides/notesSlide18.xml><?xml version="1.0" encoding="utf-8"?>
+<file path=ppt/notesSlides/notesSlide19.xml><?xml version="1.0" encoding="utf-8"?>
 <p:notes xmlns:a="http://schemas.openxmlformats.org/drawingml/2006/main" xmlns:r="http://schemas.openxmlformats.org/officeDocument/2006/relationships" xmlns:p="http://schemas.openxmlformats.org/presentationml/2006/main">
   <p:cSld>
     <p:spTree>
@@ -1610,7 +1722,7 @@
           <a:p>
             <a:fld id="{343B951A-A665-1949-AEDB-B62DC9BE7F13}" type="slidenum">
               <a:rPr lang="en-US" smtClean="0"/>
-              <a:t>19</a:t>
+              <a:t>20</a:t>
             </a:fld>
             <a:endParaRPr lang="en-US"/>
           </a:p>
@@ -1620,114 +1732,6 @@
     <p:extLst>
       <p:ext uri="{BB962C8B-B14F-4D97-AF65-F5344CB8AC3E}">
         <p14:creationId xmlns:p14="http://schemas.microsoft.com/office/powerpoint/2010/main" val="2016978021"/>
-      </p:ext>
-    </p:extLst>
-  </p:cSld>
-  <p:clrMapOvr>
-    <a:masterClrMapping/>
-  </p:clrMapOvr>
-</p:notes>
-</file>
-
-<file path=ppt/notesSlides/notesSlide19.xml><?xml version="1.0" encoding="utf-8"?>
-<p:notes xmlns:a="http://schemas.openxmlformats.org/drawingml/2006/main" xmlns:r="http://schemas.openxmlformats.org/officeDocument/2006/relationships" xmlns:p="http://schemas.openxmlformats.org/presentationml/2006/main">
-  <p:cSld>
-    <p:spTree>
-      <p:nvGrpSpPr>
-        <p:cNvPr id="1" name="">
-          <a:extLst>
-            <a:ext uri="{FF2B5EF4-FFF2-40B4-BE49-F238E27FC236}">
-              <a16:creationId xmlns:a16="http://schemas.microsoft.com/office/drawing/2014/main" id="{0E2FCA75-5963-373E-6945-A8916EBA6356}"/>
-            </a:ext>
-          </a:extLst>
-        </p:cNvPr>
-        <p:cNvGrpSpPr/>
-        <p:nvPr/>
-      </p:nvGrpSpPr>
-      <p:grpSpPr>
-        <a:xfrm>
-          <a:off x="0" y="0"/>
-          <a:ext cx="0" cy="0"/>
-          <a:chOff x="0" y="0"/>
-          <a:chExt cx="0" cy="0"/>
-        </a:xfrm>
-      </p:grpSpPr>
-      <p:sp>
-        <p:nvSpPr>
-          <p:cNvPr id="2" name="Slide Image Placeholder 1">
-            <a:extLst>
-              <a:ext uri="{FF2B5EF4-FFF2-40B4-BE49-F238E27FC236}">
-                <a16:creationId xmlns:a16="http://schemas.microsoft.com/office/drawing/2014/main" id="{F809272F-E385-2B59-7665-AE4B222927BC}"/>
-              </a:ext>
-            </a:extLst>
-          </p:cNvPr>
-          <p:cNvSpPr>
-            <a:spLocks noGrp="1" noRot="1" noChangeAspect="1"/>
-          </p:cNvSpPr>
-          <p:nvPr>
-            <p:ph type="sldImg"/>
-          </p:nvPr>
-        </p:nvSpPr>
-        <p:spPr/>
-      </p:sp>
-      <p:sp>
-        <p:nvSpPr>
-          <p:cNvPr id="3" name="Notes Placeholder 2">
-            <a:extLst>
-              <a:ext uri="{FF2B5EF4-FFF2-40B4-BE49-F238E27FC236}">
-                <a16:creationId xmlns:a16="http://schemas.microsoft.com/office/drawing/2014/main" id="{364F0AAE-7761-3DE7-B3E2-23D2717BE5A9}"/>
-              </a:ext>
-            </a:extLst>
-          </p:cNvPr>
-          <p:cNvSpPr>
-            <a:spLocks noGrp="1"/>
-          </p:cNvSpPr>
-          <p:nvPr>
-            <p:ph type="body" idx="1"/>
-          </p:nvPr>
-        </p:nvSpPr>
-        <p:spPr/>
-        <p:txBody>
-          <a:bodyPr/>
-          <a:lstStyle/>
-          <a:p>
-            <a:endParaRPr lang="hr-HR" dirty="0"/>
-          </a:p>
-        </p:txBody>
-      </p:sp>
-      <p:sp>
-        <p:nvSpPr>
-          <p:cNvPr id="4" name="Slide Number Placeholder 3">
-            <a:extLst>
-              <a:ext uri="{FF2B5EF4-FFF2-40B4-BE49-F238E27FC236}">
-                <a16:creationId xmlns:a16="http://schemas.microsoft.com/office/drawing/2014/main" id="{841202B5-52EA-D2C0-9B72-B8DAAE26E508}"/>
-              </a:ext>
-            </a:extLst>
-          </p:cNvPr>
-          <p:cNvSpPr>
-            <a:spLocks noGrp="1"/>
-          </p:cNvSpPr>
-          <p:nvPr>
-            <p:ph type="sldNum" sz="quarter" idx="5"/>
-          </p:nvPr>
-        </p:nvSpPr>
-        <p:spPr/>
-        <p:txBody>
-          <a:bodyPr/>
-          <a:lstStyle/>
-          <a:p>
-            <a:fld id="{343B951A-A665-1949-AEDB-B62DC9BE7F13}" type="slidenum">
-              <a:rPr lang="en-US" smtClean="0"/>
-              <a:t>20</a:t>
-            </a:fld>
-            <a:endParaRPr lang="en-US"/>
-          </a:p>
-        </p:txBody>
-      </p:sp>
-    </p:spTree>
-    <p:extLst>
-      <p:ext uri="{BB962C8B-B14F-4D97-AF65-F5344CB8AC3E}">
-        <p14:creationId xmlns:p14="http://schemas.microsoft.com/office/powerpoint/2010/main" val="3586062956"/>
       </p:ext>
     </p:extLst>
   </p:cSld>
@@ -1853,6 +1857,114 @@
         <p:cNvPr id="1" name="">
           <a:extLst>
             <a:ext uri="{FF2B5EF4-FFF2-40B4-BE49-F238E27FC236}">
+              <a16:creationId xmlns:a16="http://schemas.microsoft.com/office/drawing/2014/main" id="{0E2FCA75-5963-373E-6945-A8916EBA6356}"/>
+            </a:ext>
+          </a:extLst>
+        </p:cNvPr>
+        <p:cNvGrpSpPr/>
+        <p:nvPr/>
+      </p:nvGrpSpPr>
+      <p:grpSpPr>
+        <a:xfrm>
+          <a:off x="0" y="0"/>
+          <a:ext cx="0" cy="0"/>
+          <a:chOff x="0" y="0"/>
+          <a:chExt cx="0" cy="0"/>
+        </a:xfrm>
+      </p:grpSpPr>
+      <p:sp>
+        <p:nvSpPr>
+          <p:cNvPr id="2" name="Slide Image Placeholder 1">
+            <a:extLst>
+              <a:ext uri="{FF2B5EF4-FFF2-40B4-BE49-F238E27FC236}">
+                <a16:creationId xmlns:a16="http://schemas.microsoft.com/office/drawing/2014/main" id="{F809272F-E385-2B59-7665-AE4B222927BC}"/>
+              </a:ext>
+            </a:extLst>
+          </p:cNvPr>
+          <p:cNvSpPr>
+            <a:spLocks noGrp="1" noRot="1" noChangeAspect="1"/>
+          </p:cNvSpPr>
+          <p:nvPr>
+            <p:ph type="sldImg"/>
+          </p:nvPr>
+        </p:nvSpPr>
+        <p:spPr/>
+      </p:sp>
+      <p:sp>
+        <p:nvSpPr>
+          <p:cNvPr id="3" name="Notes Placeholder 2">
+            <a:extLst>
+              <a:ext uri="{FF2B5EF4-FFF2-40B4-BE49-F238E27FC236}">
+                <a16:creationId xmlns:a16="http://schemas.microsoft.com/office/drawing/2014/main" id="{364F0AAE-7761-3DE7-B3E2-23D2717BE5A9}"/>
+              </a:ext>
+            </a:extLst>
+          </p:cNvPr>
+          <p:cNvSpPr>
+            <a:spLocks noGrp="1"/>
+          </p:cNvSpPr>
+          <p:nvPr>
+            <p:ph type="body" idx="1"/>
+          </p:nvPr>
+        </p:nvSpPr>
+        <p:spPr/>
+        <p:txBody>
+          <a:bodyPr/>
+          <a:lstStyle/>
+          <a:p>
+            <a:endParaRPr lang="hr-HR" dirty="0"/>
+          </a:p>
+        </p:txBody>
+      </p:sp>
+      <p:sp>
+        <p:nvSpPr>
+          <p:cNvPr id="4" name="Slide Number Placeholder 3">
+            <a:extLst>
+              <a:ext uri="{FF2B5EF4-FFF2-40B4-BE49-F238E27FC236}">
+                <a16:creationId xmlns:a16="http://schemas.microsoft.com/office/drawing/2014/main" id="{841202B5-52EA-D2C0-9B72-B8DAAE26E508}"/>
+              </a:ext>
+            </a:extLst>
+          </p:cNvPr>
+          <p:cNvSpPr>
+            <a:spLocks noGrp="1"/>
+          </p:cNvSpPr>
+          <p:nvPr>
+            <p:ph type="sldNum" sz="quarter" idx="5"/>
+          </p:nvPr>
+        </p:nvSpPr>
+        <p:spPr/>
+        <p:txBody>
+          <a:bodyPr/>
+          <a:lstStyle/>
+          <a:p>
+            <a:fld id="{343B951A-A665-1949-AEDB-B62DC9BE7F13}" type="slidenum">
+              <a:rPr lang="en-US" smtClean="0"/>
+              <a:t>21</a:t>
+            </a:fld>
+            <a:endParaRPr lang="en-US"/>
+          </a:p>
+        </p:txBody>
+      </p:sp>
+    </p:spTree>
+    <p:extLst>
+      <p:ext uri="{BB962C8B-B14F-4D97-AF65-F5344CB8AC3E}">
+        <p14:creationId xmlns:p14="http://schemas.microsoft.com/office/powerpoint/2010/main" val="3586062956"/>
+      </p:ext>
+    </p:extLst>
+  </p:cSld>
+  <p:clrMapOvr>
+    <a:masterClrMapping/>
+  </p:clrMapOvr>
+</p:notes>
+</file>
+
+<file path=ppt/notesSlides/notesSlide21.xml><?xml version="1.0" encoding="utf-8"?>
+<p:notes xmlns:a="http://schemas.openxmlformats.org/drawingml/2006/main" xmlns:r="http://schemas.openxmlformats.org/officeDocument/2006/relationships" xmlns:p="http://schemas.openxmlformats.org/presentationml/2006/main">
+  <p:cSld>
+    <p:spTree>
+      <p:nvGrpSpPr>
+        <p:cNvPr id="1" name="">
+          <a:extLst>
+            <a:ext uri="{FF2B5EF4-FFF2-40B4-BE49-F238E27FC236}">
               <a16:creationId xmlns:a16="http://schemas.microsoft.com/office/drawing/2014/main" id="{A67334FD-89C1-A217-5C93-D1487076C585}"/>
             </a:ext>
           </a:extLst>
@@ -1934,7 +2046,7 @@
           <a:p>
             <a:fld id="{343B951A-A665-1949-AEDB-B62DC9BE7F13}" type="slidenum">
               <a:rPr lang="en-US" smtClean="0"/>
-              <a:t>21</a:t>
+              <a:t>22</a:t>
             </a:fld>
             <a:endParaRPr lang="en-US"/>
           </a:p>
@@ -1953,7 +2065,7 @@
 </p:notes>
 </file>
 
-<file path=ppt/notesSlides/notesSlide21.xml><?xml version="1.0" encoding="utf-8"?>
+<file path=ppt/notesSlides/notesSlide22.xml><?xml version="1.0" encoding="utf-8"?>
 <p:notes xmlns:a="http://schemas.openxmlformats.org/drawingml/2006/main" xmlns:r="http://schemas.openxmlformats.org/officeDocument/2006/relationships" xmlns:p="http://schemas.openxmlformats.org/presentationml/2006/main">
   <p:cSld>
     <p:spTree>
@@ -2042,7 +2154,7 @@
           <a:p>
             <a:fld id="{343B951A-A665-1949-AEDB-B62DC9BE7F13}" type="slidenum">
               <a:rPr lang="en-US" smtClean="0"/>
-              <a:t>22</a:t>
+              <a:t>23</a:t>
             </a:fld>
             <a:endParaRPr lang="en-US"/>
           </a:p>
@@ -2061,7 +2173,7 @@
 </p:notes>
 </file>
 
-<file path=ppt/notesSlides/notesSlide22.xml><?xml version="1.0" encoding="utf-8"?>
+<file path=ppt/notesSlides/notesSlide23.xml><?xml version="1.0" encoding="utf-8"?>
 <p:notes xmlns:a="http://schemas.openxmlformats.org/drawingml/2006/main" xmlns:r="http://schemas.openxmlformats.org/officeDocument/2006/relationships" xmlns:p="http://schemas.openxmlformats.org/presentationml/2006/main">
   <p:cSld>
     <p:spTree>
@@ -2150,7 +2262,7 @@
           <a:p>
             <a:fld id="{343B951A-A665-1949-AEDB-B62DC9BE7F13}" type="slidenum">
               <a:rPr lang="en-US" smtClean="0"/>
-              <a:t>23</a:t>
+              <a:t>24</a:t>
             </a:fld>
             <a:endParaRPr lang="en-US"/>
           </a:p>
@@ -2169,7 +2281,7 @@
 </p:notes>
 </file>
 
-<file path=ppt/notesSlides/notesSlide23.xml><?xml version="1.0" encoding="utf-8"?>
+<file path=ppt/notesSlides/notesSlide24.xml><?xml version="1.0" encoding="utf-8"?>
 <p:notes xmlns:a="http://schemas.openxmlformats.org/drawingml/2006/main" xmlns:r="http://schemas.openxmlformats.org/officeDocument/2006/relationships" xmlns:p="http://schemas.openxmlformats.org/presentationml/2006/main">
   <p:cSld>
     <p:spTree>
@@ -2258,7 +2370,7 @@
           <a:p>
             <a:fld id="{343B951A-A665-1949-AEDB-B62DC9BE7F13}" type="slidenum">
               <a:rPr lang="en-US" smtClean="0"/>
-              <a:t>24</a:t>
+              <a:t>25</a:t>
             </a:fld>
             <a:endParaRPr lang="en-US"/>
           </a:p>
@@ -2277,7 +2389,7 @@
 </p:notes>
 </file>
 
-<file path=ppt/notesSlides/notesSlide24.xml><?xml version="1.0" encoding="utf-8"?>
+<file path=ppt/notesSlides/notesSlide25.xml><?xml version="1.0" encoding="utf-8"?>
 <p:notes xmlns:a="http://schemas.openxmlformats.org/drawingml/2006/main" xmlns:r="http://schemas.openxmlformats.org/officeDocument/2006/relationships" xmlns:p="http://schemas.openxmlformats.org/presentationml/2006/main">
   <p:cSld>
     <p:spTree>
@@ -2366,7 +2478,7 @@
           <a:p>
             <a:fld id="{343B951A-A665-1949-AEDB-B62DC9BE7F13}" type="slidenum">
               <a:rPr lang="en-US" smtClean="0"/>
-              <a:t>25</a:t>
+              <a:t>26</a:t>
             </a:fld>
             <a:endParaRPr lang="en-US"/>
           </a:p>
@@ -2385,7 +2497,118 @@
 </p:notes>
 </file>
 
-<file path=ppt/notesSlides/notesSlide25.xml><?xml version="1.0" encoding="utf-8"?>
+<file path=ppt/notesSlides/notesSlide26.xml><?xml version="1.0" encoding="utf-8"?>
+<p:notes xmlns:a="http://schemas.openxmlformats.org/drawingml/2006/main" xmlns:r="http://schemas.openxmlformats.org/officeDocument/2006/relationships" xmlns:p="http://schemas.openxmlformats.org/presentationml/2006/main">
+  <p:cSld>
+    <p:spTree>
+      <p:nvGrpSpPr>
+        <p:cNvPr id="1" name="">
+          <a:extLst>
+            <a:ext uri="{FF2B5EF4-FFF2-40B4-BE49-F238E27FC236}">
+              <a16:creationId xmlns:a16="http://schemas.microsoft.com/office/drawing/2014/main" id="{86775BA9-FC3C-8BA8-30CE-37B6B6CB886F}"/>
+            </a:ext>
+          </a:extLst>
+        </p:cNvPr>
+        <p:cNvGrpSpPr/>
+        <p:nvPr/>
+      </p:nvGrpSpPr>
+      <p:grpSpPr>
+        <a:xfrm>
+          <a:off x="0" y="0"/>
+          <a:ext cx="0" cy="0"/>
+          <a:chOff x="0" y="0"/>
+          <a:chExt cx="0" cy="0"/>
+        </a:xfrm>
+      </p:grpSpPr>
+      <p:sp>
+        <p:nvSpPr>
+          <p:cNvPr id="2" name="Slide Image Placeholder 1">
+            <a:extLst>
+              <a:ext uri="{FF2B5EF4-FFF2-40B4-BE49-F238E27FC236}">
+                <a16:creationId xmlns:a16="http://schemas.microsoft.com/office/drawing/2014/main" id="{DDAB251F-C56A-177C-1C82-0C78635FC5DF}"/>
+              </a:ext>
+            </a:extLst>
+          </p:cNvPr>
+          <p:cNvSpPr>
+            <a:spLocks noGrp="1" noRot="1" noChangeAspect="1"/>
+          </p:cNvSpPr>
+          <p:nvPr>
+            <p:ph type="sldImg"/>
+          </p:nvPr>
+        </p:nvSpPr>
+        <p:spPr/>
+      </p:sp>
+      <p:sp>
+        <p:nvSpPr>
+          <p:cNvPr id="3" name="Notes Placeholder 2">
+            <a:extLst>
+              <a:ext uri="{FF2B5EF4-FFF2-40B4-BE49-F238E27FC236}">
+                <a16:creationId xmlns:a16="http://schemas.microsoft.com/office/drawing/2014/main" id="{37EBC3EA-1B6C-7415-2056-6A688ABD7628}"/>
+              </a:ext>
+            </a:extLst>
+          </p:cNvPr>
+          <p:cNvSpPr>
+            <a:spLocks noGrp="1"/>
+          </p:cNvSpPr>
+          <p:nvPr>
+            <p:ph type="body" idx="1"/>
+          </p:nvPr>
+        </p:nvSpPr>
+        <p:spPr/>
+        <p:txBody>
+          <a:bodyPr/>
+          <a:lstStyle/>
+          <a:p>
+            <a:r>
+              <a:rPr lang="hr-HR" dirty="0"/>
+              <a:t>https://docs.google.com/document/d/1ralSZEO09imqj37FaQmbcSF3e_MvwYh85gx2r2rty2E/edit?usp=sharing</a:t>
+            </a:r>
+          </a:p>
+        </p:txBody>
+      </p:sp>
+      <p:sp>
+        <p:nvSpPr>
+          <p:cNvPr id="4" name="Slide Number Placeholder 3">
+            <a:extLst>
+              <a:ext uri="{FF2B5EF4-FFF2-40B4-BE49-F238E27FC236}">
+                <a16:creationId xmlns:a16="http://schemas.microsoft.com/office/drawing/2014/main" id="{CD31E42C-494A-02BD-47BC-005F64203C25}"/>
+              </a:ext>
+            </a:extLst>
+          </p:cNvPr>
+          <p:cNvSpPr>
+            <a:spLocks noGrp="1"/>
+          </p:cNvSpPr>
+          <p:nvPr>
+            <p:ph type="sldNum" sz="quarter" idx="5"/>
+          </p:nvPr>
+        </p:nvSpPr>
+        <p:spPr/>
+        <p:txBody>
+          <a:bodyPr/>
+          <a:lstStyle/>
+          <a:p>
+            <a:fld id="{343B951A-A665-1949-AEDB-B62DC9BE7F13}" type="slidenum">
+              <a:rPr lang="en-US" smtClean="0"/>
+              <a:t>27</a:t>
+            </a:fld>
+            <a:endParaRPr lang="en-US"/>
+          </a:p>
+        </p:txBody>
+      </p:sp>
+    </p:spTree>
+    <p:extLst>
+      <p:ext uri="{BB962C8B-B14F-4D97-AF65-F5344CB8AC3E}">
+        <p14:creationId xmlns:p14="http://schemas.microsoft.com/office/powerpoint/2010/main" val="3120270547"/>
+      </p:ext>
+    </p:extLst>
+  </p:cSld>
+  <p:clrMapOvr>
+    <a:masterClrMapping/>
+  </p:clrMapOvr>
+</p:notes>
+</file>
+
+<file path=ppt/notesSlides/notesSlide27.xml><?xml version="1.0" encoding="utf-8"?>
 <p:notes xmlns:a="http://schemas.openxmlformats.org/drawingml/2006/main" xmlns:r="http://schemas.openxmlformats.org/officeDocument/2006/relationships" xmlns:p="http://schemas.openxmlformats.org/presentationml/2006/main">
   <p:cSld>
     <p:spTree>
@@ -2474,7 +2697,7 @@
           <a:p>
             <a:fld id="{343B951A-A665-1949-AEDB-B62DC9BE7F13}" type="slidenum">
               <a:rPr lang="en-US" smtClean="0"/>
-              <a:t>26</a:t>
+              <a:t>28</a:t>
             </a:fld>
             <a:endParaRPr lang="en-US"/>
           </a:p>
@@ -2493,7 +2716,7 @@
 </p:notes>
 </file>
 
-<file path=ppt/notesSlides/notesSlide26.xml><?xml version="1.0" encoding="utf-8"?>
+<file path=ppt/notesSlides/notesSlide28.xml><?xml version="1.0" encoding="utf-8"?>
 <p:notes xmlns:a="http://schemas.openxmlformats.org/drawingml/2006/main" xmlns:r="http://schemas.openxmlformats.org/officeDocument/2006/relationships" xmlns:p="http://schemas.openxmlformats.org/presentationml/2006/main">
   <p:cSld>
     <p:spTree>
@@ -2582,7 +2805,7 @@
           <a:p>
             <a:fld id="{343B951A-A665-1949-AEDB-B62DC9BE7F13}" type="slidenum">
               <a:rPr lang="en-US" smtClean="0"/>
-              <a:t>27</a:t>
+              <a:t>29</a:t>
             </a:fld>
             <a:endParaRPr lang="en-US"/>
           </a:p>
@@ -2601,7 +2824,7 @@
 </p:notes>
 </file>
 
-<file path=ppt/notesSlides/notesSlide27.xml><?xml version="1.0" encoding="utf-8"?>
+<file path=ppt/notesSlides/notesSlide29.xml><?xml version="1.0" encoding="utf-8"?>
 <p:notes xmlns:a="http://schemas.openxmlformats.org/drawingml/2006/main" xmlns:r="http://schemas.openxmlformats.org/officeDocument/2006/relationships" xmlns:p="http://schemas.openxmlformats.org/presentationml/2006/main">
   <p:cSld>
     <p:spTree>
@@ -2690,7 +2913,7 @@
           <a:p>
             <a:fld id="{343B951A-A665-1949-AEDB-B62DC9BE7F13}" type="slidenum">
               <a:rPr lang="en-US" smtClean="0"/>
-              <a:t>28</a:t>
+              <a:t>30</a:t>
             </a:fld>
             <a:endParaRPr lang="en-US"/>
           </a:p>
@@ -2700,228 +2923,6 @@
     <p:extLst>
       <p:ext uri="{BB962C8B-B14F-4D97-AF65-F5344CB8AC3E}">
         <p14:creationId xmlns:p14="http://schemas.microsoft.com/office/powerpoint/2010/main" val="4218401638"/>
-      </p:ext>
-    </p:extLst>
-  </p:cSld>
-  <p:clrMapOvr>
-    <a:masterClrMapping/>
-  </p:clrMapOvr>
-</p:notes>
-</file>
-
-<file path=ppt/notesSlides/notesSlide28.xml><?xml version="1.0" encoding="utf-8"?>
-<p:notes xmlns:a="http://schemas.openxmlformats.org/drawingml/2006/main" xmlns:r="http://schemas.openxmlformats.org/officeDocument/2006/relationships" xmlns:p="http://schemas.openxmlformats.org/presentationml/2006/main">
-  <p:cSld>
-    <p:spTree>
-      <p:nvGrpSpPr>
-        <p:cNvPr id="1" name="">
-          <a:extLst>
-            <a:ext uri="{FF2B5EF4-FFF2-40B4-BE49-F238E27FC236}">
-              <a16:creationId xmlns:a16="http://schemas.microsoft.com/office/drawing/2014/main" id="{94F1CFBD-BB4A-19EA-334E-CD2E842FCF49}"/>
-            </a:ext>
-          </a:extLst>
-        </p:cNvPr>
-        <p:cNvGrpSpPr/>
-        <p:nvPr/>
-      </p:nvGrpSpPr>
-      <p:grpSpPr>
-        <a:xfrm>
-          <a:off x="0" y="0"/>
-          <a:ext cx="0" cy="0"/>
-          <a:chOff x="0" y="0"/>
-          <a:chExt cx="0" cy="0"/>
-        </a:xfrm>
-      </p:grpSpPr>
-      <p:sp>
-        <p:nvSpPr>
-          <p:cNvPr id="2" name="Slide Image Placeholder 1">
-            <a:extLst>
-              <a:ext uri="{FF2B5EF4-FFF2-40B4-BE49-F238E27FC236}">
-                <a16:creationId xmlns:a16="http://schemas.microsoft.com/office/drawing/2014/main" id="{88D2320C-17CE-D721-999D-650DBB291003}"/>
-              </a:ext>
-            </a:extLst>
-          </p:cNvPr>
-          <p:cNvSpPr>
-            <a:spLocks noGrp="1" noRot="1" noChangeAspect="1"/>
-          </p:cNvSpPr>
-          <p:nvPr>
-            <p:ph type="sldImg"/>
-          </p:nvPr>
-        </p:nvSpPr>
-        <p:spPr/>
-      </p:sp>
-      <p:sp>
-        <p:nvSpPr>
-          <p:cNvPr id="3" name="Notes Placeholder 2">
-            <a:extLst>
-              <a:ext uri="{FF2B5EF4-FFF2-40B4-BE49-F238E27FC236}">
-                <a16:creationId xmlns:a16="http://schemas.microsoft.com/office/drawing/2014/main" id="{2CBDD24E-322C-8D8A-739A-BDDC4ABA9300}"/>
-              </a:ext>
-            </a:extLst>
-          </p:cNvPr>
-          <p:cNvSpPr>
-            <a:spLocks noGrp="1"/>
-          </p:cNvSpPr>
-          <p:nvPr>
-            <p:ph type="body" idx="1"/>
-          </p:nvPr>
-        </p:nvSpPr>
-        <p:spPr/>
-        <p:txBody>
-          <a:bodyPr/>
-          <a:lstStyle/>
-          <a:p>
-            <a:r>
-              <a:rPr lang="hr-HR" dirty="0"/>
-              <a:t>https://www.typescriptlang.org/docs/handbook/tsconfig-json.html</a:t>
-            </a:r>
-          </a:p>
-        </p:txBody>
-      </p:sp>
-      <p:sp>
-        <p:nvSpPr>
-          <p:cNvPr id="4" name="Slide Number Placeholder 3">
-            <a:extLst>
-              <a:ext uri="{FF2B5EF4-FFF2-40B4-BE49-F238E27FC236}">
-                <a16:creationId xmlns:a16="http://schemas.microsoft.com/office/drawing/2014/main" id="{87F51CB7-21FC-3F99-4FC5-1C3B583109B0}"/>
-              </a:ext>
-            </a:extLst>
-          </p:cNvPr>
-          <p:cNvSpPr>
-            <a:spLocks noGrp="1"/>
-          </p:cNvSpPr>
-          <p:nvPr>
-            <p:ph type="sldNum" sz="quarter" idx="5"/>
-          </p:nvPr>
-        </p:nvSpPr>
-        <p:spPr/>
-        <p:txBody>
-          <a:bodyPr/>
-          <a:lstStyle/>
-          <a:p>
-            <a:fld id="{343B951A-A665-1949-AEDB-B62DC9BE7F13}" type="slidenum">
-              <a:rPr lang="en-US" smtClean="0"/>
-              <a:t>29</a:t>
-            </a:fld>
-            <a:endParaRPr lang="en-US"/>
-          </a:p>
-        </p:txBody>
-      </p:sp>
-    </p:spTree>
-    <p:extLst>
-      <p:ext uri="{BB962C8B-B14F-4D97-AF65-F5344CB8AC3E}">
-        <p14:creationId xmlns:p14="http://schemas.microsoft.com/office/powerpoint/2010/main" val="3597996391"/>
-      </p:ext>
-    </p:extLst>
-  </p:cSld>
-  <p:clrMapOvr>
-    <a:masterClrMapping/>
-  </p:clrMapOvr>
-</p:notes>
-</file>
-
-<file path=ppt/notesSlides/notesSlide29.xml><?xml version="1.0" encoding="utf-8"?>
-<p:notes xmlns:a="http://schemas.openxmlformats.org/drawingml/2006/main" xmlns:r="http://schemas.openxmlformats.org/officeDocument/2006/relationships" xmlns:p="http://schemas.openxmlformats.org/presentationml/2006/main">
-  <p:cSld>
-    <p:spTree>
-      <p:nvGrpSpPr>
-        <p:cNvPr id="1" name="">
-          <a:extLst>
-            <a:ext uri="{FF2B5EF4-FFF2-40B4-BE49-F238E27FC236}">
-              <a16:creationId xmlns:a16="http://schemas.microsoft.com/office/drawing/2014/main" id="{0FDE4400-38D0-7BA2-E949-480509FA1E51}"/>
-            </a:ext>
-          </a:extLst>
-        </p:cNvPr>
-        <p:cNvGrpSpPr/>
-        <p:nvPr/>
-      </p:nvGrpSpPr>
-      <p:grpSpPr>
-        <a:xfrm>
-          <a:off x="0" y="0"/>
-          <a:ext cx="0" cy="0"/>
-          <a:chOff x="0" y="0"/>
-          <a:chExt cx="0" cy="0"/>
-        </a:xfrm>
-      </p:grpSpPr>
-      <p:sp>
-        <p:nvSpPr>
-          <p:cNvPr id="2" name="Slide Image Placeholder 1">
-            <a:extLst>
-              <a:ext uri="{FF2B5EF4-FFF2-40B4-BE49-F238E27FC236}">
-                <a16:creationId xmlns:a16="http://schemas.microsoft.com/office/drawing/2014/main" id="{B531FA1B-4015-0EDF-B647-EDA718867E06}"/>
-              </a:ext>
-            </a:extLst>
-          </p:cNvPr>
-          <p:cNvSpPr>
-            <a:spLocks noGrp="1" noRot="1" noChangeAspect="1"/>
-          </p:cNvSpPr>
-          <p:nvPr>
-            <p:ph type="sldImg"/>
-          </p:nvPr>
-        </p:nvSpPr>
-        <p:spPr/>
-      </p:sp>
-      <p:sp>
-        <p:nvSpPr>
-          <p:cNvPr id="3" name="Notes Placeholder 2">
-            <a:extLst>
-              <a:ext uri="{FF2B5EF4-FFF2-40B4-BE49-F238E27FC236}">
-                <a16:creationId xmlns:a16="http://schemas.microsoft.com/office/drawing/2014/main" id="{F53C321A-A738-1EE9-295D-AEFA183E03D3}"/>
-              </a:ext>
-            </a:extLst>
-          </p:cNvPr>
-          <p:cNvSpPr>
-            <a:spLocks noGrp="1"/>
-          </p:cNvSpPr>
-          <p:nvPr>
-            <p:ph type="body" idx="1"/>
-          </p:nvPr>
-        </p:nvSpPr>
-        <p:spPr/>
-        <p:txBody>
-          <a:bodyPr/>
-          <a:lstStyle/>
-          <a:p>
-            <a:r>
-              <a:rPr lang="hr-HR" dirty="0"/>
-              <a:t>https://gist.github.com/dinoDuvnjak/d1a54e91ae92c8bb816344d2f7f90de1</a:t>
-            </a:r>
-          </a:p>
-        </p:txBody>
-      </p:sp>
-      <p:sp>
-        <p:nvSpPr>
-          <p:cNvPr id="4" name="Slide Number Placeholder 3">
-            <a:extLst>
-              <a:ext uri="{FF2B5EF4-FFF2-40B4-BE49-F238E27FC236}">
-                <a16:creationId xmlns:a16="http://schemas.microsoft.com/office/drawing/2014/main" id="{72BAF06B-99D9-87E5-183A-C35FEEEFB775}"/>
-              </a:ext>
-            </a:extLst>
-          </p:cNvPr>
-          <p:cNvSpPr>
-            <a:spLocks noGrp="1"/>
-          </p:cNvSpPr>
-          <p:nvPr>
-            <p:ph type="sldNum" sz="quarter" idx="5"/>
-          </p:nvPr>
-        </p:nvSpPr>
-        <p:spPr/>
-        <p:txBody>
-          <a:bodyPr/>
-          <a:lstStyle/>
-          <a:p>
-            <a:fld id="{343B951A-A665-1949-AEDB-B62DC9BE7F13}" type="slidenum">
-              <a:rPr lang="en-US" smtClean="0"/>
-              <a:t>30</a:t>
-            </a:fld>
-            <a:endParaRPr lang="en-US"/>
-          </a:p>
-        </p:txBody>
-      </p:sp>
-    </p:spTree>
-    <p:extLst>
-      <p:ext uri="{BB962C8B-B14F-4D97-AF65-F5344CB8AC3E}">
-        <p14:creationId xmlns:p14="http://schemas.microsoft.com/office/powerpoint/2010/main" val="778838711"/>
       </p:ext>
     </p:extLst>
   </p:cSld>
@@ -3047,6 +3048,248 @@
         <p:cNvPr id="1" name="">
           <a:extLst>
             <a:ext uri="{FF2B5EF4-FFF2-40B4-BE49-F238E27FC236}">
+              <a16:creationId xmlns:a16="http://schemas.microsoft.com/office/drawing/2014/main" id="{94F1CFBD-BB4A-19EA-334E-CD2E842FCF49}"/>
+            </a:ext>
+          </a:extLst>
+        </p:cNvPr>
+        <p:cNvGrpSpPr/>
+        <p:nvPr/>
+      </p:nvGrpSpPr>
+      <p:grpSpPr>
+        <a:xfrm>
+          <a:off x="0" y="0"/>
+          <a:ext cx="0" cy="0"/>
+          <a:chOff x="0" y="0"/>
+          <a:chExt cx="0" cy="0"/>
+        </a:xfrm>
+      </p:grpSpPr>
+      <p:sp>
+        <p:nvSpPr>
+          <p:cNvPr id="2" name="Slide Image Placeholder 1">
+            <a:extLst>
+              <a:ext uri="{FF2B5EF4-FFF2-40B4-BE49-F238E27FC236}">
+                <a16:creationId xmlns:a16="http://schemas.microsoft.com/office/drawing/2014/main" id="{88D2320C-17CE-D721-999D-650DBB291003}"/>
+              </a:ext>
+            </a:extLst>
+          </p:cNvPr>
+          <p:cNvSpPr>
+            <a:spLocks noGrp="1" noRot="1" noChangeAspect="1"/>
+          </p:cNvSpPr>
+          <p:nvPr>
+            <p:ph type="sldImg"/>
+          </p:nvPr>
+        </p:nvSpPr>
+        <p:spPr/>
+      </p:sp>
+      <p:sp>
+        <p:nvSpPr>
+          <p:cNvPr id="3" name="Notes Placeholder 2">
+            <a:extLst>
+              <a:ext uri="{FF2B5EF4-FFF2-40B4-BE49-F238E27FC236}">
+                <a16:creationId xmlns:a16="http://schemas.microsoft.com/office/drawing/2014/main" id="{2CBDD24E-322C-8D8A-739A-BDDC4ABA9300}"/>
+              </a:ext>
+            </a:extLst>
+          </p:cNvPr>
+          <p:cNvSpPr>
+            <a:spLocks noGrp="1"/>
+          </p:cNvSpPr>
+          <p:nvPr>
+            <p:ph type="body" idx="1"/>
+          </p:nvPr>
+        </p:nvSpPr>
+        <p:spPr/>
+        <p:txBody>
+          <a:bodyPr/>
+          <a:lstStyle/>
+          <a:p>
+            <a:r>
+              <a:rPr lang="hr-HR" dirty="0"/>
+              <a:t>https://www.typescriptlang.org/docs/handbook/tsconfig-json.html</a:t>
+            </a:r>
+            <a:endParaRPr lang="en-US" dirty="0"/>
+          </a:p>
+          <a:p>
+            <a:endParaRPr lang="en-US" dirty="0"/>
+          </a:p>
+          <a:p>
+            <a:r>
+              <a:rPr lang="hr-HR" dirty="0"/>
+              <a:t>https://gist.github.com/mschwarzmueller/2ba4a82da34298d7a545269256ed6acf</a:t>
+            </a:r>
+            <a:endParaRPr lang="en-US" dirty="0"/>
+          </a:p>
+          <a:p>
+            <a:endParaRPr lang="en-US" dirty="0"/>
+          </a:p>
+          <a:p>
+            <a:r>
+              <a:rPr lang="hr-HR" dirty="0"/>
+              <a:t>https://maximilian-schwarzmueller.com/articles/making-sense-of-tsconfig-json/</a:t>
+            </a:r>
+          </a:p>
+        </p:txBody>
+      </p:sp>
+      <p:sp>
+        <p:nvSpPr>
+          <p:cNvPr id="4" name="Slide Number Placeholder 3">
+            <a:extLst>
+              <a:ext uri="{FF2B5EF4-FFF2-40B4-BE49-F238E27FC236}">
+                <a16:creationId xmlns:a16="http://schemas.microsoft.com/office/drawing/2014/main" id="{87F51CB7-21FC-3F99-4FC5-1C3B583109B0}"/>
+              </a:ext>
+            </a:extLst>
+          </p:cNvPr>
+          <p:cNvSpPr>
+            <a:spLocks noGrp="1"/>
+          </p:cNvSpPr>
+          <p:nvPr>
+            <p:ph type="sldNum" sz="quarter" idx="5"/>
+          </p:nvPr>
+        </p:nvSpPr>
+        <p:spPr/>
+        <p:txBody>
+          <a:bodyPr/>
+          <a:lstStyle/>
+          <a:p>
+            <a:fld id="{343B951A-A665-1949-AEDB-B62DC9BE7F13}" type="slidenum">
+              <a:rPr lang="en-US" smtClean="0"/>
+              <a:t>31</a:t>
+            </a:fld>
+            <a:endParaRPr lang="en-US"/>
+          </a:p>
+        </p:txBody>
+      </p:sp>
+    </p:spTree>
+    <p:extLst>
+      <p:ext uri="{BB962C8B-B14F-4D97-AF65-F5344CB8AC3E}">
+        <p14:creationId xmlns:p14="http://schemas.microsoft.com/office/powerpoint/2010/main" val="3597996391"/>
+      </p:ext>
+    </p:extLst>
+  </p:cSld>
+  <p:clrMapOvr>
+    <a:masterClrMapping/>
+  </p:clrMapOvr>
+</p:notes>
+</file>
+
+<file path=ppt/notesSlides/notesSlide31.xml><?xml version="1.0" encoding="utf-8"?>
+<p:notes xmlns:a="http://schemas.openxmlformats.org/drawingml/2006/main" xmlns:r="http://schemas.openxmlformats.org/officeDocument/2006/relationships" xmlns:p="http://schemas.openxmlformats.org/presentationml/2006/main">
+  <p:cSld>
+    <p:spTree>
+      <p:nvGrpSpPr>
+        <p:cNvPr id="1" name="">
+          <a:extLst>
+            <a:ext uri="{FF2B5EF4-FFF2-40B4-BE49-F238E27FC236}">
+              <a16:creationId xmlns:a16="http://schemas.microsoft.com/office/drawing/2014/main" id="{0FDE4400-38D0-7BA2-E949-480509FA1E51}"/>
+            </a:ext>
+          </a:extLst>
+        </p:cNvPr>
+        <p:cNvGrpSpPr/>
+        <p:nvPr/>
+      </p:nvGrpSpPr>
+      <p:grpSpPr>
+        <a:xfrm>
+          <a:off x="0" y="0"/>
+          <a:ext cx="0" cy="0"/>
+          <a:chOff x="0" y="0"/>
+          <a:chExt cx="0" cy="0"/>
+        </a:xfrm>
+      </p:grpSpPr>
+      <p:sp>
+        <p:nvSpPr>
+          <p:cNvPr id="2" name="Slide Image Placeholder 1">
+            <a:extLst>
+              <a:ext uri="{FF2B5EF4-FFF2-40B4-BE49-F238E27FC236}">
+                <a16:creationId xmlns:a16="http://schemas.microsoft.com/office/drawing/2014/main" id="{B531FA1B-4015-0EDF-B647-EDA718867E06}"/>
+              </a:ext>
+            </a:extLst>
+          </p:cNvPr>
+          <p:cNvSpPr>
+            <a:spLocks noGrp="1" noRot="1" noChangeAspect="1"/>
+          </p:cNvSpPr>
+          <p:nvPr>
+            <p:ph type="sldImg"/>
+          </p:nvPr>
+        </p:nvSpPr>
+        <p:spPr/>
+      </p:sp>
+      <p:sp>
+        <p:nvSpPr>
+          <p:cNvPr id="3" name="Notes Placeholder 2">
+            <a:extLst>
+              <a:ext uri="{FF2B5EF4-FFF2-40B4-BE49-F238E27FC236}">
+                <a16:creationId xmlns:a16="http://schemas.microsoft.com/office/drawing/2014/main" id="{F53C321A-A738-1EE9-295D-AEFA183E03D3}"/>
+              </a:ext>
+            </a:extLst>
+          </p:cNvPr>
+          <p:cNvSpPr>
+            <a:spLocks noGrp="1"/>
+          </p:cNvSpPr>
+          <p:nvPr>
+            <p:ph type="body" idx="1"/>
+          </p:nvPr>
+        </p:nvSpPr>
+        <p:spPr/>
+        <p:txBody>
+          <a:bodyPr/>
+          <a:lstStyle/>
+          <a:p>
+            <a:r>
+              <a:rPr lang="hr-HR" dirty="0"/>
+              <a:t>https://gist.github.com/dinoDuvnjak/d1a54e91ae92c8bb816344d2f7f90de1</a:t>
+            </a:r>
+          </a:p>
+        </p:txBody>
+      </p:sp>
+      <p:sp>
+        <p:nvSpPr>
+          <p:cNvPr id="4" name="Slide Number Placeholder 3">
+            <a:extLst>
+              <a:ext uri="{FF2B5EF4-FFF2-40B4-BE49-F238E27FC236}">
+                <a16:creationId xmlns:a16="http://schemas.microsoft.com/office/drawing/2014/main" id="{72BAF06B-99D9-87E5-183A-C35FEEEFB775}"/>
+              </a:ext>
+            </a:extLst>
+          </p:cNvPr>
+          <p:cNvSpPr>
+            <a:spLocks noGrp="1"/>
+          </p:cNvSpPr>
+          <p:nvPr>
+            <p:ph type="sldNum" sz="quarter" idx="5"/>
+          </p:nvPr>
+        </p:nvSpPr>
+        <p:spPr/>
+        <p:txBody>
+          <a:bodyPr/>
+          <a:lstStyle/>
+          <a:p>
+            <a:fld id="{343B951A-A665-1949-AEDB-B62DC9BE7F13}" type="slidenum">
+              <a:rPr lang="en-US" smtClean="0"/>
+              <a:t>32</a:t>
+            </a:fld>
+            <a:endParaRPr lang="en-US"/>
+          </a:p>
+        </p:txBody>
+      </p:sp>
+    </p:spTree>
+    <p:extLst>
+      <p:ext uri="{BB962C8B-B14F-4D97-AF65-F5344CB8AC3E}">
+        <p14:creationId xmlns:p14="http://schemas.microsoft.com/office/powerpoint/2010/main" val="778838711"/>
+      </p:ext>
+    </p:extLst>
+  </p:cSld>
+  <p:clrMapOvr>
+    <a:masterClrMapping/>
+  </p:clrMapOvr>
+</p:notes>
+</file>
+
+<file path=ppt/notesSlides/notesSlide32.xml><?xml version="1.0" encoding="utf-8"?>
+<p:notes xmlns:a="http://schemas.openxmlformats.org/drawingml/2006/main" xmlns:r="http://schemas.openxmlformats.org/officeDocument/2006/relationships" xmlns:p="http://schemas.openxmlformats.org/presentationml/2006/main">
+  <p:cSld>
+    <p:spTree>
+      <p:nvGrpSpPr>
+        <p:cNvPr id="1" name="">
+          <a:extLst>
+            <a:ext uri="{FF2B5EF4-FFF2-40B4-BE49-F238E27FC236}">
               <a16:creationId xmlns:a16="http://schemas.microsoft.com/office/drawing/2014/main" id="{4F32F5CD-A2DA-DD60-9A45-CC97E0363F9A}"/>
             </a:ext>
           </a:extLst>
@@ -3128,7 +3371,7 @@
           <a:p>
             <a:fld id="{343B951A-A665-1949-AEDB-B62DC9BE7F13}" type="slidenum">
               <a:rPr lang="en-US" smtClean="0"/>
-              <a:t>31</a:t>
+              <a:t>33</a:t>
             </a:fld>
             <a:endParaRPr lang="en-US"/>
           </a:p>
@@ -4490,7 +4733,7 @@
                 <a:ea typeface="Open Sans" panose="020B0606030504020204" pitchFamily="34" charset="0"/>
                 <a:cs typeface="Open Sans" panose="020B0606030504020204" pitchFamily="34" charset="0"/>
               </a:rPr>
-              <a:t>15/05/2025</a:t>
+              <a:t>18/05/2025</a:t>
             </a:fld>
             <a:endParaRPr lang="en-GB" sz="1800" b="0" i="0" kern="1200" dirty="0">
               <a:solidFill>
@@ -5235,7 +5478,7 @@
                 <a:ea typeface="Open Sans" panose="020B0606030504020204" pitchFamily="34" charset="0"/>
                 <a:cs typeface="Open Sans" panose="020B0606030504020204" pitchFamily="34" charset="0"/>
               </a:rPr>
-              <a:t>15/05/2025</a:t>
+              <a:t>18/05/2025</a:t>
             </a:fld>
             <a:endParaRPr lang="en-GB" sz="1800" b="0" i="0" kern="1200" dirty="0">
               <a:solidFill>
@@ -5758,7 +6001,7 @@
                 <a:ea typeface="Open Sans" panose="020B0606030504020204" pitchFamily="34" charset="0"/>
                 <a:cs typeface="Open Sans" panose="020B0606030504020204" pitchFamily="34" charset="0"/>
               </a:rPr>
-              <a:t>15/05/2025</a:t>
+              <a:t>18/05/2025</a:t>
             </a:fld>
             <a:endParaRPr lang="en-GB" sz="1800" b="0" i="0" kern="1200" dirty="0">
               <a:solidFill>
@@ -6724,7 +6967,7 @@
                 <a:ea typeface="Open Sans" panose="020B0606030504020204" pitchFamily="34" charset="0"/>
                 <a:cs typeface="Open Sans" panose="020B0606030504020204" pitchFamily="34" charset="0"/>
               </a:rPr>
-              <a:t>15/05/2025</a:t>
+              <a:t>18/05/2025</a:t>
             </a:fld>
             <a:endParaRPr lang="en-GB" sz="1800" b="0" i="0" kern="1200" dirty="0">
               <a:solidFill>
@@ -7163,7 +7406,7 @@
                 <a:ea typeface="Open Sans" panose="020B0606030504020204" pitchFamily="34" charset="0"/>
                 <a:cs typeface="Open Sans" panose="020B0606030504020204" pitchFamily="34" charset="0"/>
               </a:rPr>
-              <a:t>15/05/2025</a:t>
+              <a:t>18/05/2025</a:t>
             </a:fld>
             <a:endParaRPr lang="en-GB" sz="1800" b="0" i="0" kern="1200" dirty="0">
               <a:solidFill>
@@ -8933,7 +9176,7 @@
                 <a:ea typeface="Open Sans" pitchFamily="2" charset="0"/>
                 <a:cs typeface="Open Sans" pitchFamily="2" charset="0"/>
               </a:rPr>
-              <a:t>15/05/2025</a:t>
+              <a:t>18/05/2025</a:t>
             </a:fld>
             <a:endParaRPr lang="en-GB" sz="1800" b="0" i="0" kern="1200" dirty="0">
               <a:solidFill>
@@ -10683,7 +10926,7 @@
                 <a:ea typeface="Open Sans" pitchFamily="2" charset="0"/>
                 <a:cs typeface="Open Sans" pitchFamily="2" charset="0"/>
               </a:rPr>
-              <a:t>15/05/2025</a:t>
+              <a:t>18/05/2025</a:t>
             </a:fld>
             <a:endParaRPr lang="en-GB" sz="1800" b="0" i="0" kern="1200" dirty="0">
               <a:solidFill>
@@ -11200,7 +11443,7 @@
                 <a:ea typeface="Open Sans" panose="020B0606030504020204" pitchFamily="34" charset="0"/>
                 <a:cs typeface="Open Sans" panose="020B0606030504020204" pitchFamily="34" charset="0"/>
               </a:rPr>
-              <a:t>15/05/2025</a:t>
+              <a:t>18/05/2025</a:t>
             </a:fld>
             <a:endParaRPr lang="en-GB" sz="1800" b="0" i="0" kern="1200" dirty="0">
               <a:solidFill>
@@ -11797,7 +12040,7 @@
                 <a:ea typeface="Open Sans" pitchFamily="2" charset="0"/>
                 <a:cs typeface="Open Sans" pitchFamily="2" charset="0"/>
               </a:rPr>
-              <a:t>15/05/2025</a:t>
+              <a:t>18/05/2025</a:t>
             </a:fld>
             <a:endParaRPr lang="en-GB" sz="1800" b="0" i="0" kern="1200" dirty="0">
               <a:solidFill>
@@ -12337,7 +12580,7 @@
                 <a:ea typeface="Open Sans" panose="020B0606030504020204" pitchFamily="34" charset="0"/>
                 <a:cs typeface="Open Sans" panose="020B0606030504020204" pitchFamily="34" charset="0"/>
               </a:rPr>
-              <a:t>15/05/2025</a:t>
+              <a:t>18/05/2025</a:t>
             </a:fld>
             <a:endParaRPr lang="en-GB" sz="1800" b="0" i="0" kern="1200" dirty="0">
               <a:solidFill>
@@ -13038,7 +13281,7 @@
                 <a:ea typeface="Open Sans" panose="020B0606030504020204" pitchFamily="34" charset="0"/>
                 <a:cs typeface="Open Sans" panose="020B0606030504020204" pitchFamily="34" charset="0"/>
               </a:rPr>
-              <a:t>15/05/2025</a:t>
+              <a:t>18/05/2025</a:t>
             </a:fld>
             <a:endParaRPr lang="en-GB" sz="1800" b="0" i="0" kern="1200" dirty="0">
               <a:solidFill>
@@ -13401,7 +13644,7 @@
                 <a:ea typeface="Open Sans" pitchFamily="2" charset="0"/>
                 <a:cs typeface="Open Sans" pitchFamily="2" charset="0"/>
               </a:rPr>
-              <a:t>15/05/2025</a:t>
+              <a:t>18/05/2025</a:t>
             </a:fld>
             <a:endParaRPr lang="en-GB" sz="1800" b="0" i="0" kern="1200" dirty="0">
               <a:solidFill>
@@ -13796,7 +14039,7 @@
                 <a:ea typeface="Open Sans" pitchFamily="2" charset="0"/>
                 <a:cs typeface="Open Sans" pitchFamily="2" charset="0"/>
               </a:rPr>
-              <a:t>15/05/2025</a:t>
+              <a:t>18/05/2025</a:t>
             </a:fld>
             <a:endParaRPr lang="en-GB" sz="1800" b="0" i="0" kern="1200" dirty="0">
               <a:solidFill>
@@ -15604,7 +15847,7 @@
         <p:spPr/>
         <p:txBody>
           <a:bodyPr>
-            <a:normAutofit/>
+            <a:normAutofit fontScale="92500"/>
           </a:bodyPr>
           <a:lstStyle/>
           <a:p>
@@ -15613,7 +15856,7 @@
             </a:pPr>
             <a:r>
               <a:rPr lang="hr-HR" dirty="0"/>
-              <a:t>Napiši TypeScript kod koji:</a:t>
+              <a:t>Trebate napisati funkciju naziva processItems koja prima jedan argument:</a:t>
             </a:r>
           </a:p>
           <a:p>
@@ -15622,7 +15865,7 @@
             </a:pPr>
             <a:r>
               <a:rPr lang="hr-HR" dirty="0"/>
-              <a:t>Definira union tip NumberOrString koji može biti number ili string.</a:t>
+              <a:t>items — niz elemenata koji mogu biti ili brojevi ili stringovi.</a:t>
             </a:r>
           </a:p>
           <a:p>
@@ -15631,7 +15874,7 @@
             </a:pPr>
             <a:r>
               <a:rPr lang="hr-HR" dirty="0"/>
-              <a:t>Implementira funkciju processItems(items: NumberOrString[]): NumberOrString[] bez korištenja arrow funkcija, tako da:</a:t>
+              <a:t>Obrada svakog elementa</a:t>
             </a:r>
           </a:p>
           <a:p>
@@ -15640,7 +15883,7 @@
             </a:pPr>
             <a:r>
               <a:rPr lang="hr-HR" dirty="0"/>
-              <a:t>za svaki broj u nizu vraća njegov kvadrat,</a:t>
+              <a:t>Funkcija treba vratiti novi niz iste duljine, pri čemu se svaki element transformira:</a:t>
             </a:r>
           </a:p>
           <a:p>
@@ -15649,7 +15892,16 @@
             </a:pPr>
             <a:r>
               <a:rPr lang="hr-HR" dirty="0"/>
-              <a:t>za svaki string vraća isti string pretvoren u velika slova</a:t>
+              <a:t>Ako je element broj, vratiti njegov kvadrat (npr. 5 → 25).</a:t>
+            </a:r>
+          </a:p>
+          <a:p>
+            <a:pPr>
+              <a:buNone/>
+            </a:pPr>
+            <a:r>
+              <a:rPr lang="hr-HR" dirty="0"/>
+              <a:t>Ako je element string, vratiti isti tekst, ali sva slova velika (npr. "abc" → "ABC").</a:t>
             </a:r>
           </a:p>
         </p:txBody>
@@ -16025,6 +16277,245 @@
         <p:cNvPr id="1" name="">
           <a:extLst>
             <a:ext uri="{FF2B5EF4-FFF2-40B4-BE49-F238E27FC236}">
+              <a16:creationId xmlns:a16="http://schemas.microsoft.com/office/drawing/2014/main" id="{8D43C161-2CE3-EF2F-6F8F-C502D89989D9}"/>
+            </a:ext>
+          </a:extLst>
+        </p:cNvPr>
+        <p:cNvGrpSpPr/>
+        <p:nvPr/>
+      </p:nvGrpSpPr>
+      <p:grpSpPr>
+        <a:xfrm>
+          <a:off x="0" y="0"/>
+          <a:ext cx="0" cy="0"/>
+          <a:chOff x="0" y="0"/>
+          <a:chExt cx="0" cy="0"/>
+        </a:xfrm>
+      </p:grpSpPr>
+      <p:sp>
+        <p:nvSpPr>
+          <p:cNvPr id="2" name="Title 1">
+            <a:extLst>
+              <a:ext uri="{FF2B5EF4-FFF2-40B4-BE49-F238E27FC236}">
+                <a16:creationId xmlns:a16="http://schemas.microsoft.com/office/drawing/2014/main" id="{924893AF-368A-0227-D6D1-33DEA60F9C07}"/>
+              </a:ext>
+            </a:extLst>
+          </p:cNvPr>
+          <p:cNvSpPr>
+            <a:spLocks noGrp="1"/>
+          </p:cNvSpPr>
+          <p:nvPr>
+            <p:ph type="title"/>
+          </p:nvPr>
+        </p:nvSpPr>
+        <p:spPr>
+          <a:xfrm>
+            <a:off x="881413" y="441701"/>
+            <a:ext cx="3932237" cy="902054"/>
+          </a:xfrm>
+        </p:spPr>
+        <p:txBody>
+          <a:bodyPr/>
+          <a:lstStyle/>
+          <a:p>
+            <a:r>
+              <a:rPr lang="en-US" dirty="0"/>
+              <a:t>VJE</a:t>
+            </a:r>
+            <a:r>
+              <a:rPr lang="hr-HR" dirty="0"/>
+              <a:t>ž</a:t>
+            </a:r>
+            <a:r>
+              <a:rPr lang="en-US" dirty="0" err="1"/>
+              <a:t>ba</a:t>
+            </a:r>
+            <a:endParaRPr lang="hr-HR" dirty="0"/>
+          </a:p>
+        </p:txBody>
+      </p:sp>
+      <p:sp>
+        <p:nvSpPr>
+          <p:cNvPr id="6" name="Text Placeholder 5">
+            <a:extLst>
+              <a:ext uri="{FF2B5EF4-FFF2-40B4-BE49-F238E27FC236}">
+                <a16:creationId xmlns:a16="http://schemas.microsoft.com/office/drawing/2014/main" id="{FCFC56D8-B136-69F7-E2AB-E6A87FEAE6B7}"/>
+              </a:ext>
+            </a:extLst>
+          </p:cNvPr>
+          <p:cNvSpPr>
+            <a:spLocks noGrp="1"/>
+          </p:cNvSpPr>
+          <p:nvPr>
+            <p:ph type="body" sz="half" idx="2"/>
+          </p:nvPr>
+        </p:nvSpPr>
+        <p:spPr>
+          <a:xfrm>
+            <a:off x="839788" y="1480088"/>
+            <a:ext cx="3932237" cy="4390488"/>
+          </a:xfrm>
+        </p:spPr>
+        <p:txBody>
+          <a:bodyPr>
+            <a:normAutofit fontScale="85000" lnSpcReduction="20000"/>
+          </a:bodyPr>
+          <a:lstStyle/>
+          <a:p>
+            <a:pPr>
+              <a:buNone/>
+            </a:pPr>
+            <a:r>
+              <a:rPr lang="hr-HR" dirty="0"/>
+              <a:t>Definirajte sučelje Student koje ima polja:</a:t>
+            </a:r>
+          </a:p>
+          <a:p>
+            <a:pPr lvl="1"/>
+            <a:r>
+              <a:rPr lang="hr-HR" dirty="0"/>
+              <a:t>firstName: string</a:t>
+            </a:r>
+          </a:p>
+          <a:p>
+            <a:pPr lvl="1"/>
+            <a:r>
+              <a:rPr lang="hr-HR" dirty="0"/>
+              <a:t>lastName: string</a:t>
+            </a:r>
+          </a:p>
+          <a:p>
+            <a:pPr lvl="1"/>
+            <a:r>
+              <a:rPr lang="hr-HR" dirty="0"/>
+              <a:t>grade: number (ocjena od 1 do 5)</a:t>
+            </a:r>
+          </a:p>
+          <a:p>
+            <a:pPr lvl="1"/>
+            <a:r>
+              <a:rPr lang="hr-HR" dirty="0"/>
+              <a:t>isActive: boolean (oznaka je li student trenutno aktivan)</a:t>
+            </a:r>
+          </a:p>
+          <a:p>
+            <a:pPr>
+              <a:buNone/>
+            </a:pPr>
+            <a:r>
+              <a:rPr lang="hr-HR" dirty="0"/>
+              <a:t>Napišite funkciju getActiveStudents koja:</a:t>
+            </a:r>
+          </a:p>
+          <a:p>
+            <a:pPr lvl="1"/>
+            <a:r>
+              <a:rPr lang="hr-HR" dirty="0"/>
+              <a:t>Prima niz Student[]</a:t>
+            </a:r>
+          </a:p>
+          <a:p>
+            <a:pPr lvl="1"/>
+            <a:r>
+              <a:rPr lang="hr-HR" dirty="0"/>
+              <a:t>Vraća samo one studente čije je isActive === true</a:t>
+            </a:r>
+          </a:p>
+          <a:p>
+            <a:pPr>
+              <a:buNone/>
+            </a:pPr>
+            <a:r>
+              <a:rPr lang="hr-HR" dirty="0"/>
+              <a:t>Napišite funkciju calculateAverageGrade koja:</a:t>
+            </a:r>
+          </a:p>
+          <a:p>
+            <a:pPr>
+              <a:buNone/>
+            </a:pPr>
+            <a:r>
+              <a:rPr lang="hr-HR" dirty="0"/>
+              <a:t>Prima niz Student[]</a:t>
+            </a:r>
+          </a:p>
+          <a:p>
+            <a:pPr lvl="1"/>
+            <a:r>
+              <a:rPr lang="hr-HR" dirty="0"/>
+              <a:t>Računa i vraća prosječnu ocjenu (tipa number) svih aktivnih studenata (koristite prethodnu funkciju unutar nje)</a:t>
+            </a:r>
+          </a:p>
+          <a:p>
+            <a:pPr>
+              <a:buNone/>
+            </a:pPr>
+            <a:r>
+              <a:rPr lang="hr-HR" dirty="0"/>
+              <a:t>Testirajte obje funkcije na primjeru niza studenata i ispišite rezultate </a:t>
+            </a:r>
+            <a:r>
+              <a:rPr lang="en-US" dirty="0"/>
+              <a:t>u</a:t>
+            </a:r>
+            <a:r>
+              <a:rPr lang="hr-HR" dirty="0"/>
+              <a:t> konzolu.</a:t>
+            </a:r>
+          </a:p>
+        </p:txBody>
+      </p:sp>
+      <p:pic>
+        <p:nvPicPr>
+          <p:cNvPr id="7" name="Picture 6">
+            <a:extLst>
+              <a:ext uri="{FF2B5EF4-FFF2-40B4-BE49-F238E27FC236}">
+                <a16:creationId xmlns:a16="http://schemas.microsoft.com/office/drawing/2014/main" id="{15404199-10CD-8944-82E4-6B9324D55860}"/>
+              </a:ext>
+            </a:extLst>
+          </p:cNvPr>
+          <p:cNvPicPr>
+            <a:picLocks noChangeAspect="1"/>
+          </p:cNvPicPr>
+          <p:nvPr/>
+        </p:nvPicPr>
+        <p:blipFill>
+          <a:blip r:embed="rId3"/>
+          <a:stretch>
+            <a:fillRect/>
+          </a:stretch>
+        </p:blipFill>
+        <p:spPr>
+          <a:xfrm>
+            <a:off x="5472329" y="2781658"/>
+            <a:ext cx="6538562" cy="1294684"/>
+          </a:xfrm>
+          <a:prstGeom prst="rect">
+            <a:avLst/>
+          </a:prstGeom>
+        </p:spPr>
+      </p:pic>
+    </p:spTree>
+    <p:extLst>
+      <p:ext uri="{BB962C8B-B14F-4D97-AF65-F5344CB8AC3E}">
+        <p14:creationId xmlns:p14="http://schemas.microsoft.com/office/powerpoint/2010/main" val="3286323370"/>
+      </p:ext>
+    </p:extLst>
+  </p:cSld>
+  <p:clrMapOvr>
+    <a:masterClrMapping/>
+  </p:clrMapOvr>
+</p:sld>
+</file>
+
+<file path=ppt/slides/slide18.xml><?xml version="1.0" encoding="utf-8"?>
+<p:sld xmlns:a="http://schemas.openxmlformats.org/drawingml/2006/main" xmlns:r="http://schemas.openxmlformats.org/officeDocument/2006/relationships" xmlns:p="http://schemas.openxmlformats.org/presentationml/2006/main">
+  <p:cSld>
+    <p:spTree>
+      <p:nvGrpSpPr>
+        <p:cNvPr id="1" name="">
+          <a:extLst>
+            <a:ext uri="{FF2B5EF4-FFF2-40B4-BE49-F238E27FC236}">
               <a16:creationId xmlns:a16="http://schemas.microsoft.com/office/drawing/2014/main" id="{ED449048-6468-9EE7-682F-C77E8220C872}"/>
             </a:ext>
           </a:extLst>
@@ -16310,7 +16801,7 @@
 </p:sld>
 </file>
 
-<file path=ppt/slides/slide18.xml><?xml version="1.0" encoding="utf-8"?>
+<file path=ppt/slides/slide19.xml><?xml version="1.0" encoding="utf-8"?>
 <p:sld xmlns:a="http://schemas.openxmlformats.org/drawingml/2006/main" xmlns:r="http://schemas.openxmlformats.org/officeDocument/2006/relationships" xmlns:p="http://schemas.openxmlformats.org/presentationml/2006/main">
   <p:cSld>
     <p:spTree>
@@ -16551,188 +17042,6 @@
     <p:extLst>
       <p:ext uri="{BB962C8B-B14F-4D97-AF65-F5344CB8AC3E}">
         <p14:creationId xmlns:p14="http://schemas.microsoft.com/office/powerpoint/2010/main" val="1859687599"/>
-      </p:ext>
-    </p:extLst>
-  </p:cSld>
-  <p:clrMapOvr>
-    <a:masterClrMapping/>
-  </p:clrMapOvr>
-</p:sld>
-</file>
-
-<file path=ppt/slides/slide19.xml><?xml version="1.0" encoding="utf-8"?>
-<p:sld xmlns:a="http://schemas.openxmlformats.org/drawingml/2006/main" xmlns:r="http://schemas.openxmlformats.org/officeDocument/2006/relationships" xmlns:p="http://schemas.openxmlformats.org/presentationml/2006/main">
-  <p:cSld>
-    <p:spTree>
-      <p:nvGrpSpPr>
-        <p:cNvPr id="1" name="">
-          <a:extLst>
-            <a:ext uri="{FF2B5EF4-FFF2-40B4-BE49-F238E27FC236}">
-              <a16:creationId xmlns:a16="http://schemas.microsoft.com/office/drawing/2014/main" id="{840AD218-2A9F-8025-8248-F17B56ABD67B}"/>
-            </a:ext>
-          </a:extLst>
-        </p:cNvPr>
-        <p:cNvGrpSpPr/>
-        <p:nvPr/>
-      </p:nvGrpSpPr>
-      <p:grpSpPr>
-        <a:xfrm>
-          <a:off x="0" y="0"/>
-          <a:ext cx="0" cy="0"/>
-          <a:chOff x="0" y="0"/>
-          <a:chExt cx="0" cy="0"/>
-        </a:xfrm>
-      </p:grpSpPr>
-      <p:sp>
-        <p:nvSpPr>
-          <p:cNvPr id="2" name="Title 1">
-            <a:extLst>
-              <a:ext uri="{FF2B5EF4-FFF2-40B4-BE49-F238E27FC236}">
-                <a16:creationId xmlns:a16="http://schemas.microsoft.com/office/drawing/2014/main" id="{CE73D8DC-679F-CD02-9AB5-B9F71667E7D5}"/>
-              </a:ext>
-            </a:extLst>
-          </p:cNvPr>
-          <p:cNvSpPr>
-            <a:spLocks noGrp="1"/>
-          </p:cNvSpPr>
-          <p:nvPr>
-            <p:ph type="title"/>
-          </p:nvPr>
-        </p:nvSpPr>
-        <p:spPr/>
-        <p:txBody>
-          <a:bodyPr/>
-          <a:lstStyle/>
-          <a:p>
-            <a:r>
-              <a:rPr lang="en-US" dirty="0"/>
-              <a:t>VJE</a:t>
-            </a:r>
-            <a:r>
-              <a:rPr lang="hr-HR" dirty="0"/>
-              <a:t>ž</a:t>
-            </a:r>
-            <a:r>
-              <a:rPr lang="en-US" dirty="0" err="1"/>
-              <a:t>ba</a:t>
-            </a:r>
-            <a:endParaRPr lang="hr-HR" dirty="0"/>
-          </a:p>
-        </p:txBody>
-      </p:sp>
-      <p:sp>
-        <p:nvSpPr>
-          <p:cNvPr id="6" name="Text Placeholder 5">
-            <a:extLst>
-              <a:ext uri="{FF2B5EF4-FFF2-40B4-BE49-F238E27FC236}">
-                <a16:creationId xmlns:a16="http://schemas.microsoft.com/office/drawing/2014/main" id="{7651C6E1-EEC7-8B6E-E09C-744D453971F3}"/>
-              </a:ext>
-            </a:extLst>
-          </p:cNvPr>
-          <p:cNvSpPr>
-            <a:spLocks noGrp="1"/>
-          </p:cNvSpPr>
-          <p:nvPr>
-            <p:ph type="body" sz="half" idx="2"/>
-          </p:nvPr>
-        </p:nvSpPr>
-        <p:spPr/>
-        <p:txBody>
-          <a:bodyPr>
-            <a:normAutofit fontScale="92500" lnSpcReduction="20000"/>
-          </a:bodyPr>
-          <a:lstStyle/>
-          <a:p>
-            <a:pPr>
-              <a:buNone/>
-            </a:pPr>
-            <a:r>
-              <a:rPr lang="hr-HR" dirty="0"/>
-              <a:t>Napiši TypeScript kod koji:</a:t>
-            </a:r>
-            <a:endParaRPr lang="en-US" dirty="0"/>
-          </a:p>
-          <a:p>
-            <a:pPr>
-              <a:buNone/>
-            </a:pPr>
-            <a:r>
-              <a:rPr lang="hr-HR" dirty="0"/>
-              <a:t>Definira enum Role s vrijednostima Admin, Editor i Viewer.</a:t>
-            </a:r>
-          </a:p>
-          <a:p>
-            <a:pPr>
-              <a:buNone/>
-            </a:pPr>
-            <a:r>
-              <a:rPr lang="hr-HR" dirty="0"/>
-              <a:t>Definira klasu User s javnim svojstvima name: string i role: Role, te konstruktorom koji ih prima.</a:t>
-            </a:r>
-          </a:p>
-          <a:p>
-            <a:pPr>
-              <a:buNone/>
-            </a:pPr>
-            <a:r>
-              <a:rPr lang="hr-HR" dirty="0"/>
-              <a:t>Kreira nekoliko instanci User i smjesti ih u polje users: User[].</a:t>
-            </a:r>
-          </a:p>
-          <a:p>
-            <a:pPr>
-              <a:buNone/>
-            </a:pPr>
-            <a:r>
-              <a:rPr lang="hr-HR" dirty="0"/>
-              <a:t>Napiše funkciju getAdmins(users: User[]): User[] koja prolazi kroz polje i vraća samo one čiji je role === Role.Admin.</a:t>
-            </a:r>
-          </a:p>
-          <a:p>
-            <a:pPr>
-              <a:buNone/>
-            </a:pPr>
-            <a:r>
-              <a:rPr lang="hr-HR" dirty="0"/>
-              <a:t>Pozove getAdmins(users) i ispiše imena administratora u konzolu.</a:t>
-            </a:r>
-          </a:p>
-        </p:txBody>
-      </p:sp>
-      <p:pic>
-        <p:nvPicPr>
-          <p:cNvPr id="4" name="Picture 3">
-            <a:extLst>
-              <a:ext uri="{FF2B5EF4-FFF2-40B4-BE49-F238E27FC236}">
-                <a16:creationId xmlns:a16="http://schemas.microsoft.com/office/drawing/2014/main" id="{D3B3BAEC-86BE-AC37-7AD4-BB9E6417D895}"/>
-              </a:ext>
-            </a:extLst>
-          </p:cNvPr>
-          <p:cNvPicPr>
-            <a:picLocks noChangeAspect="1"/>
-          </p:cNvPicPr>
-          <p:nvPr/>
-        </p:nvPicPr>
-        <p:blipFill>
-          <a:blip r:embed="rId3"/>
-          <a:stretch>
-            <a:fillRect/>
-          </a:stretch>
-        </p:blipFill>
-        <p:spPr>
-          <a:xfrm>
-            <a:off x="7477205" y="3241647"/>
-            <a:ext cx="1933575" cy="638175"/>
-          </a:xfrm>
-          <a:prstGeom prst="rect">
-            <a:avLst/>
-          </a:prstGeom>
-        </p:spPr>
-      </p:pic>
-    </p:spTree>
-    <p:extLst>
-      <p:ext uri="{BB962C8B-B14F-4D97-AF65-F5344CB8AC3E}">
-        <p14:creationId xmlns:p14="http://schemas.microsoft.com/office/powerpoint/2010/main" val="4195707806"/>
       </p:ext>
     </p:extLst>
   </p:cSld>
@@ -17469,6 +17778,442 @@
         <p:cNvPr id="1" name="">
           <a:extLst>
             <a:ext uri="{FF2B5EF4-FFF2-40B4-BE49-F238E27FC236}">
+              <a16:creationId xmlns:a16="http://schemas.microsoft.com/office/drawing/2014/main" id="{840AD218-2A9F-8025-8248-F17B56ABD67B}"/>
+            </a:ext>
+          </a:extLst>
+        </p:cNvPr>
+        <p:cNvGrpSpPr/>
+        <p:nvPr/>
+      </p:nvGrpSpPr>
+      <p:grpSpPr>
+        <a:xfrm>
+          <a:off x="0" y="0"/>
+          <a:ext cx="0" cy="0"/>
+          <a:chOff x="0" y="0"/>
+          <a:chExt cx="0" cy="0"/>
+        </a:xfrm>
+      </p:grpSpPr>
+      <p:sp>
+        <p:nvSpPr>
+          <p:cNvPr id="2" name="Title 1">
+            <a:extLst>
+              <a:ext uri="{FF2B5EF4-FFF2-40B4-BE49-F238E27FC236}">
+                <a16:creationId xmlns:a16="http://schemas.microsoft.com/office/drawing/2014/main" id="{CE73D8DC-679F-CD02-9AB5-B9F71667E7D5}"/>
+              </a:ext>
+            </a:extLst>
+          </p:cNvPr>
+          <p:cNvSpPr>
+            <a:spLocks noGrp="1"/>
+          </p:cNvSpPr>
+          <p:nvPr>
+            <p:ph type="title"/>
+          </p:nvPr>
+        </p:nvSpPr>
+        <p:spPr>
+          <a:xfrm>
+            <a:off x="669307" y="-446040"/>
+            <a:ext cx="3932237" cy="1433464"/>
+          </a:xfrm>
+        </p:spPr>
+        <p:txBody>
+          <a:bodyPr/>
+          <a:lstStyle/>
+          <a:p>
+            <a:r>
+              <a:rPr lang="en-US" dirty="0"/>
+              <a:t>VJE</a:t>
+            </a:r>
+            <a:r>
+              <a:rPr lang="hr-HR" dirty="0"/>
+              <a:t>ž</a:t>
+            </a:r>
+            <a:r>
+              <a:rPr lang="en-US" dirty="0" err="1"/>
+              <a:t>ba</a:t>
+            </a:r>
+            <a:endParaRPr lang="hr-HR" dirty="0"/>
+          </a:p>
+        </p:txBody>
+      </p:sp>
+      <p:sp>
+        <p:nvSpPr>
+          <p:cNvPr id="6" name="Text Placeholder 5">
+            <a:extLst>
+              <a:ext uri="{FF2B5EF4-FFF2-40B4-BE49-F238E27FC236}">
+                <a16:creationId xmlns:a16="http://schemas.microsoft.com/office/drawing/2014/main" id="{7651C6E1-EEC7-8B6E-E09C-744D453971F3}"/>
+              </a:ext>
+            </a:extLst>
+          </p:cNvPr>
+          <p:cNvSpPr>
+            <a:spLocks noGrp="1"/>
+          </p:cNvSpPr>
+          <p:nvPr>
+            <p:ph type="body" sz="half" idx="2"/>
+          </p:nvPr>
+        </p:nvSpPr>
+        <p:spPr>
+          <a:xfrm>
+            <a:off x="839788" y="1177871"/>
+            <a:ext cx="3932237" cy="4692705"/>
+          </a:xfrm>
+        </p:spPr>
+        <p:txBody>
+          <a:bodyPr>
+            <a:normAutofit fontScale="85000" lnSpcReduction="10000"/>
+          </a:bodyPr>
+          <a:lstStyle/>
+          <a:p>
+            <a:pPr>
+              <a:lnSpc>
+                <a:spcPts val="1425"/>
+              </a:lnSpc>
+              <a:buNone/>
+            </a:pPr>
+            <a:r>
+              <a:rPr lang="hr-HR" b="0" dirty="0">
+                <a:solidFill>
+                  <a:srgbClr val="CCCCCC"/>
+                </a:solidFill>
+                <a:effectLst/>
+                <a:latin typeface="Consolas" panose="020B0609020204030204" pitchFamily="49" charset="0"/>
+              </a:rPr>
+              <a:t>Definira enum Role</a:t>
+            </a:r>
+            <a:br>
+              <a:rPr lang="hr-HR" b="0" dirty="0">
+                <a:solidFill>
+                  <a:srgbClr val="CCCCCC"/>
+                </a:solidFill>
+                <a:effectLst/>
+                <a:latin typeface="Consolas" panose="020B0609020204030204" pitchFamily="49" charset="0"/>
+              </a:rPr>
+            </a:br>
+            <a:r>
+              <a:rPr lang="hr-HR" b="0" dirty="0">
+                <a:solidFill>
+                  <a:srgbClr val="CCCCCC"/>
+                </a:solidFill>
+                <a:effectLst/>
+                <a:latin typeface="Consolas" panose="020B0609020204030204" pitchFamily="49" charset="0"/>
+              </a:rPr>
+              <a:t>    Vrijednosti: Admin, Editor, Viewer.</a:t>
+            </a:r>
+            <a:endParaRPr lang="en-US" b="0" dirty="0">
+              <a:solidFill>
+                <a:srgbClr val="CCCCCC"/>
+              </a:solidFill>
+              <a:effectLst/>
+              <a:latin typeface="Consolas" panose="020B0609020204030204" pitchFamily="49" charset="0"/>
+            </a:endParaRPr>
+          </a:p>
+          <a:p>
+            <a:pPr>
+              <a:lnSpc>
+                <a:spcPts val="1425"/>
+              </a:lnSpc>
+              <a:buNone/>
+            </a:pPr>
+            <a:br>
+              <a:rPr lang="hr-HR" b="0" dirty="0">
+                <a:solidFill>
+                  <a:srgbClr val="CCCCCC"/>
+                </a:solidFill>
+                <a:effectLst/>
+                <a:latin typeface="Consolas" panose="020B0609020204030204" pitchFamily="49" charset="0"/>
+              </a:rPr>
+            </a:br>
+            <a:r>
+              <a:rPr lang="hr-HR" b="0" dirty="0">
+                <a:solidFill>
+                  <a:srgbClr val="CCCCCC"/>
+                </a:solidFill>
+                <a:effectLst/>
+                <a:latin typeface="Consolas" panose="020B0609020204030204" pitchFamily="49" charset="0"/>
+              </a:rPr>
+              <a:t>Definira klasu User</a:t>
+            </a:r>
+            <a:br>
+              <a:rPr lang="hr-HR" b="0" dirty="0">
+                <a:solidFill>
+                  <a:srgbClr val="CCCCCC"/>
+                </a:solidFill>
+                <a:effectLst/>
+                <a:latin typeface="Consolas" panose="020B0609020204030204" pitchFamily="49" charset="0"/>
+              </a:rPr>
+            </a:br>
+            <a:r>
+              <a:rPr lang="hr-HR" b="0" dirty="0">
+                <a:solidFill>
+                  <a:srgbClr val="CCCCCC"/>
+                </a:solidFill>
+                <a:effectLst/>
+                <a:latin typeface="Consolas" panose="020B0609020204030204" pitchFamily="49" charset="0"/>
+              </a:rPr>
+              <a:t>    Javna svojstva:</a:t>
+            </a:r>
+            <a:br>
+              <a:rPr lang="hr-HR" b="0" dirty="0">
+                <a:solidFill>
+                  <a:srgbClr val="CCCCCC"/>
+                </a:solidFill>
+                <a:effectLst/>
+                <a:latin typeface="Consolas" panose="020B0609020204030204" pitchFamily="49" charset="0"/>
+              </a:rPr>
+            </a:br>
+            <a:r>
+              <a:rPr lang="hr-HR" b="0" dirty="0">
+                <a:solidFill>
+                  <a:srgbClr val="CCCCCC"/>
+                </a:solidFill>
+                <a:effectLst/>
+                <a:latin typeface="Consolas" panose="020B0609020204030204" pitchFamily="49" charset="0"/>
+              </a:rPr>
+              <a:t>    name: string</a:t>
+            </a:r>
+            <a:br>
+              <a:rPr lang="hr-HR" b="0" dirty="0">
+                <a:solidFill>
+                  <a:srgbClr val="CCCCCC"/>
+                </a:solidFill>
+                <a:effectLst/>
+                <a:latin typeface="Consolas" panose="020B0609020204030204" pitchFamily="49" charset="0"/>
+              </a:rPr>
+            </a:br>
+            <a:r>
+              <a:rPr lang="hr-HR" b="0" dirty="0">
+                <a:solidFill>
+                  <a:srgbClr val="CCCCCC"/>
+                </a:solidFill>
+                <a:effectLst/>
+                <a:latin typeface="Consolas" panose="020B0609020204030204" pitchFamily="49" charset="0"/>
+              </a:rPr>
+              <a:t>    role: Role</a:t>
+            </a:r>
+            <a:br>
+              <a:rPr lang="hr-HR" b="0" dirty="0">
+                <a:solidFill>
+                  <a:srgbClr val="CCCCCC"/>
+                </a:solidFill>
+                <a:effectLst/>
+                <a:latin typeface="Consolas" panose="020B0609020204030204" pitchFamily="49" charset="0"/>
+              </a:rPr>
+            </a:br>
+            <a:r>
+              <a:rPr lang="hr-HR" b="0" dirty="0">
+                <a:solidFill>
+                  <a:srgbClr val="CCCCCC"/>
+                </a:solidFill>
+                <a:effectLst/>
+                <a:latin typeface="Consolas" panose="020B0609020204030204" pitchFamily="49" charset="0"/>
+              </a:rPr>
+              <a:t>Kreira primjer korisnika</a:t>
+            </a:r>
+            <a:br>
+              <a:rPr lang="hr-HR" b="0" dirty="0">
+                <a:solidFill>
+                  <a:srgbClr val="CCCCCC"/>
+                </a:solidFill>
+                <a:effectLst/>
+                <a:latin typeface="Consolas" panose="020B0609020204030204" pitchFamily="49" charset="0"/>
+              </a:rPr>
+            </a:br>
+            <a:r>
+              <a:rPr lang="hr-HR" b="0" dirty="0">
+                <a:solidFill>
+                  <a:srgbClr val="CCCCCC"/>
+                </a:solidFill>
+                <a:effectLst/>
+                <a:latin typeface="Consolas" panose="020B0609020204030204" pitchFamily="49" charset="0"/>
+              </a:rPr>
+              <a:t>Napravite nekoliko instanci User s različitim ulogama.</a:t>
+            </a:r>
+            <a:br>
+              <a:rPr lang="hr-HR" b="0" dirty="0">
+                <a:solidFill>
+                  <a:srgbClr val="CCCCCC"/>
+                </a:solidFill>
+                <a:effectLst/>
+                <a:latin typeface="Consolas" panose="020B0609020204030204" pitchFamily="49" charset="0"/>
+              </a:rPr>
+            </a:br>
+            <a:r>
+              <a:rPr lang="hr-HR" b="0" dirty="0">
+                <a:solidFill>
+                  <a:srgbClr val="CCCCCC"/>
+                </a:solidFill>
+                <a:effectLst/>
+                <a:latin typeface="Consolas" panose="020B0609020204030204" pitchFamily="49" charset="0"/>
+              </a:rPr>
+              <a:t>Spremite ih u niz users: User[].</a:t>
+            </a:r>
+            <a:endParaRPr lang="en-US" b="0" dirty="0">
+              <a:solidFill>
+                <a:srgbClr val="CCCCCC"/>
+              </a:solidFill>
+              <a:effectLst/>
+              <a:latin typeface="Consolas" panose="020B0609020204030204" pitchFamily="49" charset="0"/>
+            </a:endParaRPr>
+          </a:p>
+          <a:p>
+            <a:pPr>
+              <a:lnSpc>
+                <a:spcPts val="1425"/>
+              </a:lnSpc>
+              <a:buNone/>
+            </a:pPr>
+            <a:br>
+              <a:rPr lang="hr-HR" b="0" dirty="0">
+                <a:solidFill>
+                  <a:srgbClr val="CCCCCC"/>
+                </a:solidFill>
+                <a:effectLst/>
+                <a:latin typeface="Consolas" panose="020B0609020204030204" pitchFamily="49" charset="0"/>
+              </a:rPr>
+            </a:br>
+            <a:r>
+              <a:rPr lang="hr-HR" b="0" dirty="0">
+                <a:solidFill>
+                  <a:srgbClr val="CCCCCC"/>
+                </a:solidFill>
+                <a:effectLst/>
+                <a:latin typeface="Consolas" panose="020B0609020204030204" pitchFamily="49" charset="0"/>
+              </a:rPr>
+              <a:t>Implementira funkciju getAdmins</a:t>
+            </a:r>
+            <a:br>
+              <a:rPr lang="hr-HR" b="0" dirty="0">
+                <a:solidFill>
+                  <a:srgbClr val="CCCCCC"/>
+                </a:solidFill>
+                <a:effectLst/>
+                <a:latin typeface="Consolas" panose="020B0609020204030204" pitchFamily="49" charset="0"/>
+              </a:rPr>
+            </a:br>
+            <a:r>
+              <a:rPr lang="hr-HR" b="0" dirty="0">
+                <a:solidFill>
+                  <a:srgbClr val="CCCCCC"/>
+                </a:solidFill>
+                <a:effectLst/>
+                <a:latin typeface="Consolas" panose="020B0609020204030204" pitchFamily="49" charset="0"/>
+              </a:rPr>
+              <a:t>Potpis: (users: User[]) =&gt; User[]</a:t>
+            </a:r>
+            <a:endParaRPr lang="en-US" b="0" dirty="0">
+              <a:solidFill>
+                <a:srgbClr val="CCCCCC"/>
+              </a:solidFill>
+              <a:effectLst/>
+              <a:latin typeface="Consolas" panose="020B0609020204030204" pitchFamily="49" charset="0"/>
+            </a:endParaRPr>
+          </a:p>
+          <a:p>
+            <a:pPr>
+              <a:lnSpc>
+                <a:spcPts val="1425"/>
+              </a:lnSpc>
+              <a:buNone/>
+            </a:pPr>
+            <a:br>
+              <a:rPr lang="hr-HR" b="0" dirty="0">
+                <a:solidFill>
+                  <a:srgbClr val="CCCCCC"/>
+                </a:solidFill>
+                <a:effectLst/>
+                <a:latin typeface="Consolas" panose="020B0609020204030204" pitchFamily="49" charset="0"/>
+              </a:rPr>
+            </a:br>
+            <a:r>
+              <a:rPr lang="hr-HR" b="0" dirty="0">
+                <a:solidFill>
+                  <a:srgbClr val="CCCCCC"/>
+                </a:solidFill>
+                <a:effectLst/>
+                <a:latin typeface="Consolas" panose="020B0609020204030204" pitchFamily="49" charset="0"/>
+              </a:rPr>
+              <a:t>Prolazi kroz svaki User u nizu i vraća samo one čija je role === Role.Admin.</a:t>
+            </a:r>
+          </a:p>
+          <a:p>
+            <a:pPr>
+              <a:lnSpc>
+                <a:spcPts val="1425"/>
+              </a:lnSpc>
+              <a:buNone/>
+            </a:pPr>
+            <a:br>
+              <a:rPr lang="hr-HR" b="0" dirty="0">
+                <a:solidFill>
+                  <a:srgbClr val="CCCCCC"/>
+                </a:solidFill>
+                <a:effectLst/>
+                <a:latin typeface="Consolas" panose="020B0609020204030204" pitchFamily="49" charset="0"/>
+              </a:rPr>
+            </a:br>
+            <a:r>
+              <a:rPr lang="hr-HR" b="0" dirty="0">
+                <a:solidFill>
+                  <a:srgbClr val="CCCCCC"/>
+                </a:solidFill>
+                <a:effectLst/>
+                <a:latin typeface="Consolas" panose="020B0609020204030204" pitchFamily="49" charset="0"/>
+              </a:rPr>
+              <a:t>Pozovite getAdmins(users) i ispišite u konzolu name svakog administratora.</a:t>
+            </a:r>
+          </a:p>
+        </p:txBody>
+      </p:sp>
+      <p:pic>
+        <p:nvPicPr>
+          <p:cNvPr id="8" name="Picture 7">
+            <a:extLst>
+              <a:ext uri="{FF2B5EF4-FFF2-40B4-BE49-F238E27FC236}">
+                <a16:creationId xmlns:a16="http://schemas.microsoft.com/office/drawing/2014/main" id="{E440F3D6-DBF4-01A7-31AD-55F17A086879}"/>
+              </a:ext>
+            </a:extLst>
+          </p:cNvPr>
+          <p:cNvPicPr>
+            <a:picLocks noChangeAspect="1"/>
+          </p:cNvPicPr>
+          <p:nvPr/>
+        </p:nvPicPr>
+        <p:blipFill>
+          <a:blip r:embed="rId3"/>
+          <a:stretch>
+            <a:fillRect/>
+          </a:stretch>
+        </p:blipFill>
+        <p:spPr>
+          <a:xfrm>
+            <a:off x="7115740" y="2971800"/>
+            <a:ext cx="1571625" cy="914400"/>
+          </a:xfrm>
+          <a:prstGeom prst="rect">
+            <a:avLst/>
+          </a:prstGeom>
+        </p:spPr>
+      </p:pic>
+    </p:spTree>
+    <p:extLst>
+      <p:ext uri="{BB962C8B-B14F-4D97-AF65-F5344CB8AC3E}">
+        <p14:creationId xmlns:p14="http://schemas.microsoft.com/office/powerpoint/2010/main" val="4195707806"/>
+      </p:ext>
+    </p:extLst>
+  </p:cSld>
+  <p:clrMapOvr>
+    <a:masterClrMapping/>
+  </p:clrMapOvr>
+</p:sld>
+</file>
+
+<file path=ppt/slides/slide21.xml><?xml version="1.0" encoding="utf-8"?>
+<p:sld xmlns:a="http://schemas.openxmlformats.org/drawingml/2006/main" xmlns:r="http://schemas.openxmlformats.org/officeDocument/2006/relationships" xmlns:p="http://schemas.openxmlformats.org/presentationml/2006/main">
+  <p:cSld>
+    <p:spTree>
+      <p:nvGrpSpPr>
+        <p:cNvPr id="1" name="">
+          <a:extLst>
+            <a:ext uri="{FF2B5EF4-FFF2-40B4-BE49-F238E27FC236}">
               <a16:creationId xmlns:a16="http://schemas.microsoft.com/office/drawing/2014/main" id="{B287BB01-2487-2793-3028-79169D65CC99}"/>
             </a:ext>
           </a:extLst>
@@ -17699,7 +18444,7 @@
 </p:sld>
 </file>
 
-<file path=ppt/slides/slide21.xml><?xml version="1.0" encoding="utf-8"?>
+<file path=ppt/slides/slide22.xml><?xml version="1.0" encoding="utf-8"?>
 <p:sld xmlns:a="http://schemas.openxmlformats.org/drawingml/2006/main" xmlns:r="http://schemas.openxmlformats.org/officeDocument/2006/relationships" xmlns:p="http://schemas.openxmlformats.org/presentationml/2006/main">
   <p:cSld>
     <p:spTree>
@@ -17910,7 +18655,7 @@
 </p:sld>
 </file>
 
-<file path=ppt/slides/slide22.xml><?xml version="1.0" encoding="utf-8"?>
+<file path=ppt/slides/slide23.xml><?xml version="1.0" encoding="utf-8"?>
 <p:sld xmlns:a="http://schemas.openxmlformats.org/drawingml/2006/main" xmlns:r="http://schemas.openxmlformats.org/officeDocument/2006/relationships" xmlns:p="http://schemas.openxmlformats.org/presentationml/2006/main">
   <p:cSld>
     <p:spTree>
@@ -18091,7 +18836,7 @@
 </p:sld>
 </file>
 
-<file path=ppt/slides/slide23.xml><?xml version="1.0" encoding="utf-8"?>
+<file path=ppt/slides/slide24.xml><?xml version="1.0" encoding="utf-8"?>
 <p:sld xmlns:a="http://schemas.openxmlformats.org/drawingml/2006/main" xmlns:r="http://schemas.openxmlformats.org/officeDocument/2006/relationships" xmlns:p="http://schemas.openxmlformats.org/presentationml/2006/main">
   <p:cSld>
     <p:spTree>
@@ -18254,7 +18999,7 @@
 </p:sld>
 </file>
 
-<file path=ppt/slides/slide24.xml><?xml version="1.0" encoding="utf-8"?>
+<file path=ppt/slides/slide25.xml><?xml version="1.0" encoding="utf-8"?>
 <p:sld xmlns:a="http://schemas.openxmlformats.org/drawingml/2006/main" xmlns:r="http://schemas.openxmlformats.org/officeDocument/2006/relationships" xmlns:p="http://schemas.openxmlformats.org/presentationml/2006/main">
   <p:cSld>
     <p:spTree>
@@ -18425,7 +19170,7 @@
 </p:sld>
 </file>
 
-<file path=ppt/slides/slide25.xml><?xml version="1.0" encoding="utf-8"?>
+<file path=ppt/slides/slide26.xml><?xml version="1.0" encoding="utf-8"?>
 <p:sld xmlns:a="http://schemas.openxmlformats.org/drawingml/2006/main" xmlns:r="http://schemas.openxmlformats.org/officeDocument/2006/relationships" xmlns:p="http://schemas.openxmlformats.org/presentationml/2006/main">
   <p:cSld>
     <p:spTree>
@@ -18606,7 +19351,162 @@
 </p:sld>
 </file>
 
-<file path=ppt/slides/slide26.xml><?xml version="1.0" encoding="utf-8"?>
+<file path=ppt/slides/slide27.xml><?xml version="1.0" encoding="utf-8"?>
+<p:sld xmlns:a="http://schemas.openxmlformats.org/drawingml/2006/main" xmlns:r="http://schemas.openxmlformats.org/officeDocument/2006/relationships" xmlns:p="http://schemas.openxmlformats.org/presentationml/2006/main">
+  <p:cSld>
+    <p:spTree>
+      <p:nvGrpSpPr>
+        <p:cNvPr id="1" name="">
+          <a:extLst>
+            <a:ext uri="{FF2B5EF4-FFF2-40B4-BE49-F238E27FC236}">
+              <a16:creationId xmlns:a16="http://schemas.microsoft.com/office/drawing/2014/main" id="{B8E12DE5-0A5B-6A0E-C50A-356628A6E317}"/>
+            </a:ext>
+          </a:extLst>
+        </p:cNvPr>
+        <p:cNvGrpSpPr/>
+        <p:nvPr/>
+      </p:nvGrpSpPr>
+      <p:grpSpPr>
+        <a:xfrm>
+          <a:off x="0" y="0"/>
+          <a:ext cx="0" cy="0"/>
+          <a:chOff x="0" y="0"/>
+          <a:chExt cx="0" cy="0"/>
+        </a:xfrm>
+      </p:grpSpPr>
+      <p:sp>
+        <p:nvSpPr>
+          <p:cNvPr id="2" name="Title 1">
+            <a:extLst>
+              <a:ext uri="{FF2B5EF4-FFF2-40B4-BE49-F238E27FC236}">
+                <a16:creationId xmlns:a16="http://schemas.microsoft.com/office/drawing/2014/main" id="{0153E8B6-7368-81CF-761B-EC34AD1E44C3}"/>
+              </a:ext>
+            </a:extLst>
+          </p:cNvPr>
+          <p:cNvSpPr>
+            <a:spLocks noGrp="1"/>
+          </p:cNvSpPr>
+          <p:nvPr>
+            <p:ph type="title"/>
+          </p:nvPr>
+        </p:nvSpPr>
+        <p:spPr>
+          <a:xfrm>
+            <a:off x="669307" y="-446040"/>
+            <a:ext cx="3932237" cy="1433464"/>
+          </a:xfrm>
+        </p:spPr>
+        <p:txBody>
+          <a:bodyPr/>
+          <a:lstStyle/>
+          <a:p>
+            <a:r>
+              <a:rPr lang="en-US" dirty="0"/>
+              <a:t>VJE</a:t>
+            </a:r>
+            <a:r>
+              <a:rPr lang="hr-HR" dirty="0"/>
+              <a:t>ž</a:t>
+            </a:r>
+            <a:r>
+              <a:rPr lang="en-US" dirty="0" err="1"/>
+              <a:t>ba</a:t>
+            </a:r>
+            <a:endParaRPr lang="hr-HR" dirty="0"/>
+          </a:p>
+        </p:txBody>
+      </p:sp>
+      <p:sp>
+        <p:nvSpPr>
+          <p:cNvPr id="6" name="Text Placeholder 5">
+            <a:extLst>
+              <a:ext uri="{FF2B5EF4-FFF2-40B4-BE49-F238E27FC236}">
+                <a16:creationId xmlns:a16="http://schemas.microsoft.com/office/drawing/2014/main" id="{E9D2F2DE-41F4-348C-4DE0-4818882783B6}"/>
+              </a:ext>
+            </a:extLst>
+          </p:cNvPr>
+          <p:cNvSpPr>
+            <a:spLocks noGrp="1"/>
+          </p:cNvSpPr>
+          <p:nvPr>
+            <p:ph type="body" sz="half" idx="2"/>
+          </p:nvPr>
+        </p:nvSpPr>
+        <p:spPr>
+          <a:xfrm>
+            <a:off x="839789" y="1177871"/>
+            <a:ext cx="3987934" cy="4692705"/>
+          </a:xfrm>
+        </p:spPr>
+        <p:txBody>
+          <a:bodyPr>
+            <a:normAutofit/>
+          </a:bodyPr>
+          <a:lstStyle/>
+          <a:p>
+            <a:pPr>
+              <a:lnSpc>
+                <a:spcPts val="1425"/>
+              </a:lnSpc>
+              <a:buNone/>
+            </a:pPr>
+            <a:r>
+              <a:rPr lang="hr-HR" b="0" dirty="0">
+                <a:solidFill>
+                  <a:srgbClr val="CCCCCC"/>
+                </a:solidFill>
+                <a:effectLst/>
+                <a:latin typeface="Consolas" panose="020B0609020204030204" pitchFamily="49" charset="0"/>
+              </a:rPr>
+              <a:t>https://docs.google.com/document/d/1ralSZEO09imqj37FaQmbcSF3e_MvwYh85gx2r2rty2E/edit?usp=sharing</a:t>
+            </a:r>
+          </a:p>
+        </p:txBody>
+      </p:sp>
+      <p:pic>
+        <p:nvPicPr>
+          <p:cNvPr id="4" name="Picture 3">
+            <a:extLst>
+              <a:ext uri="{FF2B5EF4-FFF2-40B4-BE49-F238E27FC236}">
+                <a16:creationId xmlns:a16="http://schemas.microsoft.com/office/drawing/2014/main" id="{EF413491-2A14-F002-FD45-B731AE77A052}"/>
+              </a:ext>
+            </a:extLst>
+          </p:cNvPr>
+          <p:cNvPicPr>
+            <a:picLocks noChangeAspect="1"/>
+          </p:cNvPicPr>
+          <p:nvPr/>
+        </p:nvPicPr>
+        <p:blipFill>
+          <a:blip r:embed="rId3"/>
+          <a:stretch>
+            <a:fillRect/>
+          </a:stretch>
+        </p:blipFill>
+        <p:spPr>
+          <a:xfrm>
+            <a:off x="6714156" y="3109912"/>
+            <a:ext cx="3676650" cy="638175"/>
+          </a:xfrm>
+          <a:prstGeom prst="rect">
+            <a:avLst/>
+          </a:prstGeom>
+        </p:spPr>
+      </p:pic>
+    </p:spTree>
+    <p:extLst>
+      <p:ext uri="{BB962C8B-B14F-4D97-AF65-F5344CB8AC3E}">
+        <p14:creationId xmlns:p14="http://schemas.microsoft.com/office/powerpoint/2010/main" val="3019543790"/>
+      </p:ext>
+    </p:extLst>
+  </p:cSld>
+  <p:clrMapOvr>
+    <a:masterClrMapping/>
+  </p:clrMapOvr>
+</p:sld>
+</file>
+
+<file path=ppt/slides/slide28.xml><?xml version="1.0" encoding="utf-8"?>
 <p:sld xmlns:a="http://schemas.openxmlformats.org/drawingml/2006/main" xmlns:r="http://schemas.openxmlformats.org/officeDocument/2006/relationships" xmlns:p="http://schemas.openxmlformats.org/presentationml/2006/main">
   <p:cSld>
     <p:spTree>
@@ -18841,7 +19741,7 @@
 </p:sld>
 </file>
 
-<file path=ppt/slides/slide27.xml><?xml version="1.0" encoding="utf-8"?>
+<file path=ppt/slides/slide29.xml><?xml version="1.0" encoding="utf-8"?>
 <p:sld xmlns:a="http://schemas.openxmlformats.org/drawingml/2006/main" xmlns:r="http://schemas.openxmlformats.org/officeDocument/2006/relationships" xmlns:p="http://schemas.openxmlformats.org/presentationml/2006/main">
   <p:cSld>
     <p:spTree>
@@ -19107,558 +20007,6 @@
     <p:extLst>
       <p:ext uri="{BB962C8B-B14F-4D97-AF65-F5344CB8AC3E}">
         <p14:creationId xmlns:p14="http://schemas.microsoft.com/office/powerpoint/2010/main" val="2766576542"/>
-      </p:ext>
-    </p:extLst>
-  </p:cSld>
-  <p:clrMapOvr>
-    <a:masterClrMapping/>
-  </p:clrMapOvr>
-</p:sld>
-</file>
-
-<file path=ppt/slides/slide28.xml><?xml version="1.0" encoding="utf-8"?>
-<p:sld xmlns:a="http://schemas.openxmlformats.org/drawingml/2006/main" xmlns:r="http://schemas.openxmlformats.org/officeDocument/2006/relationships" xmlns:p="http://schemas.openxmlformats.org/presentationml/2006/main">
-  <p:cSld>
-    <p:spTree>
-      <p:nvGrpSpPr>
-        <p:cNvPr id="1" name="">
-          <a:extLst>
-            <a:ext uri="{FF2B5EF4-FFF2-40B4-BE49-F238E27FC236}">
-              <a16:creationId xmlns:a16="http://schemas.microsoft.com/office/drawing/2014/main" id="{C8561A4F-2F38-23E7-826B-9F6E581C3201}"/>
-            </a:ext>
-          </a:extLst>
-        </p:cNvPr>
-        <p:cNvGrpSpPr/>
-        <p:nvPr/>
-      </p:nvGrpSpPr>
-      <p:grpSpPr>
-        <a:xfrm>
-          <a:off x="0" y="0"/>
-          <a:ext cx="0" cy="0"/>
-          <a:chOff x="0" y="0"/>
-          <a:chExt cx="0" cy="0"/>
-        </a:xfrm>
-      </p:grpSpPr>
-      <p:sp>
-        <p:nvSpPr>
-          <p:cNvPr id="4" name="Title 1">
-            <a:extLst>
-              <a:ext uri="{FF2B5EF4-FFF2-40B4-BE49-F238E27FC236}">
-                <a16:creationId xmlns:a16="http://schemas.microsoft.com/office/drawing/2014/main" id="{6368D5C0-F820-969A-9461-235559BD219F}"/>
-              </a:ext>
-            </a:extLst>
-          </p:cNvPr>
-          <p:cNvSpPr txBox="1">
-            <a:spLocks/>
-          </p:cNvSpPr>
-          <p:nvPr/>
-        </p:nvSpPr>
-        <p:spPr>
-          <a:xfrm>
-            <a:off x="990600" y="383056"/>
-            <a:ext cx="10515600" cy="853976"/>
-          </a:xfrm>
-          <a:prstGeom prst="rect">
-            <a:avLst/>
-          </a:prstGeom>
-        </p:spPr>
-        <p:txBody>
-          <a:bodyPr vert="horz" lIns="91440" tIns="45720" rIns="91440" bIns="45720" rtlCol="0" anchor="ctr">
-            <a:normAutofit/>
-          </a:bodyPr>
-          <a:lstStyle>
-            <a:lvl1pPr algn="l" defTabSz="914400" rtl="0" eaLnBrk="1" latinLnBrk="0" hangingPunct="1">
-              <a:lnSpc>
-                <a:spcPct val="90000"/>
-              </a:lnSpc>
-              <a:spcBef>
-                <a:spcPct val="0"/>
-              </a:spcBef>
-              <a:buNone/>
-              <a:defRPr sz="3600" b="1" i="0" kern="1200" cap="all" baseline="0">
-                <a:solidFill>
-                  <a:schemeClr val="tx2"/>
-                </a:solidFill>
-                <a:latin typeface="+mj-lt"/>
-                <a:ea typeface="Open Sans Semibold" panose="020B0606030504020204" pitchFamily="34" charset="0"/>
-                <a:cs typeface="Open Sans Semibold" panose="020B0606030504020204" pitchFamily="34" charset="0"/>
-              </a:defRPr>
-            </a:lvl1pPr>
-          </a:lstStyle>
-          <a:p>
-            <a:r>
-              <a:rPr lang="en-US" dirty="0"/>
-              <a:t>TYPESCRIPT – undefined</a:t>
-            </a:r>
-            <a:endParaRPr lang="hr-HR" dirty="0"/>
-          </a:p>
-        </p:txBody>
-      </p:sp>
-      <p:sp>
-        <p:nvSpPr>
-          <p:cNvPr id="6" name="TextBox 5">
-            <a:extLst>
-              <a:ext uri="{FF2B5EF4-FFF2-40B4-BE49-F238E27FC236}">
-                <a16:creationId xmlns:a16="http://schemas.microsoft.com/office/drawing/2014/main" id="{BB0FF0A1-0D35-F801-5B3E-7A08C4B85100}"/>
-              </a:ext>
-            </a:extLst>
-          </p:cNvPr>
-          <p:cNvSpPr txBox="1"/>
-          <p:nvPr/>
-        </p:nvSpPr>
-        <p:spPr>
-          <a:xfrm>
-            <a:off x="974402" y="3805086"/>
-            <a:ext cx="10243196" cy="1815882"/>
-          </a:xfrm>
-          <a:prstGeom prst="rect">
-            <a:avLst/>
-          </a:prstGeom>
-          <a:noFill/>
-        </p:spPr>
-        <p:txBody>
-          <a:bodyPr wrap="square">
-            <a:spAutoFit/>
-          </a:bodyPr>
-          <a:lstStyle/>
-          <a:p>
-            <a:pPr>
-              <a:buNone/>
-            </a:pPr>
-            <a:r>
-              <a:rPr lang="hr-HR" sz="1400" dirty="0" err="1"/>
-              <a:t>Unknown</a:t>
-            </a:r>
-            <a:r>
-              <a:rPr lang="hr-HR" sz="1400" dirty="0"/>
-              <a:t> tip je sličan </a:t>
-            </a:r>
-            <a:r>
-              <a:rPr lang="hr-HR" sz="1400" dirty="0" err="1"/>
-              <a:t>any</a:t>
-            </a:r>
-            <a:r>
-              <a:rPr lang="hr-HR" sz="1400" dirty="0"/>
-              <a:t> tipu jer može sadržavati bilo koju vrijednost, no za razliku od </a:t>
-            </a:r>
-            <a:r>
-              <a:rPr lang="hr-HR" sz="1400" dirty="0" err="1"/>
-              <a:t>any</a:t>
-            </a:r>
-            <a:r>
-              <a:rPr lang="hr-HR" sz="1400" dirty="0"/>
-              <a:t>, on zahtijeva da se prije korištenja izvrše odgovarajuće provjere.</a:t>
-            </a:r>
-            <a:endParaRPr lang="en-US" sz="1400" dirty="0"/>
-          </a:p>
-          <a:p>
-            <a:pPr>
-              <a:buNone/>
-            </a:pPr>
-            <a:br>
-              <a:rPr lang="hr-HR" sz="1400" dirty="0"/>
-            </a:br>
-            <a:r>
-              <a:rPr lang="hr-HR" sz="1400" dirty="0"/>
-              <a:t>Time osiguravate da se operacije izvršavaju samo ako vrijednost zadovoljava očekivanu strukturu, čime se povećava sigurnost i pouzdanost koda.</a:t>
-            </a:r>
-            <a:endParaRPr lang="en-US" sz="1400" dirty="0"/>
-          </a:p>
-          <a:p>
-            <a:pPr>
-              <a:buNone/>
-            </a:pPr>
-            <a:br>
-              <a:rPr lang="hr-HR" sz="1400" dirty="0"/>
-            </a:br>
-            <a:r>
-              <a:rPr lang="hr-HR" sz="1400" dirty="0"/>
-              <a:t>Ovo je osobito korisno u generičkom kodiranju i razvoju biblioteka gdje struktura ulaznih podataka nije uvijek poznata unaprijed.</a:t>
-            </a:r>
-          </a:p>
-        </p:txBody>
-      </p:sp>
-      <p:pic>
-        <p:nvPicPr>
-          <p:cNvPr id="3" name="Picture 2">
-            <a:extLst>
-              <a:ext uri="{FF2B5EF4-FFF2-40B4-BE49-F238E27FC236}">
-                <a16:creationId xmlns:a16="http://schemas.microsoft.com/office/drawing/2014/main" id="{3742AF97-A5C7-D7F7-74FA-A70F37094AF4}"/>
-              </a:ext>
-            </a:extLst>
-          </p:cNvPr>
-          <p:cNvPicPr>
-            <a:picLocks noChangeAspect="1"/>
-          </p:cNvPicPr>
-          <p:nvPr/>
-        </p:nvPicPr>
-        <p:blipFill>
-          <a:blip r:embed="rId3"/>
-          <a:stretch>
-            <a:fillRect/>
-          </a:stretch>
-        </p:blipFill>
-        <p:spPr>
-          <a:xfrm>
-            <a:off x="1029032" y="1237032"/>
-            <a:ext cx="8093703" cy="768016"/>
-          </a:xfrm>
-          <a:prstGeom prst="rect">
-            <a:avLst/>
-          </a:prstGeom>
-        </p:spPr>
-      </p:pic>
-      <p:pic>
-        <p:nvPicPr>
-          <p:cNvPr id="8" name="Picture 7">
-            <a:extLst>
-              <a:ext uri="{FF2B5EF4-FFF2-40B4-BE49-F238E27FC236}">
-                <a16:creationId xmlns:a16="http://schemas.microsoft.com/office/drawing/2014/main" id="{D43C406C-79EA-4AC7-4116-FAD064CAFA4B}"/>
-              </a:ext>
-            </a:extLst>
-          </p:cNvPr>
-          <p:cNvPicPr>
-            <a:picLocks noChangeAspect="1"/>
-          </p:cNvPicPr>
-          <p:nvPr/>
-        </p:nvPicPr>
-        <p:blipFill>
-          <a:blip r:embed="rId4"/>
-          <a:stretch>
-            <a:fillRect/>
-          </a:stretch>
-        </p:blipFill>
-        <p:spPr>
-          <a:xfrm>
-            <a:off x="1029032" y="2089604"/>
-            <a:ext cx="4026749" cy="1581746"/>
-          </a:xfrm>
-          <a:prstGeom prst="rect">
-            <a:avLst/>
-          </a:prstGeom>
-        </p:spPr>
-      </p:pic>
-    </p:spTree>
-    <p:extLst>
-      <p:ext uri="{BB962C8B-B14F-4D97-AF65-F5344CB8AC3E}">
-        <p14:creationId xmlns:p14="http://schemas.microsoft.com/office/powerpoint/2010/main" val="842278996"/>
-      </p:ext>
-    </p:extLst>
-  </p:cSld>
-  <p:clrMapOvr>
-    <a:masterClrMapping/>
-  </p:clrMapOvr>
-</p:sld>
-</file>
-
-<file path=ppt/slides/slide29.xml><?xml version="1.0" encoding="utf-8"?>
-<p:sld xmlns:a="http://schemas.openxmlformats.org/drawingml/2006/main" xmlns:r="http://schemas.openxmlformats.org/officeDocument/2006/relationships" xmlns:p="http://schemas.openxmlformats.org/presentationml/2006/main">
-  <p:cSld>
-    <p:spTree>
-      <p:nvGrpSpPr>
-        <p:cNvPr id="1" name="">
-          <a:extLst>
-            <a:ext uri="{FF2B5EF4-FFF2-40B4-BE49-F238E27FC236}">
-              <a16:creationId xmlns:a16="http://schemas.microsoft.com/office/drawing/2014/main" id="{1641A999-7B1C-1639-5F03-118AFA1C1D00}"/>
-            </a:ext>
-          </a:extLst>
-        </p:cNvPr>
-        <p:cNvGrpSpPr/>
-        <p:nvPr/>
-      </p:nvGrpSpPr>
-      <p:grpSpPr>
-        <a:xfrm>
-          <a:off x="0" y="0"/>
-          <a:ext cx="0" cy="0"/>
-          <a:chOff x="0" y="0"/>
-          <a:chExt cx="0" cy="0"/>
-        </a:xfrm>
-      </p:grpSpPr>
-      <p:sp>
-        <p:nvSpPr>
-          <p:cNvPr id="4" name="Title 1">
-            <a:extLst>
-              <a:ext uri="{FF2B5EF4-FFF2-40B4-BE49-F238E27FC236}">
-                <a16:creationId xmlns:a16="http://schemas.microsoft.com/office/drawing/2014/main" id="{A7E48B02-9C91-19BD-B50A-CD1597224A6A}"/>
-              </a:ext>
-            </a:extLst>
-          </p:cNvPr>
-          <p:cNvSpPr txBox="1">
-            <a:spLocks/>
-          </p:cNvSpPr>
-          <p:nvPr/>
-        </p:nvSpPr>
-        <p:spPr>
-          <a:xfrm>
-            <a:off x="990600" y="383056"/>
-            <a:ext cx="10515600" cy="853976"/>
-          </a:xfrm>
-          <a:prstGeom prst="rect">
-            <a:avLst/>
-          </a:prstGeom>
-        </p:spPr>
-        <p:txBody>
-          <a:bodyPr vert="horz" lIns="91440" tIns="45720" rIns="91440" bIns="45720" rtlCol="0" anchor="ctr">
-            <a:normAutofit/>
-          </a:bodyPr>
-          <a:lstStyle>
-            <a:lvl1pPr algn="l" defTabSz="914400" rtl="0" eaLnBrk="1" latinLnBrk="0" hangingPunct="1">
-              <a:lnSpc>
-                <a:spcPct val="90000"/>
-              </a:lnSpc>
-              <a:spcBef>
-                <a:spcPct val="0"/>
-              </a:spcBef>
-              <a:buNone/>
-              <a:defRPr sz="3600" b="1" i="0" kern="1200" cap="all" baseline="0">
-                <a:solidFill>
-                  <a:schemeClr val="tx2"/>
-                </a:solidFill>
-                <a:latin typeface="+mj-lt"/>
-                <a:ea typeface="Open Sans Semibold" panose="020B0606030504020204" pitchFamily="34" charset="0"/>
-                <a:cs typeface="Open Sans Semibold" panose="020B0606030504020204" pitchFamily="34" charset="0"/>
-              </a:defRPr>
-            </a:lvl1pPr>
-          </a:lstStyle>
-          <a:p>
-            <a:r>
-              <a:rPr lang="en-US" dirty="0"/>
-              <a:t>TYPESCRIPT – </a:t>
-            </a:r>
-            <a:r>
-              <a:rPr lang="en-US" dirty="0" err="1"/>
-              <a:t>tsconfig.json</a:t>
-            </a:r>
-            <a:endParaRPr lang="hr-HR" dirty="0"/>
-          </a:p>
-        </p:txBody>
-      </p:sp>
-      <p:sp>
-        <p:nvSpPr>
-          <p:cNvPr id="2" name="TextBox 1">
-            <a:extLst>
-              <a:ext uri="{FF2B5EF4-FFF2-40B4-BE49-F238E27FC236}">
-                <a16:creationId xmlns:a16="http://schemas.microsoft.com/office/drawing/2014/main" id="{A610215A-A66C-AC97-F2C9-8099300380F2}"/>
-              </a:ext>
-            </a:extLst>
-          </p:cNvPr>
-          <p:cNvSpPr txBox="1"/>
-          <p:nvPr/>
-        </p:nvSpPr>
-        <p:spPr>
-          <a:xfrm>
-            <a:off x="1108394" y="1275286"/>
-            <a:ext cx="8671239" cy="1754326"/>
-          </a:xfrm>
-          <a:prstGeom prst="rect">
-            <a:avLst/>
-          </a:prstGeom>
-          <a:noFill/>
-        </p:spPr>
-        <p:txBody>
-          <a:bodyPr wrap="square">
-            <a:spAutoFit/>
-          </a:bodyPr>
-          <a:lstStyle/>
-          <a:p>
-            <a:pPr>
-              <a:buFont typeface="Arial" panose="020B0604020202020204" pitchFamily="34" charset="0"/>
-              <a:buChar char="•"/>
-            </a:pPr>
-            <a:r>
-              <a:rPr lang="en-US" b="1" dirty="0"/>
-              <a:t> </a:t>
-            </a:r>
-            <a:r>
-              <a:rPr lang="hr-HR" b="1" dirty="0" err="1"/>
-              <a:t>tsconfig.json</a:t>
-            </a:r>
-            <a:r>
-              <a:rPr lang="hr-HR" dirty="0"/>
-              <a:t> datoteka je ključna za konfiguriranje </a:t>
-            </a:r>
-            <a:r>
-              <a:rPr lang="hr-HR" dirty="0" err="1"/>
-              <a:t>TypeScript</a:t>
-            </a:r>
-            <a:r>
-              <a:rPr lang="hr-HR" dirty="0"/>
-              <a:t>-a na razini projekta.</a:t>
-            </a:r>
-          </a:p>
-          <a:p>
-            <a:pPr>
-              <a:buFont typeface="Arial" panose="020B0604020202020204" pitchFamily="34" charset="0"/>
-              <a:buChar char="•"/>
-            </a:pPr>
-            <a:r>
-              <a:rPr lang="en-US" dirty="0"/>
-              <a:t> </a:t>
-            </a:r>
-            <a:r>
-              <a:rPr lang="hr-HR" dirty="0" err="1"/>
-              <a:t>Default</a:t>
-            </a:r>
-            <a:r>
-              <a:rPr lang="hr-HR" dirty="0"/>
-              <a:t> postavke su često dovoljne, ali možete ih prilagoditi prema potrebama vašeg projekta.</a:t>
-            </a:r>
-          </a:p>
-          <a:p>
-            <a:pPr>
-              <a:buFont typeface="Arial" panose="020B0604020202020204" pitchFamily="34" charset="0"/>
-              <a:buChar char="•"/>
-            </a:pPr>
-            <a:r>
-              <a:rPr lang="en-US" dirty="0"/>
-              <a:t> </a:t>
-            </a:r>
-            <a:r>
-              <a:rPr lang="hr-HR" dirty="0"/>
-              <a:t>Za naprednije konfiguracije preporučuje se proučavanje službene dokumentacije.</a:t>
-            </a:r>
-          </a:p>
-        </p:txBody>
-      </p:sp>
-      <p:pic>
-        <p:nvPicPr>
-          <p:cNvPr id="7" name="Picture 6">
-            <a:extLst>
-              <a:ext uri="{FF2B5EF4-FFF2-40B4-BE49-F238E27FC236}">
-                <a16:creationId xmlns:a16="http://schemas.microsoft.com/office/drawing/2014/main" id="{E727449B-C417-5FB0-86B2-5F43808F8B01}"/>
-              </a:ext>
-            </a:extLst>
-          </p:cNvPr>
-          <p:cNvPicPr>
-            <a:picLocks noChangeAspect="1"/>
-          </p:cNvPicPr>
-          <p:nvPr/>
-        </p:nvPicPr>
-        <p:blipFill>
-          <a:blip r:embed="rId3"/>
-          <a:stretch>
-            <a:fillRect/>
-          </a:stretch>
-        </p:blipFill>
-        <p:spPr>
-          <a:xfrm>
-            <a:off x="1188410" y="3133504"/>
-            <a:ext cx="1543050" cy="495300"/>
-          </a:xfrm>
-          <a:prstGeom prst="rect">
-            <a:avLst/>
-          </a:prstGeom>
-        </p:spPr>
-      </p:pic>
-      <p:sp>
-        <p:nvSpPr>
-          <p:cNvPr id="9" name="TextBox 8">
-            <a:extLst>
-              <a:ext uri="{FF2B5EF4-FFF2-40B4-BE49-F238E27FC236}">
-                <a16:creationId xmlns:a16="http://schemas.microsoft.com/office/drawing/2014/main" id="{9C6ED333-C33F-9822-25CE-A4BE2ECC534F}"/>
-              </a:ext>
-            </a:extLst>
-          </p:cNvPr>
-          <p:cNvSpPr txBox="1"/>
-          <p:nvPr/>
-        </p:nvSpPr>
-        <p:spPr>
-          <a:xfrm>
-            <a:off x="1060820" y="3828388"/>
-            <a:ext cx="8671239" cy="1754326"/>
-          </a:xfrm>
-          <a:prstGeom prst="rect">
-            <a:avLst/>
-          </a:prstGeom>
-          <a:noFill/>
-        </p:spPr>
-        <p:txBody>
-          <a:bodyPr wrap="square">
-            <a:spAutoFit/>
-          </a:bodyPr>
-          <a:lstStyle/>
-          <a:p>
-            <a:pPr>
-              <a:buFont typeface="Arial" panose="020B0604020202020204" pitchFamily="34" charset="0"/>
-              <a:buChar char="•"/>
-            </a:pPr>
-            <a:r>
-              <a:rPr lang="en-US" dirty="0"/>
-              <a:t> </a:t>
-            </a:r>
-            <a:r>
-              <a:rPr lang="hr-HR" dirty="0"/>
-              <a:t>Osnovne postavke, poput </a:t>
-            </a:r>
-            <a:r>
-              <a:rPr lang="hr-HR" dirty="0" err="1"/>
-              <a:t>target</a:t>
-            </a:r>
-            <a:r>
-              <a:rPr lang="hr-HR" dirty="0"/>
-              <a:t> i </a:t>
-            </a:r>
-            <a:r>
-              <a:rPr lang="hr-HR" dirty="0" err="1"/>
-              <a:t>lib</a:t>
-            </a:r>
-            <a:r>
-              <a:rPr lang="hr-HR" dirty="0"/>
-              <a:t>, ključne su za definiranje generiranog JavaScript koda i dostupnih globalnih tipova.</a:t>
-            </a:r>
-            <a:endParaRPr lang="en-US" dirty="0"/>
-          </a:p>
-          <a:p>
-            <a:pPr>
-              <a:buFont typeface="Arial" panose="020B0604020202020204" pitchFamily="34" charset="0"/>
-              <a:buChar char="•"/>
-            </a:pPr>
-            <a:r>
-              <a:rPr lang="en-US" dirty="0"/>
-              <a:t> </a:t>
-            </a:r>
-            <a:r>
-              <a:rPr lang="hr-HR" dirty="0"/>
-              <a:t>Napredne opcije su dostupne za specifične slučajeve, ali se u većini manjih projekata </a:t>
-            </a:r>
-            <a:r>
-              <a:rPr lang="hr-HR" dirty="0" err="1"/>
-              <a:t>default</a:t>
-            </a:r>
-            <a:r>
-              <a:rPr lang="hr-HR" dirty="0"/>
-              <a:t> postavke pokazuju kao dovoljne.</a:t>
-            </a:r>
-            <a:endParaRPr lang="en-US" dirty="0"/>
-          </a:p>
-          <a:p>
-            <a:pPr>
-              <a:buFont typeface="Arial" panose="020B0604020202020204" pitchFamily="34" charset="0"/>
-              <a:buChar char="•"/>
-            </a:pPr>
-            <a:r>
-              <a:rPr lang="en-US" dirty="0"/>
-              <a:t> </a:t>
-            </a:r>
-            <a:r>
-              <a:rPr lang="hr-HR" dirty="0"/>
-              <a:t>Alati poput Vite-a često automatski postavljaju optimalnu konfiguraciju, što olakšava početak rada s </a:t>
-            </a:r>
-            <a:r>
-              <a:rPr lang="hr-HR" dirty="0" err="1"/>
-              <a:t>TypeScript</a:t>
-            </a:r>
-            <a:r>
-              <a:rPr lang="hr-HR" dirty="0"/>
-              <a:t>-om.</a:t>
-            </a:r>
-          </a:p>
-        </p:txBody>
-      </p:sp>
-    </p:spTree>
-    <p:extLst>
-      <p:ext uri="{BB962C8B-B14F-4D97-AF65-F5344CB8AC3E}">
-        <p14:creationId xmlns:p14="http://schemas.microsoft.com/office/powerpoint/2010/main" val="714075796"/>
       </p:ext>
     </p:extLst>
   </p:cSld>
@@ -20215,6 +20563,558 @@
         <p:cNvPr id="1" name="">
           <a:extLst>
             <a:ext uri="{FF2B5EF4-FFF2-40B4-BE49-F238E27FC236}">
+              <a16:creationId xmlns:a16="http://schemas.microsoft.com/office/drawing/2014/main" id="{C8561A4F-2F38-23E7-826B-9F6E581C3201}"/>
+            </a:ext>
+          </a:extLst>
+        </p:cNvPr>
+        <p:cNvGrpSpPr/>
+        <p:nvPr/>
+      </p:nvGrpSpPr>
+      <p:grpSpPr>
+        <a:xfrm>
+          <a:off x="0" y="0"/>
+          <a:ext cx="0" cy="0"/>
+          <a:chOff x="0" y="0"/>
+          <a:chExt cx="0" cy="0"/>
+        </a:xfrm>
+      </p:grpSpPr>
+      <p:sp>
+        <p:nvSpPr>
+          <p:cNvPr id="4" name="Title 1">
+            <a:extLst>
+              <a:ext uri="{FF2B5EF4-FFF2-40B4-BE49-F238E27FC236}">
+                <a16:creationId xmlns:a16="http://schemas.microsoft.com/office/drawing/2014/main" id="{6368D5C0-F820-969A-9461-235559BD219F}"/>
+              </a:ext>
+            </a:extLst>
+          </p:cNvPr>
+          <p:cNvSpPr txBox="1">
+            <a:spLocks/>
+          </p:cNvSpPr>
+          <p:nvPr/>
+        </p:nvSpPr>
+        <p:spPr>
+          <a:xfrm>
+            <a:off x="990600" y="383056"/>
+            <a:ext cx="10515600" cy="853976"/>
+          </a:xfrm>
+          <a:prstGeom prst="rect">
+            <a:avLst/>
+          </a:prstGeom>
+        </p:spPr>
+        <p:txBody>
+          <a:bodyPr vert="horz" lIns="91440" tIns="45720" rIns="91440" bIns="45720" rtlCol="0" anchor="ctr">
+            <a:normAutofit/>
+          </a:bodyPr>
+          <a:lstStyle>
+            <a:lvl1pPr algn="l" defTabSz="914400" rtl="0" eaLnBrk="1" latinLnBrk="0" hangingPunct="1">
+              <a:lnSpc>
+                <a:spcPct val="90000"/>
+              </a:lnSpc>
+              <a:spcBef>
+                <a:spcPct val="0"/>
+              </a:spcBef>
+              <a:buNone/>
+              <a:defRPr sz="3600" b="1" i="0" kern="1200" cap="all" baseline="0">
+                <a:solidFill>
+                  <a:schemeClr val="tx2"/>
+                </a:solidFill>
+                <a:latin typeface="+mj-lt"/>
+                <a:ea typeface="Open Sans Semibold" panose="020B0606030504020204" pitchFamily="34" charset="0"/>
+                <a:cs typeface="Open Sans Semibold" panose="020B0606030504020204" pitchFamily="34" charset="0"/>
+              </a:defRPr>
+            </a:lvl1pPr>
+          </a:lstStyle>
+          <a:p>
+            <a:r>
+              <a:rPr lang="en-US" dirty="0"/>
+              <a:t>TYPESCRIPT – undefined</a:t>
+            </a:r>
+            <a:endParaRPr lang="hr-HR" dirty="0"/>
+          </a:p>
+        </p:txBody>
+      </p:sp>
+      <p:sp>
+        <p:nvSpPr>
+          <p:cNvPr id="6" name="TextBox 5">
+            <a:extLst>
+              <a:ext uri="{FF2B5EF4-FFF2-40B4-BE49-F238E27FC236}">
+                <a16:creationId xmlns:a16="http://schemas.microsoft.com/office/drawing/2014/main" id="{BB0FF0A1-0D35-F801-5B3E-7A08C4B85100}"/>
+              </a:ext>
+            </a:extLst>
+          </p:cNvPr>
+          <p:cNvSpPr txBox="1"/>
+          <p:nvPr/>
+        </p:nvSpPr>
+        <p:spPr>
+          <a:xfrm>
+            <a:off x="974402" y="3805086"/>
+            <a:ext cx="10243196" cy="1815882"/>
+          </a:xfrm>
+          <a:prstGeom prst="rect">
+            <a:avLst/>
+          </a:prstGeom>
+          <a:noFill/>
+        </p:spPr>
+        <p:txBody>
+          <a:bodyPr wrap="square">
+            <a:spAutoFit/>
+          </a:bodyPr>
+          <a:lstStyle/>
+          <a:p>
+            <a:pPr>
+              <a:buNone/>
+            </a:pPr>
+            <a:r>
+              <a:rPr lang="hr-HR" sz="1400" dirty="0" err="1"/>
+              <a:t>Unknown</a:t>
+            </a:r>
+            <a:r>
+              <a:rPr lang="hr-HR" sz="1400" dirty="0"/>
+              <a:t> tip je sličan </a:t>
+            </a:r>
+            <a:r>
+              <a:rPr lang="hr-HR" sz="1400" dirty="0" err="1"/>
+              <a:t>any</a:t>
+            </a:r>
+            <a:r>
+              <a:rPr lang="hr-HR" sz="1400" dirty="0"/>
+              <a:t> tipu jer može sadržavati bilo koju vrijednost, no za razliku od </a:t>
+            </a:r>
+            <a:r>
+              <a:rPr lang="hr-HR" sz="1400" dirty="0" err="1"/>
+              <a:t>any</a:t>
+            </a:r>
+            <a:r>
+              <a:rPr lang="hr-HR" sz="1400" dirty="0"/>
+              <a:t>, on zahtijeva da se prije korištenja izvrše odgovarajuće provjere.</a:t>
+            </a:r>
+            <a:endParaRPr lang="en-US" sz="1400" dirty="0"/>
+          </a:p>
+          <a:p>
+            <a:pPr>
+              <a:buNone/>
+            </a:pPr>
+            <a:br>
+              <a:rPr lang="hr-HR" sz="1400" dirty="0"/>
+            </a:br>
+            <a:r>
+              <a:rPr lang="hr-HR" sz="1400" dirty="0"/>
+              <a:t>Time osiguravate da se operacije izvršavaju samo ako vrijednost zadovoljava očekivanu strukturu, čime se povećava sigurnost i pouzdanost koda.</a:t>
+            </a:r>
+            <a:endParaRPr lang="en-US" sz="1400" dirty="0"/>
+          </a:p>
+          <a:p>
+            <a:pPr>
+              <a:buNone/>
+            </a:pPr>
+            <a:br>
+              <a:rPr lang="hr-HR" sz="1400" dirty="0"/>
+            </a:br>
+            <a:r>
+              <a:rPr lang="hr-HR" sz="1400" dirty="0"/>
+              <a:t>Ovo je osobito korisno u generičkom kodiranju i razvoju biblioteka gdje struktura ulaznih podataka nije uvijek poznata unaprijed.</a:t>
+            </a:r>
+          </a:p>
+        </p:txBody>
+      </p:sp>
+      <p:pic>
+        <p:nvPicPr>
+          <p:cNvPr id="3" name="Picture 2">
+            <a:extLst>
+              <a:ext uri="{FF2B5EF4-FFF2-40B4-BE49-F238E27FC236}">
+                <a16:creationId xmlns:a16="http://schemas.microsoft.com/office/drawing/2014/main" id="{3742AF97-A5C7-D7F7-74FA-A70F37094AF4}"/>
+              </a:ext>
+            </a:extLst>
+          </p:cNvPr>
+          <p:cNvPicPr>
+            <a:picLocks noChangeAspect="1"/>
+          </p:cNvPicPr>
+          <p:nvPr/>
+        </p:nvPicPr>
+        <p:blipFill>
+          <a:blip r:embed="rId3"/>
+          <a:stretch>
+            <a:fillRect/>
+          </a:stretch>
+        </p:blipFill>
+        <p:spPr>
+          <a:xfrm>
+            <a:off x="1029032" y="1237032"/>
+            <a:ext cx="8093703" cy="768016"/>
+          </a:xfrm>
+          <a:prstGeom prst="rect">
+            <a:avLst/>
+          </a:prstGeom>
+        </p:spPr>
+      </p:pic>
+      <p:pic>
+        <p:nvPicPr>
+          <p:cNvPr id="8" name="Picture 7">
+            <a:extLst>
+              <a:ext uri="{FF2B5EF4-FFF2-40B4-BE49-F238E27FC236}">
+                <a16:creationId xmlns:a16="http://schemas.microsoft.com/office/drawing/2014/main" id="{D43C406C-79EA-4AC7-4116-FAD064CAFA4B}"/>
+              </a:ext>
+            </a:extLst>
+          </p:cNvPr>
+          <p:cNvPicPr>
+            <a:picLocks noChangeAspect="1"/>
+          </p:cNvPicPr>
+          <p:nvPr/>
+        </p:nvPicPr>
+        <p:blipFill>
+          <a:blip r:embed="rId4"/>
+          <a:stretch>
+            <a:fillRect/>
+          </a:stretch>
+        </p:blipFill>
+        <p:spPr>
+          <a:xfrm>
+            <a:off x="1029032" y="2089604"/>
+            <a:ext cx="4026749" cy="1581746"/>
+          </a:xfrm>
+          <a:prstGeom prst="rect">
+            <a:avLst/>
+          </a:prstGeom>
+        </p:spPr>
+      </p:pic>
+    </p:spTree>
+    <p:extLst>
+      <p:ext uri="{BB962C8B-B14F-4D97-AF65-F5344CB8AC3E}">
+        <p14:creationId xmlns:p14="http://schemas.microsoft.com/office/powerpoint/2010/main" val="842278996"/>
+      </p:ext>
+    </p:extLst>
+  </p:cSld>
+  <p:clrMapOvr>
+    <a:masterClrMapping/>
+  </p:clrMapOvr>
+</p:sld>
+</file>
+
+<file path=ppt/slides/slide31.xml><?xml version="1.0" encoding="utf-8"?>
+<p:sld xmlns:a="http://schemas.openxmlformats.org/drawingml/2006/main" xmlns:r="http://schemas.openxmlformats.org/officeDocument/2006/relationships" xmlns:p="http://schemas.openxmlformats.org/presentationml/2006/main">
+  <p:cSld>
+    <p:spTree>
+      <p:nvGrpSpPr>
+        <p:cNvPr id="1" name="">
+          <a:extLst>
+            <a:ext uri="{FF2B5EF4-FFF2-40B4-BE49-F238E27FC236}">
+              <a16:creationId xmlns:a16="http://schemas.microsoft.com/office/drawing/2014/main" id="{1641A999-7B1C-1639-5F03-118AFA1C1D00}"/>
+            </a:ext>
+          </a:extLst>
+        </p:cNvPr>
+        <p:cNvGrpSpPr/>
+        <p:nvPr/>
+      </p:nvGrpSpPr>
+      <p:grpSpPr>
+        <a:xfrm>
+          <a:off x="0" y="0"/>
+          <a:ext cx="0" cy="0"/>
+          <a:chOff x="0" y="0"/>
+          <a:chExt cx="0" cy="0"/>
+        </a:xfrm>
+      </p:grpSpPr>
+      <p:sp>
+        <p:nvSpPr>
+          <p:cNvPr id="4" name="Title 1">
+            <a:extLst>
+              <a:ext uri="{FF2B5EF4-FFF2-40B4-BE49-F238E27FC236}">
+                <a16:creationId xmlns:a16="http://schemas.microsoft.com/office/drawing/2014/main" id="{A7E48B02-9C91-19BD-B50A-CD1597224A6A}"/>
+              </a:ext>
+            </a:extLst>
+          </p:cNvPr>
+          <p:cNvSpPr txBox="1">
+            <a:spLocks/>
+          </p:cNvSpPr>
+          <p:nvPr/>
+        </p:nvSpPr>
+        <p:spPr>
+          <a:xfrm>
+            <a:off x="990600" y="383056"/>
+            <a:ext cx="10515600" cy="853976"/>
+          </a:xfrm>
+          <a:prstGeom prst="rect">
+            <a:avLst/>
+          </a:prstGeom>
+        </p:spPr>
+        <p:txBody>
+          <a:bodyPr vert="horz" lIns="91440" tIns="45720" rIns="91440" bIns="45720" rtlCol="0" anchor="ctr">
+            <a:normAutofit/>
+          </a:bodyPr>
+          <a:lstStyle>
+            <a:lvl1pPr algn="l" defTabSz="914400" rtl="0" eaLnBrk="1" latinLnBrk="0" hangingPunct="1">
+              <a:lnSpc>
+                <a:spcPct val="90000"/>
+              </a:lnSpc>
+              <a:spcBef>
+                <a:spcPct val="0"/>
+              </a:spcBef>
+              <a:buNone/>
+              <a:defRPr sz="3600" b="1" i="0" kern="1200" cap="all" baseline="0">
+                <a:solidFill>
+                  <a:schemeClr val="tx2"/>
+                </a:solidFill>
+                <a:latin typeface="+mj-lt"/>
+                <a:ea typeface="Open Sans Semibold" panose="020B0606030504020204" pitchFamily="34" charset="0"/>
+                <a:cs typeface="Open Sans Semibold" panose="020B0606030504020204" pitchFamily="34" charset="0"/>
+              </a:defRPr>
+            </a:lvl1pPr>
+          </a:lstStyle>
+          <a:p>
+            <a:r>
+              <a:rPr lang="en-US" dirty="0"/>
+              <a:t>TYPESCRIPT – </a:t>
+            </a:r>
+            <a:r>
+              <a:rPr lang="en-US" dirty="0" err="1"/>
+              <a:t>tsconfig.json</a:t>
+            </a:r>
+            <a:endParaRPr lang="hr-HR" dirty="0"/>
+          </a:p>
+        </p:txBody>
+      </p:sp>
+      <p:sp>
+        <p:nvSpPr>
+          <p:cNvPr id="2" name="TextBox 1">
+            <a:extLst>
+              <a:ext uri="{FF2B5EF4-FFF2-40B4-BE49-F238E27FC236}">
+                <a16:creationId xmlns:a16="http://schemas.microsoft.com/office/drawing/2014/main" id="{A610215A-A66C-AC97-F2C9-8099300380F2}"/>
+              </a:ext>
+            </a:extLst>
+          </p:cNvPr>
+          <p:cNvSpPr txBox="1"/>
+          <p:nvPr/>
+        </p:nvSpPr>
+        <p:spPr>
+          <a:xfrm>
+            <a:off x="1108394" y="1275286"/>
+            <a:ext cx="8671239" cy="1754326"/>
+          </a:xfrm>
+          <a:prstGeom prst="rect">
+            <a:avLst/>
+          </a:prstGeom>
+          <a:noFill/>
+        </p:spPr>
+        <p:txBody>
+          <a:bodyPr wrap="square">
+            <a:spAutoFit/>
+          </a:bodyPr>
+          <a:lstStyle/>
+          <a:p>
+            <a:pPr>
+              <a:buFont typeface="Arial" panose="020B0604020202020204" pitchFamily="34" charset="0"/>
+              <a:buChar char="•"/>
+            </a:pPr>
+            <a:r>
+              <a:rPr lang="en-US" b="1" dirty="0"/>
+              <a:t> </a:t>
+            </a:r>
+            <a:r>
+              <a:rPr lang="hr-HR" b="1" dirty="0" err="1"/>
+              <a:t>tsconfig.json</a:t>
+            </a:r>
+            <a:r>
+              <a:rPr lang="hr-HR" dirty="0"/>
+              <a:t> datoteka je ključna za konfiguriranje </a:t>
+            </a:r>
+            <a:r>
+              <a:rPr lang="hr-HR" dirty="0" err="1"/>
+              <a:t>TypeScript</a:t>
+            </a:r>
+            <a:r>
+              <a:rPr lang="hr-HR" dirty="0"/>
+              <a:t>-a na razini projekta.</a:t>
+            </a:r>
+          </a:p>
+          <a:p>
+            <a:pPr>
+              <a:buFont typeface="Arial" panose="020B0604020202020204" pitchFamily="34" charset="0"/>
+              <a:buChar char="•"/>
+            </a:pPr>
+            <a:r>
+              <a:rPr lang="en-US" dirty="0"/>
+              <a:t> </a:t>
+            </a:r>
+            <a:r>
+              <a:rPr lang="hr-HR" dirty="0" err="1"/>
+              <a:t>Default</a:t>
+            </a:r>
+            <a:r>
+              <a:rPr lang="hr-HR" dirty="0"/>
+              <a:t> postavke su često dovoljne, ali možete ih prilagoditi prema potrebama vašeg projekta.</a:t>
+            </a:r>
+          </a:p>
+          <a:p>
+            <a:pPr>
+              <a:buFont typeface="Arial" panose="020B0604020202020204" pitchFamily="34" charset="0"/>
+              <a:buChar char="•"/>
+            </a:pPr>
+            <a:r>
+              <a:rPr lang="en-US" dirty="0"/>
+              <a:t> </a:t>
+            </a:r>
+            <a:r>
+              <a:rPr lang="hr-HR" dirty="0"/>
+              <a:t>Za naprednije konfiguracije preporučuje se proučavanje službene dokumentacije.</a:t>
+            </a:r>
+          </a:p>
+        </p:txBody>
+      </p:sp>
+      <p:pic>
+        <p:nvPicPr>
+          <p:cNvPr id="7" name="Picture 6">
+            <a:extLst>
+              <a:ext uri="{FF2B5EF4-FFF2-40B4-BE49-F238E27FC236}">
+                <a16:creationId xmlns:a16="http://schemas.microsoft.com/office/drawing/2014/main" id="{E727449B-C417-5FB0-86B2-5F43808F8B01}"/>
+              </a:ext>
+            </a:extLst>
+          </p:cNvPr>
+          <p:cNvPicPr>
+            <a:picLocks noChangeAspect="1"/>
+          </p:cNvPicPr>
+          <p:nvPr/>
+        </p:nvPicPr>
+        <p:blipFill>
+          <a:blip r:embed="rId3"/>
+          <a:stretch>
+            <a:fillRect/>
+          </a:stretch>
+        </p:blipFill>
+        <p:spPr>
+          <a:xfrm>
+            <a:off x="1188410" y="3133504"/>
+            <a:ext cx="1543050" cy="495300"/>
+          </a:xfrm>
+          <a:prstGeom prst="rect">
+            <a:avLst/>
+          </a:prstGeom>
+        </p:spPr>
+      </p:pic>
+      <p:sp>
+        <p:nvSpPr>
+          <p:cNvPr id="9" name="TextBox 8">
+            <a:extLst>
+              <a:ext uri="{FF2B5EF4-FFF2-40B4-BE49-F238E27FC236}">
+                <a16:creationId xmlns:a16="http://schemas.microsoft.com/office/drawing/2014/main" id="{9C6ED333-C33F-9822-25CE-A4BE2ECC534F}"/>
+              </a:ext>
+            </a:extLst>
+          </p:cNvPr>
+          <p:cNvSpPr txBox="1"/>
+          <p:nvPr/>
+        </p:nvSpPr>
+        <p:spPr>
+          <a:xfrm>
+            <a:off x="1060820" y="3828388"/>
+            <a:ext cx="8671239" cy="1754326"/>
+          </a:xfrm>
+          <a:prstGeom prst="rect">
+            <a:avLst/>
+          </a:prstGeom>
+          <a:noFill/>
+        </p:spPr>
+        <p:txBody>
+          <a:bodyPr wrap="square">
+            <a:spAutoFit/>
+          </a:bodyPr>
+          <a:lstStyle/>
+          <a:p>
+            <a:pPr>
+              <a:buFont typeface="Arial" panose="020B0604020202020204" pitchFamily="34" charset="0"/>
+              <a:buChar char="•"/>
+            </a:pPr>
+            <a:r>
+              <a:rPr lang="en-US" dirty="0"/>
+              <a:t> </a:t>
+            </a:r>
+            <a:r>
+              <a:rPr lang="hr-HR" dirty="0"/>
+              <a:t>Osnovne postavke, poput </a:t>
+            </a:r>
+            <a:r>
+              <a:rPr lang="hr-HR" dirty="0" err="1"/>
+              <a:t>target</a:t>
+            </a:r>
+            <a:r>
+              <a:rPr lang="hr-HR" dirty="0"/>
+              <a:t> i </a:t>
+            </a:r>
+            <a:r>
+              <a:rPr lang="hr-HR" dirty="0" err="1"/>
+              <a:t>lib</a:t>
+            </a:r>
+            <a:r>
+              <a:rPr lang="hr-HR" dirty="0"/>
+              <a:t>, ključne su za definiranje generiranog JavaScript koda i dostupnih globalnih tipova.</a:t>
+            </a:r>
+            <a:endParaRPr lang="en-US" dirty="0"/>
+          </a:p>
+          <a:p>
+            <a:pPr>
+              <a:buFont typeface="Arial" panose="020B0604020202020204" pitchFamily="34" charset="0"/>
+              <a:buChar char="•"/>
+            </a:pPr>
+            <a:r>
+              <a:rPr lang="en-US" dirty="0"/>
+              <a:t> </a:t>
+            </a:r>
+            <a:r>
+              <a:rPr lang="hr-HR" dirty="0"/>
+              <a:t>Napredne opcije su dostupne za specifične slučajeve, ali se u većini manjih projekata </a:t>
+            </a:r>
+            <a:r>
+              <a:rPr lang="hr-HR" dirty="0" err="1"/>
+              <a:t>default</a:t>
+            </a:r>
+            <a:r>
+              <a:rPr lang="hr-HR" dirty="0"/>
+              <a:t> postavke pokazuju kao dovoljne.</a:t>
+            </a:r>
+            <a:endParaRPr lang="en-US" dirty="0"/>
+          </a:p>
+          <a:p>
+            <a:pPr>
+              <a:buFont typeface="Arial" panose="020B0604020202020204" pitchFamily="34" charset="0"/>
+              <a:buChar char="•"/>
+            </a:pPr>
+            <a:r>
+              <a:rPr lang="en-US" dirty="0"/>
+              <a:t> </a:t>
+            </a:r>
+            <a:r>
+              <a:rPr lang="hr-HR" dirty="0"/>
+              <a:t>Alati poput Vite-a često automatski postavljaju optimalnu konfiguraciju, što olakšava početak rada s </a:t>
+            </a:r>
+            <a:r>
+              <a:rPr lang="hr-HR" dirty="0" err="1"/>
+              <a:t>TypeScript</a:t>
+            </a:r>
+            <a:r>
+              <a:rPr lang="hr-HR" dirty="0"/>
+              <a:t>-om.</a:t>
+            </a:r>
+          </a:p>
+        </p:txBody>
+      </p:sp>
+    </p:spTree>
+    <p:extLst>
+      <p:ext uri="{BB962C8B-B14F-4D97-AF65-F5344CB8AC3E}">
+        <p14:creationId xmlns:p14="http://schemas.microsoft.com/office/powerpoint/2010/main" val="714075796"/>
+      </p:ext>
+    </p:extLst>
+  </p:cSld>
+  <p:clrMapOvr>
+    <a:masterClrMapping/>
+  </p:clrMapOvr>
+</p:sld>
+</file>
+
+<file path=ppt/slides/slide32.xml><?xml version="1.0" encoding="utf-8"?>
+<p:sld xmlns:a="http://schemas.openxmlformats.org/drawingml/2006/main" xmlns:r="http://schemas.openxmlformats.org/officeDocument/2006/relationships" xmlns:p="http://schemas.openxmlformats.org/presentationml/2006/main">
+  <p:cSld>
+    <p:spTree>
+      <p:nvGrpSpPr>
+        <p:cNvPr id="1" name="">
+          <a:extLst>
+            <a:ext uri="{FF2B5EF4-FFF2-40B4-BE49-F238E27FC236}">
               <a16:creationId xmlns:a16="http://schemas.microsoft.com/office/drawing/2014/main" id="{BE3CD824-BE79-8C1F-8F22-F7291477C9A5}"/>
             </a:ext>
           </a:extLst>
@@ -20418,7 +21318,7 @@
 </p:sld>
 </file>
 
-<file path=ppt/slides/slide31.xml><?xml version="1.0" encoding="utf-8"?>
+<file path=ppt/slides/slide33.xml><?xml version="1.0" encoding="utf-8"?>
 <p:sld xmlns:a="http://schemas.openxmlformats.org/drawingml/2006/main" xmlns:r="http://schemas.openxmlformats.org/officeDocument/2006/relationships" xmlns:p="http://schemas.openxmlformats.org/presentationml/2006/main">
   <p:cSld>
     <p:spTree>
@@ -20497,7 +21397,7 @@
         <p:spPr/>
         <p:txBody>
           <a:bodyPr>
-            <a:normAutofit fontScale="70000" lnSpcReduction="20000"/>
+            <a:normAutofit/>
           </a:bodyPr>
           <a:lstStyle/>
           <a:p>
@@ -20505,117 +21405,125 @@
               <a:buNone/>
             </a:pPr>
             <a:r>
-              <a:rPr lang="hr-HR" dirty="0"/>
-              <a:t>Napišite jednostavan kalkulator koji prima dva broja i operaciju (zbrajanje, oduzimanje, množenje, dijeljenje) te vraća rezultat te operacije.</a:t>
+              <a:rPr lang="en-US" dirty="0"/>
+              <a:t>- </a:t>
+            </a:r>
+            <a:r>
+              <a:rPr lang="en-US" dirty="0" err="1"/>
+              <a:t>Konvertirajte</a:t>
+            </a:r>
+            <a:r>
+              <a:rPr lang="en-US" dirty="0"/>
+              <a:t> </a:t>
+            </a:r>
+            <a:r>
+              <a:rPr lang="en-US" dirty="0" err="1"/>
+              <a:t>kod</a:t>
+            </a:r>
+            <a:r>
+              <a:rPr lang="en-US" dirty="0"/>
+              <a:t> </a:t>
+            </a:r>
+            <a:r>
+              <a:rPr lang="en-US" dirty="0" err="1"/>
+              <a:t>svoje</a:t>
+            </a:r>
+            <a:r>
+              <a:rPr lang="en-US" dirty="0"/>
+              <a:t> TODO </a:t>
+            </a:r>
+            <a:r>
+              <a:rPr lang="en-US" dirty="0" err="1"/>
+              <a:t>aplikacije</a:t>
+            </a:r>
+            <a:r>
+              <a:rPr lang="en-US" dirty="0"/>
+              <a:t> </a:t>
+            </a:r>
+            <a:r>
+              <a:rPr lang="en-US" dirty="0" err="1"/>
+              <a:t>iz</a:t>
+            </a:r>
+            <a:r>
+              <a:rPr lang="en-US" dirty="0"/>
+              <a:t> JS u TS</a:t>
             </a:r>
           </a:p>
           <a:p>
             <a:pPr>
               <a:buNone/>
             </a:pPr>
-            <a:r>
-              <a:rPr lang="hr-HR" dirty="0"/>
-              <a:t>Definirajte tip podataka </a:t>
-            </a:r>
-            <a:r>
-              <a:rPr lang="hr-HR" dirty="0" err="1"/>
-              <a:t>ArithmeticData</a:t>
-            </a:r>
-            <a:r>
-              <a:rPr lang="hr-HR" dirty="0"/>
-              <a:t> koji sadrži:</a:t>
-            </a:r>
-          </a:p>
-          <a:p>
-            <a:pPr>
-              <a:buFont typeface="Arial" panose="020B0604020202020204" pitchFamily="34" charset="0"/>
-              <a:buChar char="•"/>
+            <a:endParaRPr lang="en-US" dirty="0"/>
+          </a:p>
+          <a:p>
+            <a:r>
+              <a:rPr lang="en-US" dirty="0"/>
+              <a:t>- </a:t>
+            </a:r>
+            <a:r>
+              <a:rPr lang="en-US" dirty="0" err="1"/>
+              <a:t>Koristite</a:t>
+            </a:r>
+            <a:r>
+              <a:rPr lang="en-US" dirty="0"/>
+              <a:t> </a:t>
+            </a:r>
+            <a:r>
+              <a:rPr lang="en-US" dirty="0" err="1"/>
+              <a:t>tsconfig.json</a:t>
+            </a:r>
+            <a:br>
+              <a:rPr lang="en-US" dirty="0"/>
+            </a:br>
+            <a:br>
+              <a:rPr lang="en-US" dirty="0"/>
+            </a:br>
+            <a:r>
+              <a:rPr lang="en-US" dirty="0"/>
+              <a:t>- </a:t>
+            </a:r>
+            <a:r>
+              <a:rPr lang="en-US" dirty="0" err="1"/>
+              <a:t>Koristite</a:t>
+            </a:r>
+            <a:r>
+              <a:rPr lang="en-US" dirty="0"/>
+              <a:t> </a:t>
+            </a:r>
+            <a:r>
+              <a:rPr lang="en-US" dirty="0" err="1"/>
+              <a:t>tsconfig</a:t>
+            </a:r>
+            <a:r>
+              <a:rPr lang="en-US" dirty="0"/>
+              <a:t> --watch</a:t>
+            </a:r>
+          </a:p>
+          <a:p>
+            <a:endParaRPr lang="en-US" dirty="0"/>
+          </a:p>
+          <a:p>
+            <a:pPr marL="285750" indent="-285750">
+              <a:buFontTx/>
+              <a:buChar char="-"/>
             </a:pPr>
-            <a:r>
-              <a:rPr lang="hr-HR" dirty="0"/>
-              <a:t>num1: prvi broj</a:t>
-            </a:r>
-          </a:p>
-          <a:p>
-            <a:pPr>
-              <a:buFont typeface="Arial" panose="020B0604020202020204" pitchFamily="34" charset="0"/>
-              <a:buChar char="•"/>
+            <a:endParaRPr lang="en-US" dirty="0"/>
+          </a:p>
+          <a:p>
+            <a:pPr marL="285750" indent="-285750">
+              <a:buFontTx/>
+              <a:buChar char="-"/>
             </a:pPr>
-            <a:r>
-              <a:rPr lang="hr-HR" dirty="0"/>
-              <a:t>num2: drugi broj</a:t>
-            </a:r>
-          </a:p>
-          <a:p>
-            <a:pPr>
-              <a:buFont typeface="Arial" panose="020B0604020202020204" pitchFamily="34" charset="0"/>
-              <a:buChar char="•"/>
-            </a:pPr>
-            <a:r>
-              <a:rPr lang="hr-HR" dirty="0" err="1"/>
-              <a:t>operation</a:t>
-            </a:r>
-            <a:r>
-              <a:rPr lang="hr-HR" dirty="0"/>
-              <a:t>: operacija koju treba izvršiti (jedna od: "+", "-", "*", "/")</a:t>
-            </a:r>
-          </a:p>
-          <a:p>
-            <a:pPr>
-              <a:buNone/>
-            </a:pPr>
-            <a:r>
-              <a:rPr lang="hr-HR" dirty="0"/>
-              <a:t>Definirajte tip rezultata kao uniju tipova koja može biti broj ili poruka (</a:t>
-            </a:r>
-            <a:r>
-              <a:rPr lang="hr-HR" dirty="0" err="1"/>
-              <a:t>string</a:t>
-            </a:r>
-            <a:r>
-              <a:rPr lang="hr-HR" dirty="0"/>
-              <a:t>).</a:t>
-            </a:r>
-          </a:p>
-          <a:p>
-            <a:pPr>
-              <a:buNone/>
-            </a:pPr>
-            <a:r>
-              <a:rPr lang="hr-HR" dirty="0"/>
-              <a:t>Napravite funkciju </a:t>
-            </a:r>
-            <a:r>
-              <a:rPr lang="hr-HR" dirty="0" err="1"/>
-              <a:t>calculateArithmetic</a:t>
-            </a:r>
-            <a:r>
-              <a:rPr lang="hr-HR" dirty="0"/>
-              <a:t> koja obrađuje ulazne podatke, provjerava operaciju te vraća izračunati rezultat. Ako se dogodi dijeljenje s nulom, vratite odgovarajuću poruku o grešci.</a:t>
-            </a:r>
-          </a:p>
-          <a:p>
-            <a:r>
-              <a:rPr lang="hr-HR" dirty="0"/>
-              <a:t>Napišite funkciju </a:t>
-            </a:r>
-            <a:r>
-              <a:rPr lang="hr-HR" dirty="0" err="1"/>
-              <a:t>printResult</a:t>
-            </a:r>
-            <a:r>
-              <a:rPr lang="hr-HR" dirty="0"/>
-              <a:t> koja ispisuje rezultat na konzolu.</a:t>
-            </a:r>
+            <a:endParaRPr lang="hr-HR" dirty="0"/>
           </a:p>
         </p:txBody>
       </p:sp>
       <p:pic>
         <p:nvPicPr>
-          <p:cNvPr id="4" name="Picture 3">
-            <a:extLst>
-              <a:ext uri="{FF2B5EF4-FFF2-40B4-BE49-F238E27FC236}">
-                <a16:creationId xmlns:a16="http://schemas.microsoft.com/office/drawing/2014/main" id="{5A472A13-2402-16DB-3E82-F60A05E19F39}"/>
+          <p:cNvPr id="5" name="Picture 4">
+            <a:extLst>
+              <a:ext uri="{FF2B5EF4-FFF2-40B4-BE49-F238E27FC236}">
+                <a16:creationId xmlns:a16="http://schemas.microsoft.com/office/drawing/2014/main" id="{20CE3A11-D5A1-A1AD-0181-B85EAEC37D82}"/>
               </a:ext>
             </a:extLst>
           </p:cNvPr>
@@ -20632,8 +21540,8 @@
         </p:blipFill>
         <p:spPr>
           <a:xfrm>
-            <a:off x="5935182" y="3429000"/>
-            <a:ext cx="5372100" cy="400050"/>
+            <a:off x="5959664" y="613737"/>
+            <a:ext cx="5997280" cy="5456753"/>
           </a:xfrm>
           <a:prstGeom prst="rect">
             <a:avLst/>
@@ -23835,6 +24743,15 @@
 </file>
 
 <file path=customXml/item2.xml><?xml version="1.0" encoding="utf-8"?>
+<?mso-contentType ?>
+<FormTemplates xmlns="http://schemas.microsoft.com/sharepoint/v3/contenttype/forms">
+  <Display>DocumentLibraryForm</Display>
+  <Edit>DocumentLibraryForm</Edit>
+  <New>DocumentLibraryForm</New>
+</FormTemplates>
+</file>
+
+<file path=customXml/item3.xml><?xml version="1.0" encoding="utf-8"?>
 <p:properties xmlns:p="http://schemas.microsoft.com/office/2006/metadata/properties" xmlns:xsi="http://www.w3.org/2001/XMLSchema-instance" xmlns:pc="http://schemas.microsoft.com/office/infopath/2007/PartnerControls">
   <documentManagement>
     <lcf76f155ced4ddcb4097134ff3c332f xmlns="40806f44-bc4a-4ea4-b660-c6da93f8f179">
@@ -23843,15 +24760,6 @@
     <TaxCatchAll xmlns="758d0d8f-b783-4c78-ab73-9740c97b97cf" xsi:nil="true"/>
   </documentManagement>
 </p:properties>
-</file>
-
-<file path=customXml/item3.xml><?xml version="1.0" encoding="utf-8"?>
-<?mso-contentType ?>
-<FormTemplates xmlns="http://schemas.microsoft.com/sharepoint/v3/contenttype/forms">
-  <Display>DocumentLibraryForm</Display>
-  <Edit>DocumentLibraryForm</Edit>
-  <New>DocumentLibraryForm</New>
-</FormTemplates>
 </file>
 
 <file path=customXml/itemProps1.xml><?xml version="1.0" encoding="utf-8"?>
@@ -23874,6 +24782,14 @@
 </file>
 
 <file path=customXml/itemProps2.xml><?xml version="1.0" encoding="utf-8"?>
+<ds:datastoreItem xmlns:ds="http://schemas.openxmlformats.org/officeDocument/2006/customXml" ds:itemID="{46915D30-CAA6-465E-907F-1770D4E3B01D}">
+  <ds:schemaRefs>
+    <ds:schemaRef ds:uri="http://schemas.microsoft.com/sharepoint/v3/contenttype/forms"/>
+  </ds:schemaRefs>
+</ds:datastoreItem>
+</file>
+
+<file path=customXml/itemProps3.xml><?xml version="1.0" encoding="utf-8"?>
 <ds:datastoreItem xmlns:ds="http://schemas.openxmlformats.org/officeDocument/2006/customXml" ds:itemID="{61E72F81-8533-461E-8E71-A6D77294CFEF}">
   <ds:schemaRefs>
     <ds:schemaRef ds:uri="http://purl.org/dc/elements/1.1/"/>
@@ -23888,12 +24804,4 @@
     <ds:schemaRef ds:uri="http://schemas.microsoft.com/office/2006/metadata/properties"/>
   </ds:schemaRefs>
 </ds:datastoreItem>
-</file>
-
-<file path=customXml/itemProps3.xml><?xml version="1.0" encoding="utf-8"?>
-<ds:datastoreItem xmlns:ds="http://schemas.openxmlformats.org/officeDocument/2006/customXml" ds:itemID="{46915D30-CAA6-465E-907F-1770D4E3B01D}">
-  <ds:schemaRefs>
-    <ds:schemaRef ds:uri="http://schemas.microsoft.com/sharepoint/v3/contenttype/forms"/>
-  </ds:schemaRefs>
-</ds:datastoreItem>
 </file>
--- a/Bootcamp/typescript/typescript-uvod.pptx
+++ b/Bootcamp/typescript/typescript-uvod.pptx
@@ -5,7 +5,7 @@
     <p:sldMasterId id="2147483648" r:id="rId4"/>
   </p:sldMasterIdLst>
   <p:notesMasterIdLst>
-    <p:notesMasterId r:id="rId38"/>
+    <p:notesMasterId r:id="rId40"/>
   </p:notesMasterIdLst>
   <p:sldIdLst>
     <p:sldId id="282" r:id="rId5"/>
@@ -41,6 +41,8 @@
     <p:sldId id="408" r:id="rId35"/>
     <p:sldId id="409" r:id="rId36"/>
     <p:sldId id="378" r:id="rId37"/>
+    <p:sldId id="416" r:id="rId38"/>
+    <p:sldId id="415" r:id="rId39"/>
   </p:sldIdLst>
   <p:sldSz cx="12192000" cy="6858000"/>
   <p:notesSz cx="6858000" cy="9144000"/>
@@ -181,6 +183,8 @@
             <p14:sldId id="408"/>
             <p14:sldId id="409"/>
             <p14:sldId id="378"/>
+            <p14:sldId id="416"/>
+            <p14:sldId id="415"/>
           </p14:sldIdLst>
         </p14:section>
       </p14:sectionLst>
@@ -3344,7 +3348,10 @@
           <a:bodyPr/>
           <a:lstStyle/>
           <a:p>
-            <a:endParaRPr lang="hr-HR" dirty="0"/>
+            <a:r>
+              <a:rPr lang="hr-HR" dirty="0"/>
+              <a:t>https://docs.google.com/document/d/1Wm_Juh3Zco8099CAztcyOX-93peJBqIJYnSOThXc_gs/edit?usp=sharing</a:t>
+            </a:r>
           </a:p>
         </p:txBody>
       </p:sp>
@@ -3381,6 +3388,225 @@
     <p:extLst>
       <p:ext uri="{BB962C8B-B14F-4D97-AF65-F5344CB8AC3E}">
         <p14:creationId xmlns:p14="http://schemas.microsoft.com/office/powerpoint/2010/main" val="978507786"/>
+      </p:ext>
+    </p:extLst>
+  </p:cSld>
+  <p:clrMapOvr>
+    <a:masterClrMapping/>
+  </p:clrMapOvr>
+</p:notes>
+</file>
+
+<file path=ppt/notesSlides/notesSlide33.xml><?xml version="1.0" encoding="utf-8"?>
+<p:notes xmlns:a="http://schemas.openxmlformats.org/drawingml/2006/main" xmlns:r="http://schemas.openxmlformats.org/officeDocument/2006/relationships" xmlns:p="http://schemas.openxmlformats.org/presentationml/2006/main">
+  <p:cSld>
+    <p:spTree>
+      <p:nvGrpSpPr>
+        <p:cNvPr id="1" name="">
+          <a:extLst>
+            <a:ext uri="{FF2B5EF4-FFF2-40B4-BE49-F238E27FC236}">
+              <a16:creationId xmlns:a16="http://schemas.microsoft.com/office/drawing/2014/main" id="{2E4FA946-A7D0-954A-9BCA-C646284FF3C6}"/>
+            </a:ext>
+          </a:extLst>
+        </p:cNvPr>
+        <p:cNvGrpSpPr/>
+        <p:nvPr/>
+      </p:nvGrpSpPr>
+      <p:grpSpPr>
+        <a:xfrm>
+          <a:off x="0" y="0"/>
+          <a:ext cx="0" cy="0"/>
+          <a:chOff x="0" y="0"/>
+          <a:chExt cx="0" cy="0"/>
+        </a:xfrm>
+      </p:grpSpPr>
+      <p:sp>
+        <p:nvSpPr>
+          <p:cNvPr id="2" name="Slide Image Placeholder 1">
+            <a:extLst>
+              <a:ext uri="{FF2B5EF4-FFF2-40B4-BE49-F238E27FC236}">
+                <a16:creationId xmlns:a16="http://schemas.microsoft.com/office/drawing/2014/main" id="{CD92EEBB-0040-CB8E-0AD5-55357B4D5A2B}"/>
+              </a:ext>
+            </a:extLst>
+          </p:cNvPr>
+          <p:cNvSpPr>
+            <a:spLocks noGrp="1" noRot="1" noChangeAspect="1"/>
+          </p:cNvSpPr>
+          <p:nvPr>
+            <p:ph type="sldImg"/>
+          </p:nvPr>
+        </p:nvSpPr>
+        <p:spPr/>
+      </p:sp>
+      <p:sp>
+        <p:nvSpPr>
+          <p:cNvPr id="3" name="Notes Placeholder 2">
+            <a:extLst>
+              <a:ext uri="{FF2B5EF4-FFF2-40B4-BE49-F238E27FC236}">
+                <a16:creationId xmlns:a16="http://schemas.microsoft.com/office/drawing/2014/main" id="{82A86972-F75A-26E9-0FCC-E063FEDE57C3}"/>
+              </a:ext>
+            </a:extLst>
+          </p:cNvPr>
+          <p:cNvSpPr>
+            <a:spLocks noGrp="1"/>
+          </p:cNvSpPr>
+          <p:nvPr>
+            <p:ph type="body" idx="1"/>
+          </p:nvPr>
+        </p:nvSpPr>
+        <p:spPr/>
+        <p:txBody>
+          <a:bodyPr/>
+          <a:lstStyle/>
+          <a:p>
+            <a:r>
+              <a:rPr lang="hr-HR" dirty="0"/>
+              <a:t>https://docs.google.com/document/d/1ST1o5wt0V1MHlCcKd9Y_aIfBeTxtWhEn6z8OwKQWaac/edit?usp=sharing</a:t>
+            </a:r>
+          </a:p>
+        </p:txBody>
+      </p:sp>
+      <p:sp>
+        <p:nvSpPr>
+          <p:cNvPr id="4" name="Slide Number Placeholder 3">
+            <a:extLst>
+              <a:ext uri="{FF2B5EF4-FFF2-40B4-BE49-F238E27FC236}">
+                <a16:creationId xmlns:a16="http://schemas.microsoft.com/office/drawing/2014/main" id="{88158BE7-370D-C256-1C8C-AFB31A101D55}"/>
+              </a:ext>
+            </a:extLst>
+          </p:cNvPr>
+          <p:cNvSpPr>
+            <a:spLocks noGrp="1"/>
+          </p:cNvSpPr>
+          <p:nvPr>
+            <p:ph type="sldNum" sz="quarter" idx="5"/>
+          </p:nvPr>
+        </p:nvSpPr>
+        <p:spPr/>
+        <p:txBody>
+          <a:bodyPr/>
+          <a:lstStyle/>
+          <a:p>
+            <a:fld id="{343B951A-A665-1949-AEDB-B62DC9BE7F13}" type="slidenum">
+              <a:rPr lang="en-US" smtClean="0"/>
+              <a:t>34</a:t>
+            </a:fld>
+            <a:endParaRPr lang="en-US"/>
+          </a:p>
+        </p:txBody>
+      </p:sp>
+    </p:spTree>
+    <p:extLst>
+      <p:ext uri="{BB962C8B-B14F-4D97-AF65-F5344CB8AC3E}">
+        <p14:creationId xmlns:p14="http://schemas.microsoft.com/office/powerpoint/2010/main" val="1166825643"/>
+      </p:ext>
+    </p:extLst>
+  </p:cSld>
+  <p:clrMapOvr>
+    <a:masterClrMapping/>
+  </p:clrMapOvr>
+</p:notes>
+</file>
+
+<file path=ppt/notesSlides/notesSlide34.xml><?xml version="1.0" encoding="utf-8"?>
+<p:notes xmlns:a="http://schemas.openxmlformats.org/drawingml/2006/main" xmlns:r="http://schemas.openxmlformats.org/officeDocument/2006/relationships" xmlns:p="http://schemas.openxmlformats.org/presentationml/2006/main">
+  <p:cSld>
+    <p:spTree>
+      <p:nvGrpSpPr>
+        <p:cNvPr id="1" name="">
+          <a:extLst>
+            <a:ext uri="{FF2B5EF4-FFF2-40B4-BE49-F238E27FC236}">
+              <a16:creationId xmlns:a16="http://schemas.microsoft.com/office/drawing/2014/main" id="{287C1C0A-610A-9BAB-BE9F-DA4FDEB70FCE}"/>
+            </a:ext>
+          </a:extLst>
+        </p:cNvPr>
+        <p:cNvGrpSpPr/>
+        <p:nvPr/>
+      </p:nvGrpSpPr>
+      <p:grpSpPr>
+        <a:xfrm>
+          <a:off x="0" y="0"/>
+          <a:ext cx="0" cy="0"/>
+          <a:chOff x="0" y="0"/>
+          <a:chExt cx="0" cy="0"/>
+        </a:xfrm>
+      </p:grpSpPr>
+      <p:sp>
+        <p:nvSpPr>
+          <p:cNvPr id="2" name="Slide Image Placeholder 1">
+            <a:extLst>
+              <a:ext uri="{FF2B5EF4-FFF2-40B4-BE49-F238E27FC236}">
+                <a16:creationId xmlns:a16="http://schemas.microsoft.com/office/drawing/2014/main" id="{4E907800-7080-4E28-2A13-6A976243E109}"/>
+              </a:ext>
+            </a:extLst>
+          </p:cNvPr>
+          <p:cNvSpPr>
+            <a:spLocks noGrp="1" noRot="1" noChangeAspect="1"/>
+          </p:cNvSpPr>
+          <p:nvPr>
+            <p:ph type="sldImg"/>
+          </p:nvPr>
+        </p:nvSpPr>
+        <p:spPr/>
+      </p:sp>
+      <p:sp>
+        <p:nvSpPr>
+          <p:cNvPr id="3" name="Notes Placeholder 2">
+            <a:extLst>
+              <a:ext uri="{FF2B5EF4-FFF2-40B4-BE49-F238E27FC236}">
+                <a16:creationId xmlns:a16="http://schemas.microsoft.com/office/drawing/2014/main" id="{C0D1D4FB-BEDC-404D-F755-2B3A4DA6F884}"/>
+              </a:ext>
+            </a:extLst>
+          </p:cNvPr>
+          <p:cNvSpPr>
+            <a:spLocks noGrp="1"/>
+          </p:cNvSpPr>
+          <p:nvPr>
+            <p:ph type="body" idx="1"/>
+          </p:nvPr>
+        </p:nvSpPr>
+        <p:spPr/>
+        <p:txBody>
+          <a:bodyPr/>
+          <a:lstStyle/>
+          <a:p>
+            <a:endParaRPr lang="hr-HR" dirty="0"/>
+          </a:p>
+        </p:txBody>
+      </p:sp>
+      <p:sp>
+        <p:nvSpPr>
+          <p:cNvPr id="4" name="Slide Number Placeholder 3">
+            <a:extLst>
+              <a:ext uri="{FF2B5EF4-FFF2-40B4-BE49-F238E27FC236}">
+                <a16:creationId xmlns:a16="http://schemas.microsoft.com/office/drawing/2014/main" id="{6C0851D2-9118-A859-8C94-4EE071AD5FFF}"/>
+              </a:ext>
+            </a:extLst>
+          </p:cNvPr>
+          <p:cNvSpPr>
+            <a:spLocks noGrp="1"/>
+          </p:cNvSpPr>
+          <p:nvPr>
+            <p:ph type="sldNum" sz="quarter" idx="5"/>
+          </p:nvPr>
+        </p:nvSpPr>
+        <p:spPr/>
+        <p:txBody>
+          <a:bodyPr/>
+          <a:lstStyle/>
+          <a:p>
+            <a:fld id="{343B951A-A665-1949-AEDB-B62DC9BE7F13}" type="slidenum">
+              <a:rPr lang="en-US" smtClean="0"/>
+              <a:t>35</a:t>
+            </a:fld>
+            <a:endParaRPr lang="en-US"/>
+          </a:p>
+        </p:txBody>
+      </p:sp>
+    </p:spTree>
+    <p:extLst>
+      <p:ext uri="{BB962C8B-B14F-4D97-AF65-F5344CB8AC3E}">
+        <p14:creationId xmlns:p14="http://schemas.microsoft.com/office/powerpoint/2010/main" val="1532388085"/>
       </p:ext>
     </p:extLst>
   </p:cSld>
@@ -21357,7 +21583,12 @@
             <p:ph type="title"/>
           </p:nvPr>
         </p:nvSpPr>
-        <p:spPr/>
+        <p:spPr>
+          <a:xfrm>
+            <a:off x="852958" y="-570714"/>
+            <a:ext cx="3932237" cy="1433464"/>
+          </a:xfrm>
+        </p:spPr>
         <p:txBody>
           <a:bodyPr/>
           <a:lstStyle/>
@@ -21394,6 +21625,315 @@
             <p:ph type="body" sz="half" idx="2"/>
           </p:nvPr>
         </p:nvSpPr>
+        <p:spPr>
+          <a:xfrm>
+            <a:off x="839788" y="950977"/>
+            <a:ext cx="3932237" cy="4919600"/>
+          </a:xfrm>
+        </p:spPr>
+        <p:txBody>
+          <a:bodyPr>
+            <a:normAutofit/>
+          </a:bodyPr>
+          <a:lstStyle/>
+          <a:p>
+            <a:pPr>
+              <a:lnSpc>
+                <a:spcPts val="1425"/>
+              </a:lnSpc>
+              <a:buNone/>
+            </a:pPr>
+            <a:r>
+              <a:rPr lang="en-US" b="0" dirty="0">
+                <a:solidFill>
+                  <a:srgbClr val="CCCCCC"/>
+                </a:solidFill>
+                <a:effectLst/>
+                <a:latin typeface="Consolas" panose="020B0609020204030204" pitchFamily="49" charset="0"/>
+              </a:rPr>
+              <a:t>VJEZBA - CAR</a:t>
+            </a:r>
+          </a:p>
+          <a:p>
+            <a:pPr>
+              <a:lnSpc>
+                <a:spcPts val="1425"/>
+              </a:lnSpc>
+              <a:buNone/>
+            </a:pPr>
+            <a:endParaRPr lang="en-US" dirty="0">
+              <a:solidFill>
+                <a:srgbClr val="CCCCCC"/>
+              </a:solidFill>
+              <a:latin typeface="Consolas" panose="020B0609020204030204" pitchFamily="49" charset="0"/>
+            </a:endParaRPr>
+          </a:p>
+          <a:p>
+            <a:pPr>
+              <a:lnSpc>
+                <a:spcPts val="1425"/>
+              </a:lnSpc>
+              <a:buNone/>
+            </a:pPr>
+            <a:r>
+              <a:rPr lang="hr-HR" b="0" dirty="0">
+                <a:solidFill>
+                  <a:srgbClr val="CCCCCC"/>
+                </a:solidFill>
+                <a:effectLst/>
+                <a:latin typeface="Consolas" panose="020B0609020204030204" pitchFamily="49" charset="0"/>
+              </a:rPr>
+              <a:t>https://docs.google.com/document/d/1Wm_Juh3Zco8099CAztcyOX-93peJBqIJYnSOThXc_gs/edit?usp=sharing</a:t>
+            </a:r>
+          </a:p>
+        </p:txBody>
+      </p:sp>
+    </p:spTree>
+    <p:extLst>
+      <p:ext uri="{BB962C8B-B14F-4D97-AF65-F5344CB8AC3E}">
+        <p14:creationId xmlns:p14="http://schemas.microsoft.com/office/powerpoint/2010/main" val="4076044860"/>
+      </p:ext>
+    </p:extLst>
+  </p:cSld>
+  <p:clrMapOvr>
+    <a:masterClrMapping/>
+  </p:clrMapOvr>
+</p:sld>
+</file>
+
+<file path=ppt/slides/slide34.xml><?xml version="1.0" encoding="utf-8"?>
+<p:sld xmlns:a="http://schemas.openxmlformats.org/drawingml/2006/main" xmlns:r="http://schemas.openxmlformats.org/officeDocument/2006/relationships" xmlns:p="http://schemas.openxmlformats.org/presentationml/2006/main">
+  <p:cSld>
+    <p:spTree>
+      <p:nvGrpSpPr>
+        <p:cNvPr id="1" name="">
+          <a:extLst>
+            <a:ext uri="{FF2B5EF4-FFF2-40B4-BE49-F238E27FC236}">
+              <a16:creationId xmlns:a16="http://schemas.microsoft.com/office/drawing/2014/main" id="{66730640-DF93-FBF6-A233-BE06B405F30C}"/>
+            </a:ext>
+          </a:extLst>
+        </p:cNvPr>
+        <p:cNvGrpSpPr/>
+        <p:nvPr/>
+      </p:nvGrpSpPr>
+      <p:grpSpPr>
+        <a:xfrm>
+          <a:off x="0" y="0"/>
+          <a:ext cx="0" cy="0"/>
+          <a:chOff x="0" y="0"/>
+          <a:chExt cx="0" cy="0"/>
+        </a:xfrm>
+      </p:grpSpPr>
+      <p:sp>
+        <p:nvSpPr>
+          <p:cNvPr id="2" name="Title 1">
+            <a:extLst>
+              <a:ext uri="{FF2B5EF4-FFF2-40B4-BE49-F238E27FC236}">
+                <a16:creationId xmlns:a16="http://schemas.microsoft.com/office/drawing/2014/main" id="{924660C2-BD1D-0C39-A810-139CDA916465}"/>
+              </a:ext>
+            </a:extLst>
+          </p:cNvPr>
+          <p:cNvSpPr>
+            <a:spLocks noGrp="1"/>
+          </p:cNvSpPr>
+          <p:nvPr>
+            <p:ph type="title"/>
+          </p:nvPr>
+        </p:nvSpPr>
+        <p:spPr>
+          <a:xfrm>
+            <a:off x="852958" y="-570714"/>
+            <a:ext cx="3932237" cy="1433464"/>
+          </a:xfrm>
+        </p:spPr>
+        <p:txBody>
+          <a:bodyPr/>
+          <a:lstStyle/>
+          <a:p>
+            <a:r>
+              <a:rPr lang="en-US" dirty="0"/>
+              <a:t>VJE</a:t>
+            </a:r>
+            <a:r>
+              <a:rPr lang="hr-HR" dirty="0"/>
+              <a:t>ž</a:t>
+            </a:r>
+            <a:r>
+              <a:rPr lang="en-US" dirty="0" err="1"/>
+              <a:t>ba</a:t>
+            </a:r>
+            <a:endParaRPr lang="hr-HR" dirty="0"/>
+          </a:p>
+        </p:txBody>
+      </p:sp>
+      <p:sp>
+        <p:nvSpPr>
+          <p:cNvPr id="6" name="Text Placeholder 5">
+            <a:extLst>
+              <a:ext uri="{FF2B5EF4-FFF2-40B4-BE49-F238E27FC236}">
+                <a16:creationId xmlns:a16="http://schemas.microsoft.com/office/drawing/2014/main" id="{082CFD4D-02B6-CA2D-0710-9FE372D4E3FC}"/>
+              </a:ext>
+            </a:extLst>
+          </p:cNvPr>
+          <p:cNvSpPr>
+            <a:spLocks noGrp="1"/>
+          </p:cNvSpPr>
+          <p:nvPr>
+            <p:ph type="body" sz="half" idx="2"/>
+          </p:nvPr>
+        </p:nvSpPr>
+        <p:spPr>
+          <a:xfrm>
+            <a:off x="839788" y="950977"/>
+            <a:ext cx="3932237" cy="4919600"/>
+          </a:xfrm>
+        </p:spPr>
+        <p:txBody>
+          <a:bodyPr>
+            <a:normAutofit/>
+          </a:bodyPr>
+          <a:lstStyle/>
+          <a:p>
+            <a:pPr>
+              <a:lnSpc>
+                <a:spcPts val="1425"/>
+              </a:lnSpc>
+              <a:buNone/>
+            </a:pPr>
+            <a:r>
+              <a:rPr lang="en-US" b="0" dirty="0">
+                <a:solidFill>
+                  <a:srgbClr val="CCCCCC"/>
+                </a:solidFill>
+                <a:effectLst/>
+                <a:latin typeface="Consolas" panose="020B0609020204030204" pitchFamily="49" charset="0"/>
+              </a:rPr>
+              <a:t>VJEZBA - CAR</a:t>
+            </a:r>
+          </a:p>
+          <a:p>
+            <a:pPr>
+              <a:lnSpc>
+                <a:spcPts val="1425"/>
+              </a:lnSpc>
+              <a:buNone/>
+            </a:pPr>
+            <a:endParaRPr lang="en-US" dirty="0">
+              <a:solidFill>
+                <a:srgbClr val="CCCCCC"/>
+              </a:solidFill>
+              <a:latin typeface="Consolas" panose="020B0609020204030204" pitchFamily="49" charset="0"/>
+            </a:endParaRPr>
+          </a:p>
+          <a:p>
+            <a:pPr>
+              <a:lnSpc>
+                <a:spcPts val="1425"/>
+              </a:lnSpc>
+              <a:buNone/>
+            </a:pPr>
+            <a:r>
+              <a:rPr lang="hr-HR" b="0" dirty="0">
+                <a:solidFill>
+                  <a:srgbClr val="CCCCCC"/>
+                </a:solidFill>
+                <a:effectLst/>
+                <a:latin typeface="Consolas" panose="020B0609020204030204" pitchFamily="49" charset="0"/>
+              </a:rPr>
+              <a:t>https://docs.google.com/document/d/1ST1o5wt0V1MHlCcKd9Y_aIfBeTxtWhEn6z8OwKQWaac/edit?usp=sharing</a:t>
+            </a:r>
+          </a:p>
+        </p:txBody>
+      </p:sp>
+    </p:spTree>
+    <p:extLst>
+      <p:ext uri="{BB962C8B-B14F-4D97-AF65-F5344CB8AC3E}">
+        <p14:creationId xmlns:p14="http://schemas.microsoft.com/office/powerpoint/2010/main" val="3002760023"/>
+      </p:ext>
+    </p:extLst>
+  </p:cSld>
+  <p:clrMapOvr>
+    <a:masterClrMapping/>
+  </p:clrMapOvr>
+</p:sld>
+</file>
+
+<file path=ppt/slides/slide35.xml><?xml version="1.0" encoding="utf-8"?>
+<p:sld xmlns:a="http://schemas.openxmlformats.org/drawingml/2006/main" xmlns:r="http://schemas.openxmlformats.org/officeDocument/2006/relationships" xmlns:p="http://schemas.openxmlformats.org/presentationml/2006/main">
+  <p:cSld>
+    <p:spTree>
+      <p:nvGrpSpPr>
+        <p:cNvPr id="1" name="">
+          <a:extLst>
+            <a:ext uri="{FF2B5EF4-FFF2-40B4-BE49-F238E27FC236}">
+              <a16:creationId xmlns:a16="http://schemas.microsoft.com/office/drawing/2014/main" id="{E891D7AD-C94A-22BA-D674-265B5095CB10}"/>
+            </a:ext>
+          </a:extLst>
+        </p:cNvPr>
+        <p:cNvGrpSpPr/>
+        <p:nvPr/>
+      </p:nvGrpSpPr>
+      <p:grpSpPr>
+        <a:xfrm>
+          <a:off x="0" y="0"/>
+          <a:ext cx="0" cy="0"/>
+          <a:chOff x="0" y="0"/>
+          <a:chExt cx="0" cy="0"/>
+        </a:xfrm>
+      </p:grpSpPr>
+      <p:sp>
+        <p:nvSpPr>
+          <p:cNvPr id="2" name="Title 1">
+            <a:extLst>
+              <a:ext uri="{FF2B5EF4-FFF2-40B4-BE49-F238E27FC236}">
+                <a16:creationId xmlns:a16="http://schemas.microsoft.com/office/drawing/2014/main" id="{068ADF2A-AB27-B6E6-621D-9C3398E95192}"/>
+              </a:ext>
+            </a:extLst>
+          </p:cNvPr>
+          <p:cNvSpPr>
+            <a:spLocks noGrp="1"/>
+          </p:cNvSpPr>
+          <p:nvPr>
+            <p:ph type="title"/>
+          </p:nvPr>
+        </p:nvSpPr>
+        <p:spPr/>
+        <p:txBody>
+          <a:bodyPr/>
+          <a:lstStyle/>
+          <a:p>
+            <a:r>
+              <a:rPr lang="en-US" dirty="0"/>
+              <a:t>VJE</a:t>
+            </a:r>
+            <a:r>
+              <a:rPr lang="hr-HR" dirty="0"/>
+              <a:t>ž</a:t>
+            </a:r>
+            <a:r>
+              <a:rPr lang="en-US" dirty="0" err="1"/>
+              <a:t>ba</a:t>
+            </a:r>
+            <a:endParaRPr lang="hr-HR" dirty="0"/>
+          </a:p>
+        </p:txBody>
+      </p:sp>
+      <p:sp>
+        <p:nvSpPr>
+          <p:cNvPr id="6" name="Text Placeholder 5">
+            <a:extLst>
+              <a:ext uri="{FF2B5EF4-FFF2-40B4-BE49-F238E27FC236}">
+                <a16:creationId xmlns:a16="http://schemas.microsoft.com/office/drawing/2014/main" id="{9CEE69A7-B5A6-7956-DC00-2E7686FC3A5F}"/>
+              </a:ext>
+            </a:extLst>
+          </p:cNvPr>
+          <p:cNvSpPr>
+            <a:spLocks noGrp="1"/>
+          </p:cNvSpPr>
+          <p:nvPr>
+            <p:ph type="body" sz="half" idx="2"/>
+          </p:nvPr>
+        </p:nvSpPr>
         <p:spPr/>
         <p:txBody>
           <a:bodyPr>
@@ -21484,7 +22024,7 @@
             </a:r>
             <a:r>
               <a:rPr lang="en-US" dirty="0" err="1"/>
-              <a:t>Koristite</a:t>
+              <a:t>Koistite</a:t>
             </a:r>
             <a:r>
               <a:rPr lang="en-US" dirty="0"/>
@@ -21523,7 +22063,7 @@
           <p:cNvPr id="5" name="Picture 4">
             <a:extLst>
               <a:ext uri="{FF2B5EF4-FFF2-40B4-BE49-F238E27FC236}">
-                <a16:creationId xmlns:a16="http://schemas.microsoft.com/office/drawing/2014/main" id="{20CE3A11-D5A1-A1AD-0181-B85EAEC37D82}"/>
+                <a16:creationId xmlns:a16="http://schemas.microsoft.com/office/drawing/2014/main" id="{1527BD5C-DC6B-C4A3-1190-1762288B57A8}"/>
               </a:ext>
             </a:extLst>
           </p:cNvPr>
@@ -21551,7 +22091,7 @@
     </p:spTree>
     <p:extLst>
       <p:ext uri="{BB962C8B-B14F-4D97-AF65-F5344CB8AC3E}">
-        <p14:creationId xmlns:p14="http://schemas.microsoft.com/office/powerpoint/2010/main" val="4076044860"/>
+        <p14:creationId xmlns:p14="http://schemas.microsoft.com/office/powerpoint/2010/main" val="4165228628"/>
       </p:ext>
     </p:extLst>
   </p:cSld>
